--- a/presentation/Test.pptx
+++ b/presentation/Test.pptx
@@ -5,10 +5,11 @@
     <p:sldMasterId id="2147483648" r:id="rId1"/>
   </p:sldMasterIdLst>
   <p:notesMasterIdLst>
-    <p:notesMasterId r:id="rId3"/>
+    <p:notesMasterId r:id="rId4"/>
   </p:notesMasterIdLst>
   <p:sldIdLst>
     <p:sldId id="256" r:id="rId2"/>
+    <p:sldId id="257" r:id="rId3"/>
   </p:sldIdLst>
   <p:sldSz cx="9144000" cy="6858000" type="screen4x3"/>
   <p:notesSz cx="6858000" cy="9144000"/>
@@ -192,6 +193,7 @@
           <a:p>
             <a:fld id="{9DE2D76F-6026-4EEA-8175-1DA3F2774ED6}" type="datetimeFigureOut">
               <a:rPr lang="de-CH" smtClean="0"/>
+              <a:pPr/>
               <a:t>13.12.2014</a:t>
             </a:fld>
             <a:endParaRPr lang="de-CH"/>
@@ -353,6 +355,7 @@
           <a:p>
             <a:fld id="{58654A3D-C737-4BEA-88C0-1DAB192ED2AD}" type="slidenum">
               <a:rPr lang="de-CH" smtClean="0"/>
+              <a:pPr/>
               <a:t>‹Nr.›</a:t>
             </a:fld>
             <a:endParaRPr lang="de-CH"/>
@@ -524,7 +527,90 @@
           <a:p>
             <a:fld id="{58654A3D-C737-4BEA-88C0-1DAB192ED2AD}" type="slidenum">
               <a:rPr lang="de-CH" smtClean="0"/>
+              <a:pPr/>
               <a:t>1</a:t>
+            </a:fld>
+            <a:endParaRPr lang="de-CH"/>
+          </a:p>
+        </p:txBody>
+      </p:sp>
+    </p:spTree>
+  </p:cSld>
+  <p:clrMapOvr>
+    <a:masterClrMapping/>
+  </p:clrMapOvr>
+</p:notes>
+</file>
+
+<file path=ppt/notesSlides/notesSlide2.xml><?xml version="1.0" encoding="utf-8"?>
+<p:notes xmlns:a="http://schemas.openxmlformats.org/drawingml/2006/main" xmlns:r="http://schemas.openxmlformats.org/officeDocument/2006/relationships" xmlns:p="http://schemas.openxmlformats.org/presentationml/2006/main">
+  <p:cSld>
+    <p:spTree>
+      <p:nvGrpSpPr>
+        <p:cNvPr id="1" name=""/>
+        <p:cNvGrpSpPr/>
+        <p:nvPr/>
+      </p:nvGrpSpPr>
+      <p:grpSpPr>
+        <a:xfrm>
+          <a:off x="0" y="0"/>
+          <a:ext cx="0" cy="0"/>
+          <a:chOff x="0" y="0"/>
+          <a:chExt cx="0" cy="0"/>
+        </a:xfrm>
+      </p:grpSpPr>
+      <p:sp>
+        <p:nvSpPr>
+          <p:cNvPr id="2" name="Folienbildplatzhalter 1"/>
+          <p:cNvSpPr>
+            <a:spLocks noGrp="1" noRot="1" noChangeAspect="1"/>
+          </p:cNvSpPr>
+          <p:nvPr>
+            <p:ph type="sldImg"/>
+          </p:nvPr>
+        </p:nvSpPr>
+        <p:spPr/>
+      </p:sp>
+      <p:sp>
+        <p:nvSpPr>
+          <p:cNvPr id="3" name="Notizenplatzhalter 2"/>
+          <p:cNvSpPr>
+            <a:spLocks noGrp="1"/>
+          </p:cNvSpPr>
+          <p:nvPr>
+            <p:ph type="body" idx="1"/>
+          </p:nvPr>
+        </p:nvSpPr>
+        <p:spPr/>
+        <p:txBody>
+          <a:bodyPr>
+            <a:normAutofit/>
+          </a:bodyPr>
+          <a:lstStyle/>
+          <a:p>
+            <a:endParaRPr lang="de-CH"/>
+          </a:p>
+        </p:txBody>
+      </p:sp>
+      <p:sp>
+        <p:nvSpPr>
+          <p:cNvPr id="4" name="Foliennummernplatzhalter 3"/>
+          <p:cNvSpPr>
+            <a:spLocks noGrp="1"/>
+          </p:cNvSpPr>
+          <p:nvPr>
+            <p:ph type="sldNum" sz="quarter" idx="10"/>
+          </p:nvPr>
+        </p:nvSpPr>
+        <p:spPr/>
+        <p:txBody>
+          <a:bodyPr/>
+          <a:lstStyle/>
+          <a:p>
+            <a:fld id="{58654A3D-C737-4BEA-88C0-1DAB192ED2AD}" type="slidenum">
+              <a:rPr lang="de-CH" smtClean="0"/>
+              <a:pPr/>
+              <a:t>2</a:t>
             </a:fld>
             <a:endParaRPr lang="de-CH"/>
           </a:p>
@@ -719,6 +805,7 @@
           <a:p>
             <a:fld id="{39077870-AC76-45C5-96DF-2BD0250DF6B2}" type="datetimeFigureOut">
               <a:rPr lang="de-CH" smtClean="0"/>
+              <a:pPr/>
               <a:t>13.12.2014</a:t>
             </a:fld>
             <a:endParaRPr lang="de-CH"/>
@@ -761,6 +848,7 @@
           <a:p>
             <a:fld id="{081783D4-C8A0-4BEC-98D7-3236C86E4958}" type="slidenum">
               <a:rPr lang="de-CH" smtClean="0"/>
+              <a:pPr/>
               <a:t>‹Nr.›</a:t>
             </a:fld>
             <a:endParaRPr lang="de-CH"/>
@@ -884,6 +972,7 @@
           <a:p>
             <a:fld id="{39077870-AC76-45C5-96DF-2BD0250DF6B2}" type="datetimeFigureOut">
               <a:rPr lang="de-CH" smtClean="0"/>
+              <a:pPr/>
               <a:t>13.12.2014</a:t>
             </a:fld>
             <a:endParaRPr lang="de-CH"/>
@@ -926,6 +1015,7 @@
           <a:p>
             <a:fld id="{081783D4-C8A0-4BEC-98D7-3236C86E4958}" type="slidenum">
               <a:rPr lang="de-CH" smtClean="0"/>
+              <a:pPr/>
               <a:t>‹Nr.›</a:t>
             </a:fld>
             <a:endParaRPr lang="de-CH"/>
@@ -1059,6 +1149,7 @@
           <a:p>
             <a:fld id="{39077870-AC76-45C5-96DF-2BD0250DF6B2}" type="datetimeFigureOut">
               <a:rPr lang="de-CH" smtClean="0"/>
+              <a:pPr/>
               <a:t>13.12.2014</a:t>
             </a:fld>
             <a:endParaRPr lang="de-CH"/>
@@ -1101,6 +1192,7 @@
           <a:p>
             <a:fld id="{081783D4-C8A0-4BEC-98D7-3236C86E4958}" type="slidenum">
               <a:rPr lang="de-CH" smtClean="0"/>
+              <a:pPr/>
               <a:t>‹Nr.›</a:t>
             </a:fld>
             <a:endParaRPr lang="de-CH"/>
@@ -1224,6 +1316,7 @@
           <a:p>
             <a:fld id="{39077870-AC76-45C5-96DF-2BD0250DF6B2}" type="datetimeFigureOut">
               <a:rPr lang="de-CH" smtClean="0"/>
+              <a:pPr/>
               <a:t>13.12.2014</a:t>
             </a:fld>
             <a:endParaRPr lang="de-CH"/>
@@ -1266,6 +1359,7 @@
           <a:p>
             <a:fld id="{081783D4-C8A0-4BEC-98D7-3236C86E4958}" type="slidenum">
               <a:rPr lang="de-CH" smtClean="0"/>
+              <a:pPr/>
               <a:t>‹Nr.›</a:t>
             </a:fld>
             <a:endParaRPr lang="de-CH"/>
@@ -1465,6 +1559,7 @@
           <a:p>
             <a:fld id="{39077870-AC76-45C5-96DF-2BD0250DF6B2}" type="datetimeFigureOut">
               <a:rPr lang="de-CH" smtClean="0"/>
+              <a:pPr/>
               <a:t>13.12.2014</a:t>
             </a:fld>
             <a:endParaRPr lang="de-CH"/>
@@ -1507,6 +1602,7 @@
           <a:p>
             <a:fld id="{081783D4-C8A0-4BEC-98D7-3236C86E4958}" type="slidenum">
               <a:rPr lang="de-CH" smtClean="0"/>
+              <a:pPr/>
               <a:t>‹Nr.›</a:t>
             </a:fld>
             <a:endParaRPr lang="de-CH"/>
@@ -1748,6 +1844,7 @@
           <a:p>
             <a:fld id="{39077870-AC76-45C5-96DF-2BD0250DF6B2}" type="datetimeFigureOut">
               <a:rPr lang="de-CH" smtClean="0"/>
+              <a:pPr/>
               <a:t>13.12.2014</a:t>
             </a:fld>
             <a:endParaRPr lang="de-CH"/>
@@ -1790,6 +1887,7 @@
           <a:p>
             <a:fld id="{081783D4-C8A0-4BEC-98D7-3236C86E4958}" type="slidenum">
               <a:rPr lang="de-CH" smtClean="0"/>
+              <a:pPr/>
               <a:t>‹Nr.›</a:t>
             </a:fld>
             <a:endParaRPr lang="de-CH"/>
@@ -2165,6 +2263,7 @@
           <a:p>
             <a:fld id="{39077870-AC76-45C5-96DF-2BD0250DF6B2}" type="datetimeFigureOut">
               <a:rPr lang="de-CH" smtClean="0"/>
+              <a:pPr/>
               <a:t>13.12.2014</a:t>
             </a:fld>
             <a:endParaRPr lang="de-CH"/>
@@ -2207,6 +2306,7 @@
           <a:p>
             <a:fld id="{081783D4-C8A0-4BEC-98D7-3236C86E4958}" type="slidenum">
               <a:rPr lang="de-CH" smtClean="0"/>
+              <a:pPr/>
               <a:t>‹Nr.›</a:t>
             </a:fld>
             <a:endParaRPr lang="de-CH"/>
@@ -2278,6 +2378,7 @@
           <a:p>
             <a:fld id="{39077870-AC76-45C5-96DF-2BD0250DF6B2}" type="datetimeFigureOut">
               <a:rPr lang="de-CH" smtClean="0"/>
+              <a:pPr/>
               <a:t>13.12.2014</a:t>
             </a:fld>
             <a:endParaRPr lang="de-CH"/>
@@ -2320,6 +2421,7 @@
           <a:p>
             <a:fld id="{081783D4-C8A0-4BEC-98D7-3236C86E4958}" type="slidenum">
               <a:rPr lang="de-CH" smtClean="0"/>
+              <a:pPr/>
               <a:t>‹Nr.›</a:t>
             </a:fld>
             <a:endParaRPr lang="de-CH"/>
@@ -2368,6 +2470,7 @@
           <a:p>
             <a:fld id="{39077870-AC76-45C5-96DF-2BD0250DF6B2}" type="datetimeFigureOut">
               <a:rPr lang="de-CH" smtClean="0"/>
+              <a:pPr/>
               <a:t>13.12.2014</a:t>
             </a:fld>
             <a:endParaRPr lang="de-CH"/>
@@ -2410,6 +2513,7 @@
           <a:p>
             <a:fld id="{081783D4-C8A0-4BEC-98D7-3236C86E4958}" type="slidenum">
               <a:rPr lang="de-CH" smtClean="0"/>
+              <a:pPr/>
               <a:t>‹Nr.›</a:t>
             </a:fld>
             <a:endParaRPr lang="de-CH"/>
@@ -2640,6 +2744,7 @@
           <a:p>
             <a:fld id="{39077870-AC76-45C5-96DF-2BD0250DF6B2}" type="datetimeFigureOut">
               <a:rPr lang="de-CH" smtClean="0"/>
+              <a:pPr/>
               <a:t>13.12.2014</a:t>
             </a:fld>
             <a:endParaRPr lang="de-CH"/>
@@ -2682,6 +2787,7 @@
           <a:p>
             <a:fld id="{081783D4-C8A0-4BEC-98D7-3236C86E4958}" type="slidenum">
               <a:rPr lang="de-CH" smtClean="0"/>
+              <a:pPr/>
               <a:t>‹Nr.›</a:t>
             </a:fld>
             <a:endParaRPr lang="de-CH"/>
@@ -2888,6 +2994,7 @@
           <a:p>
             <a:fld id="{39077870-AC76-45C5-96DF-2BD0250DF6B2}" type="datetimeFigureOut">
               <a:rPr lang="de-CH" smtClean="0"/>
+              <a:pPr/>
               <a:t>13.12.2014</a:t>
             </a:fld>
             <a:endParaRPr lang="de-CH"/>
@@ -2930,6 +3037,7 @@
           <a:p>
             <a:fld id="{081783D4-C8A0-4BEC-98D7-3236C86E4958}" type="slidenum">
               <a:rPr lang="de-CH" smtClean="0"/>
+              <a:pPr/>
               <a:t>‹Nr.›</a:t>
             </a:fld>
             <a:endParaRPr lang="de-CH"/>
@@ -3096,6 +3204,7 @@
           <a:p>
             <a:fld id="{39077870-AC76-45C5-96DF-2BD0250DF6B2}" type="datetimeFigureOut">
               <a:rPr lang="de-CH" smtClean="0"/>
+              <a:pPr/>
               <a:t>13.12.2014</a:t>
             </a:fld>
             <a:endParaRPr lang="de-CH"/>
@@ -3174,6 +3283,7 @@
           <a:p>
             <a:fld id="{081783D4-C8A0-4BEC-98D7-3236C86E4958}" type="slidenum">
               <a:rPr lang="de-CH" smtClean="0"/>
+              <a:pPr/>
               <a:t>‹Nr.›</a:t>
             </a:fld>
             <a:endParaRPr lang="de-CH"/>
@@ -3478,14 +3588,16 @@
         </p:nvSpPr>
         <p:spPr/>
         <p:txBody>
-          <a:bodyPr/>
-          <a:lstStyle/>
-          <a:p>
-            <a:r>
-              <a:rPr lang="de-CH" smtClean="0"/>
+          <a:bodyPr>
+            <a:normAutofit/>
+          </a:bodyPr>
+          <a:lstStyle/>
+          <a:p>
+            <a:r>
+              <a:rPr lang="de-CH" dirty="0" smtClean="0"/>
               <a:t>Test</a:t>
             </a:r>
-            <a:endParaRPr lang="de-CH"/>
+            <a:endParaRPr lang="de-CH" dirty="0"/>
           </a:p>
         </p:txBody>
       </p:sp>
@@ -3504,7 +3616,217 @@
           <a:bodyPr/>
           <a:lstStyle/>
           <a:p>
-            <a:endParaRPr lang="de-CH"/>
+            <a:endParaRPr lang="de-CH" dirty="0"/>
+          </a:p>
+        </p:txBody>
+      </p:sp>
+    </p:spTree>
+  </p:cSld>
+  <p:clrMapOvr>
+    <a:masterClrMapping/>
+  </p:clrMapOvr>
+</p:sld>
+</file>
+
+<file path=ppt/slides/slide2.xml><?xml version="1.0" encoding="utf-8"?>
+<p:sld xmlns:a="http://schemas.openxmlformats.org/drawingml/2006/main" xmlns:r="http://schemas.openxmlformats.org/officeDocument/2006/relationships" xmlns:p="http://schemas.openxmlformats.org/presentationml/2006/main">
+  <p:cSld>
+    <p:spTree>
+      <p:nvGrpSpPr>
+        <p:cNvPr id="1" name=""/>
+        <p:cNvGrpSpPr/>
+        <p:nvPr/>
+      </p:nvGrpSpPr>
+      <p:grpSpPr>
+        <a:xfrm>
+          <a:off x="0" y="0"/>
+          <a:ext cx="0" cy="0"/>
+          <a:chOff x="0" y="0"/>
+          <a:chExt cx="0" cy="0"/>
+        </a:xfrm>
+      </p:grpSpPr>
+      <p:sp>
+        <p:nvSpPr>
+          <p:cNvPr id="2" name="Titel 1"/>
+          <p:cNvSpPr>
+            <a:spLocks noGrp="1"/>
+          </p:cNvSpPr>
+          <p:nvPr>
+            <p:ph type="title"/>
+          </p:nvPr>
+        </p:nvSpPr>
+        <p:spPr/>
+        <p:txBody>
+          <a:bodyPr>
+            <a:normAutofit fontScale="90000"/>
+          </a:bodyPr>
+          <a:lstStyle/>
+          <a:p>
+            <a:r>
+              <a:rPr lang="en-US" dirty="0" smtClean="0"/>
+              <a:t>General structure of the talk </a:t>
+            </a:r>
+            <a:br>
+              <a:rPr lang="en-US" dirty="0" smtClean="0"/>
+            </a:br>
+            <a:endParaRPr lang="de-CH" dirty="0"/>
+          </a:p>
+        </p:txBody>
+      </p:sp>
+      <p:sp>
+        <p:nvSpPr>
+          <p:cNvPr id="3" name="Inhaltsplatzhalter 2"/>
+          <p:cNvSpPr>
+            <a:spLocks noGrp="1"/>
+          </p:cNvSpPr>
+          <p:nvPr>
+            <p:ph idx="1"/>
+          </p:nvPr>
+        </p:nvSpPr>
+        <p:spPr/>
+        <p:txBody>
+          <a:bodyPr>
+            <a:normAutofit fontScale="25000" lnSpcReduction="20000"/>
+          </a:bodyPr>
+          <a:lstStyle/>
+          <a:p>
+            <a:r>
+              <a:rPr lang="en-US" sz="7400" b="1" dirty="0" smtClean="0"/>
+              <a:t>1. Start </a:t>
+            </a:r>
+            <a:r>
+              <a:rPr lang="en-US" sz="7400" b="1" dirty="0" smtClean="0"/>
+              <a:t>with a general motivation or story. </a:t>
+            </a:r>
+          </a:p>
+          <a:p>
+            <a:pPr lvl="1"/>
+            <a:r>
+              <a:rPr lang="en-US" sz="7000" dirty="0" smtClean="0"/>
+              <a:t>Connect </a:t>
+            </a:r>
+            <a:r>
+              <a:rPr lang="en-US" sz="7000" dirty="0" smtClean="0"/>
+              <a:t>to the specific context of this talk. </a:t>
+            </a:r>
+          </a:p>
+          <a:p>
+            <a:r>
+              <a:rPr lang="en-US" sz="7400" b="1" dirty="0" smtClean="0"/>
+              <a:t>2.Introduction </a:t>
+            </a:r>
+            <a:endParaRPr lang="en-US" sz="7400" b="1" dirty="0" smtClean="0"/>
+          </a:p>
+          <a:p>
+            <a:pPr lvl="1"/>
+            <a:r>
+              <a:rPr lang="en-US" sz="7000" dirty="0" smtClean="0"/>
+              <a:t>Connect </a:t>
+            </a:r>
+            <a:r>
+              <a:rPr lang="en-US" sz="7000" dirty="0" smtClean="0"/>
+              <a:t>to past work in your field. </a:t>
+            </a:r>
+          </a:p>
+          <a:p>
+            <a:pPr lvl="1"/>
+            <a:r>
+              <a:rPr lang="en-US" sz="7000" dirty="0" smtClean="0"/>
+              <a:t>Explain </a:t>
+            </a:r>
+            <a:r>
+              <a:rPr lang="en-US" sz="7000" dirty="0" smtClean="0"/>
+              <a:t>what new insight you are adding. </a:t>
+            </a:r>
+          </a:p>
+          <a:p>
+            <a:r>
+              <a:rPr lang="en-US" sz="7400" b="1" dirty="0" smtClean="0"/>
+              <a:t>3.Results </a:t>
+            </a:r>
+            <a:endParaRPr lang="en-US" sz="7400" b="1" dirty="0" smtClean="0"/>
+          </a:p>
+          <a:p>
+            <a:pPr lvl="1"/>
+            <a:r>
+              <a:rPr lang="en-US" sz="7000" dirty="0" smtClean="0"/>
+              <a:t>Approx</a:t>
+            </a:r>
+            <a:r>
+              <a:rPr lang="en-US" sz="7000" dirty="0" smtClean="0"/>
+              <a:t>. three main results is sufficient. </a:t>
+            </a:r>
+          </a:p>
+          <a:p>
+            <a:pPr lvl="1"/>
+            <a:r>
+              <a:rPr lang="en-US" sz="7000" dirty="0" smtClean="0"/>
+              <a:t>Time </a:t>
+            </a:r>
+            <a:r>
+              <a:rPr lang="en-US" sz="7000" dirty="0" smtClean="0"/>
+              <a:t>you spent presenting a result should not be </a:t>
+            </a:r>
+          </a:p>
+          <a:p>
+            <a:pPr lvl="1"/>
+            <a:r>
+              <a:rPr lang="en-US" sz="7000" dirty="0" smtClean="0"/>
+              <a:t>proportional to time spent working on it! </a:t>
+            </a:r>
+          </a:p>
+          <a:p>
+            <a:r>
+              <a:rPr lang="en-US" sz="7400" b="1" dirty="0" smtClean="0"/>
+              <a:t>4.Conclusion </a:t>
+            </a:r>
+            <a:endParaRPr lang="en-US" sz="7400" b="1" dirty="0" smtClean="0"/>
+          </a:p>
+          <a:p>
+            <a:pPr lvl="1"/>
+            <a:r>
+              <a:rPr lang="en-US" sz="7000" dirty="0" smtClean="0"/>
+              <a:t>Recap </a:t>
+            </a:r>
+            <a:r>
+              <a:rPr lang="en-US" sz="7000" dirty="0" smtClean="0"/>
+              <a:t>main points made. </a:t>
+            </a:r>
+          </a:p>
+          <a:p>
+            <a:pPr lvl="1"/>
+            <a:r>
+              <a:rPr lang="en-US" sz="7000" dirty="0" smtClean="0"/>
+              <a:t>Emphasize </a:t>
+            </a:r>
+            <a:r>
+              <a:rPr lang="en-US" sz="7000" dirty="0" smtClean="0"/>
+              <a:t>the “take-home” message. </a:t>
+            </a:r>
+          </a:p>
+          <a:p>
+            <a:pPr lvl="1"/>
+            <a:r>
+              <a:rPr lang="en-US" sz="7000" dirty="0" smtClean="0"/>
+              <a:t>Echo </a:t>
+            </a:r>
+            <a:r>
+              <a:rPr lang="en-US" sz="7000" dirty="0" smtClean="0"/>
+              <a:t>of introduction as a conclusion can create </a:t>
+            </a:r>
+          </a:p>
+          <a:p>
+            <a:pPr lvl="1"/>
+            <a:r>
+              <a:rPr lang="en-US" sz="7000" dirty="0" smtClean="0"/>
+              <a:t>closure. </a:t>
+            </a:r>
+          </a:p>
+          <a:p>
+            <a:endParaRPr lang="en-US" sz="7400" dirty="0" smtClean="0"/>
+          </a:p>
+          <a:p>
+            <a:endParaRPr lang="de-CH" dirty="0"/>
           </a:p>
         </p:txBody>
       </p:sp>

--- a/presentation/Test.pptx
+++ b/presentation/Test.pptx
@@ -5,11 +5,16 @@
     <p:sldMasterId id="2147483648" r:id="rId1"/>
   </p:sldMasterIdLst>
   <p:notesMasterIdLst>
-    <p:notesMasterId r:id="rId4"/>
+    <p:notesMasterId r:id="rId9"/>
   </p:notesMasterIdLst>
   <p:sldIdLst>
     <p:sldId id="256" r:id="rId2"/>
     <p:sldId id="257" r:id="rId3"/>
+    <p:sldId id="258" r:id="rId4"/>
+    <p:sldId id="259" r:id="rId5"/>
+    <p:sldId id="260" r:id="rId6"/>
+    <p:sldId id="261" r:id="rId7"/>
+    <p:sldId id="262" r:id="rId8"/>
   </p:sldIdLst>
   <p:sldSz cx="9144000" cy="6858000" type="screen4x3"/>
   <p:notesSz cx="6858000" cy="9144000"/>
@@ -611,6 +616,416 @@
               <a:rPr lang="de-CH" smtClean="0"/>
               <a:pPr/>
               <a:t>2</a:t>
+            </a:fld>
+            <a:endParaRPr lang="de-CH"/>
+          </a:p>
+        </p:txBody>
+      </p:sp>
+    </p:spTree>
+  </p:cSld>
+  <p:clrMapOvr>
+    <a:masterClrMapping/>
+  </p:clrMapOvr>
+</p:notes>
+</file>
+
+<file path=ppt/notesSlides/notesSlide3.xml><?xml version="1.0" encoding="utf-8"?>
+<p:notes xmlns:a="http://schemas.openxmlformats.org/drawingml/2006/main" xmlns:r="http://schemas.openxmlformats.org/officeDocument/2006/relationships" xmlns:p="http://schemas.openxmlformats.org/presentationml/2006/main">
+  <p:cSld>
+    <p:spTree>
+      <p:nvGrpSpPr>
+        <p:cNvPr id="1" name=""/>
+        <p:cNvGrpSpPr/>
+        <p:nvPr/>
+      </p:nvGrpSpPr>
+      <p:grpSpPr>
+        <a:xfrm>
+          <a:off x="0" y="0"/>
+          <a:ext cx="0" cy="0"/>
+          <a:chOff x="0" y="0"/>
+          <a:chExt cx="0" cy="0"/>
+        </a:xfrm>
+      </p:grpSpPr>
+      <p:sp>
+        <p:nvSpPr>
+          <p:cNvPr id="2" name="Folienbildplatzhalter 1"/>
+          <p:cNvSpPr>
+            <a:spLocks noGrp="1" noRot="1" noChangeAspect="1"/>
+          </p:cNvSpPr>
+          <p:nvPr>
+            <p:ph type="sldImg"/>
+          </p:nvPr>
+        </p:nvSpPr>
+        <p:spPr/>
+      </p:sp>
+      <p:sp>
+        <p:nvSpPr>
+          <p:cNvPr id="3" name="Notizenplatzhalter 2"/>
+          <p:cNvSpPr>
+            <a:spLocks noGrp="1"/>
+          </p:cNvSpPr>
+          <p:nvPr>
+            <p:ph type="body" idx="1"/>
+          </p:nvPr>
+        </p:nvSpPr>
+        <p:spPr/>
+        <p:txBody>
+          <a:bodyPr>
+            <a:normAutofit/>
+          </a:bodyPr>
+          <a:lstStyle/>
+          <a:p>
+            <a:endParaRPr lang="de-CH"/>
+          </a:p>
+        </p:txBody>
+      </p:sp>
+      <p:sp>
+        <p:nvSpPr>
+          <p:cNvPr id="4" name="Foliennummernplatzhalter 3"/>
+          <p:cNvSpPr>
+            <a:spLocks noGrp="1"/>
+          </p:cNvSpPr>
+          <p:nvPr>
+            <p:ph type="sldNum" sz="quarter" idx="10"/>
+          </p:nvPr>
+        </p:nvSpPr>
+        <p:spPr/>
+        <p:txBody>
+          <a:bodyPr/>
+          <a:lstStyle/>
+          <a:p>
+            <a:fld id="{58654A3D-C737-4BEA-88C0-1DAB192ED2AD}" type="slidenum">
+              <a:rPr lang="de-CH" smtClean="0"/>
+              <a:pPr/>
+              <a:t>3</a:t>
+            </a:fld>
+            <a:endParaRPr lang="de-CH"/>
+          </a:p>
+        </p:txBody>
+      </p:sp>
+    </p:spTree>
+  </p:cSld>
+  <p:clrMapOvr>
+    <a:masterClrMapping/>
+  </p:clrMapOvr>
+</p:notes>
+</file>
+
+<file path=ppt/notesSlides/notesSlide4.xml><?xml version="1.0" encoding="utf-8"?>
+<p:notes xmlns:a="http://schemas.openxmlformats.org/drawingml/2006/main" xmlns:r="http://schemas.openxmlformats.org/officeDocument/2006/relationships" xmlns:p="http://schemas.openxmlformats.org/presentationml/2006/main">
+  <p:cSld>
+    <p:spTree>
+      <p:nvGrpSpPr>
+        <p:cNvPr id="1" name=""/>
+        <p:cNvGrpSpPr/>
+        <p:nvPr/>
+      </p:nvGrpSpPr>
+      <p:grpSpPr>
+        <a:xfrm>
+          <a:off x="0" y="0"/>
+          <a:ext cx="0" cy="0"/>
+          <a:chOff x="0" y="0"/>
+          <a:chExt cx="0" cy="0"/>
+        </a:xfrm>
+      </p:grpSpPr>
+      <p:sp>
+        <p:nvSpPr>
+          <p:cNvPr id="2" name="Folienbildplatzhalter 1"/>
+          <p:cNvSpPr>
+            <a:spLocks noGrp="1" noRot="1" noChangeAspect="1"/>
+          </p:cNvSpPr>
+          <p:nvPr>
+            <p:ph type="sldImg"/>
+          </p:nvPr>
+        </p:nvSpPr>
+        <p:spPr/>
+      </p:sp>
+      <p:sp>
+        <p:nvSpPr>
+          <p:cNvPr id="3" name="Notizenplatzhalter 2"/>
+          <p:cNvSpPr>
+            <a:spLocks noGrp="1"/>
+          </p:cNvSpPr>
+          <p:nvPr>
+            <p:ph type="body" idx="1"/>
+          </p:nvPr>
+        </p:nvSpPr>
+        <p:spPr/>
+        <p:txBody>
+          <a:bodyPr>
+            <a:normAutofit/>
+          </a:bodyPr>
+          <a:lstStyle/>
+          <a:p>
+            <a:endParaRPr lang="de-CH"/>
+          </a:p>
+        </p:txBody>
+      </p:sp>
+      <p:sp>
+        <p:nvSpPr>
+          <p:cNvPr id="4" name="Foliennummernplatzhalter 3"/>
+          <p:cNvSpPr>
+            <a:spLocks noGrp="1"/>
+          </p:cNvSpPr>
+          <p:nvPr>
+            <p:ph type="sldNum" sz="quarter" idx="10"/>
+          </p:nvPr>
+        </p:nvSpPr>
+        <p:spPr/>
+        <p:txBody>
+          <a:bodyPr/>
+          <a:lstStyle/>
+          <a:p>
+            <a:fld id="{58654A3D-C737-4BEA-88C0-1DAB192ED2AD}" type="slidenum">
+              <a:rPr lang="de-CH" smtClean="0"/>
+              <a:pPr/>
+              <a:t>4</a:t>
+            </a:fld>
+            <a:endParaRPr lang="de-CH"/>
+          </a:p>
+        </p:txBody>
+      </p:sp>
+    </p:spTree>
+  </p:cSld>
+  <p:clrMapOvr>
+    <a:masterClrMapping/>
+  </p:clrMapOvr>
+</p:notes>
+</file>
+
+<file path=ppt/notesSlides/notesSlide5.xml><?xml version="1.0" encoding="utf-8"?>
+<p:notes xmlns:a="http://schemas.openxmlformats.org/drawingml/2006/main" xmlns:r="http://schemas.openxmlformats.org/officeDocument/2006/relationships" xmlns:p="http://schemas.openxmlformats.org/presentationml/2006/main">
+  <p:cSld>
+    <p:spTree>
+      <p:nvGrpSpPr>
+        <p:cNvPr id="1" name=""/>
+        <p:cNvGrpSpPr/>
+        <p:nvPr/>
+      </p:nvGrpSpPr>
+      <p:grpSpPr>
+        <a:xfrm>
+          <a:off x="0" y="0"/>
+          <a:ext cx="0" cy="0"/>
+          <a:chOff x="0" y="0"/>
+          <a:chExt cx="0" cy="0"/>
+        </a:xfrm>
+      </p:grpSpPr>
+      <p:sp>
+        <p:nvSpPr>
+          <p:cNvPr id="2" name="Folienbildplatzhalter 1"/>
+          <p:cNvSpPr>
+            <a:spLocks noGrp="1" noRot="1" noChangeAspect="1"/>
+          </p:cNvSpPr>
+          <p:nvPr>
+            <p:ph type="sldImg"/>
+          </p:nvPr>
+        </p:nvSpPr>
+        <p:spPr/>
+      </p:sp>
+      <p:sp>
+        <p:nvSpPr>
+          <p:cNvPr id="3" name="Notizenplatzhalter 2"/>
+          <p:cNvSpPr>
+            <a:spLocks noGrp="1"/>
+          </p:cNvSpPr>
+          <p:nvPr>
+            <p:ph type="body" idx="1"/>
+          </p:nvPr>
+        </p:nvSpPr>
+        <p:spPr/>
+        <p:txBody>
+          <a:bodyPr>
+            <a:normAutofit/>
+          </a:bodyPr>
+          <a:lstStyle/>
+          <a:p>
+            <a:endParaRPr lang="de-CH"/>
+          </a:p>
+        </p:txBody>
+      </p:sp>
+      <p:sp>
+        <p:nvSpPr>
+          <p:cNvPr id="4" name="Foliennummernplatzhalter 3"/>
+          <p:cNvSpPr>
+            <a:spLocks noGrp="1"/>
+          </p:cNvSpPr>
+          <p:nvPr>
+            <p:ph type="sldNum" sz="quarter" idx="10"/>
+          </p:nvPr>
+        </p:nvSpPr>
+        <p:spPr/>
+        <p:txBody>
+          <a:bodyPr/>
+          <a:lstStyle/>
+          <a:p>
+            <a:fld id="{58654A3D-C737-4BEA-88C0-1DAB192ED2AD}" type="slidenum">
+              <a:rPr lang="de-CH" smtClean="0"/>
+              <a:pPr/>
+              <a:t>5</a:t>
+            </a:fld>
+            <a:endParaRPr lang="de-CH"/>
+          </a:p>
+        </p:txBody>
+      </p:sp>
+    </p:spTree>
+  </p:cSld>
+  <p:clrMapOvr>
+    <a:masterClrMapping/>
+  </p:clrMapOvr>
+</p:notes>
+</file>
+
+<file path=ppt/notesSlides/notesSlide6.xml><?xml version="1.0" encoding="utf-8"?>
+<p:notes xmlns:a="http://schemas.openxmlformats.org/drawingml/2006/main" xmlns:r="http://schemas.openxmlformats.org/officeDocument/2006/relationships" xmlns:p="http://schemas.openxmlformats.org/presentationml/2006/main">
+  <p:cSld>
+    <p:spTree>
+      <p:nvGrpSpPr>
+        <p:cNvPr id="1" name=""/>
+        <p:cNvGrpSpPr/>
+        <p:nvPr/>
+      </p:nvGrpSpPr>
+      <p:grpSpPr>
+        <a:xfrm>
+          <a:off x="0" y="0"/>
+          <a:ext cx="0" cy="0"/>
+          <a:chOff x="0" y="0"/>
+          <a:chExt cx="0" cy="0"/>
+        </a:xfrm>
+      </p:grpSpPr>
+      <p:sp>
+        <p:nvSpPr>
+          <p:cNvPr id="2" name="Folienbildplatzhalter 1"/>
+          <p:cNvSpPr>
+            <a:spLocks noGrp="1" noRot="1" noChangeAspect="1"/>
+          </p:cNvSpPr>
+          <p:nvPr>
+            <p:ph type="sldImg"/>
+          </p:nvPr>
+        </p:nvSpPr>
+        <p:spPr/>
+      </p:sp>
+      <p:sp>
+        <p:nvSpPr>
+          <p:cNvPr id="3" name="Notizenplatzhalter 2"/>
+          <p:cNvSpPr>
+            <a:spLocks noGrp="1"/>
+          </p:cNvSpPr>
+          <p:nvPr>
+            <p:ph type="body" idx="1"/>
+          </p:nvPr>
+        </p:nvSpPr>
+        <p:spPr/>
+        <p:txBody>
+          <a:bodyPr>
+            <a:normAutofit/>
+          </a:bodyPr>
+          <a:lstStyle/>
+          <a:p>
+            <a:endParaRPr lang="de-CH"/>
+          </a:p>
+        </p:txBody>
+      </p:sp>
+      <p:sp>
+        <p:nvSpPr>
+          <p:cNvPr id="4" name="Foliennummernplatzhalter 3"/>
+          <p:cNvSpPr>
+            <a:spLocks noGrp="1"/>
+          </p:cNvSpPr>
+          <p:nvPr>
+            <p:ph type="sldNum" sz="quarter" idx="10"/>
+          </p:nvPr>
+        </p:nvSpPr>
+        <p:spPr/>
+        <p:txBody>
+          <a:bodyPr/>
+          <a:lstStyle/>
+          <a:p>
+            <a:fld id="{58654A3D-C737-4BEA-88C0-1DAB192ED2AD}" type="slidenum">
+              <a:rPr lang="de-CH" smtClean="0"/>
+              <a:pPr/>
+              <a:t>6</a:t>
+            </a:fld>
+            <a:endParaRPr lang="de-CH"/>
+          </a:p>
+        </p:txBody>
+      </p:sp>
+    </p:spTree>
+  </p:cSld>
+  <p:clrMapOvr>
+    <a:masterClrMapping/>
+  </p:clrMapOvr>
+</p:notes>
+</file>
+
+<file path=ppt/notesSlides/notesSlide7.xml><?xml version="1.0" encoding="utf-8"?>
+<p:notes xmlns:a="http://schemas.openxmlformats.org/drawingml/2006/main" xmlns:r="http://schemas.openxmlformats.org/officeDocument/2006/relationships" xmlns:p="http://schemas.openxmlformats.org/presentationml/2006/main">
+  <p:cSld>
+    <p:spTree>
+      <p:nvGrpSpPr>
+        <p:cNvPr id="1" name=""/>
+        <p:cNvGrpSpPr/>
+        <p:nvPr/>
+      </p:nvGrpSpPr>
+      <p:grpSpPr>
+        <a:xfrm>
+          <a:off x="0" y="0"/>
+          <a:ext cx="0" cy="0"/>
+          <a:chOff x="0" y="0"/>
+          <a:chExt cx="0" cy="0"/>
+        </a:xfrm>
+      </p:grpSpPr>
+      <p:sp>
+        <p:nvSpPr>
+          <p:cNvPr id="2" name="Folienbildplatzhalter 1"/>
+          <p:cNvSpPr>
+            <a:spLocks noGrp="1" noRot="1" noChangeAspect="1"/>
+          </p:cNvSpPr>
+          <p:nvPr>
+            <p:ph type="sldImg"/>
+          </p:nvPr>
+        </p:nvSpPr>
+        <p:spPr/>
+      </p:sp>
+      <p:sp>
+        <p:nvSpPr>
+          <p:cNvPr id="3" name="Notizenplatzhalter 2"/>
+          <p:cNvSpPr>
+            <a:spLocks noGrp="1"/>
+          </p:cNvSpPr>
+          <p:nvPr>
+            <p:ph type="body" idx="1"/>
+          </p:nvPr>
+        </p:nvSpPr>
+        <p:spPr/>
+        <p:txBody>
+          <a:bodyPr>
+            <a:normAutofit/>
+          </a:bodyPr>
+          <a:lstStyle/>
+          <a:p>
+            <a:endParaRPr lang="de-CH"/>
+          </a:p>
+        </p:txBody>
+      </p:sp>
+      <p:sp>
+        <p:nvSpPr>
+          <p:cNvPr id="4" name="Foliennummernplatzhalter 3"/>
+          <p:cNvSpPr>
+            <a:spLocks noGrp="1"/>
+          </p:cNvSpPr>
+          <p:nvPr>
+            <p:ph type="sldNum" sz="quarter" idx="10"/>
+          </p:nvPr>
+        </p:nvSpPr>
+        <p:spPr/>
+        <p:txBody>
+          <a:bodyPr/>
+          <a:lstStyle/>
+          <a:p>
+            <a:fld id="{58654A3D-C737-4BEA-88C0-1DAB192ED2AD}" type="slidenum">
+              <a:rPr lang="de-CH" smtClean="0"/>
+              <a:pPr/>
+              <a:t>7</a:t>
             </a:fld>
             <a:endParaRPr lang="de-CH"/>
           </a:p>
@@ -3594,8 +4009,16 @@
           <a:lstStyle/>
           <a:p>
             <a:r>
+              <a:rPr lang="de-CH" dirty="0" err="1" smtClean="0"/>
+              <a:t>Structure</a:t>
+            </a:r>
+            <a:r>
               <a:rPr lang="de-CH" dirty="0" smtClean="0"/>
-              <a:t>Test</a:t>
+              <a:t> </a:t>
+            </a:r>
+            <a:r>
+              <a:rPr lang="de-CH" smtClean="0"/>
+              <a:t>proposal</a:t>
             </a:r>
             <a:endParaRPr lang="de-CH" dirty="0"/>
           </a:p>
@@ -3692,22 +4115,14 @@
           <a:p>
             <a:r>
               <a:rPr lang="en-US" sz="7400" b="1" dirty="0" smtClean="0"/>
-              <a:t>1. Start </a:t>
-            </a:r>
-            <a:r>
-              <a:rPr lang="en-US" sz="7400" b="1" dirty="0" smtClean="0"/>
-              <a:t>with a general motivation or story. </a:t>
+              <a:t>1. Start with a general motivation or story. </a:t>
             </a:r>
           </a:p>
           <a:p>
             <a:pPr lvl="1"/>
             <a:r>
               <a:rPr lang="en-US" sz="7000" dirty="0" smtClean="0"/>
-              <a:t>Connect </a:t>
-            </a:r>
-            <a:r>
-              <a:rPr lang="en-US" sz="7000" dirty="0" smtClean="0"/>
-              <a:t>to the specific context of this talk. </a:t>
+              <a:t>Connect to the specific context of this talk. </a:t>
             </a:r>
           </a:p>
           <a:p>
@@ -3715,28 +4130,19 @@
               <a:rPr lang="en-US" sz="7400" b="1" dirty="0" smtClean="0"/>
               <a:t>2.Introduction </a:t>
             </a:r>
-            <a:endParaRPr lang="en-US" sz="7400" b="1" dirty="0" smtClean="0"/>
           </a:p>
           <a:p>
             <a:pPr lvl="1"/>
             <a:r>
               <a:rPr lang="en-US" sz="7000" dirty="0" smtClean="0"/>
-              <a:t>Connect </a:t>
-            </a:r>
+              <a:t>Connect to past work in your field. </a:t>
+            </a:r>
+          </a:p>
+          <a:p>
+            <a:pPr lvl="1"/>
             <a:r>
               <a:rPr lang="en-US" sz="7000" dirty="0" smtClean="0"/>
-              <a:t>to past work in your field. </a:t>
-            </a:r>
-          </a:p>
-          <a:p>
-            <a:pPr lvl="1"/>
-            <a:r>
-              <a:rPr lang="en-US" sz="7000" dirty="0" smtClean="0"/>
-              <a:t>Explain </a:t>
-            </a:r>
-            <a:r>
-              <a:rPr lang="en-US" sz="7000" dirty="0" smtClean="0"/>
-              <a:t>what new insight you are adding. </a:t>
+              <a:t>Explain what new insight you are adding. </a:t>
             </a:r>
           </a:p>
           <a:p>
@@ -3744,35 +4150,27 @@
               <a:rPr lang="en-US" sz="7400" b="1" dirty="0" smtClean="0"/>
               <a:t>3.Results </a:t>
             </a:r>
-            <a:endParaRPr lang="en-US" sz="7400" b="1" dirty="0" smtClean="0"/>
           </a:p>
           <a:p>
             <a:pPr lvl="1"/>
             <a:r>
               <a:rPr lang="en-US" sz="7000" dirty="0" smtClean="0"/>
-              <a:t>Approx</a:t>
-            </a:r>
+              <a:t>Approx. three main results is sufficient. </a:t>
+            </a:r>
+          </a:p>
+          <a:p>
+            <a:pPr lvl="1"/>
             <a:r>
               <a:rPr lang="en-US" sz="7000" dirty="0" smtClean="0"/>
-              <a:t>. three main results is sufficient. </a:t>
-            </a:r>
-          </a:p>
-          <a:p>
-            <a:pPr lvl="1"/>
+              <a:t>Time you spent presenting a result should not be </a:t>
+            </a:r>
             <a:r>
               <a:rPr lang="en-US" sz="7000" dirty="0" smtClean="0"/>
-              <a:t>Time </a:t>
+              <a:t>proportional </a:t>
             </a:r>
             <a:r>
               <a:rPr lang="en-US" sz="7000" dirty="0" smtClean="0"/>
-              <a:t>you spent presenting a result should not be </a:t>
-            </a:r>
-          </a:p>
-          <a:p>
-            <a:pPr lvl="1"/>
-            <a:r>
-              <a:rPr lang="en-US" sz="7000" dirty="0" smtClean="0"/>
-              <a:t>proportional to time spent working on it! </a:t>
+              <a:t>to time spent working on it! </a:t>
             </a:r>
           </a:p>
           <a:p>
@@ -3780,39 +4178,26 @@
               <a:rPr lang="en-US" sz="7400" b="1" dirty="0" smtClean="0"/>
               <a:t>4.Conclusion </a:t>
             </a:r>
-            <a:endParaRPr lang="en-US" sz="7400" b="1" dirty="0" smtClean="0"/>
           </a:p>
           <a:p>
             <a:pPr lvl="1"/>
             <a:r>
               <a:rPr lang="en-US" sz="7000" dirty="0" smtClean="0"/>
-              <a:t>Recap </a:t>
-            </a:r>
+              <a:t>Recap main points made. </a:t>
+            </a:r>
+          </a:p>
+          <a:p>
+            <a:pPr lvl="1"/>
             <a:r>
               <a:rPr lang="en-US" sz="7000" dirty="0" smtClean="0"/>
-              <a:t>main points made. </a:t>
+              <a:t>Emphasize the “take-home” message. </a:t>
             </a:r>
           </a:p>
           <a:p>
             <a:pPr lvl="1"/>
             <a:r>
               <a:rPr lang="en-US" sz="7000" dirty="0" smtClean="0"/>
-              <a:t>Emphasize </a:t>
-            </a:r>
-            <a:r>
-              <a:rPr lang="en-US" sz="7000" dirty="0" smtClean="0"/>
-              <a:t>the “take-home” message. </a:t>
-            </a:r>
-          </a:p>
-          <a:p>
-            <a:pPr lvl="1"/>
-            <a:r>
-              <a:rPr lang="en-US" sz="7000" dirty="0" smtClean="0"/>
-              <a:t>Echo </a:t>
-            </a:r>
-            <a:r>
-              <a:rPr lang="en-US" sz="7000" dirty="0" smtClean="0"/>
-              <a:t>of introduction as a conclusion can create </a:t>
+              <a:t>Echo of introduction as a conclusion can create </a:t>
             </a:r>
           </a:p>
           <a:p>
@@ -3824,6 +4209,725 @@
           </a:p>
           <a:p>
             <a:endParaRPr lang="en-US" sz="7400" dirty="0" smtClean="0"/>
+          </a:p>
+          <a:p>
+            <a:endParaRPr lang="de-CH" dirty="0"/>
+          </a:p>
+        </p:txBody>
+      </p:sp>
+    </p:spTree>
+  </p:cSld>
+  <p:clrMapOvr>
+    <a:masterClrMapping/>
+  </p:clrMapOvr>
+</p:sld>
+</file>
+
+<file path=ppt/slides/slide3.xml><?xml version="1.0" encoding="utf-8"?>
+<p:sld xmlns:a="http://schemas.openxmlformats.org/drawingml/2006/main" xmlns:r="http://schemas.openxmlformats.org/officeDocument/2006/relationships" xmlns:p="http://schemas.openxmlformats.org/presentationml/2006/main">
+  <p:cSld>
+    <p:spTree>
+      <p:nvGrpSpPr>
+        <p:cNvPr id="1" name=""/>
+        <p:cNvGrpSpPr/>
+        <p:nvPr/>
+      </p:nvGrpSpPr>
+      <p:grpSpPr>
+        <a:xfrm>
+          <a:off x="0" y="0"/>
+          <a:ext cx="0" cy="0"/>
+          <a:chOff x="0" y="0"/>
+          <a:chExt cx="0" cy="0"/>
+        </a:xfrm>
+      </p:grpSpPr>
+      <p:sp>
+        <p:nvSpPr>
+          <p:cNvPr id="2" name="Titel 1"/>
+          <p:cNvSpPr>
+            <a:spLocks noGrp="1"/>
+          </p:cNvSpPr>
+          <p:nvPr>
+            <p:ph type="title"/>
+          </p:nvPr>
+        </p:nvSpPr>
+        <p:spPr/>
+        <p:txBody>
+          <a:bodyPr/>
+          <a:lstStyle/>
+          <a:p>
+            <a:r>
+              <a:rPr lang="de-CH" dirty="0" smtClean="0"/>
+              <a:t>Vorschlag- Part 1</a:t>
+            </a:r>
+            <a:endParaRPr lang="de-CH" dirty="0"/>
+          </a:p>
+        </p:txBody>
+      </p:sp>
+      <p:sp>
+        <p:nvSpPr>
+          <p:cNvPr id="3" name="Inhaltsplatzhalter 2"/>
+          <p:cNvSpPr>
+            <a:spLocks noGrp="1"/>
+          </p:cNvSpPr>
+          <p:nvPr>
+            <p:ph idx="1"/>
+          </p:nvPr>
+        </p:nvSpPr>
+        <p:spPr/>
+        <p:txBody>
+          <a:bodyPr/>
+          <a:lstStyle/>
+          <a:p>
+            <a:r>
+              <a:rPr lang="de-CH" dirty="0" smtClean="0"/>
+              <a:t>Sache </a:t>
+            </a:r>
+            <a:r>
+              <a:rPr lang="de-CH" dirty="0" err="1" smtClean="0"/>
+              <a:t>usem</a:t>
+            </a:r>
+            <a:r>
+              <a:rPr lang="de-CH" dirty="0" smtClean="0"/>
+              <a:t> </a:t>
+            </a:r>
+            <a:r>
+              <a:rPr lang="de-CH" dirty="0" err="1" smtClean="0"/>
+              <a:t>proposal</a:t>
+            </a:r>
+            <a:r>
+              <a:rPr lang="de-CH" dirty="0" smtClean="0"/>
+              <a:t>, real </a:t>
+            </a:r>
+            <a:r>
+              <a:rPr lang="de-CH" dirty="0" err="1" smtClean="0"/>
+              <a:t>life</a:t>
+            </a:r>
+            <a:r>
+              <a:rPr lang="de-CH" dirty="0" smtClean="0"/>
+              <a:t> </a:t>
+            </a:r>
+            <a:r>
+              <a:rPr lang="de-CH" dirty="0" err="1" smtClean="0"/>
+              <a:t>connection</a:t>
+            </a:r>
+            <a:endParaRPr lang="de-CH" dirty="0" smtClean="0"/>
+          </a:p>
+          <a:p>
+            <a:r>
+              <a:rPr lang="de-CH" dirty="0" err="1" smtClean="0"/>
+              <a:t>Usw</a:t>
+            </a:r>
+            <a:endParaRPr lang="de-CH" dirty="0" smtClean="0"/>
+          </a:p>
+          <a:p>
+            <a:r>
+              <a:rPr lang="de-CH" dirty="0" err="1" smtClean="0"/>
+              <a:t>Swag</a:t>
+            </a:r>
+            <a:r>
+              <a:rPr lang="de-CH" dirty="0" smtClean="0"/>
+              <a:t> on</a:t>
+            </a:r>
+            <a:endParaRPr lang="de-CH" dirty="0"/>
+          </a:p>
+        </p:txBody>
+      </p:sp>
+    </p:spTree>
+  </p:cSld>
+  <p:clrMapOvr>
+    <a:masterClrMapping/>
+  </p:clrMapOvr>
+</p:sld>
+</file>
+
+<file path=ppt/slides/slide4.xml><?xml version="1.0" encoding="utf-8"?>
+<p:sld xmlns:a="http://schemas.openxmlformats.org/drawingml/2006/main" xmlns:r="http://schemas.openxmlformats.org/officeDocument/2006/relationships" xmlns:p="http://schemas.openxmlformats.org/presentationml/2006/main">
+  <p:cSld>
+    <p:spTree>
+      <p:nvGrpSpPr>
+        <p:cNvPr id="1" name=""/>
+        <p:cNvGrpSpPr/>
+        <p:nvPr/>
+      </p:nvGrpSpPr>
+      <p:grpSpPr>
+        <a:xfrm>
+          <a:off x="0" y="0"/>
+          <a:ext cx="0" cy="0"/>
+          <a:chOff x="0" y="0"/>
+          <a:chExt cx="0" cy="0"/>
+        </a:xfrm>
+      </p:grpSpPr>
+      <p:sp>
+        <p:nvSpPr>
+          <p:cNvPr id="2" name="Titel 1"/>
+          <p:cNvSpPr>
+            <a:spLocks noGrp="1"/>
+          </p:cNvSpPr>
+          <p:nvPr>
+            <p:ph type="title"/>
+          </p:nvPr>
+        </p:nvSpPr>
+        <p:spPr/>
+        <p:txBody>
+          <a:bodyPr/>
+          <a:lstStyle/>
+          <a:p>
+            <a:r>
+              <a:rPr lang="de-CH" dirty="0" smtClean="0"/>
+              <a:t>Vorschlag- Part 2</a:t>
+            </a:r>
+            <a:endParaRPr lang="de-CH" dirty="0"/>
+          </a:p>
+        </p:txBody>
+      </p:sp>
+      <p:sp>
+        <p:nvSpPr>
+          <p:cNvPr id="3" name="Inhaltsplatzhalter 2"/>
+          <p:cNvSpPr>
+            <a:spLocks noGrp="1"/>
+          </p:cNvSpPr>
+          <p:nvPr>
+            <p:ph idx="1"/>
+          </p:nvPr>
+        </p:nvSpPr>
+        <p:spPr/>
+        <p:txBody>
+          <a:bodyPr/>
+          <a:lstStyle/>
+          <a:p>
+            <a:r>
+              <a:rPr lang="de-CH" dirty="0" smtClean="0"/>
+              <a:t>Gravity model erkläre</a:t>
+            </a:r>
+          </a:p>
+          <a:p>
+            <a:r>
+              <a:rPr lang="de-CH" dirty="0" err="1" smtClean="0"/>
+              <a:t>Eusi</a:t>
+            </a:r>
+            <a:r>
+              <a:rPr lang="de-CH" dirty="0" smtClean="0"/>
+              <a:t> </a:t>
+            </a:r>
+            <a:r>
+              <a:rPr lang="de-CH" dirty="0" err="1" smtClean="0"/>
+              <a:t>idee</a:t>
+            </a:r>
+            <a:r>
+              <a:rPr lang="de-CH" dirty="0" smtClean="0"/>
+              <a:t> </a:t>
+            </a:r>
+            <a:r>
+              <a:rPr lang="de-CH" dirty="0" err="1" smtClean="0"/>
+              <a:t>met</a:t>
+            </a:r>
+            <a:r>
+              <a:rPr lang="de-CH" dirty="0" smtClean="0"/>
+              <a:t> de </a:t>
+            </a:r>
+            <a:r>
+              <a:rPr lang="de-CH" dirty="0" err="1" smtClean="0"/>
+              <a:t>removed</a:t>
+            </a:r>
+            <a:r>
+              <a:rPr lang="de-CH" dirty="0" smtClean="0"/>
+              <a:t> </a:t>
+            </a:r>
+            <a:r>
+              <a:rPr lang="de-CH" dirty="0" err="1" smtClean="0"/>
+              <a:t>connection</a:t>
+            </a:r>
+            <a:r>
+              <a:rPr lang="de-CH" dirty="0" smtClean="0"/>
+              <a:t/>
+            </a:r>
+            <a:br>
+              <a:rPr lang="de-CH" dirty="0" smtClean="0"/>
+            </a:br>
+            <a:r>
+              <a:rPr lang="de-CH" dirty="0" smtClean="0"/>
+              <a:t/>
+            </a:r>
+            <a:br>
+              <a:rPr lang="de-CH" dirty="0" smtClean="0"/>
+            </a:br>
+            <a:endParaRPr lang="de-CH" dirty="0" smtClean="0"/>
+          </a:p>
+          <a:p>
+            <a:r>
+              <a:rPr lang="de-CH" dirty="0" err="1" smtClean="0"/>
+              <a:t>Chöne</a:t>
+            </a:r>
+            <a:r>
+              <a:rPr lang="de-CH" dirty="0" smtClean="0"/>
+              <a:t> </a:t>
+            </a:r>
+            <a:r>
+              <a:rPr lang="de-CH" dirty="0" err="1" smtClean="0"/>
+              <a:t>mer</a:t>
+            </a:r>
+            <a:r>
+              <a:rPr lang="de-CH" dirty="0" smtClean="0"/>
+              <a:t> </a:t>
+            </a:r>
+            <a:r>
+              <a:rPr lang="de-CH" dirty="0" err="1" smtClean="0"/>
+              <a:t>of</a:t>
+            </a:r>
+            <a:r>
+              <a:rPr lang="de-CH" dirty="0" smtClean="0"/>
+              <a:t> </a:t>
+            </a:r>
+            <a:r>
+              <a:rPr lang="de-CH" dirty="0" err="1" smtClean="0"/>
+              <a:t>ehn</a:t>
+            </a:r>
+            <a:r>
+              <a:rPr lang="de-CH" dirty="0" smtClean="0"/>
+              <a:t> </a:t>
+            </a:r>
+            <a:r>
+              <a:rPr lang="de-CH" dirty="0" err="1" smtClean="0"/>
+              <a:t>arbet</a:t>
+            </a:r>
+            <a:r>
+              <a:rPr lang="de-CH" dirty="0" smtClean="0"/>
+              <a:t> eh dem </a:t>
+            </a:r>
+            <a:r>
+              <a:rPr lang="de-CH" dirty="0" err="1" smtClean="0"/>
+              <a:t>berich</a:t>
+            </a:r>
+            <a:r>
+              <a:rPr lang="de-CH" dirty="0" smtClean="0"/>
+              <a:t> referenziere?</a:t>
+            </a:r>
+          </a:p>
+          <a:p>
+            <a:endParaRPr lang="de-CH" dirty="0" smtClean="0"/>
+          </a:p>
+          <a:p>
+            <a:endParaRPr lang="de-CH" dirty="0"/>
+          </a:p>
+        </p:txBody>
+      </p:sp>
+    </p:spTree>
+  </p:cSld>
+  <p:clrMapOvr>
+    <a:masterClrMapping/>
+  </p:clrMapOvr>
+</p:sld>
+</file>
+
+<file path=ppt/slides/slide5.xml><?xml version="1.0" encoding="utf-8"?>
+<p:sld xmlns:a="http://schemas.openxmlformats.org/drawingml/2006/main" xmlns:r="http://schemas.openxmlformats.org/officeDocument/2006/relationships" xmlns:p="http://schemas.openxmlformats.org/presentationml/2006/main">
+  <p:cSld>
+    <p:spTree>
+      <p:nvGrpSpPr>
+        <p:cNvPr id="1" name=""/>
+        <p:cNvGrpSpPr/>
+        <p:nvPr/>
+      </p:nvGrpSpPr>
+      <p:grpSpPr>
+        <a:xfrm>
+          <a:off x="0" y="0"/>
+          <a:ext cx="0" cy="0"/>
+          <a:chOff x="0" y="0"/>
+          <a:chExt cx="0" cy="0"/>
+        </a:xfrm>
+      </p:grpSpPr>
+      <p:sp>
+        <p:nvSpPr>
+          <p:cNvPr id="2" name="Titel 1"/>
+          <p:cNvSpPr>
+            <a:spLocks noGrp="1"/>
+          </p:cNvSpPr>
+          <p:nvPr>
+            <p:ph type="title"/>
+          </p:nvPr>
+        </p:nvSpPr>
+        <p:spPr/>
+        <p:txBody>
+          <a:bodyPr/>
+          <a:lstStyle/>
+          <a:p>
+            <a:r>
+              <a:rPr lang="de-CH" dirty="0" smtClean="0"/>
+              <a:t>Vorschlag-</a:t>
+            </a:r>
+            <a:r>
+              <a:rPr lang="de-CH" dirty="0" smtClean="0"/>
+              <a:t>P</a:t>
+            </a:r>
+            <a:r>
+              <a:rPr lang="de-CH" dirty="0" smtClean="0"/>
+              <a:t>art 3</a:t>
+            </a:r>
+            <a:endParaRPr lang="de-CH" dirty="0"/>
+          </a:p>
+        </p:txBody>
+      </p:sp>
+      <p:sp>
+        <p:nvSpPr>
+          <p:cNvPr id="3" name="Inhaltsplatzhalter 2"/>
+          <p:cNvSpPr>
+            <a:spLocks noGrp="1"/>
+          </p:cNvSpPr>
+          <p:nvPr>
+            <p:ph idx="1"/>
+          </p:nvPr>
+        </p:nvSpPr>
+        <p:spPr/>
+        <p:txBody>
+          <a:bodyPr>
+            <a:normAutofit fontScale="92500" lnSpcReduction="10000"/>
+          </a:bodyPr>
+          <a:lstStyle/>
+          <a:p>
+            <a:r>
+              <a:rPr lang="de-CH" b="1" dirty="0" err="1" smtClean="0"/>
+              <a:t>Resilience</a:t>
+            </a:r>
+            <a:r>
+              <a:rPr lang="de-CH" b="1" dirty="0" smtClean="0"/>
+              <a:t>: </a:t>
+            </a:r>
+            <a:r>
+              <a:rPr lang="de-CH" b="1" dirty="0" err="1" smtClean="0"/>
+              <a:t>shortest</a:t>
+            </a:r>
+            <a:r>
+              <a:rPr lang="de-CH" b="1" dirty="0" smtClean="0"/>
+              <a:t> </a:t>
+            </a:r>
+            <a:r>
+              <a:rPr lang="de-CH" b="1" dirty="0" err="1" smtClean="0"/>
+              <a:t>distance</a:t>
+            </a:r>
+            <a:r>
+              <a:rPr lang="de-CH" b="1" dirty="0" smtClean="0"/>
+              <a:t> erkläre </a:t>
+            </a:r>
+            <a:r>
+              <a:rPr lang="de-CH" b="1" dirty="0" err="1" smtClean="0"/>
+              <a:t>usw</a:t>
+            </a:r>
+            <a:endParaRPr lang="de-CH" b="1" dirty="0" smtClean="0"/>
+          </a:p>
+          <a:p>
+            <a:r>
+              <a:rPr lang="de-CH" dirty="0" smtClean="0"/>
+              <a:t>Network </a:t>
+            </a:r>
+            <a:r>
+              <a:rPr lang="de-CH" dirty="0" err="1" smtClean="0"/>
+              <a:t>parameter</a:t>
+            </a:r>
+            <a:r>
+              <a:rPr lang="de-CH" dirty="0" smtClean="0"/>
+              <a:t>??</a:t>
+            </a:r>
+          </a:p>
+          <a:p>
+            <a:r>
+              <a:rPr lang="de-CH" b="1" dirty="0" smtClean="0"/>
+              <a:t>Vergleich zu real </a:t>
+            </a:r>
+            <a:r>
+              <a:rPr lang="de-CH" b="1" dirty="0" err="1" smtClean="0"/>
+              <a:t>data</a:t>
+            </a:r>
+            <a:endParaRPr lang="de-CH" b="1" dirty="0" smtClean="0"/>
+          </a:p>
+          <a:p>
+            <a:r>
+              <a:rPr lang="de-CH" dirty="0" err="1" smtClean="0"/>
+              <a:t>Capacity</a:t>
+            </a:r>
+            <a:endParaRPr lang="de-CH" dirty="0" smtClean="0"/>
+          </a:p>
+          <a:p>
+            <a:r>
+              <a:rPr lang="de-CH" dirty="0" smtClean="0"/>
+              <a:t>Peaks???</a:t>
+            </a:r>
+          </a:p>
+          <a:p>
+            <a:r>
+              <a:rPr lang="de-CH" dirty="0" smtClean="0"/>
+              <a:t>Infos vo SBB</a:t>
+            </a:r>
+            <a:br>
+              <a:rPr lang="de-CH" dirty="0" smtClean="0"/>
+            </a:br>
+            <a:r>
+              <a:rPr lang="de-CH" dirty="0" smtClean="0"/>
+              <a:t/>
+            </a:r>
+            <a:br>
+              <a:rPr lang="de-CH" dirty="0" smtClean="0"/>
+            </a:br>
+            <a:r>
+              <a:rPr lang="de-CH" dirty="0" smtClean="0"/>
+              <a:t>(</a:t>
+            </a:r>
+            <a:r>
+              <a:rPr lang="de-CH" dirty="0" err="1" smtClean="0"/>
+              <a:t>mer</a:t>
+            </a:r>
+            <a:r>
+              <a:rPr lang="de-CH" dirty="0" smtClean="0"/>
+              <a:t> </a:t>
+            </a:r>
+            <a:r>
+              <a:rPr lang="de-CH" dirty="0" err="1" smtClean="0"/>
+              <a:t>münd</a:t>
+            </a:r>
+            <a:r>
+              <a:rPr lang="de-CH" dirty="0" smtClean="0"/>
+              <a:t> </a:t>
+            </a:r>
+            <a:r>
+              <a:rPr lang="de-CH" dirty="0" err="1" smtClean="0"/>
+              <a:t>joh</a:t>
+            </a:r>
+            <a:r>
+              <a:rPr lang="de-CH" dirty="0" smtClean="0"/>
+              <a:t> 3, die fette </a:t>
+            </a:r>
+            <a:r>
+              <a:rPr lang="de-CH" dirty="0" err="1" smtClean="0"/>
+              <a:t>wördi</a:t>
+            </a:r>
+            <a:r>
+              <a:rPr lang="de-CH" dirty="0" smtClean="0"/>
+              <a:t>  </a:t>
+            </a:r>
+            <a:r>
+              <a:rPr lang="de-CH" dirty="0" err="1" smtClean="0"/>
+              <a:t>secher</a:t>
+            </a:r>
+            <a:r>
+              <a:rPr lang="de-CH" dirty="0" smtClean="0"/>
+              <a:t> </a:t>
+            </a:r>
+            <a:r>
+              <a:rPr lang="de-CH" dirty="0" err="1" smtClean="0"/>
+              <a:t>neh</a:t>
+            </a:r>
+            <a:r>
+              <a:rPr lang="de-CH" dirty="0" smtClean="0"/>
+              <a:t>                     </a:t>
+            </a:r>
+            <a:r>
+              <a:rPr lang="de-CH" dirty="0" err="1" smtClean="0"/>
+              <a:t>vorschloh</a:t>
+            </a:r>
+            <a:r>
+              <a:rPr lang="de-CH" dirty="0" smtClean="0"/>
+              <a:t>..)</a:t>
+            </a:r>
+            <a:endParaRPr lang="de-CH" dirty="0"/>
+          </a:p>
+        </p:txBody>
+      </p:sp>
+    </p:spTree>
+  </p:cSld>
+  <p:clrMapOvr>
+    <a:masterClrMapping/>
+  </p:clrMapOvr>
+</p:sld>
+</file>
+
+<file path=ppt/slides/slide6.xml><?xml version="1.0" encoding="utf-8"?>
+<p:sld xmlns:a="http://schemas.openxmlformats.org/drawingml/2006/main" xmlns:r="http://schemas.openxmlformats.org/officeDocument/2006/relationships" xmlns:p="http://schemas.openxmlformats.org/presentationml/2006/main">
+  <p:cSld>
+    <p:spTree>
+      <p:nvGrpSpPr>
+        <p:cNvPr id="1" name=""/>
+        <p:cNvGrpSpPr/>
+        <p:nvPr/>
+      </p:nvGrpSpPr>
+      <p:grpSpPr>
+        <a:xfrm>
+          <a:off x="0" y="0"/>
+          <a:ext cx="0" cy="0"/>
+          <a:chOff x="0" y="0"/>
+          <a:chExt cx="0" cy="0"/>
+        </a:xfrm>
+      </p:grpSpPr>
+      <p:sp>
+        <p:nvSpPr>
+          <p:cNvPr id="2" name="Titel 1"/>
+          <p:cNvSpPr>
+            <a:spLocks noGrp="1"/>
+          </p:cNvSpPr>
+          <p:nvPr>
+            <p:ph type="title"/>
+          </p:nvPr>
+        </p:nvSpPr>
+        <p:spPr/>
+        <p:txBody>
+          <a:bodyPr/>
+          <a:lstStyle/>
+          <a:p>
+            <a:r>
+              <a:rPr lang="de-CH" dirty="0" smtClean="0"/>
+              <a:t>Vorschlag-Part 4</a:t>
+            </a:r>
+            <a:endParaRPr lang="de-CH" dirty="0"/>
+          </a:p>
+        </p:txBody>
+      </p:sp>
+      <p:sp>
+        <p:nvSpPr>
+          <p:cNvPr id="3" name="Inhaltsplatzhalter 2"/>
+          <p:cNvSpPr>
+            <a:spLocks noGrp="1"/>
+          </p:cNvSpPr>
+          <p:nvPr>
+            <p:ph idx="1"/>
+          </p:nvPr>
+        </p:nvSpPr>
+        <p:spPr/>
+        <p:txBody>
+          <a:bodyPr/>
+          <a:lstStyle/>
+          <a:p>
+            <a:r>
+              <a:rPr lang="de-CH" dirty="0" err="1" smtClean="0"/>
+              <a:t>Sälbst</a:t>
+            </a:r>
+            <a:r>
+              <a:rPr lang="de-CH" dirty="0" smtClean="0"/>
+              <a:t> erklärend…</a:t>
+            </a:r>
+          </a:p>
+          <a:p>
+            <a:r>
+              <a:rPr lang="de-CH" dirty="0" smtClean="0"/>
+              <a:t>Ev au erst </a:t>
+            </a:r>
+            <a:r>
+              <a:rPr lang="de-CH" dirty="0" err="1" smtClean="0"/>
+              <a:t>doh</a:t>
+            </a:r>
+            <a:r>
+              <a:rPr lang="de-CH" dirty="0" smtClean="0"/>
+              <a:t> SBB </a:t>
+            </a:r>
+            <a:r>
+              <a:rPr lang="de-CH" dirty="0" err="1" smtClean="0"/>
+              <a:t>ehs</a:t>
+            </a:r>
+            <a:r>
+              <a:rPr lang="de-CH" dirty="0" smtClean="0"/>
+              <a:t> </a:t>
+            </a:r>
+            <a:r>
+              <a:rPr lang="de-CH" dirty="0" err="1" smtClean="0"/>
+              <a:t>spel</a:t>
+            </a:r>
+            <a:r>
+              <a:rPr lang="de-CH" dirty="0" smtClean="0"/>
+              <a:t> </a:t>
+            </a:r>
+            <a:r>
+              <a:rPr lang="de-CH" dirty="0" err="1" smtClean="0"/>
+              <a:t>brenge</a:t>
+            </a:r>
+            <a:endParaRPr lang="de-CH" dirty="0" smtClean="0"/>
+          </a:p>
+          <a:p>
+            <a:pPr>
+              <a:buNone/>
+            </a:pPr>
+            <a:endParaRPr lang="de-CH" dirty="0" smtClean="0"/>
+          </a:p>
+        </p:txBody>
+      </p:sp>
+    </p:spTree>
+  </p:cSld>
+  <p:clrMapOvr>
+    <a:masterClrMapping/>
+  </p:clrMapOvr>
+</p:sld>
+</file>
+
+<file path=ppt/slides/slide7.xml><?xml version="1.0" encoding="utf-8"?>
+<p:sld xmlns:a="http://schemas.openxmlformats.org/drawingml/2006/main" xmlns:r="http://schemas.openxmlformats.org/officeDocument/2006/relationships" xmlns:p="http://schemas.openxmlformats.org/presentationml/2006/main">
+  <p:cSld>
+    <p:spTree>
+      <p:nvGrpSpPr>
+        <p:cNvPr id="1" name=""/>
+        <p:cNvGrpSpPr/>
+        <p:nvPr/>
+      </p:nvGrpSpPr>
+      <p:grpSpPr>
+        <a:xfrm>
+          <a:off x="0" y="0"/>
+          <a:ext cx="0" cy="0"/>
+          <a:chOff x="0" y="0"/>
+          <a:chExt cx="0" cy="0"/>
+        </a:xfrm>
+      </p:grpSpPr>
+      <p:sp>
+        <p:nvSpPr>
+          <p:cNvPr id="2" name="Titel 1"/>
+          <p:cNvSpPr>
+            <a:spLocks noGrp="1"/>
+          </p:cNvSpPr>
+          <p:nvPr>
+            <p:ph type="title"/>
+          </p:nvPr>
+        </p:nvSpPr>
+        <p:spPr/>
+        <p:txBody>
+          <a:bodyPr/>
+          <a:lstStyle/>
+          <a:p>
+            <a:r>
+              <a:rPr lang="de-CH" dirty="0" smtClean="0"/>
+              <a:t>Allgemeine Bemerkungen</a:t>
+            </a:r>
+            <a:endParaRPr lang="de-CH" dirty="0"/>
+          </a:p>
+        </p:txBody>
+      </p:sp>
+      <p:sp>
+        <p:nvSpPr>
+          <p:cNvPr id="3" name="Inhaltsplatzhalter 2"/>
+          <p:cNvSpPr>
+            <a:spLocks noGrp="1"/>
+          </p:cNvSpPr>
+          <p:nvPr>
+            <p:ph idx="1"/>
+          </p:nvPr>
+        </p:nvSpPr>
+        <p:spPr/>
+        <p:txBody>
+          <a:bodyPr/>
+          <a:lstStyle/>
+          <a:p>
+            <a:r>
+              <a:rPr lang="de-CH" dirty="0" smtClean="0"/>
+              <a:t>Verweis auf Datensuche vermeiden</a:t>
+            </a:r>
+          </a:p>
+          <a:p>
+            <a:r>
+              <a:rPr lang="de-CH" dirty="0" err="1" smtClean="0"/>
+              <a:t>Fancy</a:t>
+            </a:r>
+            <a:r>
+              <a:rPr lang="de-CH" dirty="0" smtClean="0"/>
+              <a:t> </a:t>
+            </a:r>
+            <a:r>
+              <a:rPr lang="de-CH" dirty="0" err="1" smtClean="0"/>
+              <a:t>graphics</a:t>
+            </a:r>
+            <a:endParaRPr lang="de-CH" dirty="0" smtClean="0"/>
           </a:p>
           <a:p>
             <a:endParaRPr lang="de-CH" dirty="0"/>

--- a/presentation/Test.pptx
+++ b/presentation/Test.pptx
@@ -1,20 +1,29 @@
 
 <file path=ppt/presentation.xml><?xml version="1.0" encoding="utf-8"?>
-<p:presentation xmlns:a="http://schemas.openxmlformats.org/drawingml/2006/main" xmlns:r="http://schemas.openxmlformats.org/officeDocument/2006/relationships" xmlns:p="http://schemas.openxmlformats.org/presentationml/2006/main" saveSubsetFonts="1">
+<p:presentation xmlns:a="http://schemas.openxmlformats.org/drawingml/2006/main" xmlns:r="http://schemas.openxmlformats.org/officeDocument/2006/relationships" xmlns:mc="http://schemas.openxmlformats.org/markup-compatibility/2006" xmlns:mv="urn:schemas-microsoft-com:mac:vml" xmlns:p="http://schemas.openxmlformats.org/presentationml/2006/main" mc:Ignorable="mv" mc:PreserveAttributes="mv:*" saveSubsetFonts="1">
   <p:sldMasterIdLst>
-    <p:sldMasterId id="2147483648" r:id="rId1"/>
+    <p:sldMasterId id="2147483660" r:id="rId1"/>
   </p:sldMasterIdLst>
   <p:notesMasterIdLst>
-    <p:notesMasterId r:id="rId9"/>
+    <p:notesMasterId r:id="rId18"/>
   </p:notesMasterIdLst>
   <p:sldIdLst>
-    <p:sldId id="256" r:id="rId2"/>
-    <p:sldId id="257" r:id="rId3"/>
-    <p:sldId id="258" r:id="rId4"/>
-    <p:sldId id="259" r:id="rId5"/>
-    <p:sldId id="260" r:id="rId6"/>
-    <p:sldId id="261" r:id="rId7"/>
-    <p:sldId id="262" r:id="rId8"/>
+    <p:sldId id="267" r:id="rId2"/>
+    <p:sldId id="268" r:id="rId3"/>
+    <p:sldId id="265" r:id="rId4"/>
+    <p:sldId id="274" r:id="rId5"/>
+    <p:sldId id="264" r:id="rId6"/>
+    <p:sldId id="266" r:id="rId7"/>
+    <p:sldId id="270" r:id="rId8"/>
+    <p:sldId id="271" r:id="rId9"/>
+    <p:sldId id="273" r:id="rId10"/>
+    <p:sldId id="256" r:id="rId11"/>
+    <p:sldId id="257" r:id="rId12"/>
+    <p:sldId id="258" r:id="rId13"/>
+    <p:sldId id="259" r:id="rId14"/>
+    <p:sldId id="260" r:id="rId15"/>
+    <p:sldId id="261" r:id="rId16"/>
+    <p:sldId id="262" r:id="rId17"/>
   </p:sldIdLst>
   <p:sldSz cx="9144000" cy="6858000" type="screen4x3"/>
   <p:notesSz cx="6858000" cy="9144000"/>
@@ -116,8 +125,3183 @@
 </p:presentation>
 </file>
 
+<file path=ppt/diagrams/colors1.xml><?xml version="1.0" encoding="utf-8"?>
+<dgm:colorsDef xmlns:dgm="http://schemas.openxmlformats.org/drawingml/2006/diagram" xmlns:a="http://schemas.openxmlformats.org/drawingml/2006/main" uniqueId="urn:microsoft.com/office/officeart/2005/8/colors/accent1_2">
+  <dgm:title val=""/>
+  <dgm:desc val=""/>
+  <dgm:catLst>
+    <dgm:cat type="accent1" pri="11200"/>
+  </dgm:catLst>
+  <dgm:styleLbl name="node0">
+    <dgm:fillClrLst meth="repeat">
+      <a:schemeClr val="accent1"/>
+    </dgm:fillClrLst>
+    <dgm:linClrLst meth="repeat">
+      <a:schemeClr val="lt1"/>
+    </dgm:linClrLst>
+    <dgm:effectClrLst/>
+    <dgm:txLinClrLst/>
+    <dgm:txFillClrLst/>
+    <dgm:txEffectClrLst/>
+  </dgm:styleLbl>
+  <dgm:styleLbl name="alignNode1">
+    <dgm:fillClrLst meth="repeat">
+      <a:schemeClr val="accent1"/>
+    </dgm:fillClrLst>
+    <dgm:linClrLst meth="repeat">
+      <a:schemeClr val="accent1"/>
+    </dgm:linClrLst>
+    <dgm:effectClrLst/>
+    <dgm:txLinClrLst/>
+    <dgm:txFillClrLst/>
+    <dgm:txEffectClrLst/>
+  </dgm:styleLbl>
+  <dgm:styleLbl name="node1">
+    <dgm:fillClrLst meth="repeat">
+      <a:schemeClr val="accent1"/>
+    </dgm:fillClrLst>
+    <dgm:linClrLst meth="repeat">
+      <a:schemeClr val="lt1"/>
+    </dgm:linClrLst>
+    <dgm:effectClrLst/>
+    <dgm:txLinClrLst/>
+    <dgm:txFillClrLst/>
+    <dgm:txEffectClrLst/>
+  </dgm:styleLbl>
+  <dgm:styleLbl name="lnNode1">
+    <dgm:fillClrLst meth="repeat">
+      <a:schemeClr val="accent1"/>
+    </dgm:fillClrLst>
+    <dgm:linClrLst meth="repeat">
+      <a:schemeClr val="lt1"/>
+    </dgm:linClrLst>
+    <dgm:effectClrLst/>
+    <dgm:txLinClrLst/>
+    <dgm:txFillClrLst/>
+    <dgm:txEffectClrLst/>
+  </dgm:styleLbl>
+  <dgm:styleLbl name="vennNode1">
+    <dgm:fillClrLst meth="repeat">
+      <a:schemeClr val="accent1">
+        <a:alpha val="50000"/>
+      </a:schemeClr>
+    </dgm:fillClrLst>
+    <dgm:linClrLst meth="repeat">
+      <a:schemeClr val="lt1"/>
+    </dgm:linClrLst>
+    <dgm:effectClrLst/>
+    <dgm:txLinClrLst/>
+    <dgm:txFillClrLst/>
+    <dgm:txEffectClrLst/>
+  </dgm:styleLbl>
+  <dgm:styleLbl name="node2">
+    <dgm:fillClrLst meth="repeat">
+      <a:schemeClr val="accent1"/>
+    </dgm:fillClrLst>
+    <dgm:linClrLst meth="repeat">
+      <a:schemeClr val="lt1"/>
+    </dgm:linClrLst>
+    <dgm:effectClrLst/>
+    <dgm:txLinClrLst/>
+    <dgm:txFillClrLst/>
+    <dgm:txEffectClrLst/>
+  </dgm:styleLbl>
+  <dgm:styleLbl name="node3">
+    <dgm:fillClrLst meth="repeat">
+      <a:schemeClr val="accent1"/>
+    </dgm:fillClrLst>
+    <dgm:linClrLst meth="repeat">
+      <a:schemeClr val="lt1"/>
+    </dgm:linClrLst>
+    <dgm:effectClrLst/>
+    <dgm:txLinClrLst/>
+    <dgm:txFillClrLst/>
+    <dgm:txEffectClrLst/>
+  </dgm:styleLbl>
+  <dgm:styleLbl name="node4">
+    <dgm:fillClrLst meth="repeat">
+      <a:schemeClr val="accent1"/>
+    </dgm:fillClrLst>
+    <dgm:linClrLst meth="repeat">
+      <a:schemeClr val="lt1"/>
+    </dgm:linClrLst>
+    <dgm:effectClrLst/>
+    <dgm:txLinClrLst/>
+    <dgm:txFillClrLst/>
+    <dgm:txEffectClrLst/>
+  </dgm:styleLbl>
+  <dgm:styleLbl name="fgImgPlace1">
+    <dgm:fillClrLst meth="repeat">
+      <a:schemeClr val="accent1">
+        <a:tint val="50000"/>
+      </a:schemeClr>
+    </dgm:fillClrLst>
+    <dgm:linClrLst meth="repeat">
+      <a:schemeClr val="lt1"/>
+    </dgm:linClrLst>
+    <dgm:effectClrLst/>
+    <dgm:txLinClrLst/>
+    <dgm:txFillClrLst meth="repeat">
+      <a:schemeClr val="lt1"/>
+    </dgm:txFillClrLst>
+    <dgm:txEffectClrLst/>
+  </dgm:styleLbl>
+  <dgm:styleLbl name="alignImgPlace1">
+    <dgm:fillClrLst meth="repeat">
+      <a:schemeClr val="accent1">
+        <a:tint val="50000"/>
+      </a:schemeClr>
+    </dgm:fillClrLst>
+    <dgm:linClrLst meth="repeat">
+      <a:schemeClr val="lt1"/>
+    </dgm:linClrLst>
+    <dgm:effectClrLst/>
+    <dgm:txLinClrLst/>
+    <dgm:txFillClrLst meth="repeat">
+      <a:schemeClr val="lt1"/>
+    </dgm:txFillClrLst>
+    <dgm:txEffectClrLst/>
+  </dgm:styleLbl>
+  <dgm:styleLbl name="bgImgPlace1">
+    <dgm:fillClrLst meth="repeat">
+      <a:schemeClr val="accent1">
+        <a:tint val="50000"/>
+      </a:schemeClr>
+    </dgm:fillClrLst>
+    <dgm:linClrLst meth="repeat">
+      <a:schemeClr val="lt1"/>
+    </dgm:linClrLst>
+    <dgm:effectClrLst/>
+    <dgm:txLinClrLst/>
+    <dgm:txFillClrLst meth="repeat">
+      <a:schemeClr val="lt1"/>
+    </dgm:txFillClrLst>
+    <dgm:txEffectClrLst/>
+  </dgm:styleLbl>
+  <dgm:styleLbl name="sibTrans2D1">
+    <dgm:fillClrLst meth="repeat">
+      <a:schemeClr val="accent1">
+        <a:tint val="60000"/>
+      </a:schemeClr>
+    </dgm:fillClrLst>
+    <dgm:linClrLst meth="repeat">
+      <a:schemeClr val="accent1">
+        <a:tint val="60000"/>
+      </a:schemeClr>
+    </dgm:linClrLst>
+    <dgm:effectClrLst/>
+    <dgm:txLinClrLst/>
+    <dgm:txFillClrLst/>
+    <dgm:txEffectClrLst/>
+  </dgm:styleLbl>
+  <dgm:styleLbl name="fgSibTrans2D1">
+    <dgm:fillClrLst meth="repeat">
+      <a:schemeClr val="accent1">
+        <a:tint val="60000"/>
+      </a:schemeClr>
+    </dgm:fillClrLst>
+    <dgm:linClrLst meth="repeat">
+      <a:schemeClr val="accent1">
+        <a:tint val="60000"/>
+      </a:schemeClr>
+    </dgm:linClrLst>
+    <dgm:effectClrLst/>
+    <dgm:txLinClrLst/>
+    <dgm:txFillClrLst/>
+    <dgm:txEffectClrLst/>
+  </dgm:styleLbl>
+  <dgm:styleLbl name="bgSibTrans2D1">
+    <dgm:fillClrLst meth="repeat">
+      <a:schemeClr val="accent1">
+        <a:tint val="60000"/>
+      </a:schemeClr>
+    </dgm:fillClrLst>
+    <dgm:linClrLst meth="repeat">
+      <a:schemeClr val="accent1">
+        <a:tint val="60000"/>
+      </a:schemeClr>
+    </dgm:linClrLst>
+    <dgm:effectClrLst/>
+    <dgm:txLinClrLst/>
+    <dgm:txFillClrLst/>
+    <dgm:txEffectClrLst/>
+  </dgm:styleLbl>
+  <dgm:styleLbl name="sibTrans1D1">
+    <dgm:fillClrLst meth="repeat">
+      <a:schemeClr val="accent1"/>
+    </dgm:fillClrLst>
+    <dgm:linClrLst meth="repeat">
+      <a:schemeClr val="accent1"/>
+    </dgm:linClrLst>
+    <dgm:effectClrLst/>
+    <dgm:txLinClrLst/>
+    <dgm:txFillClrLst meth="repeat">
+      <a:schemeClr val="tx1"/>
+    </dgm:txFillClrLst>
+    <dgm:txEffectClrLst/>
+  </dgm:styleLbl>
+  <dgm:styleLbl name="callout">
+    <dgm:fillClrLst meth="repeat">
+      <a:schemeClr val="accent1"/>
+    </dgm:fillClrLst>
+    <dgm:linClrLst meth="repeat">
+      <a:schemeClr val="accent1">
+        <a:tint val="50000"/>
+      </a:schemeClr>
+    </dgm:linClrLst>
+    <dgm:effectClrLst/>
+    <dgm:txLinClrLst/>
+    <dgm:txFillClrLst meth="repeat">
+      <a:schemeClr val="tx1"/>
+    </dgm:txFillClrLst>
+    <dgm:txEffectClrLst/>
+  </dgm:styleLbl>
+  <dgm:styleLbl name="asst0">
+    <dgm:fillClrLst meth="repeat">
+      <a:schemeClr val="accent1"/>
+    </dgm:fillClrLst>
+    <dgm:linClrLst meth="repeat">
+      <a:schemeClr val="lt1"/>
+    </dgm:linClrLst>
+    <dgm:effectClrLst/>
+    <dgm:txLinClrLst/>
+    <dgm:txFillClrLst/>
+    <dgm:txEffectClrLst/>
+  </dgm:styleLbl>
+  <dgm:styleLbl name="asst1">
+    <dgm:fillClrLst meth="repeat">
+      <a:schemeClr val="accent1"/>
+    </dgm:fillClrLst>
+    <dgm:linClrLst meth="repeat">
+      <a:schemeClr val="lt1"/>
+    </dgm:linClrLst>
+    <dgm:effectClrLst/>
+    <dgm:txLinClrLst/>
+    <dgm:txFillClrLst/>
+    <dgm:txEffectClrLst/>
+  </dgm:styleLbl>
+  <dgm:styleLbl name="asst2">
+    <dgm:fillClrLst meth="repeat">
+      <a:schemeClr val="accent1"/>
+    </dgm:fillClrLst>
+    <dgm:linClrLst meth="repeat">
+      <a:schemeClr val="lt1"/>
+    </dgm:linClrLst>
+    <dgm:effectClrLst/>
+    <dgm:txLinClrLst/>
+    <dgm:txFillClrLst/>
+    <dgm:txEffectClrLst/>
+  </dgm:styleLbl>
+  <dgm:styleLbl name="asst3">
+    <dgm:fillClrLst meth="repeat">
+      <a:schemeClr val="accent1"/>
+    </dgm:fillClrLst>
+    <dgm:linClrLst meth="repeat">
+      <a:schemeClr val="lt1"/>
+    </dgm:linClrLst>
+    <dgm:effectClrLst/>
+    <dgm:txLinClrLst/>
+    <dgm:txFillClrLst/>
+    <dgm:txEffectClrLst/>
+  </dgm:styleLbl>
+  <dgm:styleLbl name="asst4">
+    <dgm:fillClrLst meth="repeat">
+      <a:schemeClr val="accent1"/>
+    </dgm:fillClrLst>
+    <dgm:linClrLst meth="repeat">
+      <a:schemeClr val="lt1"/>
+    </dgm:linClrLst>
+    <dgm:effectClrLst/>
+    <dgm:txLinClrLst/>
+    <dgm:txFillClrLst/>
+    <dgm:txEffectClrLst/>
+  </dgm:styleLbl>
+  <dgm:styleLbl name="parChTrans2D1">
+    <dgm:fillClrLst meth="repeat">
+      <a:schemeClr val="accent1">
+        <a:tint val="60000"/>
+      </a:schemeClr>
+    </dgm:fillClrLst>
+    <dgm:linClrLst meth="repeat">
+      <a:schemeClr val="accent1">
+        <a:tint val="60000"/>
+      </a:schemeClr>
+    </dgm:linClrLst>
+    <dgm:effectClrLst/>
+    <dgm:txLinClrLst/>
+    <dgm:txFillClrLst meth="repeat">
+      <a:schemeClr val="lt1"/>
+    </dgm:txFillClrLst>
+    <dgm:txEffectClrLst/>
+  </dgm:styleLbl>
+  <dgm:styleLbl name="parChTrans2D2">
+    <dgm:fillClrLst meth="repeat">
+      <a:schemeClr val="accent1"/>
+    </dgm:fillClrLst>
+    <dgm:linClrLst meth="repeat">
+      <a:schemeClr val="accent1"/>
+    </dgm:linClrLst>
+    <dgm:effectClrLst/>
+    <dgm:txLinClrLst/>
+    <dgm:txFillClrLst meth="repeat">
+      <a:schemeClr val="lt1"/>
+    </dgm:txFillClrLst>
+    <dgm:txEffectClrLst/>
+  </dgm:styleLbl>
+  <dgm:styleLbl name="parChTrans2D3">
+    <dgm:fillClrLst meth="repeat">
+      <a:schemeClr val="accent1"/>
+    </dgm:fillClrLst>
+    <dgm:linClrLst meth="repeat">
+      <a:schemeClr val="accent1"/>
+    </dgm:linClrLst>
+    <dgm:effectClrLst/>
+    <dgm:txLinClrLst/>
+    <dgm:txFillClrLst meth="repeat">
+      <a:schemeClr val="lt1"/>
+    </dgm:txFillClrLst>
+    <dgm:txEffectClrLst/>
+  </dgm:styleLbl>
+  <dgm:styleLbl name="parChTrans2D4">
+    <dgm:fillClrLst meth="repeat">
+      <a:schemeClr val="accent1"/>
+    </dgm:fillClrLst>
+    <dgm:linClrLst meth="repeat">
+      <a:schemeClr val="accent1"/>
+    </dgm:linClrLst>
+    <dgm:effectClrLst/>
+    <dgm:txLinClrLst/>
+    <dgm:txFillClrLst meth="repeat">
+      <a:schemeClr val="lt1"/>
+    </dgm:txFillClrLst>
+    <dgm:txEffectClrLst/>
+  </dgm:styleLbl>
+  <dgm:styleLbl name="parChTrans1D1">
+    <dgm:fillClrLst meth="repeat">
+      <a:schemeClr val="accent1"/>
+    </dgm:fillClrLst>
+    <dgm:linClrLst meth="repeat">
+      <a:schemeClr val="accent1">
+        <a:shade val="60000"/>
+      </a:schemeClr>
+    </dgm:linClrLst>
+    <dgm:effectClrLst/>
+    <dgm:txLinClrLst/>
+    <dgm:txFillClrLst meth="repeat">
+      <a:schemeClr val="tx1"/>
+    </dgm:txFillClrLst>
+    <dgm:txEffectClrLst/>
+  </dgm:styleLbl>
+  <dgm:styleLbl name="parChTrans1D2">
+    <dgm:fillClrLst meth="repeat">
+      <a:schemeClr val="accent1"/>
+    </dgm:fillClrLst>
+    <dgm:linClrLst meth="repeat">
+      <a:schemeClr val="accent1">
+        <a:shade val="60000"/>
+      </a:schemeClr>
+    </dgm:linClrLst>
+    <dgm:effectClrLst/>
+    <dgm:txLinClrLst/>
+    <dgm:txFillClrLst meth="repeat">
+      <a:schemeClr val="tx1"/>
+    </dgm:txFillClrLst>
+    <dgm:txEffectClrLst/>
+  </dgm:styleLbl>
+  <dgm:styleLbl name="parChTrans1D3">
+    <dgm:fillClrLst meth="repeat">
+      <a:schemeClr val="accent1"/>
+    </dgm:fillClrLst>
+    <dgm:linClrLst meth="repeat">
+      <a:schemeClr val="accent1">
+        <a:shade val="80000"/>
+      </a:schemeClr>
+    </dgm:linClrLst>
+    <dgm:effectClrLst/>
+    <dgm:txLinClrLst/>
+    <dgm:txFillClrLst meth="repeat">
+      <a:schemeClr val="tx1"/>
+    </dgm:txFillClrLst>
+    <dgm:txEffectClrLst/>
+  </dgm:styleLbl>
+  <dgm:styleLbl name="parChTrans1D4">
+    <dgm:fillClrLst meth="repeat">
+      <a:schemeClr val="accent1"/>
+    </dgm:fillClrLst>
+    <dgm:linClrLst meth="repeat">
+      <a:schemeClr val="accent1">
+        <a:shade val="80000"/>
+      </a:schemeClr>
+    </dgm:linClrLst>
+    <dgm:effectClrLst/>
+    <dgm:txLinClrLst/>
+    <dgm:txFillClrLst meth="repeat">
+      <a:schemeClr val="tx1"/>
+    </dgm:txFillClrLst>
+    <dgm:txEffectClrLst/>
+  </dgm:styleLbl>
+  <dgm:styleLbl name="fgAcc1">
+    <dgm:fillClrLst meth="repeat">
+      <a:schemeClr val="lt1">
+        <a:alpha val="90000"/>
+      </a:schemeClr>
+    </dgm:fillClrLst>
+    <dgm:linClrLst meth="repeat">
+      <a:schemeClr val="accent1"/>
+    </dgm:linClrLst>
+    <dgm:effectClrLst/>
+    <dgm:txLinClrLst/>
+    <dgm:txFillClrLst meth="repeat">
+      <a:schemeClr val="dk1"/>
+    </dgm:txFillClrLst>
+    <dgm:txEffectClrLst/>
+  </dgm:styleLbl>
+  <dgm:styleLbl name="conFgAcc1">
+    <dgm:fillClrLst meth="repeat">
+      <a:schemeClr val="lt1">
+        <a:alpha val="90000"/>
+      </a:schemeClr>
+    </dgm:fillClrLst>
+    <dgm:linClrLst meth="repeat">
+      <a:schemeClr val="accent1"/>
+    </dgm:linClrLst>
+    <dgm:effectClrLst/>
+    <dgm:txLinClrLst/>
+    <dgm:txFillClrLst meth="repeat">
+      <a:schemeClr val="dk1"/>
+    </dgm:txFillClrLst>
+    <dgm:txEffectClrLst/>
+  </dgm:styleLbl>
+  <dgm:styleLbl name="alignAcc1">
+    <dgm:fillClrLst meth="repeat">
+      <a:schemeClr val="lt1">
+        <a:alpha val="90000"/>
+      </a:schemeClr>
+    </dgm:fillClrLst>
+    <dgm:linClrLst meth="repeat">
+      <a:schemeClr val="accent1"/>
+    </dgm:linClrLst>
+    <dgm:effectClrLst/>
+    <dgm:txLinClrLst/>
+    <dgm:txFillClrLst meth="repeat">
+      <a:schemeClr val="dk1"/>
+    </dgm:txFillClrLst>
+    <dgm:txEffectClrLst/>
+  </dgm:styleLbl>
+  <dgm:styleLbl name="trAlignAcc1">
+    <dgm:fillClrLst meth="repeat">
+      <a:schemeClr val="lt1">
+        <a:alpha val="40000"/>
+      </a:schemeClr>
+    </dgm:fillClrLst>
+    <dgm:linClrLst meth="repeat">
+      <a:schemeClr val="accent1"/>
+    </dgm:linClrLst>
+    <dgm:effectClrLst/>
+    <dgm:txLinClrLst/>
+    <dgm:txFillClrLst meth="repeat">
+      <a:schemeClr val="dk1"/>
+    </dgm:txFillClrLst>
+    <dgm:txEffectClrLst/>
+  </dgm:styleLbl>
+  <dgm:styleLbl name="bgAcc1">
+    <dgm:fillClrLst meth="repeat">
+      <a:schemeClr val="lt1">
+        <a:alpha val="90000"/>
+      </a:schemeClr>
+    </dgm:fillClrLst>
+    <dgm:linClrLst meth="repeat">
+      <a:schemeClr val="accent1"/>
+    </dgm:linClrLst>
+    <dgm:effectClrLst/>
+    <dgm:txLinClrLst/>
+    <dgm:txFillClrLst meth="repeat">
+      <a:schemeClr val="dk1"/>
+    </dgm:txFillClrLst>
+    <dgm:txEffectClrLst/>
+  </dgm:styleLbl>
+  <dgm:styleLbl name="solidFgAcc1">
+    <dgm:fillClrLst meth="repeat">
+      <a:schemeClr val="lt1"/>
+    </dgm:fillClrLst>
+    <dgm:linClrLst meth="repeat">
+      <a:schemeClr val="accent1"/>
+    </dgm:linClrLst>
+    <dgm:effectClrLst/>
+    <dgm:txLinClrLst/>
+    <dgm:txFillClrLst meth="repeat">
+      <a:schemeClr val="dk1"/>
+    </dgm:txFillClrLst>
+    <dgm:txEffectClrLst/>
+  </dgm:styleLbl>
+  <dgm:styleLbl name="solidAlignAcc1">
+    <dgm:fillClrLst meth="repeat">
+      <a:schemeClr val="lt1"/>
+    </dgm:fillClrLst>
+    <dgm:linClrLst meth="repeat">
+      <a:schemeClr val="accent1"/>
+    </dgm:linClrLst>
+    <dgm:effectClrLst/>
+    <dgm:txLinClrLst/>
+    <dgm:txFillClrLst meth="repeat">
+      <a:schemeClr val="dk1"/>
+    </dgm:txFillClrLst>
+    <dgm:txEffectClrLst/>
+  </dgm:styleLbl>
+  <dgm:styleLbl name="solidBgAcc1">
+    <dgm:fillClrLst meth="repeat">
+      <a:schemeClr val="lt1"/>
+    </dgm:fillClrLst>
+    <dgm:linClrLst meth="repeat">
+      <a:schemeClr val="accent1"/>
+    </dgm:linClrLst>
+    <dgm:effectClrLst/>
+    <dgm:txLinClrLst/>
+    <dgm:txFillClrLst meth="repeat">
+      <a:schemeClr val="dk1"/>
+    </dgm:txFillClrLst>
+    <dgm:txEffectClrLst/>
+  </dgm:styleLbl>
+  <dgm:styleLbl name="fgAccFollowNode1">
+    <dgm:fillClrLst meth="repeat">
+      <a:schemeClr val="accent1">
+        <a:alpha val="90000"/>
+        <a:tint val="40000"/>
+      </a:schemeClr>
+    </dgm:fillClrLst>
+    <dgm:linClrLst meth="repeat">
+      <a:schemeClr val="accent1">
+        <a:alpha val="90000"/>
+        <a:tint val="40000"/>
+      </a:schemeClr>
+    </dgm:linClrLst>
+    <dgm:effectClrLst/>
+    <dgm:txLinClrLst/>
+    <dgm:txFillClrLst meth="repeat">
+      <a:schemeClr val="dk1"/>
+    </dgm:txFillClrLst>
+    <dgm:txEffectClrLst/>
+  </dgm:styleLbl>
+  <dgm:styleLbl name="alignAccFollowNode1">
+    <dgm:fillClrLst meth="repeat">
+      <a:schemeClr val="accent1">
+        <a:alpha val="90000"/>
+        <a:tint val="40000"/>
+      </a:schemeClr>
+    </dgm:fillClrLst>
+    <dgm:linClrLst meth="repeat">
+      <a:schemeClr val="accent1">
+        <a:alpha val="90000"/>
+        <a:tint val="40000"/>
+      </a:schemeClr>
+    </dgm:linClrLst>
+    <dgm:effectClrLst/>
+    <dgm:txLinClrLst/>
+    <dgm:txFillClrLst meth="repeat">
+      <a:schemeClr val="dk1"/>
+    </dgm:txFillClrLst>
+    <dgm:txEffectClrLst/>
+  </dgm:styleLbl>
+  <dgm:styleLbl name="bgAccFollowNode1">
+    <dgm:fillClrLst meth="repeat">
+      <a:schemeClr val="accent1">
+        <a:alpha val="90000"/>
+        <a:tint val="40000"/>
+      </a:schemeClr>
+    </dgm:fillClrLst>
+    <dgm:linClrLst meth="repeat">
+      <a:schemeClr val="accent1">
+        <a:alpha val="90000"/>
+        <a:tint val="40000"/>
+      </a:schemeClr>
+    </dgm:linClrLst>
+    <dgm:effectClrLst/>
+    <dgm:txLinClrLst/>
+    <dgm:txFillClrLst meth="repeat">
+      <a:schemeClr val="dk1"/>
+    </dgm:txFillClrLst>
+    <dgm:txEffectClrLst/>
+  </dgm:styleLbl>
+  <dgm:styleLbl name="fgAcc0">
+    <dgm:fillClrLst meth="repeat">
+      <a:schemeClr val="lt1">
+        <a:alpha val="90000"/>
+      </a:schemeClr>
+    </dgm:fillClrLst>
+    <dgm:linClrLst meth="repeat">
+      <a:schemeClr val="accent1"/>
+    </dgm:linClrLst>
+    <dgm:effectClrLst/>
+    <dgm:txLinClrLst/>
+    <dgm:txFillClrLst meth="repeat">
+      <a:schemeClr val="dk1"/>
+    </dgm:txFillClrLst>
+    <dgm:txEffectClrLst/>
+  </dgm:styleLbl>
+  <dgm:styleLbl name="fgAcc2">
+    <dgm:fillClrLst meth="repeat">
+      <a:schemeClr val="lt1">
+        <a:alpha val="90000"/>
+      </a:schemeClr>
+    </dgm:fillClrLst>
+    <dgm:linClrLst meth="repeat">
+      <a:schemeClr val="accent1"/>
+    </dgm:linClrLst>
+    <dgm:effectClrLst/>
+    <dgm:txLinClrLst/>
+    <dgm:txFillClrLst meth="repeat">
+      <a:schemeClr val="dk1"/>
+    </dgm:txFillClrLst>
+    <dgm:txEffectClrLst/>
+  </dgm:styleLbl>
+  <dgm:styleLbl name="fgAcc3">
+    <dgm:fillClrLst meth="repeat">
+      <a:schemeClr val="lt1">
+        <a:alpha val="90000"/>
+      </a:schemeClr>
+    </dgm:fillClrLst>
+    <dgm:linClrLst meth="repeat">
+      <a:schemeClr val="accent1"/>
+    </dgm:linClrLst>
+    <dgm:effectClrLst/>
+    <dgm:txLinClrLst/>
+    <dgm:txFillClrLst meth="repeat">
+      <a:schemeClr val="dk1"/>
+    </dgm:txFillClrLst>
+    <dgm:txEffectClrLst/>
+  </dgm:styleLbl>
+  <dgm:styleLbl name="fgAcc4">
+    <dgm:fillClrLst meth="repeat">
+      <a:schemeClr val="lt1">
+        <a:alpha val="90000"/>
+      </a:schemeClr>
+    </dgm:fillClrLst>
+    <dgm:linClrLst meth="repeat">
+      <a:schemeClr val="accent1"/>
+    </dgm:linClrLst>
+    <dgm:effectClrLst/>
+    <dgm:txLinClrLst/>
+    <dgm:txFillClrLst meth="repeat">
+      <a:schemeClr val="dk1"/>
+    </dgm:txFillClrLst>
+    <dgm:txEffectClrLst/>
+  </dgm:styleLbl>
+  <dgm:styleLbl name="bgShp">
+    <dgm:fillClrLst meth="repeat">
+      <a:schemeClr val="accent1">
+        <a:tint val="40000"/>
+      </a:schemeClr>
+    </dgm:fillClrLst>
+    <dgm:linClrLst meth="repeat">
+      <a:schemeClr val="accent1"/>
+    </dgm:linClrLst>
+    <dgm:effectClrLst/>
+    <dgm:txLinClrLst/>
+    <dgm:txFillClrLst meth="repeat">
+      <a:schemeClr val="dk1"/>
+    </dgm:txFillClrLst>
+    <dgm:txEffectClrLst/>
+  </dgm:styleLbl>
+  <dgm:styleLbl name="dkBgShp">
+    <dgm:fillClrLst meth="repeat">
+      <a:schemeClr val="accent1">
+        <a:shade val="80000"/>
+      </a:schemeClr>
+    </dgm:fillClrLst>
+    <dgm:linClrLst meth="repeat">
+      <a:schemeClr val="accent1"/>
+    </dgm:linClrLst>
+    <dgm:effectClrLst/>
+    <dgm:txLinClrLst/>
+    <dgm:txFillClrLst meth="repeat">
+      <a:schemeClr val="lt1"/>
+    </dgm:txFillClrLst>
+    <dgm:txEffectClrLst/>
+  </dgm:styleLbl>
+  <dgm:styleLbl name="trBgShp">
+    <dgm:fillClrLst meth="repeat">
+      <a:schemeClr val="accent1">
+        <a:tint val="50000"/>
+        <a:alpha val="40000"/>
+      </a:schemeClr>
+    </dgm:fillClrLst>
+    <dgm:linClrLst meth="repeat">
+      <a:schemeClr val="accent1"/>
+    </dgm:linClrLst>
+    <dgm:effectClrLst/>
+    <dgm:txLinClrLst/>
+    <dgm:txFillClrLst meth="repeat">
+      <a:schemeClr val="lt1"/>
+    </dgm:txFillClrLst>
+    <dgm:txEffectClrLst/>
+  </dgm:styleLbl>
+  <dgm:styleLbl name="fgShp">
+    <dgm:fillClrLst meth="repeat">
+      <a:schemeClr val="accent1">
+        <a:tint val="60000"/>
+      </a:schemeClr>
+    </dgm:fillClrLst>
+    <dgm:linClrLst meth="repeat">
+      <a:schemeClr val="lt1"/>
+    </dgm:linClrLst>
+    <dgm:effectClrLst/>
+    <dgm:txLinClrLst/>
+    <dgm:txFillClrLst meth="repeat">
+      <a:schemeClr val="dk1"/>
+    </dgm:txFillClrLst>
+    <dgm:txEffectClrLst/>
+  </dgm:styleLbl>
+  <dgm:styleLbl name="revTx">
+    <dgm:fillClrLst meth="repeat">
+      <a:schemeClr val="lt1">
+        <a:alpha val="0"/>
+      </a:schemeClr>
+    </dgm:fillClrLst>
+    <dgm:linClrLst meth="repeat">
+      <a:schemeClr val="dk1">
+        <a:alpha val="0"/>
+      </a:schemeClr>
+    </dgm:linClrLst>
+    <dgm:effectClrLst/>
+    <dgm:txLinClrLst/>
+    <dgm:txFillClrLst meth="repeat">
+      <a:schemeClr val="tx1"/>
+    </dgm:txFillClrLst>
+    <dgm:txEffectClrLst/>
+  </dgm:styleLbl>
+</dgm:colorsDef>
+</file>
+
+<file path=ppt/diagrams/data1.xml><?xml version="1.0" encoding="utf-8"?>
+<dgm:dataModel xmlns:dgm="http://schemas.openxmlformats.org/drawingml/2006/diagram" xmlns:a="http://schemas.openxmlformats.org/drawingml/2006/main">
+  <dgm:ptLst>
+    <dgm:pt modelId="{1BD02062-88FB-AF4D-BB28-6B475E4577C4}" type="doc">
+      <dgm:prSet loTypeId="urn:microsoft.com/office/officeart/2005/8/layout/hierarchy4" loCatId="hierarchy" qsTypeId="urn:microsoft.com/office/officeart/2005/8/quickstyle/simple4" qsCatId="simple" csTypeId="urn:microsoft.com/office/officeart/2005/8/colors/accent1_2" csCatId="accent1" phldr="1"/>
+      <dgm:spPr/>
+      <dgm:t>
+        <a:bodyPr/>
+        <a:lstStyle/>
+        <a:p>
+          <a:endParaRPr lang="de-DE"/>
+        </a:p>
+      </dgm:t>
+    </dgm:pt>
+    <dgm:pt modelId="{0701CD39-FD4A-5446-9976-6C0E5BA4E877}">
+      <dgm:prSet phldrT="[Text]"/>
+      <dgm:spPr/>
+      <dgm:t>
+        <a:bodyPr/>
+        <a:lstStyle/>
+        <a:p>
+          <a:r>
+            <a:rPr lang="de-DE" dirty="0" err="1" smtClean="0"/>
+            <a:t>Flow</a:t>
+          </a:r>
+          <a:r>
+            <a:rPr lang="de-DE" dirty="0" smtClean="0"/>
+            <a:t> </a:t>
+          </a:r>
+          <a:r>
+            <a:rPr lang="de-DE" dirty="0" err="1" smtClean="0"/>
+            <a:t>Capacity</a:t>
+          </a:r>
+          <a:r>
+            <a:rPr lang="de-DE" dirty="0" smtClean="0"/>
+            <a:t> </a:t>
+          </a:r>
+          <a:r>
+            <a:rPr lang="de-DE" dirty="0" err="1" smtClean="0"/>
+            <a:t>Resilience</a:t>
+          </a:r>
+          <a:endParaRPr lang="de-DE" dirty="0"/>
+        </a:p>
+      </dgm:t>
+    </dgm:pt>
+    <dgm:pt modelId="{AA31C16F-A275-1F44-8E75-9271620DD23C}" type="parTrans" cxnId="{76B3D198-75BE-5A40-8EDD-3B2FDB5B9A48}">
+      <dgm:prSet/>
+      <dgm:spPr/>
+      <dgm:t>
+        <a:bodyPr/>
+        <a:lstStyle/>
+        <a:p>
+          <a:endParaRPr lang="de-DE"/>
+        </a:p>
+      </dgm:t>
+    </dgm:pt>
+    <dgm:pt modelId="{E34AFB94-1DEE-FA4E-B01B-46B3B1E5192C}" type="sibTrans" cxnId="{76B3D198-75BE-5A40-8EDD-3B2FDB5B9A48}">
+      <dgm:prSet/>
+      <dgm:spPr/>
+      <dgm:t>
+        <a:bodyPr/>
+        <a:lstStyle/>
+        <a:p>
+          <a:endParaRPr lang="de-DE"/>
+        </a:p>
+      </dgm:t>
+    </dgm:pt>
+    <dgm:pt modelId="{37D2FF38-FC4A-8A4C-A71E-BD6A03CCE110}">
+      <dgm:prSet phldrT="[Text]"/>
+      <dgm:spPr/>
+      <dgm:t>
+        <a:bodyPr/>
+        <a:lstStyle/>
+        <a:p>
+          <a:r>
+            <a:rPr lang="de-DE" dirty="0" smtClean="0"/>
+            <a:t>Data</a:t>
+          </a:r>
+        </a:p>
+      </dgm:t>
+    </dgm:pt>
+    <dgm:pt modelId="{41B9674B-FE39-ED4E-B8C8-2ADD4ACF012F}" type="parTrans" cxnId="{1410F6A7-55C1-F047-A5FC-B256C8FB2B3F}">
+      <dgm:prSet/>
+      <dgm:spPr/>
+      <dgm:t>
+        <a:bodyPr/>
+        <a:lstStyle/>
+        <a:p>
+          <a:endParaRPr lang="de-DE"/>
+        </a:p>
+      </dgm:t>
+    </dgm:pt>
+    <dgm:pt modelId="{D36D701D-28EC-C841-BC67-C057D5323F2E}" type="sibTrans" cxnId="{1410F6A7-55C1-F047-A5FC-B256C8FB2B3F}">
+      <dgm:prSet/>
+      <dgm:spPr/>
+      <dgm:t>
+        <a:bodyPr/>
+        <a:lstStyle/>
+        <a:p>
+          <a:endParaRPr lang="de-DE" dirty="0"/>
+        </a:p>
+      </dgm:t>
+    </dgm:pt>
+    <dgm:pt modelId="{778949FC-C6CD-4E40-AE22-312C0815C896}">
+      <dgm:prSet phldrT="[Text]"/>
+      <dgm:spPr/>
+      <dgm:t>
+        <a:bodyPr/>
+        <a:lstStyle/>
+        <a:p>
+          <a:r>
+            <a:rPr lang="de-DE" dirty="0" smtClean="0"/>
+            <a:t>Model</a:t>
+          </a:r>
+          <a:endParaRPr lang="de-DE" dirty="0"/>
+        </a:p>
+      </dgm:t>
+    </dgm:pt>
+    <dgm:pt modelId="{8DD5519A-A3CA-A847-8259-4BD5D4E30313}" type="parTrans" cxnId="{3485C28C-16F1-904D-8FAE-D743962D417F}">
+      <dgm:prSet/>
+      <dgm:spPr/>
+      <dgm:t>
+        <a:bodyPr/>
+        <a:lstStyle/>
+        <a:p>
+          <a:endParaRPr lang="de-DE"/>
+        </a:p>
+      </dgm:t>
+    </dgm:pt>
+    <dgm:pt modelId="{E9988811-D8C1-654D-AF27-4745CF3ADCDB}" type="sibTrans" cxnId="{3485C28C-16F1-904D-8FAE-D743962D417F}">
+      <dgm:prSet/>
+      <dgm:spPr/>
+      <dgm:t>
+        <a:bodyPr/>
+        <a:lstStyle/>
+        <a:p>
+          <a:endParaRPr lang="de-DE"/>
+        </a:p>
+      </dgm:t>
+    </dgm:pt>
+    <dgm:pt modelId="{139A09E9-E3EF-3747-8CB5-872ACDCB7CD1}">
+      <dgm:prSet phldrT="[Text]"/>
+      <dgm:spPr/>
+      <dgm:t>
+        <a:bodyPr/>
+        <a:lstStyle/>
+        <a:p>
+          <a:r>
+            <a:rPr lang="de-DE" dirty="0" err="1" smtClean="0"/>
+            <a:t>Gravity</a:t>
+          </a:r>
+          <a:endParaRPr lang="de-DE" dirty="0"/>
+        </a:p>
+      </dgm:t>
+    </dgm:pt>
+    <dgm:pt modelId="{3D2E4C27-8B7B-7A42-907F-BE32219D65DA}" type="parTrans" cxnId="{F462BD43-16E8-4247-9B4E-9D182FC1B391}">
+      <dgm:prSet/>
+      <dgm:spPr/>
+      <dgm:t>
+        <a:bodyPr/>
+        <a:lstStyle/>
+        <a:p>
+          <a:endParaRPr lang="de-DE"/>
+        </a:p>
+      </dgm:t>
+    </dgm:pt>
+    <dgm:pt modelId="{AA597F84-5634-7D47-B8EA-1867F7023D0C}" type="sibTrans" cxnId="{F462BD43-16E8-4247-9B4E-9D182FC1B391}">
+      <dgm:prSet/>
+      <dgm:spPr/>
+      <dgm:t>
+        <a:bodyPr/>
+        <a:lstStyle/>
+        <a:p>
+          <a:endParaRPr lang="de-DE"/>
+        </a:p>
+      </dgm:t>
+    </dgm:pt>
+    <dgm:pt modelId="{EE2823AE-D38C-0343-950D-6245A2435C1E}">
+      <dgm:prSet phldrT="[Text]"/>
+      <dgm:spPr/>
+      <dgm:t>
+        <a:bodyPr/>
+        <a:lstStyle/>
+        <a:p>
+          <a:r>
+            <a:rPr lang="de-DE" dirty="0" err="1" smtClean="0"/>
+            <a:t>Our</a:t>
+          </a:r>
+          <a:endParaRPr lang="de-DE" dirty="0"/>
+        </a:p>
+      </dgm:t>
+    </dgm:pt>
+    <dgm:pt modelId="{E72BEAD4-9A7A-7F40-989F-AEF53E920CEB}" type="parTrans" cxnId="{98D8D627-9A48-A14F-A7AE-98872B48579B}">
+      <dgm:prSet/>
+      <dgm:spPr/>
+      <dgm:t>
+        <a:bodyPr/>
+        <a:lstStyle/>
+        <a:p>
+          <a:endParaRPr lang="de-DE"/>
+        </a:p>
+      </dgm:t>
+    </dgm:pt>
+    <dgm:pt modelId="{08503AF0-FD2E-E34E-AE66-1C5D88D11C91}" type="sibTrans" cxnId="{98D8D627-9A48-A14F-A7AE-98872B48579B}">
+      <dgm:prSet/>
+      <dgm:spPr/>
+      <dgm:t>
+        <a:bodyPr/>
+        <a:lstStyle/>
+        <a:p>
+          <a:endParaRPr lang="de-DE"/>
+        </a:p>
+      </dgm:t>
+    </dgm:pt>
+    <dgm:pt modelId="{A3171E51-F215-7F4E-89ED-B4D3CB14A566}" type="pres">
+      <dgm:prSet presAssocID="{1BD02062-88FB-AF4D-BB28-6B475E4577C4}" presName="Name0" presStyleCnt="0">
+        <dgm:presLayoutVars>
+          <dgm:chPref val="1"/>
+          <dgm:dir/>
+          <dgm:animOne val="branch"/>
+          <dgm:animLvl val="lvl"/>
+          <dgm:resizeHandles/>
+        </dgm:presLayoutVars>
+      </dgm:prSet>
+      <dgm:spPr/>
+    </dgm:pt>
+    <dgm:pt modelId="{72F49C58-7741-E943-BEC3-A84F291354B5}" type="pres">
+      <dgm:prSet presAssocID="{0701CD39-FD4A-5446-9976-6C0E5BA4E877}" presName="vertOne" presStyleCnt="0"/>
+      <dgm:spPr/>
+    </dgm:pt>
+    <dgm:pt modelId="{85E09BD7-FECA-1143-B481-9DCE70B3BF42}" type="pres">
+      <dgm:prSet presAssocID="{0701CD39-FD4A-5446-9976-6C0E5BA4E877}" presName="txOne" presStyleLbl="node0" presStyleIdx="0" presStyleCnt="1" custLinFactY="281807" custLinFactNeighborX="-11" custLinFactNeighborY="300000">
+        <dgm:presLayoutVars>
+          <dgm:chPref val="3"/>
+        </dgm:presLayoutVars>
+      </dgm:prSet>
+      <dgm:spPr/>
+    </dgm:pt>
+    <dgm:pt modelId="{33184631-87CA-BB49-9DE4-4336377E4985}" type="pres">
+      <dgm:prSet presAssocID="{0701CD39-FD4A-5446-9976-6C0E5BA4E877}" presName="parTransOne" presStyleCnt="0"/>
+      <dgm:spPr/>
+    </dgm:pt>
+    <dgm:pt modelId="{FFDCE730-0618-C447-8B1F-A73087E29B92}" type="pres">
+      <dgm:prSet presAssocID="{0701CD39-FD4A-5446-9976-6C0E5BA4E877}" presName="horzOne" presStyleCnt="0"/>
+      <dgm:spPr/>
+    </dgm:pt>
+    <dgm:pt modelId="{CA16D69F-CD89-B743-B13B-21A977321D95}" type="pres">
+      <dgm:prSet presAssocID="{37D2FF38-FC4A-8A4C-A71E-BD6A03CCE110}" presName="vertTwo" presStyleCnt="0"/>
+      <dgm:spPr/>
+    </dgm:pt>
+    <dgm:pt modelId="{63CAE195-95C7-5C46-A84E-ACB496E4E486}" type="pres">
+      <dgm:prSet presAssocID="{37D2FF38-FC4A-8A4C-A71E-BD6A03CCE110}" presName="txTwo" presStyleLbl="node2" presStyleIdx="0" presStyleCnt="2" custLinFactY="-10495" custLinFactNeighborX="-36" custLinFactNeighborY="-100000">
+        <dgm:presLayoutVars>
+          <dgm:chPref val="3"/>
+        </dgm:presLayoutVars>
+      </dgm:prSet>
+      <dgm:spPr/>
+    </dgm:pt>
+    <dgm:pt modelId="{209ABA13-F8EB-C042-B6EB-581DE3054F45}" type="pres">
+      <dgm:prSet presAssocID="{37D2FF38-FC4A-8A4C-A71E-BD6A03CCE110}" presName="horzTwo" presStyleCnt="0"/>
+      <dgm:spPr/>
+    </dgm:pt>
+    <dgm:pt modelId="{F93CF9A7-541F-1D4F-89BB-37D4B4788FBA}" type="pres">
+      <dgm:prSet presAssocID="{D36D701D-28EC-C841-BC67-C057D5323F2E}" presName="sibSpaceTwo" presStyleCnt="0"/>
+      <dgm:spPr/>
+    </dgm:pt>
+    <dgm:pt modelId="{AB15B93E-75B6-B448-B58D-1C0115F2457D}" type="pres">
+      <dgm:prSet presAssocID="{778949FC-C6CD-4E40-AE22-312C0815C896}" presName="vertTwo" presStyleCnt="0"/>
+      <dgm:spPr/>
+    </dgm:pt>
+    <dgm:pt modelId="{27730489-77C6-8D45-9027-B3EE9D02F9E3}" type="pres">
+      <dgm:prSet presAssocID="{778949FC-C6CD-4E40-AE22-312C0815C896}" presName="txTwo" presStyleLbl="node2" presStyleIdx="1" presStyleCnt="2" custLinFactY="-100000" custLinFactNeighborX="489" custLinFactNeighborY="-124944">
+        <dgm:presLayoutVars>
+          <dgm:chPref val="3"/>
+        </dgm:presLayoutVars>
+      </dgm:prSet>
+      <dgm:spPr/>
+    </dgm:pt>
+    <dgm:pt modelId="{63CFC44B-7907-3549-B5A7-697A4E5F5E7D}" type="pres">
+      <dgm:prSet presAssocID="{778949FC-C6CD-4E40-AE22-312C0815C896}" presName="parTransTwo" presStyleCnt="0"/>
+      <dgm:spPr/>
+    </dgm:pt>
+    <dgm:pt modelId="{FFC0B0B6-F667-2E4C-A645-AC3BECD63EE9}" type="pres">
+      <dgm:prSet presAssocID="{778949FC-C6CD-4E40-AE22-312C0815C896}" presName="horzTwo" presStyleCnt="0"/>
+      <dgm:spPr/>
+    </dgm:pt>
+    <dgm:pt modelId="{6A7035E4-E72B-B74A-B5DA-2E384DBB01DA}" type="pres">
+      <dgm:prSet presAssocID="{139A09E9-E3EF-3747-8CB5-872ACDCB7CD1}" presName="vertThree" presStyleCnt="0"/>
+      <dgm:spPr/>
+    </dgm:pt>
+    <dgm:pt modelId="{457C81A9-A902-2244-BC45-994EC06D3D52}" type="pres">
+      <dgm:prSet presAssocID="{139A09E9-E3EF-3747-8CB5-872ACDCB7CD1}" presName="txThree" presStyleLbl="node3" presStyleIdx="0" presStyleCnt="2" custLinFactY="-5954" custLinFactNeighborX="999" custLinFactNeighborY="-100000">
+        <dgm:presLayoutVars>
+          <dgm:chPref val="3"/>
+        </dgm:presLayoutVars>
+      </dgm:prSet>
+      <dgm:spPr/>
+    </dgm:pt>
+    <dgm:pt modelId="{D6040346-1FA8-A547-837D-0C73FC9E96B4}" type="pres">
+      <dgm:prSet presAssocID="{139A09E9-E3EF-3747-8CB5-872ACDCB7CD1}" presName="horzThree" presStyleCnt="0"/>
+      <dgm:spPr/>
+    </dgm:pt>
+    <dgm:pt modelId="{0FB1EEC6-81C3-D145-8FDD-6E54F3D370CD}" type="pres">
+      <dgm:prSet presAssocID="{AA597F84-5634-7D47-B8EA-1867F7023D0C}" presName="sibSpaceThree" presStyleCnt="0"/>
+      <dgm:spPr/>
+    </dgm:pt>
+    <dgm:pt modelId="{A4486780-E092-C64C-A385-83ACC5A2FC95}" type="pres">
+      <dgm:prSet presAssocID="{EE2823AE-D38C-0343-950D-6245A2435C1E}" presName="vertThree" presStyleCnt="0"/>
+      <dgm:spPr/>
+    </dgm:pt>
+    <dgm:pt modelId="{3D412B76-12AE-3641-BBBF-F2F63CB37EC7}" type="pres">
+      <dgm:prSet presAssocID="{EE2823AE-D38C-0343-950D-6245A2435C1E}" presName="txThree" presStyleLbl="node3" presStyleIdx="1" presStyleCnt="2" custLinFactY="-5954" custLinFactNeighborX="-1582" custLinFactNeighborY="-100000">
+        <dgm:presLayoutVars>
+          <dgm:chPref val="3"/>
+        </dgm:presLayoutVars>
+      </dgm:prSet>
+      <dgm:spPr/>
+    </dgm:pt>
+    <dgm:pt modelId="{4D2DBF29-1249-0B42-B11D-3B897121CD13}" type="pres">
+      <dgm:prSet presAssocID="{EE2823AE-D38C-0343-950D-6245A2435C1E}" presName="horzThree" presStyleCnt="0"/>
+      <dgm:spPr/>
+    </dgm:pt>
+  </dgm:ptLst>
+  <dgm:cxnLst>
+    <dgm:cxn modelId="{D2B91560-6C03-0643-990D-BD9720D03A32}" type="presOf" srcId="{37D2FF38-FC4A-8A4C-A71E-BD6A03CCE110}" destId="{63CAE195-95C7-5C46-A84E-ACB496E4E486}" srcOrd="0" destOrd="0" presId="urn:microsoft.com/office/officeart/2005/8/layout/hierarchy4"/>
+    <dgm:cxn modelId="{98D8D627-9A48-A14F-A7AE-98872B48579B}" srcId="{778949FC-C6CD-4E40-AE22-312C0815C896}" destId="{EE2823AE-D38C-0343-950D-6245A2435C1E}" srcOrd="1" destOrd="0" parTransId="{E72BEAD4-9A7A-7F40-989F-AEF53E920CEB}" sibTransId="{08503AF0-FD2E-E34E-AE66-1C5D88D11C91}"/>
+    <dgm:cxn modelId="{F462BD43-16E8-4247-9B4E-9D182FC1B391}" srcId="{778949FC-C6CD-4E40-AE22-312C0815C896}" destId="{139A09E9-E3EF-3747-8CB5-872ACDCB7CD1}" srcOrd="0" destOrd="0" parTransId="{3D2E4C27-8B7B-7A42-907F-BE32219D65DA}" sibTransId="{AA597F84-5634-7D47-B8EA-1867F7023D0C}"/>
+    <dgm:cxn modelId="{46F0E968-EA40-2B4D-A5B3-EEC514E4D406}" type="presOf" srcId="{139A09E9-E3EF-3747-8CB5-872ACDCB7CD1}" destId="{457C81A9-A902-2244-BC45-994EC06D3D52}" srcOrd="0" destOrd="0" presId="urn:microsoft.com/office/officeart/2005/8/layout/hierarchy4"/>
+    <dgm:cxn modelId="{17C48D42-D130-E146-BE51-26C45B37BCBC}" type="presOf" srcId="{1BD02062-88FB-AF4D-BB28-6B475E4577C4}" destId="{A3171E51-F215-7F4E-89ED-B4D3CB14A566}" srcOrd="0" destOrd="0" presId="urn:microsoft.com/office/officeart/2005/8/layout/hierarchy4"/>
+    <dgm:cxn modelId="{D7BBDB21-28BD-024C-8566-AE181630150D}" type="presOf" srcId="{778949FC-C6CD-4E40-AE22-312C0815C896}" destId="{27730489-77C6-8D45-9027-B3EE9D02F9E3}" srcOrd="0" destOrd="0" presId="urn:microsoft.com/office/officeart/2005/8/layout/hierarchy4"/>
+    <dgm:cxn modelId="{76B3D198-75BE-5A40-8EDD-3B2FDB5B9A48}" srcId="{1BD02062-88FB-AF4D-BB28-6B475E4577C4}" destId="{0701CD39-FD4A-5446-9976-6C0E5BA4E877}" srcOrd="0" destOrd="0" parTransId="{AA31C16F-A275-1F44-8E75-9271620DD23C}" sibTransId="{E34AFB94-1DEE-FA4E-B01B-46B3B1E5192C}"/>
+    <dgm:cxn modelId="{3485C28C-16F1-904D-8FAE-D743962D417F}" srcId="{0701CD39-FD4A-5446-9976-6C0E5BA4E877}" destId="{778949FC-C6CD-4E40-AE22-312C0815C896}" srcOrd="1" destOrd="0" parTransId="{8DD5519A-A3CA-A847-8259-4BD5D4E30313}" sibTransId="{E9988811-D8C1-654D-AF27-4745CF3ADCDB}"/>
+    <dgm:cxn modelId="{1410F6A7-55C1-F047-A5FC-B256C8FB2B3F}" srcId="{0701CD39-FD4A-5446-9976-6C0E5BA4E877}" destId="{37D2FF38-FC4A-8A4C-A71E-BD6A03CCE110}" srcOrd="0" destOrd="0" parTransId="{41B9674B-FE39-ED4E-B8C8-2ADD4ACF012F}" sibTransId="{D36D701D-28EC-C841-BC67-C057D5323F2E}"/>
+    <dgm:cxn modelId="{6CE6DF87-B147-1F46-97C1-5CE83ADC7DDC}" type="presOf" srcId="{0701CD39-FD4A-5446-9976-6C0E5BA4E877}" destId="{85E09BD7-FECA-1143-B481-9DCE70B3BF42}" srcOrd="0" destOrd="0" presId="urn:microsoft.com/office/officeart/2005/8/layout/hierarchy4"/>
+    <dgm:cxn modelId="{3739D634-023F-D041-8F33-59C2FA527857}" type="presOf" srcId="{EE2823AE-D38C-0343-950D-6245A2435C1E}" destId="{3D412B76-12AE-3641-BBBF-F2F63CB37EC7}" srcOrd="0" destOrd="0" presId="urn:microsoft.com/office/officeart/2005/8/layout/hierarchy4"/>
+    <dgm:cxn modelId="{FC2EDAF3-20C4-F04C-A558-21426BFF4AC4}" type="presParOf" srcId="{A3171E51-F215-7F4E-89ED-B4D3CB14A566}" destId="{72F49C58-7741-E943-BEC3-A84F291354B5}" srcOrd="0" destOrd="0" presId="urn:microsoft.com/office/officeart/2005/8/layout/hierarchy4"/>
+    <dgm:cxn modelId="{977A0D2E-40EA-CD4A-9AF6-B2553A5AC916}" type="presParOf" srcId="{72F49C58-7741-E943-BEC3-A84F291354B5}" destId="{85E09BD7-FECA-1143-B481-9DCE70B3BF42}" srcOrd="0" destOrd="0" presId="urn:microsoft.com/office/officeart/2005/8/layout/hierarchy4"/>
+    <dgm:cxn modelId="{25DD233B-2DD2-FC4F-B360-62A1E5F6D1DE}" type="presParOf" srcId="{72F49C58-7741-E943-BEC3-A84F291354B5}" destId="{33184631-87CA-BB49-9DE4-4336377E4985}" srcOrd="1" destOrd="0" presId="urn:microsoft.com/office/officeart/2005/8/layout/hierarchy4"/>
+    <dgm:cxn modelId="{215D1916-8AD4-6B4E-9FD3-9DF1A59115EB}" type="presParOf" srcId="{72F49C58-7741-E943-BEC3-A84F291354B5}" destId="{FFDCE730-0618-C447-8B1F-A73087E29B92}" srcOrd="2" destOrd="0" presId="urn:microsoft.com/office/officeart/2005/8/layout/hierarchy4"/>
+    <dgm:cxn modelId="{0590A03F-6ECE-B54D-8090-94CB9C832418}" type="presParOf" srcId="{FFDCE730-0618-C447-8B1F-A73087E29B92}" destId="{CA16D69F-CD89-B743-B13B-21A977321D95}" srcOrd="0" destOrd="0" presId="urn:microsoft.com/office/officeart/2005/8/layout/hierarchy4"/>
+    <dgm:cxn modelId="{328FF411-EC61-9142-8C60-3C336E08F0DE}" type="presParOf" srcId="{CA16D69F-CD89-B743-B13B-21A977321D95}" destId="{63CAE195-95C7-5C46-A84E-ACB496E4E486}" srcOrd="0" destOrd="0" presId="urn:microsoft.com/office/officeart/2005/8/layout/hierarchy4"/>
+    <dgm:cxn modelId="{AB599513-CB81-014C-B14A-7485D30C9C5F}" type="presParOf" srcId="{CA16D69F-CD89-B743-B13B-21A977321D95}" destId="{209ABA13-F8EB-C042-B6EB-581DE3054F45}" srcOrd="1" destOrd="0" presId="urn:microsoft.com/office/officeart/2005/8/layout/hierarchy4"/>
+    <dgm:cxn modelId="{3B52CD74-0E85-D04F-90FB-2B5C78B72061}" type="presParOf" srcId="{FFDCE730-0618-C447-8B1F-A73087E29B92}" destId="{F93CF9A7-541F-1D4F-89BB-37D4B4788FBA}" srcOrd="1" destOrd="0" presId="urn:microsoft.com/office/officeart/2005/8/layout/hierarchy4"/>
+    <dgm:cxn modelId="{6B48E785-4937-EF4A-ADA2-0076319762ED}" type="presParOf" srcId="{FFDCE730-0618-C447-8B1F-A73087E29B92}" destId="{AB15B93E-75B6-B448-B58D-1C0115F2457D}" srcOrd="2" destOrd="0" presId="urn:microsoft.com/office/officeart/2005/8/layout/hierarchy4"/>
+    <dgm:cxn modelId="{2578AAA8-5A0E-CA46-BBFC-A4F01C407185}" type="presParOf" srcId="{AB15B93E-75B6-B448-B58D-1C0115F2457D}" destId="{27730489-77C6-8D45-9027-B3EE9D02F9E3}" srcOrd="0" destOrd="0" presId="urn:microsoft.com/office/officeart/2005/8/layout/hierarchy4"/>
+    <dgm:cxn modelId="{5204C79C-FC66-4B4F-9F2A-57E327F78F11}" type="presParOf" srcId="{AB15B93E-75B6-B448-B58D-1C0115F2457D}" destId="{63CFC44B-7907-3549-B5A7-697A4E5F5E7D}" srcOrd="1" destOrd="0" presId="urn:microsoft.com/office/officeart/2005/8/layout/hierarchy4"/>
+    <dgm:cxn modelId="{690D7962-AE8B-CA4F-A1B1-44BE4ACE6308}" type="presParOf" srcId="{AB15B93E-75B6-B448-B58D-1C0115F2457D}" destId="{FFC0B0B6-F667-2E4C-A645-AC3BECD63EE9}" srcOrd="2" destOrd="0" presId="urn:microsoft.com/office/officeart/2005/8/layout/hierarchy4"/>
+    <dgm:cxn modelId="{581343FC-DEF2-0643-AD7E-5391C7BE9279}" type="presParOf" srcId="{FFC0B0B6-F667-2E4C-A645-AC3BECD63EE9}" destId="{6A7035E4-E72B-B74A-B5DA-2E384DBB01DA}" srcOrd="0" destOrd="0" presId="urn:microsoft.com/office/officeart/2005/8/layout/hierarchy4"/>
+    <dgm:cxn modelId="{78F52755-ECA4-3D49-AB98-33CEE703D765}" type="presParOf" srcId="{6A7035E4-E72B-B74A-B5DA-2E384DBB01DA}" destId="{457C81A9-A902-2244-BC45-994EC06D3D52}" srcOrd="0" destOrd="0" presId="urn:microsoft.com/office/officeart/2005/8/layout/hierarchy4"/>
+    <dgm:cxn modelId="{E41F27A8-8911-4F4E-AC7D-DB8E663D6D72}" type="presParOf" srcId="{6A7035E4-E72B-B74A-B5DA-2E384DBB01DA}" destId="{D6040346-1FA8-A547-837D-0C73FC9E96B4}" srcOrd="1" destOrd="0" presId="urn:microsoft.com/office/officeart/2005/8/layout/hierarchy4"/>
+    <dgm:cxn modelId="{004D1E3E-9C51-0E4E-BFF0-0FC0232C2759}" type="presParOf" srcId="{FFC0B0B6-F667-2E4C-A645-AC3BECD63EE9}" destId="{0FB1EEC6-81C3-D145-8FDD-6E54F3D370CD}" srcOrd="1" destOrd="0" presId="urn:microsoft.com/office/officeart/2005/8/layout/hierarchy4"/>
+    <dgm:cxn modelId="{D5F339D3-D55C-A448-87F8-7EFDC540ECE2}" type="presParOf" srcId="{FFC0B0B6-F667-2E4C-A645-AC3BECD63EE9}" destId="{A4486780-E092-C64C-A385-83ACC5A2FC95}" srcOrd="2" destOrd="0" presId="urn:microsoft.com/office/officeart/2005/8/layout/hierarchy4"/>
+    <dgm:cxn modelId="{BAD15C54-2E2F-1F48-9CD2-60AB293E4349}" type="presParOf" srcId="{A4486780-E092-C64C-A385-83ACC5A2FC95}" destId="{3D412B76-12AE-3641-BBBF-F2F63CB37EC7}" srcOrd="0" destOrd="0" presId="urn:microsoft.com/office/officeart/2005/8/layout/hierarchy4"/>
+    <dgm:cxn modelId="{15B57B8A-34C0-144D-A1C4-A93F313194B6}" type="presParOf" srcId="{A4486780-E092-C64C-A385-83ACC5A2FC95}" destId="{4D2DBF29-1249-0B42-B11D-3B897121CD13}" srcOrd="1" destOrd="0" presId="urn:microsoft.com/office/officeart/2005/8/layout/hierarchy4"/>
+  </dgm:cxnLst>
+  <dgm:bg/>
+  <dgm:whole/>
+  <dgm:extLst>
+    <a:ext uri="http://schemas.microsoft.com/office/drawing/2008/diagram">
+      <dsp:dataModelExt xmlns:dsp="http://schemas.microsoft.com/office/drawing/2008/diagram" xmlns="" relId="rId6" minVer="http://schemas.openxmlformats.org/drawingml/2006/diagram"/>
+    </a:ext>
+  </dgm:extLst>
+</dgm:dataModel>
+</file>
+
+<file path=ppt/diagrams/drawing1.xml><?xml version="1.0" encoding="utf-8"?>
+<dsp:drawing xmlns:dgm="http://schemas.openxmlformats.org/drawingml/2006/diagram" xmlns:a="http://schemas.openxmlformats.org/drawingml/2006/main" xmlns:dsp="http://schemas.microsoft.com/office/drawing/2008/diagram">
+  <dsp:spTree>
+    <dsp:nvGrpSpPr>
+      <dsp:cNvPr id="0" name=""/>
+      <dsp:cNvGrpSpPr/>
+    </dsp:nvGrpSpPr>
+    <dsp:grpSpPr/>
+    <dsp:sp modelId="{85E09BD7-FECA-1143-B481-9DCE70B3BF42}">
+      <dsp:nvSpPr>
+        <dsp:cNvPr id="0" name=""/>
+        <dsp:cNvSpPr/>
+      </dsp:nvSpPr>
+      <dsp:spPr>
+        <a:xfrm>
+          <a:off x="29" y="2782093"/>
+          <a:ext cx="6094601" cy="1281906"/>
+        </a:xfrm>
+        <a:prstGeom prst="roundRect">
+          <a:avLst>
+            <a:gd name="adj" fmla="val 10000"/>
+          </a:avLst>
+        </a:prstGeom>
+        <a:gradFill rotWithShape="0">
+          <a:gsLst>
+            <a:gs pos="0">
+              <a:schemeClr val="accent1">
+                <a:hueOff val="0"/>
+                <a:satOff val="0"/>
+                <a:lumOff val="0"/>
+                <a:alphaOff val="0"/>
+                <a:tint val="100000"/>
+                <a:shade val="100000"/>
+                <a:satMod val="130000"/>
+              </a:schemeClr>
+            </a:gs>
+            <a:gs pos="100000">
+              <a:schemeClr val="accent1">
+                <a:hueOff val="0"/>
+                <a:satOff val="0"/>
+                <a:lumOff val="0"/>
+                <a:alphaOff val="0"/>
+                <a:tint val="50000"/>
+                <a:shade val="100000"/>
+                <a:satMod val="350000"/>
+              </a:schemeClr>
+            </a:gs>
+          </a:gsLst>
+          <a:lin ang="16200000" scaled="0"/>
+        </a:gradFill>
+        <a:ln>
+          <a:noFill/>
+        </a:ln>
+        <a:effectLst>
+          <a:outerShdw blurRad="40000" dist="23000" dir="5400000" rotWithShape="0">
+            <a:srgbClr val="000000">
+              <a:alpha val="35000"/>
+            </a:srgbClr>
+          </a:outerShdw>
+        </a:effectLst>
+      </dsp:spPr>
+      <dsp:style>
+        <a:lnRef idx="0">
+          <a:scrgbClr r="0" g="0" b="0"/>
+        </a:lnRef>
+        <a:fillRef idx="3">
+          <a:scrgbClr r="0" g="0" b="0"/>
+        </a:fillRef>
+        <a:effectRef idx="2">
+          <a:scrgbClr r="0" g="0" b="0"/>
+        </a:effectRef>
+        <a:fontRef idx="minor">
+          <a:schemeClr val="lt1"/>
+        </a:fontRef>
+      </dsp:style>
+      <dsp:txBody>
+        <a:bodyPr spcFirstLastPara="0" vert="horz" wrap="square" lIns="171450" tIns="171450" rIns="171450" bIns="171450" numCol="1" spcCol="1270" anchor="ctr" anchorCtr="0">
+          <a:noAutofit/>
+        </a:bodyPr>
+        <a:lstStyle/>
+        <a:p>
+          <a:pPr lvl="0" algn="ctr" defTabSz="2000250">
+            <a:lnSpc>
+              <a:spcPct val="90000"/>
+            </a:lnSpc>
+            <a:spcBef>
+              <a:spcPct val="0"/>
+            </a:spcBef>
+            <a:spcAft>
+              <a:spcPct val="35000"/>
+            </a:spcAft>
+          </a:pPr>
+          <a:r>
+            <a:rPr lang="de-DE" sz="4500" kern="1200" dirty="0" err="1" smtClean="0"/>
+            <a:t>Flow</a:t>
+          </a:r>
+          <a:r>
+            <a:rPr lang="de-DE" sz="4500" kern="1200" dirty="0" smtClean="0"/>
+            <a:t> </a:t>
+          </a:r>
+          <a:r>
+            <a:rPr lang="de-DE" sz="4500" kern="1200" dirty="0" err="1" smtClean="0"/>
+            <a:t>Capacity</a:t>
+          </a:r>
+          <a:r>
+            <a:rPr lang="de-DE" sz="4500" kern="1200" dirty="0" smtClean="0"/>
+            <a:t> </a:t>
+          </a:r>
+          <a:r>
+            <a:rPr lang="de-DE" sz="4500" kern="1200" dirty="0" err="1" smtClean="0"/>
+            <a:t>Resilience</a:t>
+          </a:r>
+          <a:endParaRPr lang="de-DE" sz="4500" kern="1200" dirty="0"/>
+        </a:p>
+      </dsp:txBody>
+      <dsp:txXfrm>
+        <a:off x="29" y="2782093"/>
+        <a:ext cx="6094601" cy="1281906"/>
+      </dsp:txXfrm>
+    </dsp:sp>
+    <dsp:sp modelId="{63CAE195-95C7-5C46-A84E-ACB496E4E486}">
+      <dsp:nvSpPr>
+        <dsp:cNvPr id="0" name=""/>
+        <dsp:cNvSpPr/>
+      </dsp:nvSpPr>
+      <dsp:spPr>
+        <a:xfrm>
+          <a:off x="0" y="0"/>
+          <a:ext cx="1949648" cy="1281906"/>
+        </a:xfrm>
+        <a:prstGeom prst="roundRect">
+          <a:avLst>
+            <a:gd name="adj" fmla="val 10000"/>
+          </a:avLst>
+        </a:prstGeom>
+        <a:gradFill rotWithShape="0">
+          <a:gsLst>
+            <a:gs pos="0">
+              <a:schemeClr val="accent1">
+                <a:hueOff val="0"/>
+                <a:satOff val="0"/>
+                <a:lumOff val="0"/>
+                <a:alphaOff val="0"/>
+                <a:tint val="100000"/>
+                <a:shade val="100000"/>
+                <a:satMod val="130000"/>
+              </a:schemeClr>
+            </a:gs>
+            <a:gs pos="100000">
+              <a:schemeClr val="accent1">
+                <a:hueOff val="0"/>
+                <a:satOff val="0"/>
+                <a:lumOff val="0"/>
+                <a:alphaOff val="0"/>
+                <a:tint val="50000"/>
+                <a:shade val="100000"/>
+                <a:satMod val="350000"/>
+              </a:schemeClr>
+            </a:gs>
+          </a:gsLst>
+          <a:lin ang="16200000" scaled="0"/>
+        </a:gradFill>
+        <a:ln>
+          <a:noFill/>
+        </a:ln>
+        <a:effectLst>
+          <a:outerShdw blurRad="40000" dist="23000" dir="5400000" rotWithShape="0">
+            <a:srgbClr val="000000">
+              <a:alpha val="35000"/>
+            </a:srgbClr>
+          </a:outerShdw>
+        </a:effectLst>
+      </dsp:spPr>
+      <dsp:style>
+        <a:lnRef idx="0">
+          <a:scrgbClr r="0" g="0" b="0"/>
+        </a:lnRef>
+        <a:fillRef idx="3">
+          <a:scrgbClr r="0" g="0" b="0"/>
+        </a:fillRef>
+        <a:effectRef idx="2">
+          <a:scrgbClr r="0" g="0" b="0"/>
+        </a:effectRef>
+        <a:fontRef idx="minor">
+          <a:schemeClr val="lt1"/>
+        </a:fontRef>
+      </dsp:style>
+      <dsp:txBody>
+        <a:bodyPr spcFirstLastPara="0" vert="horz" wrap="square" lIns="171450" tIns="171450" rIns="171450" bIns="171450" numCol="1" spcCol="1270" anchor="ctr" anchorCtr="0">
+          <a:noAutofit/>
+        </a:bodyPr>
+        <a:lstStyle/>
+        <a:p>
+          <a:pPr lvl="0" algn="ctr" defTabSz="2000250">
+            <a:lnSpc>
+              <a:spcPct val="90000"/>
+            </a:lnSpc>
+            <a:spcBef>
+              <a:spcPct val="0"/>
+            </a:spcBef>
+            <a:spcAft>
+              <a:spcPct val="35000"/>
+            </a:spcAft>
+          </a:pPr>
+          <a:r>
+            <a:rPr lang="de-DE" sz="4500" kern="1200" dirty="0" smtClean="0"/>
+            <a:t>Data</a:t>
+          </a:r>
+        </a:p>
+      </dsp:txBody>
+      <dsp:txXfrm>
+        <a:off x="0" y="0"/>
+        <a:ext cx="1949648" cy="1281906"/>
+      </dsp:txXfrm>
+    </dsp:sp>
+    <dsp:sp modelId="{27730489-77C6-8D45-9027-B3EE9D02F9E3}">
+      <dsp:nvSpPr>
+        <dsp:cNvPr id="0" name=""/>
+        <dsp:cNvSpPr/>
+      </dsp:nvSpPr>
+      <dsp:spPr>
+        <a:xfrm>
+          <a:off x="2114817" y="0"/>
+          <a:ext cx="3981182" cy="1281906"/>
+        </a:xfrm>
+        <a:prstGeom prst="roundRect">
+          <a:avLst>
+            <a:gd name="adj" fmla="val 10000"/>
+          </a:avLst>
+        </a:prstGeom>
+        <a:gradFill rotWithShape="0">
+          <a:gsLst>
+            <a:gs pos="0">
+              <a:schemeClr val="accent1">
+                <a:hueOff val="0"/>
+                <a:satOff val="0"/>
+                <a:lumOff val="0"/>
+                <a:alphaOff val="0"/>
+                <a:tint val="100000"/>
+                <a:shade val="100000"/>
+                <a:satMod val="130000"/>
+              </a:schemeClr>
+            </a:gs>
+            <a:gs pos="100000">
+              <a:schemeClr val="accent1">
+                <a:hueOff val="0"/>
+                <a:satOff val="0"/>
+                <a:lumOff val="0"/>
+                <a:alphaOff val="0"/>
+                <a:tint val="50000"/>
+                <a:shade val="100000"/>
+                <a:satMod val="350000"/>
+              </a:schemeClr>
+            </a:gs>
+          </a:gsLst>
+          <a:lin ang="16200000" scaled="0"/>
+        </a:gradFill>
+        <a:ln>
+          <a:noFill/>
+        </a:ln>
+        <a:effectLst>
+          <a:outerShdw blurRad="40000" dist="23000" dir="5400000" rotWithShape="0">
+            <a:srgbClr val="000000">
+              <a:alpha val="35000"/>
+            </a:srgbClr>
+          </a:outerShdw>
+        </a:effectLst>
+      </dsp:spPr>
+      <dsp:style>
+        <a:lnRef idx="0">
+          <a:scrgbClr r="0" g="0" b="0"/>
+        </a:lnRef>
+        <a:fillRef idx="3">
+          <a:scrgbClr r="0" g="0" b="0"/>
+        </a:fillRef>
+        <a:effectRef idx="2">
+          <a:scrgbClr r="0" g="0" b="0"/>
+        </a:effectRef>
+        <a:fontRef idx="minor">
+          <a:schemeClr val="lt1"/>
+        </a:fontRef>
+      </dsp:style>
+      <dsp:txBody>
+        <a:bodyPr spcFirstLastPara="0" vert="horz" wrap="square" lIns="171450" tIns="171450" rIns="171450" bIns="171450" numCol="1" spcCol="1270" anchor="ctr" anchorCtr="0">
+          <a:noAutofit/>
+        </a:bodyPr>
+        <a:lstStyle/>
+        <a:p>
+          <a:pPr lvl="0" algn="ctr" defTabSz="2000250">
+            <a:lnSpc>
+              <a:spcPct val="90000"/>
+            </a:lnSpc>
+            <a:spcBef>
+              <a:spcPct val="0"/>
+            </a:spcBef>
+            <a:spcAft>
+              <a:spcPct val="35000"/>
+            </a:spcAft>
+          </a:pPr>
+          <a:r>
+            <a:rPr lang="de-DE" sz="4500" kern="1200" dirty="0" smtClean="0"/>
+            <a:t>Model</a:t>
+          </a:r>
+          <a:endParaRPr lang="de-DE" sz="4500" kern="1200" dirty="0"/>
+        </a:p>
+      </dsp:txBody>
+      <dsp:txXfrm>
+        <a:off x="2114817" y="0"/>
+        <a:ext cx="3981182" cy="1281906"/>
+      </dsp:txXfrm>
+    </dsp:sp>
+    <dsp:sp modelId="{457C81A9-A902-2244-BC45-994EC06D3D52}">
+      <dsp:nvSpPr>
+        <dsp:cNvPr id="0" name=""/>
+        <dsp:cNvSpPr/>
+      </dsp:nvSpPr>
+      <dsp:spPr>
+        <a:xfrm>
+          <a:off x="2133595" y="1422402"/>
+          <a:ext cx="1949648" cy="1281906"/>
+        </a:xfrm>
+        <a:prstGeom prst="roundRect">
+          <a:avLst>
+            <a:gd name="adj" fmla="val 10000"/>
+          </a:avLst>
+        </a:prstGeom>
+        <a:gradFill rotWithShape="0">
+          <a:gsLst>
+            <a:gs pos="0">
+              <a:schemeClr val="accent1">
+                <a:hueOff val="0"/>
+                <a:satOff val="0"/>
+                <a:lumOff val="0"/>
+                <a:alphaOff val="0"/>
+                <a:tint val="100000"/>
+                <a:shade val="100000"/>
+                <a:satMod val="130000"/>
+              </a:schemeClr>
+            </a:gs>
+            <a:gs pos="100000">
+              <a:schemeClr val="accent1">
+                <a:hueOff val="0"/>
+                <a:satOff val="0"/>
+                <a:lumOff val="0"/>
+                <a:alphaOff val="0"/>
+                <a:tint val="50000"/>
+                <a:shade val="100000"/>
+                <a:satMod val="350000"/>
+              </a:schemeClr>
+            </a:gs>
+          </a:gsLst>
+          <a:lin ang="16200000" scaled="0"/>
+        </a:gradFill>
+        <a:ln>
+          <a:noFill/>
+        </a:ln>
+        <a:effectLst>
+          <a:outerShdw blurRad="40000" dist="23000" dir="5400000" rotWithShape="0">
+            <a:srgbClr val="000000">
+              <a:alpha val="35000"/>
+            </a:srgbClr>
+          </a:outerShdw>
+        </a:effectLst>
+      </dsp:spPr>
+      <dsp:style>
+        <a:lnRef idx="0">
+          <a:scrgbClr r="0" g="0" b="0"/>
+        </a:lnRef>
+        <a:fillRef idx="3">
+          <a:scrgbClr r="0" g="0" b="0"/>
+        </a:fillRef>
+        <a:effectRef idx="2">
+          <a:scrgbClr r="0" g="0" b="0"/>
+        </a:effectRef>
+        <a:fontRef idx="minor">
+          <a:schemeClr val="lt1"/>
+        </a:fontRef>
+      </dsp:style>
+      <dsp:txBody>
+        <a:bodyPr spcFirstLastPara="0" vert="horz" wrap="square" lIns="156210" tIns="156210" rIns="156210" bIns="156210" numCol="1" spcCol="1270" anchor="ctr" anchorCtr="0">
+          <a:noAutofit/>
+        </a:bodyPr>
+        <a:lstStyle/>
+        <a:p>
+          <a:pPr lvl="0" algn="ctr" defTabSz="1822450">
+            <a:lnSpc>
+              <a:spcPct val="90000"/>
+            </a:lnSpc>
+            <a:spcBef>
+              <a:spcPct val="0"/>
+            </a:spcBef>
+            <a:spcAft>
+              <a:spcPct val="35000"/>
+            </a:spcAft>
+          </a:pPr>
+          <a:r>
+            <a:rPr lang="de-DE" sz="4100" kern="1200" dirty="0" err="1" smtClean="0"/>
+            <a:t>Gravity</a:t>
+          </a:r>
+          <a:endParaRPr lang="de-DE" sz="4100" kern="1200" dirty="0"/>
+        </a:p>
+      </dsp:txBody>
+      <dsp:txXfrm>
+        <a:off x="2133595" y="1422402"/>
+        <a:ext cx="1949648" cy="1281906"/>
+      </dsp:txXfrm>
+    </dsp:sp>
+    <dsp:sp modelId="{3D412B76-12AE-3641-BBBF-F2F63CB37EC7}">
+      <dsp:nvSpPr>
+        <dsp:cNvPr id="0" name=""/>
+        <dsp:cNvSpPr/>
+      </dsp:nvSpPr>
+      <dsp:spPr>
+        <a:xfrm>
+          <a:off x="4114808" y="1422402"/>
+          <a:ext cx="1949648" cy="1281906"/>
+        </a:xfrm>
+        <a:prstGeom prst="roundRect">
+          <a:avLst>
+            <a:gd name="adj" fmla="val 10000"/>
+          </a:avLst>
+        </a:prstGeom>
+        <a:gradFill rotWithShape="0">
+          <a:gsLst>
+            <a:gs pos="0">
+              <a:schemeClr val="accent1">
+                <a:hueOff val="0"/>
+                <a:satOff val="0"/>
+                <a:lumOff val="0"/>
+                <a:alphaOff val="0"/>
+                <a:tint val="100000"/>
+                <a:shade val="100000"/>
+                <a:satMod val="130000"/>
+              </a:schemeClr>
+            </a:gs>
+            <a:gs pos="100000">
+              <a:schemeClr val="accent1">
+                <a:hueOff val="0"/>
+                <a:satOff val="0"/>
+                <a:lumOff val="0"/>
+                <a:alphaOff val="0"/>
+                <a:tint val="50000"/>
+                <a:shade val="100000"/>
+                <a:satMod val="350000"/>
+              </a:schemeClr>
+            </a:gs>
+          </a:gsLst>
+          <a:lin ang="16200000" scaled="0"/>
+        </a:gradFill>
+        <a:ln>
+          <a:noFill/>
+        </a:ln>
+        <a:effectLst>
+          <a:outerShdw blurRad="40000" dist="23000" dir="5400000" rotWithShape="0">
+            <a:srgbClr val="000000">
+              <a:alpha val="35000"/>
+            </a:srgbClr>
+          </a:outerShdw>
+        </a:effectLst>
+      </dsp:spPr>
+      <dsp:style>
+        <a:lnRef idx="0">
+          <a:scrgbClr r="0" g="0" b="0"/>
+        </a:lnRef>
+        <a:fillRef idx="3">
+          <a:scrgbClr r="0" g="0" b="0"/>
+        </a:fillRef>
+        <a:effectRef idx="2">
+          <a:scrgbClr r="0" g="0" b="0"/>
+        </a:effectRef>
+        <a:fontRef idx="minor">
+          <a:schemeClr val="lt1"/>
+        </a:fontRef>
+      </dsp:style>
+      <dsp:txBody>
+        <a:bodyPr spcFirstLastPara="0" vert="horz" wrap="square" lIns="156210" tIns="156210" rIns="156210" bIns="156210" numCol="1" spcCol="1270" anchor="ctr" anchorCtr="0">
+          <a:noAutofit/>
+        </a:bodyPr>
+        <a:lstStyle/>
+        <a:p>
+          <a:pPr lvl="0" algn="ctr" defTabSz="1822450">
+            <a:lnSpc>
+              <a:spcPct val="90000"/>
+            </a:lnSpc>
+            <a:spcBef>
+              <a:spcPct val="0"/>
+            </a:spcBef>
+            <a:spcAft>
+              <a:spcPct val="35000"/>
+            </a:spcAft>
+          </a:pPr>
+          <a:r>
+            <a:rPr lang="de-DE" sz="4100" kern="1200" dirty="0" err="1" smtClean="0"/>
+            <a:t>Our</a:t>
+          </a:r>
+          <a:endParaRPr lang="de-DE" sz="4100" kern="1200" dirty="0"/>
+        </a:p>
+      </dsp:txBody>
+      <dsp:txXfrm>
+        <a:off x="4114808" y="1422402"/>
+        <a:ext cx="1949648" cy="1281906"/>
+      </dsp:txXfrm>
+    </dsp:sp>
+  </dsp:spTree>
+</dsp:drawing>
+</file>
+
+<file path=ppt/diagrams/layout1.xml><?xml version="1.0" encoding="utf-8"?>
+<dgm:layoutDef xmlns:dgm="http://schemas.openxmlformats.org/drawingml/2006/diagram" xmlns:a="http://schemas.openxmlformats.org/drawingml/2006/main" uniqueId="urn:microsoft.com/office/officeart/2005/8/layout/hierarchy4">
+  <dgm:title val=""/>
+  <dgm:desc val=""/>
+  <dgm:catLst>
+    <dgm:cat type="hierarchy" pri="4000"/>
+    <dgm:cat type="list" pri="24000"/>
+    <dgm:cat type="relationship" pri="10000"/>
+  </dgm:catLst>
+  <dgm:sampData>
+    <dgm:dataModel>
+      <dgm:ptLst>
+        <dgm:pt modelId="0" type="doc"/>
+        <dgm:pt modelId="1">
+          <dgm:prSet phldr="1"/>
+        </dgm:pt>
+        <dgm:pt modelId="2">
+          <dgm:prSet phldr="1"/>
+        </dgm:pt>
+        <dgm:pt modelId="21">
+          <dgm:prSet phldr="1"/>
+        </dgm:pt>
+        <dgm:pt modelId="22">
+          <dgm:prSet phldr="1"/>
+        </dgm:pt>
+        <dgm:pt modelId="3">
+          <dgm:prSet phldr="1"/>
+        </dgm:pt>
+        <dgm:pt modelId="31">
+          <dgm:prSet phldr="1"/>
+        </dgm:pt>
+      </dgm:ptLst>
+      <dgm:cxnLst>
+        <dgm:cxn modelId="4" srcId="0" destId="1" srcOrd="0" destOrd="0"/>
+        <dgm:cxn modelId="5" srcId="1" destId="2" srcOrd="0" destOrd="0"/>
+        <dgm:cxn modelId="6" srcId="1" destId="3" srcOrd="1" destOrd="0"/>
+        <dgm:cxn modelId="23" srcId="2" destId="21" srcOrd="0" destOrd="0"/>
+        <dgm:cxn modelId="24" srcId="2" destId="22" srcOrd="1" destOrd="0"/>
+        <dgm:cxn modelId="33" srcId="3" destId="31" srcOrd="0" destOrd="0"/>
+      </dgm:cxnLst>
+      <dgm:bg/>
+      <dgm:whole/>
+    </dgm:dataModel>
+  </dgm:sampData>
+  <dgm:styleData>
+    <dgm:dataModel>
+      <dgm:ptLst>
+        <dgm:pt modelId="0" type="doc"/>
+        <dgm:pt modelId="1"/>
+        <dgm:pt modelId="11"/>
+        <dgm:pt modelId="12"/>
+      </dgm:ptLst>
+      <dgm:cxnLst>
+        <dgm:cxn modelId="2" srcId="0" destId="1" srcOrd="0" destOrd="0"/>
+        <dgm:cxn modelId="13" srcId="1" destId="11" srcOrd="0" destOrd="0"/>
+        <dgm:cxn modelId="14" srcId="1" destId="12" srcOrd="1" destOrd="0"/>
+      </dgm:cxnLst>
+      <dgm:bg/>
+      <dgm:whole/>
+    </dgm:dataModel>
+  </dgm:styleData>
+  <dgm:clrData>
+    <dgm:dataModel>
+      <dgm:ptLst>
+        <dgm:pt modelId="0" type="doc"/>
+        <dgm:pt modelId="1"/>
+        <dgm:pt modelId="2"/>
+        <dgm:pt modelId="21"/>
+        <dgm:pt modelId="211"/>
+        <dgm:pt modelId="3"/>
+        <dgm:pt modelId="31"/>
+        <dgm:pt modelId="311"/>
+      </dgm:ptLst>
+      <dgm:cxnLst>
+        <dgm:cxn modelId="4" srcId="0" destId="1" srcOrd="0" destOrd="0"/>
+        <dgm:cxn modelId="5" srcId="1" destId="2" srcOrd="0" destOrd="0"/>
+        <dgm:cxn modelId="6" srcId="1" destId="3" srcOrd="1" destOrd="0"/>
+        <dgm:cxn modelId="23" srcId="2" destId="21" srcOrd="0" destOrd="0"/>
+        <dgm:cxn modelId="24" srcId="21" destId="211" srcOrd="0" destOrd="0"/>
+        <dgm:cxn modelId="33" srcId="3" destId="31" srcOrd="0" destOrd="0"/>
+        <dgm:cxn modelId="34" srcId="31" destId="311" srcOrd="0" destOrd="0"/>
+      </dgm:cxnLst>
+      <dgm:bg/>
+      <dgm:whole/>
+    </dgm:dataModel>
+  </dgm:clrData>
+  <dgm:layoutNode name="Name0">
+    <dgm:varLst>
+      <dgm:chPref val="1"/>
+      <dgm:dir/>
+      <dgm:animOne val="branch"/>
+      <dgm:animLvl val="lvl"/>
+      <dgm:resizeHandles/>
+    </dgm:varLst>
+    <dgm:choose name="Name1">
+      <dgm:if name="Name2" func="var" arg="dir" op="equ" val="norm">
+        <dgm:alg type="lin">
+          <dgm:param type="linDir" val="fromL"/>
+          <dgm:param type="nodeVertAlign" val="t"/>
+        </dgm:alg>
+      </dgm:if>
+      <dgm:else name="Name3">
+        <dgm:alg type="lin">
+          <dgm:param type="linDir" val="fromR"/>
+          <dgm:param type="nodeVertAlign" val="t"/>
+        </dgm:alg>
+      </dgm:else>
+    </dgm:choose>
+    <dgm:shape xmlns:r="http://schemas.openxmlformats.org/officeDocument/2006/relationships" r:blip="">
+      <dgm:adjLst/>
+    </dgm:shape>
+    <dgm:presOf/>
+    <dgm:constrLst>
+      <dgm:constr type="w" for="ch" forName="vertOne" refType="w"/>
+      <dgm:constr type="w" for="des" forName="horzOne" refType="w"/>
+      <dgm:constr type="w" for="des" forName="txOne" refType="w"/>
+      <dgm:constr type="w" for="des" forName="vertTwo" refType="w"/>
+      <dgm:constr type="w" for="des" forName="horzTwo" refType="w"/>
+      <dgm:constr type="w" for="des" forName="txTwo" refType="w"/>
+      <dgm:constr type="w" for="des" forName="vertThree" refType="w"/>
+      <dgm:constr type="w" for="des" forName="horzThree" refType="w"/>
+      <dgm:constr type="w" for="des" forName="txThree" refType="w"/>
+      <dgm:constr type="w" for="des" forName="vertFour" refType="w"/>
+      <dgm:constr type="w" for="des" forName="horzFour" refType="w"/>
+      <dgm:constr type="w" for="des" forName="txFour" refType="w"/>
+      <dgm:constr type="h" for="des" ptType="node" op="equ"/>
+      <dgm:constr type="h" for="des" forName="txOne" refType="h"/>
+      <dgm:constr type="userH" for="des" ptType="node" refType="h" refFor="des" refForName="txOne"/>
+      <dgm:constr type="primFontSz" for="des" forName="txOne" val="65"/>
+      <dgm:constr type="primFontSz" for="des" forName="txTwo" val="65"/>
+      <dgm:constr type="primFontSz" for="des" forName="txTwo" refType="primFontSz" refFor="des" refForName="txOne" op="lte"/>
+      <dgm:constr type="primFontSz" for="des" forName="txThree" val="65"/>
+      <dgm:constr type="primFontSz" for="des" forName="txThree" refType="primFontSz" refFor="des" refForName="txOne" op="lte"/>
+      <dgm:constr type="primFontSz" for="des" forName="txThree" refType="primFontSz" refFor="des" refForName="txTwo" op="lte"/>
+      <dgm:constr type="primFontSz" for="des" forName="txFour" val="65"/>
+      <dgm:constr type="primFontSz" for="des" forName="txFour" refType="primFontSz" refFor="des" refForName="txOne" op="lte"/>
+      <dgm:constr type="primFontSz" for="des" forName="txFour" refType="primFontSz" refFor="des" refForName="txTwo" op="lte"/>
+      <dgm:constr type="primFontSz" for="des" forName="txFour" refType="primFontSz" refFor="des" refForName="txThree" op="lte"/>
+      <dgm:constr type="w" for="des" forName="sibSpaceOne" refType="w" fact="0.168"/>
+      <dgm:constr type="w" for="des" forName="sibSpaceTwo" refType="w" refFor="des" refForName="sibSpaceOne" op="equ" fact="0.5"/>
+      <dgm:constr type="w" for="des" forName="sibSpaceThree" refType="w" refFor="des" refForName="sibSpaceTwo" op="equ" fact="0.5"/>
+      <dgm:constr type="w" for="des" forName="sibSpaceFour" refType="w" refFor="des" refForName="sibSpaceThree" op="equ" fact="0.5"/>
+      <dgm:constr type="h" for="des" forName="parTransOne" refType="w" fact="0.056"/>
+      <dgm:constr type="h" for="des" forName="parTransTwo" refType="h" refFor="des" refForName="parTransOne" op="equ"/>
+      <dgm:constr type="h" for="des" forName="parTransThree" refType="h" refFor="des" refForName="parTransTwo" op="equ"/>
+      <dgm:constr type="h" for="des" forName="parTransFour" refType="h" refFor="des" refForName="parTransThree" op="equ"/>
+    </dgm:constrLst>
+    <dgm:ruleLst/>
+    <dgm:forEach name="Name4" axis="ch" ptType="node">
+      <dgm:layoutNode name="vertOne">
+        <dgm:alg type="lin">
+          <dgm:param type="linDir" val="fromT"/>
+        </dgm:alg>
+        <dgm:shape xmlns:r="http://schemas.openxmlformats.org/officeDocument/2006/relationships" r:blip="">
+          <dgm:adjLst/>
+        </dgm:shape>
+        <dgm:presOf/>
+        <dgm:constrLst>
+          <dgm:constr type="w" for="ch" forName="txOne" refType="w" refFor="ch" refForName="horzOne" op="gte"/>
+        </dgm:constrLst>
+        <dgm:ruleLst/>
+        <dgm:layoutNode name="txOne" styleLbl="node0">
+          <dgm:varLst>
+            <dgm:chPref val="3"/>
+          </dgm:varLst>
+          <dgm:alg type="tx"/>
+          <dgm:shape xmlns:r="http://schemas.openxmlformats.org/officeDocument/2006/relationships" type="roundRect" r:blip="">
+            <dgm:adjLst>
+              <dgm:adj idx="1" val="0.1"/>
+            </dgm:adjLst>
+          </dgm:shape>
+          <dgm:presOf axis="self"/>
+          <dgm:constrLst>
+            <dgm:constr type="tMarg" refType="primFontSz" fact="0.3"/>
+            <dgm:constr type="bMarg" refType="primFontSz" fact="0.3"/>
+            <dgm:constr type="lMarg" refType="primFontSz" fact="0.3"/>
+            <dgm:constr type="rMarg" refType="primFontSz" fact="0.3"/>
+          </dgm:constrLst>
+          <dgm:ruleLst>
+            <dgm:rule type="primFontSz" val="5" fact="NaN" max="NaN"/>
+          </dgm:ruleLst>
+        </dgm:layoutNode>
+        <dgm:choose name="Name5">
+          <dgm:if name="Name6" axis="des" ptType="node" func="cnt" op="gt" val="0">
+            <dgm:layoutNode name="parTransOne">
+              <dgm:alg type="sp"/>
+              <dgm:shape xmlns:r="http://schemas.openxmlformats.org/officeDocument/2006/relationships" r:blip="">
+                <dgm:adjLst/>
+              </dgm:shape>
+              <dgm:presOf/>
+              <dgm:constrLst/>
+              <dgm:ruleLst/>
+            </dgm:layoutNode>
+          </dgm:if>
+          <dgm:else name="Name7"/>
+        </dgm:choose>
+        <dgm:layoutNode name="horzOne">
+          <dgm:choose name="Name8">
+            <dgm:if name="Name9" func="var" arg="dir" op="equ" val="norm">
+              <dgm:alg type="lin">
+                <dgm:param type="linDir" val="fromL"/>
+                <dgm:param type="nodeVertAlign" val="t"/>
+              </dgm:alg>
+            </dgm:if>
+            <dgm:else name="Name10">
+              <dgm:alg type="lin">
+                <dgm:param type="linDir" val="fromR"/>
+                <dgm:param type="nodeVertAlign" val="t"/>
+              </dgm:alg>
+            </dgm:else>
+          </dgm:choose>
+          <dgm:shape xmlns:r="http://schemas.openxmlformats.org/officeDocument/2006/relationships" r:blip="">
+            <dgm:adjLst/>
+          </dgm:shape>
+          <dgm:presOf/>
+          <dgm:constrLst/>
+          <dgm:ruleLst>
+            <dgm:rule type="w" val="INF" fact="NaN" max="NaN"/>
+          </dgm:ruleLst>
+          <dgm:forEach name="Name11" axis="ch" ptType="node">
+            <dgm:layoutNode name="vertTwo">
+              <dgm:alg type="lin">
+                <dgm:param type="linDir" val="fromT"/>
+              </dgm:alg>
+              <dgm:shape xmlns:r="http://schemas.openxmlformats.org/officeDocument/2006/relationships" r:blip="">
+                <dgm:adjLst/>
+              </dgm:shape>
+              <dgm:presOf/>
+              <dgm:constrLst>
+                <dgm:constr type="w" for="ch" forName="txTwo" refType="w" refFor="ch" refForName="horzTwo" op="gte"/>
+              </dgm:constrLst>
+              <dgm:ruleLst/>
+              <dgm:layoutNode name="txTwo">
+                <dgm:varLst>
+                  <dgm:chPref val="3"/>
+                </dgm:varLst>
+                <dgm:alg type="tx"/>
+                <dgm:shape xmlns:r="http://schemas.openxmlformats.org/officeDocument/2006/relationships" type="roundRect" r:blip="">
+                  <dgm:adjLst>
+                    <dgm:adj idx="1" val="0.1"/>
+                  </dgm:adjLst>
+                </dgm:shape>
+                <dgm:presOf axis="self"/>
+                <dgm:constrLst>
+                  <dgm:constr type="userH"/>
+                  <dgm:constr type="h" refType="userH"/>
+                  <dgm:constr type="tMarg" refType="primFontSz" fact="0.3"/>
+                  <dgm:constr type="bMarg" refType="primFontSz" fact="0.3"/>
+                  <dgm:constr type="lMarg" refType="primFontSz" fact="0.3"/>
+                  <dgm:constr type="rMarg" refType="primFontSz" fact="0.3"/>
+                </dgm:constrLst>
+                <dgm:ruleLst>
+                  <dgm:rule type="primFontSz" val="5" fact="NaN" max="NaN"/>
+                </dgm:ruleLst>
+              </dgm:layoutNode>
+              <dgm:choose name="Name12">
+                <dgm:if name="Name13" axis="des" ptType="node" func="cnt" op="gt" val="0">
+                  <dgm:layoutNode name="parTransTwo">
+                    <dgm:alg type="sp"/>
+                    <dgm:shape xmlns:r="http://schemas.openxmlformats.org/officeDocument/2006/relationships" r:blip="">
+                      <dgm:adjLst/>
+                    </dgm:shape>
+                    <dgm:presOf/>
+                    <dgm:constrLst/>
+                    <dgm:ruleLst/>
+                  </dgm:layoutNode>
+                </dgm:if>
+                <dgm:else name="Name14"/>
+              </dgm:choose>
+              <dgm:layoutNode name="horzTwo">
+                <dgm:choose name="Name15">
+                  <dgm:if name="Name16" func="var" arg="dir" op="equ" val="norm">
+                    <dgm:alg type="lin">
+                      <dgm:param type="linDir" val="fromL"/>
+                      <dgm:param type="nodeVertAlign" val="t"/>
+                    </dgm:alg>
+                  </dgm:if>
+                  <dgm:else name="Name17">
+                    <dgm:alg type="lin">
+                      <dgm:param type="linDir" val="fromR"/>
+                      <dgm:param type="nodeVertAlign" val="t"/>
+                    </dgm:alg>
+                  </dgm:else>
+                </dgm:choose>
+                <dgm:shape xmlns:r="http://schemas.openxmlformats.org/officeDocument/2006/relationships" r:blip="">
+                  <dgm:adjLst/>
+                </dgm:shape>
+                <dgm:presOf/>
+                <dgm:constrLst/>
+                <dgm:ruleLst>
+                  <dgm:rule type="w" val="INF" fact="NaN" max="NaN"/>
+                </dgm:ruleLst>
+                <dgm:forEach name="Name18" axis="ch" ptType="node">
+                  <dgm:layoutNode name="vertThree">
+                    <dgm:alg type="lin">
+                      <dgm:param type="linDir" val="fromT"/>
+                    </dgm:alg>
+                    <dgm:shape xmlns:r="http://schemas.openxmlformats.org/officeDocument/2006/relationships" r:blip="">
+                      <dgm:adjLst/>
+                    </dgm:shape>
+                    <dgm:presOf/>
+                    <dgm:constrLst>
+                      <dgm:constr type="w" for="ch" forName="txThree" refType="w" refFor="ch" refForName="horzThree" op="gte"/>
+                    </dgm:constrLst>
+                    <dgm:ruleLst/>
+                    <dgm:layoutNode name="txThree">
+                      <dgm:varLst>
+                        <dgm:chPref val="3"/>
+                      </dgm:varLst>
+                      <dgm:alg type="tx"/>
+                      <dgm:shape xmlns:r="http://schemas.openxmlformats.org/officeDocument/2006/relationships" type="roundRect" r:blip="">
+                        <dgm:adjLst>
+                          <dgm:adj idx="1" val="0.1"/>
+                        </dgm:adjLst>
+                      </dgm:shape>
+                      <dgm:presOf axis="self"/>
+                      <dgm:constrLst>
+                        <dgm:constr type="userH"/>
+                        <dgm:constr type="h" refType="userH"/>
+                        <dgm:constr type="tMarg" refType="primFontSz" fact="0.3"/>
+                        <dgm:constr type="bMarg" refType="primFontSz" fact="0.3"/>
+                        <dgm:constr type="lMarg" refType="primFontSz" fact="0.3"/>
+                        <dgm:constr type="rMarg" refType="primFontSz" fact="0.3"/>
+                      </dgm:constrLst>
+                      <dgm:ruleLst>
+                        <dgm:rule type="primFontSz" val="5" fact="NaN" max="NaN"/>
+                      </dgm:ruleLst>
+                    </dgm:layoutNode>
+                    <dgm:choose name="Name19">
+                      <dgm:if name="Name20" axis="des" ptType="node" func="cnt" op="gt" val="0">
+                        <dgm:layoutNode name="parTransThree">
+                          <dgm:alg type="sp"/>
+                          <dgm:shape xmlns:r="http://schemas.openxmlformats.org/officeDocument/2006/relationships" r:blip="">
+                            <dgm:adjLst/>
+                          </dgm:shape>
+                          <dgm:presOf/>
+                          <dgm:constrLst/>
+                          <dgm:ruleLst/>
+                        </dgm:layoutNode>
+                      </dgm:if>
+                      <dgm:else name="Name21"/>
+                    </dgm:choose>
+                    <dgm:layoutNode name="horzThree">
+                      <dgm:choose name="Name22">
+                        <dgm:if name="Name23" func="var" arg="dir" op="equ" val="norm">
+                          <dgm:alg type="lin">
+                            <dgm:param type="linDir" val="fromL"/>
+                            <dgm:param type="nodeVertAlign" val="t"/>
+                          </dgm:alg>
+                        </dgm:if>
+                        <dgm:else name="Name24">
+                          <dgm:alg type="lin">
+                            <dgm:param type="linDir" val="fromR"/>
+                            <dgm:param type="nodeVertAlign" val="t"/>
+                          </dgm:alg>
+                        </dgm:else>
+                      </dgm:choose>
+                      <dgm:shape xmlns:r="http://schemas.openxmlformats.org/officeDocument/2006/relationships" r:blip="">
+                        <dgm:adjLst/>
+                      </dgm:shape>
+                      <dgm:presOf/>
+                      <dgm:constrLst/>
+                      <dgm:ruleLst>
+                        <dgm:rule type="w" val="INF" fact="NaN" max="NaN"/>
+                      </dgm:ruleLst>
+                      <dgm:forEach name="repeat" axis="ch" ptType="node">
+                        <dgm:layoutNode name="vertFour">
+                          <dgm:varLst>
+                            <dgm:chPref val="3"/>
+                          </dgm:varLst>
+                          <dgm:alg type="lin">
+                            <dgm:param type="linDir" val="fromT"/>
+                          </dgm:alg>
+                          <dgm:shape xmlns:r="http://schemas.openxmlformats.org/officeDocument/2006/relationships" r:blip="">
+                            <dgm:adjLst/>
+                          </dgm:shape>
+                          <dgm:presOf/>
+                          <dgm:constrLst>
+                            <dgm:constr type="w" for="ch" forName="txFour" refType="w" refFor="ch" refForName="horzFour" op="gte"/>
+                          </dgm:constrLst>
+                          <dgm:ruleLst/>
+                          <dgm:layoutNode name="txFour">
+                            <dgm:varLst>
+                              <dgm:chPref val="3"/>
+                            </dgm:varLst>
+                            <dgm:alg type="tx"/>
+                            <dgm:shape xmlns:r="http://schemas.openxmlformats.org/officeDocument/2006/relationships" type="roundRect" r:blip="">
+                              <dgm:adjLst>
+                                <dgm:adj idx="1" val="0.1"/>
+                              </dgm:adjLst>
+                            </dgm:shape>
+                            <dgm:presOf axis="self"/>
+                            <dgm:constrLst>
+                              <dgm:constr type="userH"/>
+                              <dgm:constr type="h" refType="userH"/>
+                              <dgm:constr type="tMarg" refType="primFontSz" fact="0.3"/>
+                              <dgm:constr type="bMarg" refType="primFontSz" fact="0.3"/>
+                              <dgm:constr type="lMarg" refType="primFontSz" fact="0.3"/>
+                              <dgm:constr type="rMarg" refType="primFontSz" fact="0.3"/>
+                            </dgm:constrLst>
+                            <dgm:ruleLst>
+                              <dgm:rule type="primFontSz" val="5" fact="NaN" max="NaN"/>
+                            </dgm:ruleLst>
+                          </dgm:layoutNode>
+                          <dgm:choose name="Name25">
+                            <dgm:if name="Name26" axis="des" ptType="node" func="cnt" op="gt" val="0">
+                              <dgm:layoutNode name="parTransFour">
+                                <dgm:alg type="sp"/>
+                                <dgm:shape xmlns:r="http://schemas.openxmlformats.org/officeDocument/2006/relationships" r:blip="">
+                                  <dgm:adjLst/>
+                                </dgm:shape>
+                                <dgm:presOf/>
+                                <dgm:constrLst/>
+                                <dgm:ruleLst/>
+                              </dgm:layoutNode>
+                            </dgm:if>
+                            <dgm:else name="Name27"/>
+                          </dgm:choose>
+                          <dgm:layoutNode name="horzFour">
+                            <dgm:choose name="Name28">
+                              <dgm:if name="Name29" func="var" arg="dir" op="equ" val="norm">
+                                <dgm:alg type="lin">
+                                  <dgm:param type="linDir" val="fromL"/>
+                                  <dgm:param type="nodeVertAlign" val="t"/>
+                                </dgm:alg>
+                              </dgm:if>
+                              <dgm:else name="Name30">
+                                <dgm:alg type="lin">
+                                  <dgm:param type="linDir" val="fromR"/>
+                                  <dgm:param type="nodeVertAlign" val="t"/>
+                                </dgm:alg>
+                              </dgm:else>
+                            </dgm:choose>
+                            <dgm:shape xmlns:r="http://schemas.openxmlformats.org/officeDocument/2006/relationships" r:blip="">
+                              <dgm:adjLst/>
+                            </dgm:shape>
+                            <dgm:presOf/>
+                            <dgm:constrLst/>
+                            <dgm:ruleLst>
+                              <dgm:rule type="w" val="INF" fact="NaN" max="NaN"/>
+                            </dgm:ruleLst>
+                            <dgm:forEach name="Name31" ref="repeat"/>
+                          </dgm:layoutNode>
+                        </dgm:layoutNode>
+                        <dgm:choose name="Name32">
+                          <dgm:if name="Name33" axis="self" ptType="node" func="revPos" op="gte" val="2">
+                            <dgm:forEach name="Name34" axis="followSib" ptType="sibTrans" cnt="1">
+                              <dgm:layoutNode name="sibSpaceFour">
+                                <dgm:alg type="sp"/>
+                                <dgm:shape xmlns:r="http://schemas.openxmlformats.org/officeDocument/2006/relationships" r:blip="">
+                                  <dgm:adjLst/>
+                                </dgm:shape>
+                                <dgm:presOf/>
+                                <dgm:constrLst/>
+                                <dgm:ruleLst/>
+                              </dgm:layoutNode>
+                            </dgm:forEach>
+                          </dgm:if>
+                          <dgm:else name="Name35"/>
+                        </dgm:choose>
+                      </dgm:forEach>
+                    </dgm:layoutNode>
+                  </dgm:layoutNode>
+                  <dgm:choose name="Name36">
+                    <dgm:if name="Name37" axis="self" ptType="node" func="revPos" op="gte" val="2">
+                      <dgm:forEach name="Name38" axis="followSib" ptType="sibTrans" cnt="1">
+                        <dgm:layoutNode name="sibSpaceThree">
+                          <dgm:alg type="sp"/>
+                          <dgm:shape xmlns:r="http://schemas.openxmlformats.org/officeDocument/2006/relationships" r:blip="">
+                            <dgm:adjLst/>
+                          </dgm:shape>
+                          <dgm:presOf/>
+                          <dgm:constrLst/>
+                          <dgm:ruleLst/>
+                        </dgm:layoutNode>
+                      </dgm:forEach>
+                    </dgm:if>
+                    <dgm:else name="Name39"/>
+                  </dgm:choose>
+                </dgm:forEach>
+              </dgm:layoutNode>
+            </dgm:layoutNode>
+            <dgm:choose name="Name40">
+              <dgm:if name="Name41" axis="self" ptType="node" func="revPos" op="gte" val="2">
+                <dgm:forEach name="Name42" axis="followSib" ptType="sibTrans" cnt="1">
+                  <dgm:layoutNode name="sibSpaceTwo">
+                    <dgm:alg type="sp"/>
+                    <dgm:shape xmlns:r="http://schemas.openxmlformats.org/officeDocument/2006/relationships" r:blip="">
+                      <dgm:adjLst/>
+                    </dgm:shape>
+                    <dgm:presOf/>
+                    <dgm:constrLst/>
+                    <dgm:ruleLst/>
+                  </dgm:layoutNode>
+                </dgm:forEach>
+              </dgm:if>
+              <dgm:else name="Name43"/>
+            </dgm:choose>
+          </dgm:forEach>
+        </dgm:layoutNode>
+      </dgm:layoutNode>
+      <dgm:choose name="Name44">
+        <dgm:if name="Name45" axis="self" ptType="node" func="revPos" op="gte" val="2">
+          <dgm:forEach name="Name46" axis="followSib" ptType="sibTrans" cnt="1">
+            <dgm:layoutNode name="sibSpaceOne">
+              <dgm:alg type="sp"/>
+              <dgm:shape xmlns:r="http://schemas.openxmlformats.org/officeDocument/2006/relationships" r:blip="">
+                <dgm:adjLst/>
+              </dgm:shape>
+              <dgm:presOf/>
+              <dgm:constrLst/>
+              <dgm:ruleLst/>
+            </dgm:layoutNode>
+          </dgm:forEach>
+        </dgm:if>
+        <dgm:else name="Name47"/>
+      </dgm:choose>
+    </dgm:forEach>
+  </dgm:layoutNode>
+</dgm:layoutDef>
+</file>
+
+<file path=ppt/diagrams/quickStyle1.xml><?xml version="1.0" encoding="utf-8"?>
+<dgm:styleDef xmlns:dgm="http://schemas.openxmlformats.org/drawingml/2006/diagram" xmlns:a="http://schemas.openxmlformats.org/drawingml/2006/main" uniqueId="urn:microsoft.com/office/officeart/2005/8/quickstyle/simple4">
+  <dgm:title val=""/>
+  <dgm:desc val=""/>
+  <dgm:catLst>
+    <dgm:cat type="simple" pri="10400"/>
+  </dgm:catLst>
+  <dgm:scene3d>
+    <a:camera prst="orthographicFront"/>
+    <a:lightRig rig="threePt" dir="t"/>
+  </dgm:scene3d>
+  <dgm:styleLbl name="node0">
+    <dgm:scene3d>
+      <a:camera prst="orthographicFront"/>
+      <a:lightRig rig="threePt" dir="t"/>
+    </dgm:scene3d>
+    <dgm:sp3d/>
+    <dgm:txPr/>
+    <dgm:style>
+      <a:lnRef idx="0">
+        <a:scrgbClr r="0" g="0" b="0"/>
+      </a:lnRef>
+      <a:fillRef idx="3">
+        <a:scrgbClr r="0" g="0" b="0"/>
+      </a:fillRef>
+      <a:effectRef idx="2">
+        <a:scrgbClr r="0" g="0" b="0"/>
+      </a:effectRef>
+      <a:fontRef idx="minor">
+        <a:schemeClr val="lt1"/>
+      </a:fontRef>
+    </dgm:style>
+  </dgm:styleLbl>
+  <dgm:styleLbl name="lnNode1">
+    <dgm:scene3d>
+      <a:camera prst="orthographicFront"/>
+      <a:lightRig rig="threePt" dir="t"/>
+    </dgm:scene3d>
+    <dgm:sp3d/>
+    <dgm:txPr/>
+    <dgm:style>
+      <a:lnRef idx="1">
+        <a:scrgbClr r="0" g="0" b="0"/>
+      </a:lnRef>
+      <a:fillRef idx="3">
+        <a:scrgbClr r="0" g="0" b="0"/>
+      </a:fillRef>
+      <a:effectRef idx="2">
+        <a:scrgbClr r="0" g="0" b="0"/>
+      </a:effectRef>
+      <a:fontRef idx="minor">
+        <a:schemeClr val="lt1"/>
+      </a:fontRef>
+    </dgm:style>
+  </dgm:styleLbl>
+  <dgm:styleLbl name="vennNode1">
+    <dgm:scene3d>
+      <a:camera prst="orthographicFront"/>
+      <a:lightRig rig="threePt" dir="t"/>
+    </dgm:scene3d>
+    <dgm:sp3d/>
+    <dgm:txPr/>
+    <dgm:style>
+      <a:lnRef idx="0">
+        <a:scrgbClr r="0" g="0" b="0"/>
+      </a:lnRef>
+      <a:fillRef idx="3">
+        <a:scrgbClr r="0" g="0" b="0"/>
+      </a:fillRef>
+      <a:effectRef idx="0">
+        <a:scrgbClr r="0" g="0" b="0"/>
+      </a:effectRef>
+      <a:fontRef idx="minor">
+        <a:schemeClr val="tx1"/>
+      </a:fontRef>
+    </dgm:style>
+  </dgm:styleLbl>
+  <dgm:styleLbl name="alignNode1">
+    <dgm:scene3d>
+      <a:camera prst="orthographicFront"/>
+      <a:lightRig rig="threePt" dir="t"/>
+    </dgm:scene3d>
+    <dgm:sp3d/>
+    <dgm:txPr/>
+    <dgm:style>
+      <a:lnRef idx="1">
+        <a:scrgbClr r="0" g="0" b="0"/>
+      </a:lnRef>
+      <a:fillRef idx="3">
+        <a:scrgbClr r="0" g="0" b="0"/>
+      </a:fillRef>
+      <a:effectRef idx="2">
+        <a:scrgbClr r="0" g="0" b="0"/>
+      </a:effectRef>
+      <a:fontRef idx="minor">
+        <a:schemeClr val="lt1"/>
+      </a:fontRef>
+    </dgm:style>
+  </dgm:styleLbl>
+  <dgm:styleLbl name="node1">
+    <dgm:scene3d>
+      <a:camera prst="orthographicFront"/>
+      <a:lightRig rig="threePt" dir="t"/>
+    </dgm:scene3d>
+    <dgm:sp3d/>
+    <dgm:txPr/>
+    <dgm:style>
+      <a:lnRef idx="0">
+        <a:scrgbClr r="0" g="0" b="0"/>
+      </a:lnRef>
+      <a:fillRef idx="3">
+        <a:scrgbClr r="0" g="0" b="0"/>
+      </a:fillRef>
+      <a:effectRef idx="2">
+        <a:scrgbClr r="0" g="0" b="0"/>
+      </a:effectRef>
+      <a:fontRef idx="minor">
+        <a:schemeClr val="lt1"/>
+      </a:fontRef>
+    </dgm:style>
+  </dgm:styleLbl>
+  <dgm:styleLbl name="node2">
+    <dgm:scene3d>
+      <a:camera prst="orthographicFront"/>
+      <a:lightRig rig="threePt" dir="t"/>
+    </dgm:scene3d>
+    <dgm:sp3d/>
+    <dgm:txPr/>
+    <dgm:style>
+      <a:lnRef idx="0">
+        <a:scrgbClr r="0" g="0" b="0"/>
+      </a:lnRef>
+      <a:fillRef idx="3">
+        <a:scrgbClr r="0" g="0" b="0"/>
+      </a:fillRef>
+      <a:effectRef idx="2">
+        <a:scrgbClr r="0" g="0" b="0"/>
+      </a:effectRef>
+      <a:fontRef idx="minor">
+        <a:schemeClr val="lt1"/>
+      </a:fontRef>
+    </dgm:style>
+  </dgm:styleLbl>
+  <dgm:styleLbl name="node3">
+    <dgm:scene3d>
+      <a:camera prst="orthographicFront"/>
+      <a:lightRig rig="threePt" dir="t"/>
+    </dgm:scene3d>
+    <dgm:sp3d/>
+    <dgm:txPr/>
+    <dgm:style>
+      <a:lnRef idx="0">
+        <a:scrgbClr r="0" g="0" b="0"/>
+      </a:lnRef>
+      <a:fillRef idx="3">
+        <a:scrgbClr r="0" g="0" b="0"/>
+      </a:fillRef>
+      <a:effectRef idx="2">
+        <a:scrgbClr r="0" g="0" b="0"/>
+      </a:effectRef>
+      <a:fontRef idx="minor">
+        <a:schemeClr val="lt1"/>
+      </a:fontRef>
+    </dgm:style>
+  </dgm:styleLbl>
+  <dgm:styleLbl name="node4">
+    <dgm:scene3d>
+      <a:camera prst="orthographicFront"/>
+      <a:lightRig rig="threePt" dir="t"/>
+    </dgm:scene3d>
+    <dgm:sp3d/>
+    <dgm:txPr/>
+    <dgm:style>
+      <a:lnRef idx="0">
+        <a:scrgbClr r="0" g="0" b="0"/>
+      </a:lnRef>
+      <a:fillRef idx="3">
+        <a:scrgbClr r="0" g="0" b="0"/>
+      </a:fillRef>
+      <a:effectRef idx="2">
+        <a:scrgbClr r="0" g="0" b="0"/>
+      </a:effectRef>
+      <a:fontRef idx="minor">
+        <a:schemeClr val="lt1"/>
+      </a:fontRef>
+    </dgm:style>
+  </dgm:styleLbl>
+  <dgm:styleLbl name="fgImgPlace1">
+    <dgm:scene3d>
+      <a:camera prst="orthographicFront"/>
+      <a:lightRig rig="threePt" dir="t"/>
+    </dgm:scene3d>
+    <dgm:sp3d/>
+    <dgm:txPr/>
+    <dgm:style>
+      <a:lnRef idx="0">
+        <a:scrgbClr r="0" g="0" b="0"/>
+      </a:lnRef>
+      <a:fillRef idx="1">
+        <a:scrgbClr r="0" g="0" b="0"/>
+      </a:fillRef>
+      <a:effectRef idx="2">
+        <a:scrgbClr r="0" g="0" b="0"/>
+      </a:effectRef>
+      <a:fontRef idx="minor"/>
+    </dgm:style>
+  </dgm:styleLbl>
+  <dgm:styleLbl name="alignImgPlace1">
+    <dgm:scene3d>
+      <a:camera prst="orthographicFront"/>
+      <a:lightRig rig="threePt" dir="t"/>
+    </dgm:scene3d>
+    <dgm:sp3d/>
+    <dgm:txPr/>
+    <dgm:style>
+      <a:lnRef idx="0">
+        <a:scrgbClr r="0" g="0" b="0"/>
+      </a:lnRef>
+      <a:fillRef idx="1">
+        <a:scrgbClr r="0" g="0" b="0"/>
+      </a:fillRef>
+      <a:effectRef idx="2">
+        <a:scrgbClr r="0" g="0" b="0"/>
+      </a:effectRef>
+      <a:fontRef idx="minor"/>
+    </dgm:style>
+  </dgm:styleLbl>
+  <dgm:styleLbl name="bgImgPlace1">
+    <dgm:scene3d>
+      <a:camera prst="orthographicFront"/>
+      <a:lightRig rig="threePt" dir="t"/>
+    </dgm:scene3d>
+    <dgm:sp3d/>
+    <dgm:txPr/>
+    <dgm:style>
+      <a:lnRef idx="0">
+        <a:scrgbClr r="0" g="0" b="0"/>
+      </a:lnRef>
+      <a:fillRef idx="1">
+        <a:scrgbClr r="0" g="0" b="0"/>
+      </a:fillRef>
+      <a:effectRef idx="2">
+        <a:scrgbClr r="0" g="0" b="0"/>
+      </a:effectRef>
+      <a:fontRef idx="minor"/>
+    </dgm:style>
+  </dgm:styleLbl>
+  <dgm:styleLbl name="sibTrans2D1">
+    <dgm:scene3d>
+      <a:camera prst="orthographicFront"/>
+      <a:lightRig rig="threePt" dir="t"/>
+    </dgm:scene3d>
+    <dgm:sp3d/>
+    <dgm:txPr/>
+    <dgm:style>
+      <a:lnRef idx="0">
+        <a:scrgbClr r="0" g="0" b="0"/>
+      </a:lnRef>
+      <a:fillRef idx="3">
+        <a:scrgbClr r="0" g="0" b="0"/>
+      </a:fillRef>
+      <a:effectRef idx="2">
+        <a:scrgbClr r="0" g="0" b="0"/>
+      </a:effectRef>
+      <a:fontRef idx="minor">
+        <a:schemeClr val="lt1"/>
+      </a:fontRef>
+    </dgm:style>
+  </dgm:styleLbl>
+  <dgm:styleLbl name="fgSibTrans2D1">
+    <dgm:scene3d>
+      <a:camera prst="orthographicFront"/>
+      <a:lightRig rig="threePt" dir="t"/>
+    </dgm:scene3d>
+    <dgm:sp3d/>
+    <dgm:txPr/>
+    <dgm:style>
+      <a:lnRef idx="0">
+        <a:scrgbClr r="0" g="0" b="0"/>
+      </a:lnRef>
+      <a:fillRef idx="3">
+        <a:scrgbClr r="0" g="0" b="0"/>
+      </a:fillRef>
+      <a:effectRef idx="2">
+        <a:scrgbClr r="0" g="0" b="0"/>
+      </a:effectRef>
+      <a:fontRef idx="minor">
+        <a:schemeClr val="lt1"/>
+      </a:fontRef>
+    </dgm:style>
+  </dgm:styleLbl>
+  <dgm:styleLbl name="bgSibTrans2D1">
+    <dgm:scene3d>
+      <a:camera prst="orthographicFront"/>
+      <a:lightRig rig="threePt" dir="t"/>
+    </dgm:scene3d>
+    <dgm:sp3d/>
+    <dgm:txPr/>
+    <dgm:style>
+      <a:lnRef idx="0">
+        <a:scrgbClr r="0" g="0" b="0"/>
+      </a:lnRef>
+      <a:fillRef idx="3">
+        <a:scrgbClr r="0" g="0" b="0"/>
+      </a:fillRef>
+      <a:effectRef idx="2">
+        <a:scrgbClr r="0" g="0" b="0"/>
+      </a:effectRef>
+      <a:fontRef idx="minor">
+        <a:schemeClr val="lt1"/>
+      </a:fontRef>
+    </dgm:style>
+  </dgm:styleLbl>
+  <dgm:styleLbl name="sibTrans1D1">
+    <dgm:scene3d>
+      <a:camera prst="orthographicFront"/>
+      <a:lightRig rig="threePt" dir="t"/>
+    </dgm:scene3d>
+    <dgm:sp3d/>
+    <dgm:txPr/>
+    <dgm:style>
+      <a:lnRef idx="1">
+        <a:scrgbClr r="0" g="0" b="0"/>
+      </a:lnRef>
+      <a:fillRef idx="0">
+        <a:scrgbClr r="0" g="0" b="0"/>
+      </a:fillRef>
+      <a:effectRef idx="0">
+        <a:scrgbClr r="0" g="0" b="0"/>
+      </a:effectRef>
+      <a:fontRef idx="minor"/>
+    </dgm:style>
+  </dgm:styleLbl>
+  <dgm:styleLbl name="callout">
+    <dgm:scene3d>
+      <a:camera prst="orthographicFront"/>
+      <a:lightRig rig="threePt" dir="t"/>
+    </dgm:scene3d>
+    <dgm:sp3d/>
+    <dgm:txPr/>
+    <dgm:style>
+      <a:lnRef idx="2">
+        <a:scrgbClr r="0" g="0" b="0"/>
+      </a:lnRef>
+      <a:fillRef idx="1">
+        <a:scrgbClr r="0" g="0" b="0"/>
+      </a:fillRef>
+      <a:effectRef idx="1">
+        <a:scrgbClr r="0" g="0" b="0"/>
+      </a:effectRef>
+      <a:fontRef idx="minor"/>
+    </dgm:style>
+  </dgm:styleLbl>
+  <dgm:styleLbl name="asst0">
+    <dgm:scene3d>
+      <a:camera prst="orthographicFront"/>
+      <a:lightRig rig="threePt" dir="t"/>
+    </dgm:scene3d>
+    <dgm:sp3d/>
+    <dgm:txPr/>
+    <dgm:style>
+      <a:lnRef idx="0">
+        <a:scrgbClr r="0" g="0" b="0"/>
+      </a:lnRef>
+      <a:fillRef idx="3">
+        <a:scrgbClr r="0" g="0" b="0"/>
+      </a:fillRef>
+      <a:effectRef idx="2">
+        <a:scrgbClr r="0" g="0" b="0"/>
+      </a:effectRef>
+      <a:fontRef idx="minor">
+        <a:schemeClr val="lt1"/>
+      </a:fontRef>
+    </dgm:style>
+  </dgm:styleLbl>
+  <dgm:styleLbl name="asst1">
+    <dgm:scene3d>
+      <a:camera prst="orthographicFront"/>
+      <a:lightRig rig="threePt" dir="t"/>
+    </dgm:scene3d>
+    <dgm:sp3d/>
+    <dgm:txPr/>
+    <dgm:style>
+      <a:lnRef idx="0">
+        <a:scrgbClr r="0" g="0" b="0"/>
+      </a:lnRef>
+      <a:fillRef idx="3">
+        <a:scrgbClr r="0" g="0" b="0"/>
+      </a:fillRef>
+      <a:effectRef idx="2">
+        <a:scrgbClr r="0" g="0" b="0"/>
+      </a:effectRef>
+      <a:fontRef idx="minor">
+        <a:schemeClr val="lt1"/>
+      </a:fontRef>
+    </dgm:style>
+  </dgm:styleLbl>
+  <dgm:styleLbl name="asst2">
+    <dgm:scene3d>
+      <a:camera prst="orthographicFront"/>
+      <a:lightRig rig="threePt" dir="t"/>
+    </dgm:scene3d>
+    <dgm:sp3d/>
+    <dgm:txPr/>
+    <dgm:style>
+      <a:lnRef idx="0">
+        <a:scrgbClr r="0" g="0" b="0"/>
+      </a:lnRef>
+      <a:fillRef idx="3">
+        <a:scrgbClr r="0" g="0" b="0"/>
+      </a:fillRef>
+      <a:effectRef idx="2">
+        <a:scrgbClr r="0" g="0" b="0"/>
+      </a:effectRef>
+      <a:fontRef idx="minor">
+        <a:schemeClr val="lt1"/>
+      </a:fontRef>
+    </dgm:style>
+  </dgm:styleLbl>
+  <dgm:styleLbl name="asst3">
+    <dgm:scene3d>
+      <a:camera prst="orthographicFront"/>
+      <a:lightRig rig="threePt" dir="t"/>
+    </dgm:scene3d>
+    <dgm:sp3d/>
+    <dgm:txPr/>
+    <dgm:style>
+      <a:lnRef idx="0">
+        <a:scrgbClr r="0" g="0" b="0"/>
+      </a:lnRef>
+      <a:fillRef idx="3">
+        <a:scrgbClr r="0" g="0" b="0"/>
+      </a:fillRef>
+      <a:effectRef idx="2">
+        <a:scrgbClr r="0" g="0" b="0"/>
+      </a:effectRef>
+      <a:fontRef idx="minor">
+        <a:schemeClr val="lt1"/>
+      </a:fontRef>
+    </dgm:style>
+  </dgm:styleLbl>
+  <dgm:styleLbl name="asst4">
+    <dgm:scene3d>
+      <a:camera prst="orthographicFront"/>
+      <a:lightRig rig="threePt" dir="t"/>
+    </dgm:scene3d>
+    <dgm:sp3d/>
+    <dgm:txPr/>
+    <dgm:style>
+      <a:lnRef idx="0">
+        <a:scrgbClr r="0" g="0" b="0"/>
+      </a:lnRef>
+      <a:fillRef idx="3">
+        <a:scrgbClr r="0" g="0" b="0"/>
+      </a:fillRef>
+      <a:effectRef idx="2">
+        <a:scrgbClr r="0" g="0" b="0"/>
+      </a:effectRef>
+      <a:fontRef idx="minor">
+        <a:schemeClr val="lt1"/>
+      </a:fontRef>
+    </dgm:style>
+  </dgm:styleLbl>
+  <dgm:styleLbl name="parChTrans2D1">
+    <dgm:scene3d>
+      <a:camera prst="orthographicFront"/>
+      <a:lightRig rig="threePt" dir="t"/>
+    </dgm:scene3d>
+    <dgm:sp3d/>
+    <dgm:txPr/>
+    <dgm:style>
+      <a:lnRef idx="0">
+        <a:scrgbClr r="0" g="0" b="0"/>
+      </a:lnRef>
+      <a:fillRef idx="3">
+        <a:scrgbClr r="0" g="0" b="0"/>
+      </a:fillRef>
+      <a:effectRef idx="2">
+        <a:scrgbClr r="0" g="0" b="0"/>
+      </a:effectRef>
+      <a:fontRef idx="minor">
+        <a:schemeClr val="lt1"/>
+      </a:fontRef>
+    </dgm:style>
+  </dgm:styleLbl>
+  <dgm:styleLbl name="parChTrans2D2">
+    <dgm:scene3d>
+      <a:camera prst="orthographicFront"/>
+      <a:lightRig rig="threePt" dir="t"/>
+    </dgm:scene3d>
+    <dgm:sp3d/>
+    <dgm:txPr/>
+    <dgm:style>
+      <a:lnRef idx="0">
+        <a:scrgbClr r="0" g="0" b="0"/>
+      </a:lnRef>
+      <a:fillRef idx="3">
+        <a:scrgbClr r="0" g="0" b="0"/>
+      </a:fillRef>
+      <a:effectRef idx="2">
+        <a:scrgbClr r="0" g="0" b="0"/>
+      </a:effectRef>
+      <a:fontRef idx="minor">
+        <a:schemeClr val="lt1"/>
+      </a:fontRef>
+    </dgm:style>
+  </dgm:styleLbl>
+  <dgm:styleLbl name="parChTrans2D3">
+    <dgm:scene3d>
+      <a:camera prst="orthographicFront"/>
+      <a:lightRig rig="threePt" dir="t"/>
+    </dgm:scene3d>
+    <dgm:sp3d/>
+    <dgm:txPr/>
+    <dgm:style>
+      <a:lnRef idx="1">
+        <a:scrgbClr r="0" g="0" b="0"/>
+      </a:lnRef>
+      <a:fillRef idx="3">
+        <a:scrgbClr r="0" g="0" b="0"/>
+      </a:fillRef>
+      <a:effectRef idx="2">
+        <a:scrgbClr r="0" g="0" b="0"/>
+      </a:effectRef>
+      <a:fontRef idx="minor">
+        <a:schemeClr val="lt1"/>
+      </a:fontRef>
+    </dgm:style>
+  </dgm:styleLbl>
+  <dgm:styleLbl name="parChTrans2D4">
+    <dgm:scene3d>
+      <a:camera prst="orthographicFront"/>
+      <a:lightRig rig="threePt" dir="t"/>
+    </dgm:scene3d>
+    <dgm:sp3d/>
+    <dgm:txPr/>
+    <dgm:style>
+      <a:lnRef idx="1">
+        <a:scrgbClr r="0" g="0" b="0"/>
+      </a:lnRef>
+      <a:fillRef idx="3">
+        <a:scrgbClr r="0" g="0" b="0"/>
+      </a:fillRef>
+      <a:effectRef idx="2">
+        <a:scrgbClr r="0" g="0" b="0"/>
+      </a:effectRef>
+      <a:fontRef idx="minor">
+        <a:schemeClr val="lt1"/>
+      </a:fontRef>
+    </dgm:style>
+  </dgm:styleLbl>
+  <dgm:styleLbl name="parChTrans1D1">
+    <dgm:scene3d>
+      <a:camera prst="orthographicFront"/>
+      <a:lightRig rig="threePt" dir="t"/>
+    </dgm:scene3d>
+    <dgm:sp3d/>
+    <dgm:txPr/>
+    <dgm:style>
+      <a:lnRef idx="1">
+        <a:scrgbClr r="0" g="0" b="0"/>
+      </a:lnRef>
+      <a:fillRef idx="0">
+        <a:scrgbClr r="0" g="0" b="0"/>
+      </a:fillRef>
+      <a:effectRef idx="0">
+        <a:scrgbClr r="0" g="0" b="0"/>
+      </a:effectRef>
+      <a:fontRef idx="minor"/>
+    </dgm:style>
+  </dgm:styleLbl>
+  <dgm:styleLbl name="parChTrans1D2">
+    <dgm:scene3d>
+      <a:camera prst="orthographicFront"/>
+      <a:lightRig rig="threePt" dir="t"/>
+    </dgm:scene3d>
+    <dgm:sp3d/>
+    <dgm:txPr/>
+    <dgm:style>
+      <a:lnRef idx="1">
+        <a:scrgbClr r="0" g="0" b="0"/>
+      </a:lnRef>
+      <a:fillRef idx="0">
+        <a:scrgbClr r="0" g="0" b="0"/>
+      </a:fillRef>
+      <a:effectRef idx="0">
+        <a:scrgbClr r="0" g="0" b="0"/>
+      </a:effectRef>
+      <a:fontRef idx="minor"/>
+    </dgm:style>
+  </dgm:styleLbl>
+  <dgm:styleLbl name="parChTrans1D3">
+    <dgm:scene3d>
+      <a:camera prst="orthographicFront"/>
+      <a:lightRig rig="threePt" dir="t"/>
+    </dgm:scene3d>
+    <dgm:sp3d/>
+    <dgm:txPr/>
+    <dgm:style>
+      <a:lnRef idx="1">
+        <a:scrgbClr r="0" g="0" b="0"/>
+      </a:lnRef>
+      <a:fillRef idx="0">
+        <a:scrgbClr r="0" g="0" b="0"/>
+      </a:fillRef>
+      <a:effectRef idx="0">
+        <a:scrgbClr r="0" g="0" b="0"/>
+      </a:effectRef>
+      <a:fontRef idx="minor"/>
+    </dgm:style>
+  </dgm:styleLbl>
+  <dgm:styleLbl name="parChTrans1D4">
+    <dgm:scene3d>
+      <a:camera prst="orthographicFront"/>
+      <a:lightRig rig="threePt" dir="t"/>
+    </dgm:scene3d>
+    <dgm:sp3d/>
+    <dgm:txPr/>
+    <dgm:style>
+      <a:lnRef idx="1">
+        <a:scrgbClr r="0" g="0" b="0"/>
+      </a:lnRef>
+      <a:fillRef idx="0">
+        <a:scrgbClr r="0" g="0" b="0"/>
+      </a:fillRef>
+      <a:effectRef idx="0">
+        <a:scrgbClr r="0" g="0" b="0"/>
+      </a:effectRef>
+      <a:fontRef idx="minor"/>
+    </dgm:style>
+  </dgm:styleLbl>
+  <dgm:styleLbl name="fgAcc1">
+    <dgm:scene3d>
+      <a:camera prst="orthographicFront"/>
+      <a:lightRig rig="threePt" dir="t"/>
+    </dgm:scene3d>
+    <dgm:sp3d/>
+    <dgm:txPr/>
+    <dgm:style>
+      <a:lnRef idx="1">
+        <a:scrgbClr r="0" g="0" b="0"/>
+      </a:lnRef>
+      <a:fillRef idx="1">
+        <a:scrgbClr r="0" g="0" b="0"/>
+      </a:fillRef>
+      <a:effectRef idx="0">
+        <a:scrgbClr r="0" g="0" b="0"/>
+      </a:effectRef>
+      <a:fontRef idx="minor"/>
+    </dgm:style>
+  </dgm:styleLbl>
+  <dgm:styleLbl name="conFgAcc1">
+    <dgm:scene3d>
+      <a:camera prst="orthographicFront"/>
+      <a:lightRig rig="threePt" dir="t"/>
+    </dgm:scene3d>
+    <dgm:sp3d/>
+    <dgm:txPr/>
+    <dgm:style>
+      <a:lnRef idx="1">
+        <a:scrgbClr r="0" g="0" b="0"/>
+      </a:lnRef>
+      <a:fillRef idx="1">
+        <a:scrgbClr r="0" g="0" b="0"/>
+      </a:fillRef>
+      <a:effectRef idx="0">
+        <a:scrgbClr r="0" g="0" b="0"/>
+      </a:effectRef>
+      <a:fontRef idx="minor"/>
+    </dgm:style>
+  </dgm:styleLbl>
+  <dgm:styleLbl name="alignAcc1">
+    <dgm:scene3d>
+      <a:camera prst="orthographicFront"/>
+      <a:lightRig rig="threePt" dir="t"/>
+    </dgm:scene3d>
+    <dgm:sp3d/>
+    <dgm:txPr/>
+    <dgm:style>
+      <a:lnRef idx="1">
+        <a:scrgbClr r="0" g="0" b="0"/>
+      </a:lnRef>
+      <a:fillRef idx="1">
+        <a:scrgbClr r="0" g="0" b="0"/>
+      </a:fillRef>
+      <a:effectRef idx="0">
+        <a:scrgbClr r="0" g="0" b="0"/>
+      </a:effectRef>
+      <a:fontRef idx="minor"/>
+    </dgm:style>
+  </dgm:styleLbl>
+  <dgm:styleLbl name="trAlignAcc1">
+    <dgm:scene3d>
+      <a:camera prst="orthographicFront"/>
+      <a:lightRig rig="threePt" dir="t"/>
+    </dgm:scene3d>
+    <dgm:sp3d/>
+    <dgm:txPr/>
+    <dgm:style>
+      <a:lnRef idx="1">
+        <a:scrgbClr r="0" g="0" b="0"/>
+      </a:lnRef>
+      <a:fillRef idx="1">
+        <a:scrgbClr r="0" g="0" b="0"/>
+      </a:fillRef>
+      <a:effectRef idx="0">
+        <a:scrgbClr r="0" g="0" b="0"/>
+      </a:effectRef>
+      <a:fontRef idx="minor"/>
+    </dgm:style>
+  </dgm:styleLbl>
+  <dgm:styleLbl name="bgAcc1">
+    <dgm:scene3d>
+      <a:camera prst="orthographicFront"/>
+      <a:lightRig rig="threePt" dir="t"/>
+    </dgm:scene3d>
+    <dgm:sp3d/>
+    <dgm:txPr/>
+    <dgm:style>
+      <a:lnRef idx="1">
+        <a:scrgbClr r="0" g="0" b="0"/>
+      </a:lnRef>
+      <a:fillRef idx="1">
+        <a:scrgbClr r="0" g="0" b="0"/>
+      </a:fillRef>
+      <a:effectRef idx="0">
+        <a:scrgbClr r="0" g="0" b="0"/>
+      </a:effectRef>
+      <a:fontRef idx="minor"/>
+    </dgm:style>
+  </dgm:styleLbl>
+  <dgm:styleLbl name="solidFgAcc1">
+    <dgm:scene3d>
+      <a:camera prst="orthographicFront"/>
+      <a:lightRig rig="threePt" dir="t"/>
+    </dgm:scene3d>
+    <dgm:sp3d/>
+    <dgm:txPr/>
+    <dgm:style>
+      <a:lnRef idx="1">
+        <a:scrgbClr r="0" g="0" b="0"/>
+      </a:lnRef>
+      <a:fillRef idx="1">
+        <a:scrgbClr r="0" g="0" b="0"/>
+      </a:fillRef>
+      <a:effectRef idx="0">
+        <a:scrgbClr r="0" g="0" b="0"/>
+      </a:effectRef>
+      <a:fontRef idx="minor"/>
+    </dgm:style>
+  </dgm:styleLbl>
+  <dgm:styleLbl name="solidAlignAcc1">
+    <dgm:scene3d>
+      <a:camera prst="orthographicFront"/>
+      <a:lightRig rig="threePt" dir="t"/>
+    </dgm:scene3d>
+    <dgm:sp3d/>
+    <dgm:txPr/>
+    <dgm:style>
+      <a:lnRef idx="1">
+        <a:scrgbClr r="0" g="0" b="0"/>
+      </a:lnRef>
+      <a:fillRef idx="1">
+        <a:scrgbClr r="0" g="0" b="0"/>
+      </a:fillRef>
+      <a:effectRef idx="0">
+        <a:scrgbClr r="0" g="0" b="0"/>
+      </a:effectRef>
+      <a:fontRef idx="minor"/>
+    </dgm:style>
+  </dgm:styleLbl>
+  <dgm:styleLbl name="solidBgAcc1">
+    <dgm:scene3d>
+      <a:camera prst="orthographicFront"/>
+      <a:lightRig rig="threePt" dir="t"/>
+    </dgm:scene3d>
+    <dgm:sp3d/>
+    <dgm:txPr/>
+    <dgm:style>
+      <a:lnRef idx="1">
+        <a:scrgbClr r="0" g="0" b="0"/>
+      </a:lnRef>
+      <a:fillRef idx="1">
+        <a:scrgbClr r="0" g="0" b="0"/>
+      </a:fillRef>
+      <a:effectRef idx="0">
+        <a:scrgbClr r="0" g="0" b="0"/>
+      </a:effectRef>
+      <a:fontRef idx="minor"/>
+    </dgm:style>
+  </dgm:styleLbl>
+  <dgm:styleLbl name="fgAccFollowNode1">
+    <dgm:scene3d>
+      <a:camera prst="orthographicFront"/>
+      <a:lightRig rig="threePt" dir="t"/>
+    </dgm:scene3d>
+    <dgm:sp3d/>
+    <dgm:txPr/>
+    <dgm:style>
+      <a:lnRef idx="1">
+        <a:scrgbClr r="0" g="0" b="0"/>
+      </a:lnRef>
+      <a:fillRef idx="1">
+        <a:scrgbClr r="0" g="0" b="0"/>
+      </a:fillRef>
+      <a:effectRef idx="0">
+        <a:scrgbClr r="0" g="0" b="0"/>
+      </a:effectRef>
+      <a:fontRef idx="minor"/>
+    </dgm:style>
+  </dgm:styleLbl>
+  <dgm:styleLbl name="alignAccFollowNode1">
+    <dgm:scene3d>
+      <a:camera prst="orthographicFront"/>
+      <a:lightRig rig="threePt" dir="t"/>
+    </dgm:scene3d>
+    <dgm:sp3d/>
+    <dgm:txPr/>
+    <dgm:style>
+      <a:lnRef idx="1">
+        <a:scrgbClr r="0" g="0" b="0"/>
+      </a:lnRef>
+      <a:fillRef idx="1">
+        <a:scrgbClr r="0" g="0" b="0"/>
+      </a:fillRef>
+      <a:effectRef idx="0">
+        <a:scrgbClr r="0" g="0" b="0"/>
+      </a:effectRef>
+      <a:fontRef idx="minor"/>
+    </dgm:style>
+  </dgm:styleLbl>
+  <dgm:styleLbl name="bgAccFollowNode1">
+    <dgm:scene3d>
+      <a:camera prst="orthographicFront"/>
+      <a:lightRig rig="threePt" dir="t"/>
+    </dgm:scene3d>
+    <dgm:sp3d/>
+    <dgm:txPr/>
+    <dgm:style>
+      <a:lnRef idx="1">
+        <a:scrgbClr r="0" g="0" b="0"/>
+      </a:lnRef>
+      <a:fillRef idx="1">
+        <a:scrgbClr r="0" g="0" b="0"/>
+      </a:fillRef>
+      <a:effectRef idx="0">
+        <a:scrgbClr r="0" g="0" b="0"/>
+      </a:effectRef>
+      <a:fontRef idx="minor"/>
+    </dgm:style>
+  </dgm:styleLbl>
+  <dgm:styleLbl name="fgAcc0">
+    <dgm:scene3d>
+      <a:camera prst="orthographicFront"/>
+      <a:lightRig rig="threePt" dir="t"/>
+    </dgm:scene3d>
+    <dgm:sp3d/>
+    <dgm:txPr/>
+    <dgm:style>
+      <a:lnRef idx="1">
+        <a:scrgbClr r="0" g="0" b="0"/>
+      </a:lnRef>
+      <a:fillRef idx="1">
+        <a:scrgbClr r="0" g="0" b="0"/>
+      </a:fillRef>
+      <a:effectRef idx="0">
+        <a:scrgbClr r="0" g="0" b="0"/>
+      </a:effectRef>
+      <a:fontRef idx="minor"/>
+    </dgm:style>
+  </dgm:styleLbl>
+  <dgm:styleLbl name="fgAcc2">
+    <dgm:scene3d>
+      <a:camera prst="orthographicFront"/>
+      <a:lightRig rig="threePt" dir="t"/>
+    </dgm:scene3d>
+    <dgm:sp3d/>
+    <dgm:txPr/>
+    <dgm:style>
+      <a:lnRef idx="1">
+        <a:scrgbClr r="0" g="0" b="0"/>
+      </a:lnRef>
+      <a:fillRef idx="1">
+        <a:scrgbClr r="0" g="0" b="0"/>
+      </a:fillRef>
+      <a:effectRef idx="0">
+        <a:scrgbClr r="0" g="0" b="0"/>
+      </a:effectRef>
+      <a:fontRef idx="minor"/>
+    </dgm:style>
+  </dgm:styleLbl>
+  <dgm:styleLbl name="fgAcc3">
+    <dgm:scene3d>
+      <a:camera prst="orthographicFront"/>
+      <a:lightRig rig="threePt" dir="t"/>
+    </dgm:scene3d>
+    <dgm:sp3d/>
+    <dgm:txPr/>
+    <dgm:style>
+      <a:lnRef idx="1">
+        <a:scrgbClr r="0" g="0" b="0"/>
+      </a:lnRef>
+      <a:fillRef idx="1">
+        <a:scrgbClr r="0" g="0" b="0"/>
+      </a:fillRef>
+      <a:effectRef idx="0">
+        <a:scrgbClr r="0" g="0" b="0"/>
+      </a:effectRef>
+      <a:fontRef idx="minor"/>
+    </dgm:style>
+  </dgm:styleLbl>
+  <dgm:styleLbl name="fgAcc4">
+    <dgm:scene3d>
+      <a:camera prst="orthographicFront"/>
+      <a:lightRig rig="threePt" dir="t"/>
+    </dgm:scene3d>
+    <dgm:sp3d/>
+    <dgm:txPr/>
+    <dgm:style>
+      <a:lnRef idx="1">
+        <a:scrgbClr r="0" g="0" b="0"/>
+      </a:lnRef>
+      <a:fillRef idx="1">
+        <a:scrgbClr r="0" g="0" b="0"/>
+      </a:fillRef>
+      <a:effectRef idx="0">
+        <a:scrgbClr r="0" g="0" b="0"/>
+      </a:effectRef>
+      <a:fontRef idx="minor"/>
+    </dgm:style>
+  </dgm:styleLbl>
+  <dgm:styleLbl name="bgShp">
+    <dgm:scene3d>
+      <a:camera prst="orthographicFront"/>
+      <a:lightRig rig="threePt" dir="t"/>
+    </dgm:scene3d>
+    <dgm:sp3d/>
+    <dgm:txPr/>
+    <dgm:style>
+      <a:lnRef idx="0">
+        <a:scrgbClr r="0" g="0" b="0"/>
+      </a:lnRef>
+      <a:fillRef idx="1">
+        <a:scrgbClr r="0" g="0" b="0"/>
+      </a:fillRef>
+      <a:effectRef idx="2">
+        <a:scrgbClr r="0" g="0" b="0"/>
+      </a:effectRef>
+      <a:fontRef idx="minor"/>
+    </dgm:style>
+  </dgm:styleLbl>
+  <dgm:styleLbl name="dkBgShp">
+    <dgm:scene3d>
+      <a:camera prst="orthographicFront"/>
+      <a:lightRig rig="threePt" dir="t"/>
+    </dgm:scene3d>
+    <dgm:sp3d/>
+    <dgm:txPr/>
+    <dgm:style>
+      <a:lnRef idx="0">
+        <a:scrgbClr r="0" g="0" b="0"/>
+      </a:lnRef>
+      <a:fillRef idx="1">
+        <a:scrgbClr r="0" g="0" b="0"/>
+      </a:fillRef>
+      <a:effectRef idx="2">
+        <a:scrgbClr r="0" g="0" b="0"/>
+      </a:effectRef>
+      <a:fontRef idx="minor"/>
+    </dgm:style>
+  </dgm:styleLbl>
+  <dgm:styleLbl name="trBgShp">
+    <dgm:scene3d>
+      <a:camera prst="orthographicFront"/>
+      <a:lightRig rig="threePt" dir="t"/>
+    </dgm:scene3d>
+    <dgm:sp3d/>
+    <dgm:txPr/>
+    <dgm:style>
+      <a:lnRef idx="0">
+        <a:scrgbClr r="0" g="0" b="0"/>
+      </a:lnRef>
+      <a:fillRef idx="1">
+        <a:scrgbClr r="0" g="0" b="0"/>
+      </a:fillRef>
+      <a:effectRef idx="0">
+        <a:scrgbClr r="0" g="0" b="0"/>
+      </a:effectRef>
+      <a:fontRef idx="minor"/>
+    </dgm:style>
+  </dgm:styleLbl>
+  <dgm:styleLbl name="fgShp">
+    <dgm:scene3d>
+      <a:camera prst="orthographicFront"/>
+      <a:lightRig rig="threePt" dir="t"/>
+    </dgm:scene3d>
+    <dgm:sp3d/>
+    <dgm:txPr/>
+    <dgm:style>
+      <a:lnRef idx="0">
+        <a:scrgbClr r="0" g="0" b="0"/>
+      </a:lnRef>
+      <a:fillRef idx="3">
+        <a:scrgbClr r="0" g="0" b="0"/>
+      </a:fillRef>
+      <a:effectRef idx="2">
+        <a:scrgbClr r="0" g="0" b="0"/>
+      </a:effectRef>
+      <a:fontRef idx="minor"/>
+    </dgm:style>
+  </dgm:styleLbl>
+  <dgm:styleLbl name="revTx">
+    <dgm:scene3d>
+      <a:camera prst="orthographicFront"/>
+      <a:lightRig rig="threePt" dir="t"/>
+    </dgm:scene3d>
+    <dgm:sp3d/>
+    <dgm:txPr/>
+    <dgm:style>
+      <a:lnRef idx="0">
+        <a:scrgbClr r="0" g="0" b="0"/>
+      </a:lnRef>
+      <a:fillRef idx="0">
+        <a:scrgbClr r="0" g="0" b="0"/>
+      </a:fillRef>
+      <a:effectRef idx="0">
+        <a:scrgbClr r="0" g="0" b="0"/>
+      </a:effectRef>
+      <a:fontRef idx="minor"/>
+    </dgm:style>
+  </dgm:styleLbl>
+</dgm:styleDef>
+</file>
+
 <file path=ppt/notesMasters/notesMaster1.xml><?xml version="1.0" encoding="utf-8"?>
-<p:notesMaster xmlns:a="http://schemas.openxmlformats.org/drawingml/2006/main" xmlns:r="http://schemas.openxmlformats.org/officeDocument/2006/relationships" xmlns:p="http://schemas.openxmlformats.org/presentationml/2006/main">
+<p:notesMaster xmlns:a="http://schemas.openxmlformats.org/drawingml/2006/main" xmlns:r="http://schemas.openxmlformats.org/officeDocument/2006/relationships" xmlns:mc="http://schemas.openxmlformats.org/markup-compatibility/2006" xmlns:mv="urn:schemas-microsoft-com:mac:vml" xmlns:p="http://schemas.openxmlformats.org/presentationml/2006/main" mc:Ignorable="mv" mc:PreserveAttributes="mv:*">
   <p:cSld>
     <p:bg>
       <p:bgRef idx="1001">
@@ -199,7 +3383,7 @@
             <a:fld id="{9DE2D76F-6026-4EEA-8175-1DA3F2774ED6}" type="datetimeFigureOut">
               <a:rPr lang="de-CH" smtClean="0"/>
               <a:pPr/>
-              <a:t>13.12.2014</a:t>
+              <a:t>14.12.2014</a:t>
             </a:fld>
             <a:endParaRPr lang="de-CH"/>
           </a:p>
@@ -466,7 +3650,7 @@
 </file>
 
 <file path=ppt/notesSlides/notesSlide1.xml><?xml version="1.0" encoding="utf-8"?>
-<p:notes xmlns:a="http://schemas.openxmlformats.org/drawingml/2006/main" xmlns:r="http://schemas.openxmlformats.org/officeDocument/2006/relationships" xmlns:p="http://schemas.openxmlformats.org/presentationml/2006/main">
+<p:notes xmlns:a="http://schemas.openxmlformats.org/drawingml/2006/main" xmlns:r="http://schemas.openxmlformats.org/officeDocument/2006/relationships" xmlns:mc="http://schemas.openxmlformats.org/markup-compatibility/2006" xmlns:mv="urn:schemas-microsoft-com:mac:vml" xmlns:p="http://schemas.openxmlformats.org/presentationml/2006/main" mc:Ignorable="mv" mc:PreserveAttributes="mv:*">
   <p:cSld>
     <p:spTree>
       <p:nvGrpSpPr>
@@ -533,7 +3717,7 @@
             <a:fld id="{58654A3D-C737-4BEA-88C0-1DAB192ED2AD}" type="slidenum">
               <a:rPr lang="de-CH" smtClean="0"/>
               <a:pPr/>
-              <a:t>1</a:t>
+              <a:t>10</a:t>
             </a:fld>
             <a:endParaRPr lang="de-CH"/>
           </a:p>
@@ -548,7 +3732,7 @@
 </file>
 
 <file path=ppt/notesSlides/notesSlide2.xml><?xml version="1.0" encoding="utf-8"?>
-<p:notes xmlns:a="http://schemas.openxmlformats.org/drawingml/2006/main" xmlns:r="http://schemas.openxmlformats.org/officeDocument/2006/relationships" xmlns:p="http://schemas.openxmlformats.org/presentationml/2006/main">
+<p:notes xmlns:a="http://schemas.openxmlformats.org/drawingml/2006/main" xmlns:r="http://schemas.openxmlformats.org/officeDocument/2006/relationships" xmlns:mc="http://schemas.openxmlformats.org/markup-compatibility/2006" xmlns:mv="urn:schemas-microsoft-com:mac:vml" xmlns:p="http://schemas.openxmlformats.org/presentationml/2006/main" mc:Ignorable="mv" mc:PreserveAttributes="mv:*">
   <p:cSld>
     <p:spTree>
       <p:nvGrpSpPr>
@@ -615,7 +3799,7 @@
             <a:fld id="{58654A3D-C737-4BEA-88C0-1DAB192ED2AD}" type="slidenum">
               <a:rPr lang="de-CH" smtClean="0"/>
               <a:pPr/>
-              <a:t>2</a:t>
+              <a:t>11</a:t>
             </a:fld>
             <a:endParaRPr lang="de-CH"/>
           </a:p>
@@ -630,7 +3814,7 @@
 </file>
 
 <file path=ppt/notesSlides/notesSlide3.xml><?xml version="1.0" encoding="utf-8"?>
-<p:notes xmlns:a="http://schemas.openxmlformats.org/drawingml/2006/main" xmlns:r="http://schemas.openxmlformats.org/officeDocument/2006/relationships" xmlns:p="http://schemas.openxmlformats.org/presentationml/2006/main">
+<p:notes xmlns:a="http://schemas.openxmlformats.org/drawingml/2006/main" xmlns:r="http://schemas.openxmlformats.org/officeDocument/2006/relationships" xmlns:mc="http://schemas.openxmlformats.org/markup-compatibility/2006" xmlns:mv="urn:schemas-microsoft-com:mac:vml" xmlns:p="http://schemas.openxmlformats.org/presentationml/2006/main" mc:Ignorable="mv" mc:PreserveAttributes="mv:*">
   <p:cSld>
     <p:spTree>
       <p:nvGrpSpPr>
@@ -697,7 +3881,7 @@
             <a:fld id="{58654A3D-C737-4BEA-88C0-1DAB192ED2AD}" type="slidenum">
               <a:rPr lang="de-CH" smtClean="0"/>
               <a:pPr/>
-              <a:t>3</a:t>
+              <a:t>12</a:t>
             </a:fld>
             <a:endParaRPr lang="de-CH"/>
           </a:p>
@@ -712,7 +3896,7 @@
 </file>
 
 <file path=ppt/notesSlides/notesSlide4.xml><?xml version="1.0" encoding="utf-8"?>
-<p:notes xmlns:a="http://schemas.openxmlformats.org/drawingml/2006/main" xmlns:r="http://schemas.openxmlformats.org/officeDocument/2006/relationships" xmlns:p="http://schemas.openxmlformats.org/presentationml/2006/main">
+<p:notes xmlns:a="http://schemas.openxmlformats.org/drawingml/2006/main" xmlns:r="http://schemas.openxmlformats.org/officeDocument/2006/relationships" xmlns:mc="http://schemas.openxmlformats.org/markup-compatibility/2006" xmlns:mv="urn:schemas-microsoft-com:mac:vml" xmlns:p="http://schemas.openxmlformats.org/presentationml/2006/main" mc:Ignorable="mv" mc:PreserveAttributes="mv:*">
   <p:cSld>
     <p:spTree>
       <p:nvGrpSpPr>
@@ -779,7 +3963,7 @@
             <a:fld id="{58654A3D-C737-4BEA-88C0-1DAB192ED2AD}" type="slidenum">
               <a:rPr lang="de-CH" smtClean="0"/>
               <a:pPr/>
-              <a:t>4</a:t>
+              <a:t>13</a:t>
             </a:fld>
             <a:endParaRPr lang="de-CH"/>
           </a:p>
@@ -794,7 +3978,7 @@
 </file>
 
 <file path=ppt/notesSlides/notesSlide5.xml><?xml version="1.0" encoding="utf-8"?>
-<p:notes xmlns:a="http://schemas.openxmlformats.org/drawingml/2006/main" xmlns:r="http://schemas.openxmlformats.org/officeDocument/2006/relationships" xmlns:p="http://schemas.openxmlformats.org/presentationml/2006/main">
+<p:notes xmlns:a="http://schemas.openxmlformats.org/drawingml/2006/main" xmlns:r="http://schemas.openxmlformats.org/officeDocument/2006/relationships" xmlns:mc="http://schemas.openxmlformats.org/markup-compatibility/2006" xmlns:mv="urn:schemas-microsoft-com:mac:vml" xmlns:p="http://schemas.openxmlformats.org/presentationml/2006/main" mc:Ignorable="mv" mc:PreserveAttributes="mv:*">
   <p:cSld>
     <p:spTree>
       <p:nvGrpSpPr>
@@ -861,7 +4045,7 @@
             <a:fld id="{58654A3D-C737-4BEA-88C0-1DAB192ED2AD}" type="slidenum">
               <a:rPr lang="de-CH" smtClean="0"/>
               <a:pPr/>
-              <a:t>5</a:t>
+              <a:t>14</a:t>
             </a:fld>
             <a:endParaRPr lang="de-CH"/>
           </a:p>
@@ -876,7 +4060,7 @@
 </file>
 
 <file path=ppt/notesSlides/notesSlide6.xml><?xml version="1.0" encoding="utf-8"?>
-<p:notes xmlns:a="http://schemas.openxmlformats.org/drawingml/2006/main" xmlns:r="http://schemas.openxmlformats.org/officeDocument/2006/relationships" xmlns:p="http://schemas.openxmlformats.org/presentationml/2006/main">
+<p:notes xmlns:a="http://schemas.openxmlformats.org/drawingml/2006/main" xmlns:r="http://schemas.openxmlformats.org/officeDocument/2006/relationships" xmlns:mc="http://schemas.openxmlformats.org/markup-compatibility/2006" xmlns:mv="urn:schemas-microsoft-com:mac:vml" xmlns:p="http://schemas.openxmlformats.org/presentationml/2006/main" mc:Ignorable="mv" mc:PreserveAttributes="mv:*">
   <p:cSld>
     <p:spTree>
       <p:nvGrpSpPr>
@@ -943,7 +4127,7 @@
             <a:fld id="{58654A3D-C737-4BEA-88C0-1DAB192ED2AD}" type="slidenum">
               <a:rPr lang="de-CH" smtClean="0"/>
               <a:pPr/>
-              <a:t>6</a:t>
+              <a:t>15</a:t>
             </a:fld>
             <a:endParaRPr lang="de-CH"/>
           </a:p>
@@ -958,7 +4142,7 @@
 </file>
 
 <file path=ppt/notesSlides/notesSlide7.xml><?xml version="1.0" encoding="utf-8"?>
-<p:notes xmlns:a="http://schemas.openxmlformats.org/drawingml/2006/main" xmlns:r="http://schemas.openxmlformats.org/officeDocument/2006/relationships" xmlns:p="http://schemas.openxmlformats.org/presentationml/2006/main">
+<p:notes xmlns:a="http://schemas.openxmlformats.org/drawingml/2006/main" xmlns:r="http://schemas.openxmlformats.org/officeDocument/2006/relationships" xmlns:mc="http://schemas.openxmlformats.org/markup-compatibility/2006" xmlns:mv="urn:schemas-microsoft-com:mac:vml" xmlns:p="http://schemas.openxmlformats.org/presentationml/2006/main" mc:Ignorable="mv" mc:PreserveAttributes="mv:*">
   <p:cSld>
     <p:spTree>
       <p:nvGrpSpPr>
@@ -1025,7 +4209,7 @@
             <a:fld id="{58654A3D-C737-4BEA-88C0-1DAB192ED2AD}" type="slidenum">
               <a:rPr lang="de-CH" smtClean="0"/>
               <a:pPr/>
-              <a:t>7</a:t>
+              <a:t>16</a:t>
             </a:fld>
             <a:endParaRPr lang="de-CH"/>
           </a:p>
@@ -1040,7 +4224,7 @@
 </file>
 
 <file path=ppt/slideLayouts/slideLayout1.xml><?xml version="1.0" encoding="utf-8"?>
-<p:sldLayout xmlns:a="http://schemas.openxmlformats.org/drawingml/2006/main" xmlns:r="http://schemas.openxmlformats.org/officeDocument/2006/relationships" xmlns:p="http://schemas.openxmlformats.org/presentationml/2006/main" type="title" preserve="1">
+<p:sldLayout xmlns:a="http://schemas.openxmlformats.org/drawingml/2006/main" xmlns:r="http://schemas.openxmlformats.org/officeDocument/2006/relationships" xmlns:mc="http://schemas.openxmlformats.org/markup-compatibility/2006" xmlns:mv="urn:schemas-microsoft-com:mac:vml" xmlns:p="http://schemas.openxmlformats.org/presentationml/2006/main" mc:Ignorable="mv" mc:PreserveAttributes="mv:*" type="title" preserve="1">
   <p:cSld name="Titelfolie">
     <p:spTree>
       <p:nvGrpSpPr>
@@ -1077,10 +4261,10 @@
           <a:lstStyle/>
           <a:p>
             <a:r>
-              <a:rPr lang="de-DE" smtClean="0"/>
-              <a:t>Titelmasterformat durch Klicken bearbeiten</a:t>
-            </a:r>
-            <a:endParaRPr lang="de-CH"/>
+              <a:rPr lang="de-CH" smtClean="0"/>
+              <a:t>Mastertitelformat bearbeiten</a:t>
+            </a:r>
+            <a:endParaRPr lang="de-DE"/>
           </a:p>
         </p:txBody>
       </p:sp>
@@ -1196,10 +4380,10 @@
           </a:lstStyle>
           <a:p>
             <a:r>
-              <a:rPr lang="de-DE" smtClean="0"/>
-              <a:t>Formatvorlage des Untertitelmasters durch Klicken bearbeiten</a:t>
-            </a:r>
-            <a:endParaRPr lang="de-CH"/>
+              <a:rPr lang="de-CH" smtClean="0"/>
+              <a:t>Master-Untertitelformat bearbeiten</a:t>
+            </a:r>
+            <a:endParaRPr lang="de-DE"/>
           </a:p>
         </p:txBody>
       </p:sp>
@@ -1221,7 +4405,7 @@
             <a:fld id="{39077870-AC76-45C5-96DF-2BD0250DF6B2}" type="datetimeFigureOut">
               <a:rPr lang="de-CH" smtClean="0"/>
               <a:pPr/>
-              <a:t>13.12.2014</a:t>
+              <a:t>14.12.2014</a:t>
             </a:fld>
             <a:endParaRPr lang="de-CH"/>
           </a:p>
@@ -1279,7 +4463,7 @@
 </file>
 
 <file path=ppt/slideLayouts/slideLayout10.xml><?xml version="1.0" encoding="utf-8"?>
-<p:sldLayout xmlns:a="http://schemas.openxmlformats.org/drawingml/2006/main" xmlns:r="http://schemas.openxmlformats.org/officeDocument/2006/relationships" xmlns:p="http://schemas.openxmlformats.org/presentationml/2006/main" type="vertTx" preserve="1">
+<p:sldLayout xmlns:a="http://schemas.openxmlformats.org/drawingml/2006/main" xmlns:r="http://schemas.openxmlformats.org/officeDocument/2006/relationships" xmlns:mc="http://schemas.openxmlformats.org/markup-compatibility/2006" xmlns:mv="urn:schemas-microsoft-com:mac:vml" xmlns:p="http://schemas.openxmlformats.org/presentationml/2006/main" mc:Ignorable="mv" mc:PreserveAttributes="mv:*" type="vertTx" preserve="1">
   <p:cSld name="Titel und vertikaler Text">
     <p:spTree>
       <p:nvGrpSpPr>
@@ -1311,10 +4495,10 @@
           <a:lstStyle/>
           <a:p>
             <a:r>
-              <a:rPr lang="de-DE" smtClean="0"/>
-              <a:t>Titelmasterformat durch Klicken bearbeiten</a:t>
-            </a:r>
-            <a:endParaRPr lang="de-CH"/>
+              <a:rPr lang="de-CH" smtClean="0"/>
+              <a:t>Mastertitelformat bearbeiten</a:t>
+            </a:r>
+            <a:endParaRPr lang="de-DE"/>
           </a:p>
         </p:txBody>
       </p:sp>
@@ -1335,38 +4519,38 @@
           <a:p>
             <a:pPr lvl="0"/>
             <a:r>
-              <a:rPr lang="de-DE" smtClean="0"/>
-              <a:t>Textmasterformate durch Klicken bearbeiten</a:t>
+              <a:rPr lang="de-CH" smtClean="0"/>
+              <a:t>Mastertextformat bearbeiten</a:t>
             </a:r>
           </a:p>
           <a:p>
             <a:pPr lvl="1"/>
             <a:r>
-              <a:rPr lang="de-DE" smtClean="0"/>
+              <a:rPr lang="de-CH" smtClean="0"/>
               <a:t>Zweite Ebene</a:t>
             </a:r>
           </a:p>
           <a:p>
             <a:pPr lvl="2"/>
             <a:r>
-              <a:rPr lang="de-DE" smtClean="0"/>
+              <a:rPr lang="de-CH" smtClean="0"/>
               <a:t>Dritte Ebene</a:t>
             </a:r>
           </a:p>
           <a:p>
             <a:pPr lvl="3"/>
             <a:r>
-              <a:rPr lang="de-DE" smtClean="0"/>
+              <a:rPr lang="de-CH" smtClean="0"/>
               <a:t>Vierte Ebene</a:t>
             </a:r>
           </a:p>
           <a:p>
             <a:pPr lvl="4"/>
             <a:r>
-              <a:rPr lang="de-DE" smtClean="0"/>
+              <a:rPr lang="de-CH" smtClean="0"/>
               <a:t>Fünfte Ebene</a:t>
             </a:r>
-            <a:endParaRPr lang="de-CH"/>
+            <a:endParaRPr lang="de-DE"/>
           </a:p>
         </p:txBody>
       </p:sp>
@@ -1388,7 +4572,7 @@
             <a:fld id="{39077870-AC76-45C5-96DF-2BD0250DF6B2}" type="datetimeFigureOut">
               <a:rPr lang="de-CH" smtClean="0"/>
               <a:pPr/>
-              <a:t>13.12.2014</a:t>
+              <a:t>14.12.2014</a:t>
             </a:fld>
             <a:endParaRPr lang="de-CH"/>
           </a:p>
@@ -1446,7 +4630,7 @@
 </file>
 
 <file path=ppt/slideLayouts/slideLayout11.xml><?xml version="1.0" encoding="utf-8"?>
-<p:sldLayout xmlns:a="http://schemas.openxmlformats.org/drawingml/2006/main" xmlns:r="http://schemas.openxmlformats.org/officeDocument/2006/relationships" xmlns:p="http://schemas.openxmlformats.org/presentationml/2006/main" type="vertTitleAndTx" preserve="1">
+<p:sldLayout xmlns:a="http://schemas.openxmlformats.org/drawingml/2006/main" xmlns:r="http://schemas.openxmlformats.org/officeDocument/2006/relationships" xmlns:mc="http://schemas.openxmlformats.org/markup-compatibility/2006" xmlns:mv="urn:schemas-microsoft-com:mac:vml" xmlns:p="http://schemas.openxmlformats.org/presentationml/2006/main" mc:Ignorable="mv" mc:PreserveAttributes="mv:*" type="vertTitleAndTx" preserve="1">
   <p:cSld name="Vertikaler Titel und Text">
     <p:spTree>
       <p:nvGrpSpPr>
@@ -1483,10 +4667,10 @@
           <a:lstStyle/>
           <a:p>
             <a:r>
-              <a:rPr lang="de-DE" smtClean="0"/>
-              <a:t>Titelmasterformat durch Klicken bearbeiten</a:t>
-            </a:r>
-            <a:endParaRPr lang="de-CH"/>
+              <a:rPr lang="de-CH" smtClean="0"/>
+              <a:t>Mastertitelformat bearbeiten</a:t>
+            </a:r>
+            <a:endParaRPr lang="de-DE"/>
           </a:p>
         </p:txBody>
       </p:sp>
@@ -1512,38 +4696,38 @@
           <a:p>
             <a:pPr lvl="0"/>
             <a:r>
-              <a:rPr lang="de-DE" smtClean="0"/>
-              <a:t>Textmasterformate durch Klicken bearbeiten</a:t>
+              <a:rPr lang="de-CH" smtClean="0"/>
+              <a:t>Mastertextformat bearbeiten</a:t>
             </a:r>
           </a:p>
           <a:p>
             <a:pPr lvl="1"/>
             <a:r>
-              <a:rPr lang="de-DE" smtClean="0"/>
+              <a:rPr lang="de-CH" smtClean="0"/>
               <a:t>Zweite Ebene</a:t>
             </a:r>
           </a:p>
           <a:p>
             <a:pPr lvl="2"/>
             <a:r>
-              <a:rPr lang="de-DE" smtClean="0"/>
+              <a:rPr lang="de-CH" smtClean="0"/>
               <a:t>Dritte Ebene</a:t>
             </a:r>
           </a:p>
           <a:p>
             <a:pPr lvl="3"/>
             <a:r>
-              <a:rPr lang="de-DE" smtClean="0"/>
+              <a:rPr lang="de-CH" smtClean="0"/>
               <a:t>Vierte Ebene</a:t>
             </a:r>
           </a:p>
           <a:p>
             <a:pPr lvl="4"/>
             <a:r>
-              <a:rPr lang="de-DE" smtClean="0"/>
+              <a:rPr lang="de-CH" smtClean="0"/>
               <a:t>Fünfte Ebene</a:t>
             </a:r>
-            <a:endParaRPr lang="de-CH"/>
+            <a:endParaRPr lang="de-DE"/>
           </a:p>
         </p:txBody>
       </p:sp>
@@ -1565,7 +4749,7 @@
             <a:fld id="{39077870-AC76-45C5-96DF-2BD0250DF6B2}" type="datetimeFigureOut">
               <a:rPr lang="de-CH" smtClean="0"/>
               <a:pPr/>
-              <a:t>13.12.2014</a:t>
+              <a:t>14.12.2014</a:t>
             </a:fld>
             <a:endParaRPr lang="de-CH"/>
           </a:p>
@@ -1623,7 +4807,7 @@
 </file>
 
 <file path=ppt/slideLayouts/slideLayout2.xml><?xml version="1.0" encoding="utf-8"?>
-<p:sldLayout xmlns:a="http://schemas.openxmlformats.org/drawingml/2006/main" xmlns:r="http://schemas.openxmlformats.org/officeDocument/2006/relationships" xmlns:p="http://schemas.openxmlformats.org/presentationml/2006/main" type="obj" preserve="1">
+<p:sldLayout xmlns:a="http://schemas.openxmlformats.org/drawingml/2006/main" xmlns:r="http://schemas.openxmlformats.org/officeDocument/2006/relationships" xmlns:mc="http://schemas.openxmlformats.org/markup-compatibility/2006" xmlns:mv="urn:schemas-microsoft-com:mac:vml" xmlns:p="http://schemas.openxmlformats.org/presentationml/2006/main" mc:Ignorable="mv" mc:PreserveAttributes="mv:*" type="obj" preserve="1">
   <p:cSld name="Titel und Inhalt">
     <p:spTree>
       <p:nvGrpSpPr>
@@ -1655,10 +4839,10 @@
           <a:lstStyle/>
           <a:p>
             <a:r>
-              <a:rPr lang="de-DE" smtClean="0"/>
-              <a:t>Titelmasterformat durch Klicken bearbeiten</a:t>
-            </a:r>
-            <a:endParaRPr lang="de-CH"/>
+              <a:rPr lang="de-CH" smtClean="0"/>
+              <a:t>Mastertitelformat bearbeiten</a:t>
+            </a:r>
+            <a:endParaRPr lang="de-DE"/>
           </a:p>
         </p:txBody>
       </p:sp>
@@ -1679,38 +4863,38 @@
           <a:p>
             <a:pPr lvl="0"/>
             <a:r>
-              <a:rPr lang="de-DE" smtClean="0"/>
-              <a:t>Textmasterformate durch Klicken bearbeiten</a:t>
+              <a:rPr lang="de-CH" smtClean="0"/>
+              <a:t>Mastertextformat bearbeiten</a:t>
             </a:r>
           </a:p>
           <a:p>
             <a:pPr lvl="1"/>
             <a:r>
-              <a:rPr lang="de-DE" smtClean="0"/>
+              <a:rPr lang="de-CH" smtClean="0"/>
               <a:t>Zweite Ebene</a:t>
             </a:r>
           </a:p>
           <a:p>
             <a:pPr lvl="2"/>
             <a:r>
-              <a:rPr lang="de-DE" smtClean="0"/>
+              <a:rPr lang="de-CH" smtClean="0"/>
               <a:t>Dritte Ebene</a:t>
             </a:r>
           </a:p>
           <a:p>
             <a:pPr lvl="3"/>
             <a:r>
-              <a:rPr lang="de-DE" smtClean="0"/>
+              <a:rPr lang="de-CH" smtClean="0"/>
               <a:t>Vierte Ebene</a:t>
             </a:r>
           </a:p>
           <a:p>
             <a:pPr lvl="4"/>
             <a:r>
-              <a:rPr lang="de-DE" smtClean="0"/>
+              <a:rPr lang="de-CH" smtClean="0"/>
               <a:t>Fünfte Ebene</a:t>
             </a:r>
-            <a:endParaRPr lang="de-CH"/>
+            <a:endParaRPr lang="de-DE"/>
           </a:p>
         </p:txBody>
       </p:sp>
@@ -1732,7 +4916,7 @@
             <a:fld id="{39077870-AC76-45C5-96DF-2BD0250DF6B2}" type="datetimeFigureOut">
               <a:rPr lang="de-CH" smtClean="0"/>
               <a:pPr/>
-              <a:t>13.12.2014</a:t>
+              <a:t>14.12.2014</a:t>
             </a:fld>
             <a:endParaRPr lang="de-CH"/>
           </a:p>
@@ -1790,7 +4974,7 @@
 </file>
 
 <file path=ppt/slideLayouts/slideLayout3.xml><?xml version="1.0" encoding="utf-8"?>
-<p:sldLayout xmlns:a="http://schemas.openxmlformats.org/drawingml/2006/main" xmlns:r="http://schemas.openxmlformats.org/officeDocument/2006/relationships" xmlns:p="http://schemas.openxmlformats.org/presentationml/2006/main" type="secHead" preserve="1">
+<p:sldLayout xmlns:a="http://schemas.openxmlformats.org/drawingml/2006/main" xmlns:r="http://schemas.openxmlformats.org/officeDocument/2006/relationships" xmlns:mc="http://schemas.openxmlformats.org/markup-compatibility/2006" xmlns:mv="urn:schemas-microsoft-com:mac:vml" xmlns:p="http://schemas.openxmlformats.org/presentationml/2006/main" mc:Ignorable="mv" mc:PreserveAttributes="mv:*" type="secHead" preserve="1">
   <p:cSld name="Abschnittsüberschrift">
     <p:spTree>
       <p:nvGrpSpPr>
@@ -1831,10 +5015,10 @@
           </a:lstStyle>
           <a:p>
             <a:r>
-              <a:rPr lang="de-DE" smtClean="0"/>
-              <a:t>Titelmasterformat durch Klicken bearbeiten</a:t>
-            </a:r>
-            <a:endParaRPr lang="de-CH"/>
+              <a:rPr lang="de-CH" smtClean="0"/>
+              <a:t>Mastertitelformat bearbeiten</a:t>
+            </a:r>
+            <a:endParaRPr lang="de-DE"/>
           </a:p>
         </p:txBody>
       </p:sp>
@@ -1951,8 +5135,8 @@
           <a:p>
             <a:pPr lvl="0"/>
             <a:r>
-              <a:rPr lang="de-DE" smtClean="0"/>
-              <a:t>Textmasterformate durch Klicken bearbeiten</a:t>
+              <a:rPr lang="de-CH" smtClean="0"/>
+              <a:t>Mastertextformat bearbeiten</a:t>
             </a:r>
           </a:p>
         </p:txBody>
@@ -1975,7 +5159,7 @@
             <a:fld id="{39077870-AC76-45C5-96DF-2BD0250DF6B2}" type="datetimeFigureOut">
               <a:rPr lang="de-CH" smtClean="0"/>
               <a:pPr/>
-              <a:t>13.12.2014</a:t>
+              <a:t>14.12.2014</a:t>
             </a:fld>
             <a:endParaRPr lang="de-CH"/>
           </a:p>
@@ -2033,7 +5217,7 @@
 </file>
 
 <file path=ppt/slideLayouts/slideLayout4.xml><?xml version="1.0" encoding="utf-8"?>
-<p:sldLayout xmlns:a="http://schemas.openxmlformats.org/drawingml/2006/main" xmlns:r="http://schemas.openxmlformats.org/officeDocument/2006/relationships" xmlns:p="http://schemas.openxmlformats.org/presentationml/2006/main" type="twoObj" preserve="1">
+<p:sldLayout xmlns:a="http://schemas.openxmlformats.org/drawingml/2006/main" xmlns:r="http://schemas.openxmlformats.org/officeDocument/2006/relationships" xmlns:mc="http://schemas.openxmlformats.org/markup-compatibility/2006" xmlns:mv="urn:schemas-microsoft-com:mac:vml" xmlns:p="http://schemas.openxmlformats.org/presentationml/2006/main" mc:Ignorable="mv" mc:PreserveAttributes="mv:*" type="twoObj" preserve="1">
   <p:cSld name="Zwei Inhalte">
     <p:spTree>
       <p:nvGrpSpPr>
@@ -2065,10 +5249,10 @@
           <a:lstStyle/>
           <a:p>
             <a:r>
-              <a:rPr lang="de-DE" smtClean="0"/>
-              <a:t>Titelmasterformat durch Klicken bearbeiten</a:t>
-            </a:r>
-            <a:endParaRPr lang="de-CH"/>
+              <a:rPr lang="de-CH" smtClean="0"/>
+              <a:t>Mastertitelformat bearbeiten</a:t>
+            </a:r>
+            <a:endParaRPr lang="de-DE"/>
           </a:p>
         </p:txBody>
       </p:sp>
@@ -2122,38 +5306,38 @@
           <a:p>
             <a:pPr lvl="0"/>
             <a:r>
-              <a:rPr lang="de-DE" smtClean="0"/>
-              <a:t>Textmasterformate durch Klicken bearbeiten</a:t>
+              <a:rPr lang="de-CH" smtClean="0"/>
+              <a:t>Mastertextformat bearbeiten</a:t>
             </a:r>
           </a:p>
           <a:p>
             <a:pPr lvl="1"/>
             <a:r>
-              <a:rPr lang="de-DE" smtClean="0"/>
+              <a:rPr lang="de-CH" smtClean="0"/>
               <a:t>Zweite Ebene</a:t>
             </a:r>
           </a:p>
           <a:p>
             <a:pPr lvl="2"/>
             <a:r>
-              <a:rPr lang="de-DE" smtClean="0"/>
+              <a:rPr lang="de-CH" smtClean="0"/>
               <a:t>Dritte Ebene</a:t>
             </a:r>
           </a:p>
           <a:p>
             <a:pPr lvl="3"/>
             <a:r>
-              <a:rPr lang="de-DE" smtClean="0"/>
+              <a:rPr lang="de-CH" smtClean="0"/>
               <a:t>Vierte Ebene</a:t>
             </a:r>
           </a:p>
           <a:p>
             <a:pPr lvl="4"/>
             <a:r>
-              <a:rPr lang="de-DE" smtClean="0"/>
+              <a:rPr lang="de-CH" smtClean="0"/>
               <a:t>Fünfte Ebene</a:t>
             </a:r>
-            <a:endParaRPr lang="de-CH"/>
+            <a:endParaRPr lang="de-DE"/>
           </a:p>
         </p:txBody>
       </p:sp>
@@ -2207,38 +5391,38 @@
           <a:p>
             <a:pPr lvl="0"/>
             <a:r>
-              <a:rPr lang="de-DE" smtClean="0"/>
-              <a:t>Textmasterformate durch Klicken bearbeiten</a:t>
+              <a:rPr lang="de-CH" smtClean="0"/>
+              <a:t>Mastertextformat bearbeiten</a:t>
             </a:r>
           </a:p>
           <a:p>
             <a:pPr lvl="1"/>
             <a:r>
-              <a:rPr lang="de-DE" smtClean="0"/>
+              <a:rPr lang="de-CH" smtClean="0"/>
               <a:t>Zweite Ebene</a:t>
             </a:r>
           </a:p>
           <a:p>
             <a:pPr lvl="2"/>
             <a:r>
-              <a:rPr lang="de-DE" smtClean="0"/>
+              <a:rPr lang="de-CH" smtClean="0"/>
               <a:t>Dritte Ebene</a:t>
             </a:r>
           </a:p>
           <a:p>
             <a:pPr lvl="3"/>
             <a:r>
-              <a:rPr lang="de-DE" smtClean="0"/>
+              <a:rPr lang="de-CH" smtClean="0"/>
               <a:t>Vierte Ebene</a:t>
             </a:r>
           </a:p>
           <a:p>
             <a:pPr lvl="4"/>
             <a:r>
-              <a:rPr lang="de-DE" smtClean="0"/>
+              <a:rPr lang="de-CH" smtClean="0"/>
               <a:t>Fünfte Ebene</a:t>
             </a:r>
-            <a:endParaRPr lang="de-CH"/>
+            <a:endParaRPr lang="de-DE"/>
           </a:p>
         </p:txBody>
       </p:sp>
@@ -2260,7 +5444,7 @@
             <a:fld id="{39077870-AC76-45C5-96DF-2BD0250DF6B2}" type="datetimeFigureOut">
               <a:rPr lang="de-CH" smtClean="0"/>
               <a:pPr/>
-              <a:t>13.12.2014</a:t>
+              <a:t>14.12.2014</a:t>
             </a:fld>
             <a:endParaRPr lang="de-CH"/>
           </a:p>
@@ -2318,7 +5502,7 @@
 </file>
 
 <file path=ppt/slideLayouts/slideLayout5.xml><?xml version="1.0" encoding="utf-8"?>
-<p:sldLayout xmlns:a="http://schemas.openxmlformats.org/drawingml/2006/main" xmlns:r="http://schemas.openxmlformats.org/officeDocument/2006/relationships" xmlns:p="http://schemas.openxmlformats.org/presentationml/2006/main" type="twoTxTwoObj" preserve="1">
+<p:sldLayout xmlns:a="http://schemas.openxmlformats.org/drawingml/2006/main" xmlns:r="http://schemas.openxmlformats.org/officeDocument/2006/relationships" xmlns:mc="http://schemas.openxmlformats.org/markup-compatibility/2006" xmlns:mv="urn:schemas-microsoft-com:mac:vml" xmlns:p="http://schemas.openxmlformats.org/presentationml/2006/main" mc:Ignorable="mv" mc:PreserveAttributes="mv:*" type="twoTxTwoObj" preserve="1">
   <p:cSld name="Vergleich">
     <p:spTree>
       <p:nvGrpSpPr>
@@ -2354,10 +5538,10 @@
           </a:lstStyle>
           <a:p>
             <a:r>
-              <a:rPr lang="de-DE" smtClean="0"/>
-              <a:t>Titelmasterformat durch Klicken bearbeiten</a:t>
-            </a:r>
-            <a:endParaRPr lang="de-CH"/>
+              <a:rPr lang="de-CH" smtClean="0"/>
+              <a:t>Mastertitelformat bearbeiten</a:t>
+            </a:r>
+            <a:endParaRPr lang="de-DE"/>
           </a:p>
         </p:txBody>
       </p:sp>
@@ -2420,8 +5604,8 @@
           <a:p>
             <a:pPr lvl="0"/>
             <a:r>
-              <a:rPr lang="de-DE" smtClean="0"/>
-              <a:t>Textmasterformate durch Klicken bearbeiten</a:t>
+              <a:rPr lang="de-CH" smtClean="0"/>
+              <a:t>Mastertextformat bearbeiten</a:t>
             </a:r>
           </a:p>
         </p:txBody>
@@ -2476,38 +5660,38 @@
           <a:p>
             <a:pPr lvl="0"/>
             <a:r>
-              <a:rPr lang="de-DE" smtClean="0"/>
-              <a:t>Textmasterformate durch Klicken bearbeiten</a:t>
+              <a:rPr lang="de-CH" smtClean="0"/>
+              <a:t>Mastertextformat bearbeiten</a:t>
             </a:r>
           </a:p>
           <a:p>
             <a:pPr lvl="1"/>
             <a:r>
-              <a:rPr lang="de-DE" smtClean="0"/>
+              <a:rPr lang="de-CH" smtClean="0"/>
               <a:t>Zweite Ebene</a:t>
             </a:r>
           </a:p>
           <a:p>
             <a:pPr lvl="2"/>
             <a:r>
-              <a:rPr lang="de-DE" smtClean="0"/>
+              <a:rPr lang="de-CH" smtClean="0"/>
               <a:t>Dritte Ebene</a:t>
             </a:r>
           </a:p>
           <a:p>
             <a:pPr lvl="3"/>
             <a:r>
-              <a:rPr lang="de-DE" smtClean="0"/>
+              <a:rPr lang="de-CH" smtClean="0"/>
               <a:t>Vierte Ebene</a:t>
             </a:r>
           </a:p>
           <a:p>
             <a:pPr lvl="4"/>
             <a:r>
-              <a:rPr lang="de-DE" smtClean="0"/>
+              <a:rPr lang="de-CH" smtClean="0"/>
               <a:t>Fünfte Ebene</a:t>
             </a:r>
-            <a:endParaRPr lang="de-CH"/>
+            <a:endParaRPr lang="de-DE"/>
           </a:p>
         </p:txBody>
       </p:sp>
@@ -2570,8 +5754,8 @@
           <a:p>
             <a:pPr lvl="0"/>
             <a:r>
-              <a:rPr lang="de-DE" smtClean="0"/>
-              <a:t>Textmasterformate durch Klicken bearbeiten</a:t>
+              <a:rPr lang="de-CH" smtClean="0"/>
+              <a:t>Mastertextformat bearbeiten</a:t>
             </a:r>
           </a:p>
         </p:txBody>
@@ -2626,38 +5810,38 @@
           <a:p>
             <a:pPr lvl="0"/>
             <a:r>
-              <a:rPr lang="de-DE" smtClean="0"/>
-              <a:t>Textmasterformate durch Klicken bearbeiten</a:t>
+              <a:rPr lang="de-CH" smtClean="0"/>
+              <a:t>Mastertextformat bearbeiten</a:t>
             </a:r>
           </a:p>
           <a:p>
             <a:pPr lvl="1"/>
             <a:r>
-              <a:rPr lang="de-DE" smtClean="0"/>
+              <a:rPr lang="de-CH" smtClean="0"/>
               <a:t>Zweite Ebene</a:t>
             </a:r>
           </a:p>
           <a:p>
             <a:pPr lvl="2"/>
             <a:r>
-              <a:rPr lang="de-DE" smtClean="0"/>
+              <a:rPr lang="de-CH" smtClean="0"/>
               <a:t>Dritte Ebene</a:t>
             </a:r>
           </a:p>
           <a:p>
             <a:pPr lvl="3"/>
             <a:r>
-              <a:rPr lang="de-DE" smtClean="0"/>
+              <a:rPr lang="de-CH" smtClean="0"/>
               <a:t>Vierte Ebene</a:t>
             </a:r>
           </a:p>
           <a:p>
             <a:pPr lvl="4"/>
             <a:r>
-              <a:rPr lang="de-DE" smtClean="0"/>
+              <a:rPr lang="de-CH" smtClean="0"/>
               <a:t>Fünfte Ebene</a:t>
             </a:r>
-            <a:endParaRPr lang="de-CH"/>
+            <a:endParaRPr lang="de-DE"/>
           </a:p>
         </p:txBody>
       </p:sp>
@@ -2679,7 +5863,7 @@
             <a:fld id="{39077870-AC76-45C5-96DF-2BD0250DF6B2}" type="datetimeFigureOut">
               <a:rPr lang="de-CH" smtClean="0"/>
               <a:pPr/>
-              <a:t>13.12.2014</a:t>
+              <a:t>14.12.2014</a:t>
             </a:fld>
             <a:endParaRPr lang="de-CH"/>
           </a:p>
@@ -2737,7 +5921,7 @@
 </file>
 
 <file path=ppt/slideLayouts/slideLayout6.xml><?xml version="1.0" encoding="utf-8"?>
-<p:sldLayout xmlns:a="http://schemas.openxmlformats.org/drawingml/2006/main" xmlns:r="http://schemas.openxmlformats.org/officeDocument/2006/relationships" xmlns:p="http://schemas.openxmlformats.org/presentationml/2006/main" type="titleOnly" preserve="1">
+<p:sldLayout xmlns:a="http://schemas.openxmlformats.org/drawingml/2006/main" xmlns:r="http://schemas.openxmlformats.org/officeDocument/2006/relationships" xmlns:mc="http://schemas.openxmlformats.org/markup-compatibility/2006" xmlns:mv="urn:schemas-microsoft-com:mac:vml" xmlns:p="http://schemas.openxmlformats.org/presentationml/2006/main" mc:Ignorable="mv" mc:PreserveAttributes="mv:*" type="titleOnly" preserve="1">
   <p:cSld name="Nur Titel">
     <p:spTree>
       <p:nvGrpSpPr>
@@ -2769,10 +5953,10 @@
           <a:lstStyle/>
           <a:p>
             <a:r>
-              <a:rPr lang="de-DE" smtClean="0"/>
-              <a:t>Titelmasterformat durch Klicken bearbeiten</a:t>
-            </a:r>
-            <a:endParaRPr lang="de-CH"/>
+              <a:rPr lang="de-CH" smtClean="0"/>
+              <a:t>Mastertitelformat bearbeiten</a:t>
+            </a:r>
+            <a:endParaRPr lang="de-DE"/>
           </a:p>
         </p:txBody>
       </p:sp>
@@ -2794,7 +5978,7 @@
             <a:fld id="{39077870-AC76-45C5-96DF-2BD0250DF6B2}" type="datetimeFigureOut">
               <a:rPr lang="de-CH" smtClean="0"/>
               <a:pPr/>
-              <a:t>13.12.2014</a:t>
+              <a:t>14.12.2014</a:t>
             </a:fld>
             <a:endParaRPr lang="de-CH"/>
           </a:p>
@@ -2852,7 +6036,7 @@
 </file>
 
 <file path=ppt/slideLayouts/slideLayout7.xml><?xml version="1.0" encoding="utf-8"?>
-<p:sldLayout xmlns:a="http://schemas.openxmlformats.org/drawingml/2006/main" xmlns:r="http://schemas.openxmlformats.org/officeDocument/2006/relationships" xmlns:p="http://schemas.openxmlformats.org/presentationml/2006/main" type="blank" preserve="1">
+<p:sldLayout xmlns:a="http://schemas.openxmlformats.org/drawingml/2006/main" xmlns:r="http://schemas.openxmlformats.org/officeDocument/2006/relationships" xmlns:mc="http://schemas.openxmlformats.org/markup-compatibility/2006" xmlns:mv="urn:schemas-microsoft-com:mac:vml" xmlns:p="http://schemas.openxmlformats.org/presentationml/2006/main" mc:Ignorable="mv" mc:PreserveAttributes="mv:*" type="blank" preserve="1">
   <p:cSld name="Leer">
     <p:spTree>
       <p:nvGrpSpPr>
@@ -2886,7 +6070,7 @@
             <a:fld id="{39077870-AC76-45C5-96DF-2BD0250DF6B2}" type="datetimeFigureOut">
               <a:rPr lang="de-CH" smtClean="0"/>
               <a:pPr/>
-              <a:t>13.12.2014</a:t>
+              <a:t>14.12.2014</a:t>
             </a:fld>
             <a:endParaRPr lang="de-CH"/>
           </a:p>
@@ -2944,8 +6128,8 @@
 </file>
 
 <file path=ppt/slideLayouts/slideLayout8.xml><?xml version="1.0" encoding="utf-8"?>
-<p:sldLayout xmlns:a="http://schemas.openxmlformats.org/drawingml/2006/main" xmlns:r="http://schemas.openxmlformats.org/officeDocument/2006/relationships" xmlns:p="http://schemas.openxmlformats.org/presentationml/2006/main" type="objTx" preserve="1">
-  <p:cSld name="Inhalt mit Überschrift">
+<p:sldLayout xmlns:a="http://schemas.openxmlformats.org/drawingml/2006/main" xmlns:r="http://schemas.openxmlformats.org/officeDocument/2006/relationships" xmlns:mc="http://schemas.openxmlformats.org/markup-compatibility/2006" xmlns:mv="urn:schemas-microsoft-com:mac:vml" xmlns:p="http://schemas.openxmlformats.org/presentationml/2006/main" mc:Ignorable="mv" mc:PreserveAttributes="mv:*" type="objTx" preserve="1">
+  <p:cSld name="Inhalt mit Beschriftung">
     <p:spTree>
       <p:nvGrpSpPr>
         <p:cNvPr id="1" name=""/>
@@ -2985,10 +6169,10 @@
           </a:lstStyle>
           <a:p>
             <a:r>
-              <a:rPr lang="de-DE" smtClean="0"/>
-              <a:t>Titelmasterformat durch Klicken bearbeiten</a:t>
-            </a:r>
-            <a:endParaRPr lang="de-CH"/>
+              <a:rPr lang="de-CH" smtClean="0"/>
+              <a:t>Mastertitelformat bearbeiten</a:t>
+            </a:r>
+            <a:endParaRPr lang="de-DE"/>
           </a:p>
         </p:txBody>
       </p:sp>
@@ -3042,38 +6226,38 @@
           <a:p>
             <a:pPr lvl="0"/>
             <a:r>
-              <a:rPr lang="de-DE" smtClean="0"/>
-              <a:t>Textmasterformate durch Klicken bearbeiten</a:t>
+              <a:rPr lang="de-CH" smtClean="0"/>
+              <a:t>Mastertextformat bearbeiten</a:t>
             </a:r>
           </a:p>
           <a:p>
             <a:pPr lvl="1"/>
             <a:r>
-              <a:rPr lang="de-DE" smtClean="0"/>
+              <a:rPr lang="de-CH" smtClean="0"/>
               <a:t>Zweite Ebene</a:t>
             </a:r>
           </a:p>
           <a:p>
             <a:pPr lvl="2"/>
             <a:r>
-              <a:rPr lang="de-DE" smtClean="0"/>
+              <a:rPr lang="de-CH" smtClean="0"/>
               <a:t>Dritte Ebene</a:t>
             </a:r>
           </a:p>
           <a:p>
             <a:pPr lvl="3"/>
             <a:r>
-              <a:rPr lang="de-DE" smtClean="0"/>
+              <a:rPr lang="de-CH" smtClean="0"/>
               <a:t>Vierte Ebene</a:t>
             </a:r>
           </a:p>
           <a:p>
             <a:pPr lvl="4"/>
             <a:r>
-              <a:rPr lang="de-DE" smtClean="0"/>
+              <a:rPr lang="de-CH" smtClean="0"/>
               <a:t>Fünfte Ebene</a:t>
             </a:r>
-            <a:endParaRPr lang="de-CH"/>
+            <a:endParaRPr lang="de-DE"/>
           </a:p>
         </p:txBody>
       </p:sp>
@@ -3136,8 +6320,8 @@
           <a:p>
             <a:pPr lvl="0"/>
             <a:r>
-              <a:rPr lang="de-DE" smtClean="0"/>
-              <a:t>Textmasterformate durch Klicken bearbeiten</a:t>
+              <a:rPr lang="de-CH" smtClean="0"/>
+              <a:t>Mastertextformat bearbeiten</a:t>
             </a:r>
           </a:p>
         </p:txBody>
@@ -3160,7 +6344,7 @@
             <a:fld id="{39077870-AC76-45C5-96DF-2BD0250DF6B2}" type="datetimeFigureOut">
               <a:rPr lang="de-CH" smtClean="0"/>
               <a:pPr/>
-              <a:t>13.12.2014</a:t>
+              <a:t>14.12.2014</a:t>
             </a:fld>
             <a:endParaRPr lang="de-CH"/>
           </a:p>
@@ -3218,8 +6402,8 @@
 </file>
 
 <file path=ppt/slideLayouts/slideLayout9.xml><?xml version="1.0" encoding="utf-8"?>
-<p:sldLayout xmlns:a="http://schemas.openxmlformats.org/drawingml/2006/main" xmlns:r="http://schemas.openxmlformats.org/officeDocument/2006/relationships" xmlns:p="http://schemas.openxmlformats.org/presentationml/2006/main" type="picTx" preserve="1">
-  <p:cSld name="Bild mit Überschrift">
+<p:sldLayout xmlns:a="http://schemas.openxmlformats.org/drawingml/2006/main" xmlns:r="http://schemas.openxmlformats.org/officeDocument/2006/relationships" xmlns:mc="http://schemas.openxmlformats.org/markup-compatibility/2006" xmlns:mv="urn:schemas-microsoft-com:mac:vml" xmlns:p="http://schemas.openxmlformats.org/presentationml/2006/main" mc:Ignorable="mv" mc:PreserveAttributes="mv:*" type="picTx" preserve="1">
+  <p:cSld name="Bild mit Beschriftung">
     <p:spTree>
       <p:nvGrpSpPr>
         <p:cNvPr id="1" name=""/>
@@ -3259,10 +6443,10 @@
           </a:lstStyle>
           <a:p>
             <a:r>
-              <a:rPr lang="de-DE" smtClean="0"/>
-              <a:t>Titelmasterformat durch Klicken bearbeiten</a:t>
-            </a:r>
-            <a:endParaRPr lang="de-CH"/>
+              <a:rPr lang="de-CH" smtClean="0"/>
+              <a:t>Mastertitelformat bearbeiten</a:t>
+            </a:r>
+            <a:endParaRPr lang="de-DE"/>
           </a:p>
         </p:txBody>
       </p:sp>
@@ -3323,7 +6507,7 @@
             </a:lvl9pPr>
           </a:lstStyle>
           <a:p>
-            <a:endParaRPr lang="de-CH"/>
+            <a:endParaRPr lang="de-DE"/>
           </a:p>
         </p:txBody>
       </p:sp>
@@ -3386,8 +6570,8 @@
           <a:p>
             <a:pPr lvl="0"/>
             <a:r>
-              <a:rPr lang="de-DE" smtClean="0"/>
-              <a:t>Textmasterformate durch Klicken bearbeiten</a:t>
+              <a:rPr lang="de-CH" smtClean="0"/>
+              <a:t>Mastertextformat bearbeiten</a:t>
             </a:r>
           </a:p>
         </p:txBody>
@@ -3410,7 +6594,7 @@
             <a:fld id="{39077870-AC76-45C5-96DF-2BD0250DF6B2}" type="datetimeFigureOut">
               <a:rPr lang="de-CH" smtClean="0"/>
               <a:pPr/>
-              <a:t>13.12.2014</a:t>
+              <a:t>14.12.2014</a:t>
             </a:fld>
             <a:endParaRPr lang="de-CH"/>
           </a:p>
@@ -3468,7 +6652,7 @@
 </file>
 
 <file path=ppt/slideMasters/slideMaster1.xml><?xml version="1.0" encoding="utf-8"?>
-<p:sldMaster xmlns:a="http://schemas.openxmlformats.org/drawingml/2006/main" xmlns:r="http://schemas.openxmlformats.org/officeDocument/2006/relationships" xmlns:p="http://schemas.openxmlformats.org/presentationml/2006/main">
+<p:sldMaster xmlns:a="http://schemas.openxmlformats.org/drawingml/2006/main" xmlns:r="http://schemas.openxmlformats.org/officeDocument/2006/relationships" xmlns:mc="http://schemas.openxmlformats.org/markup-compatibility/2006" xmlns:mv="urn:schemas-microsoft-com:mac:vml" xmlns:p="http://schemas.openxmlformats.org/presentationml/2006/main" mc:Ignorable="mv" mc:PreserveAttributes="mv:*">
   <p:cSld>
     <p:bg>
       <p:bgRef idx="1001">
@@ -3515,10 +6699,10 @@
           <a:lstStyle/>
           <a:p>
             <a:r>
-              <a:rPr lang="de-DE" smtClean="0"/>
-              <a:t>Titelmasterformat durch Klicken bearbeiten</a:t>
-            </a:r>
-            <a:endParaRPr lang="de-CH"/>
+              <a:rPr lang="de-CH" smtClean="0"/>
+              <a:t>Mastertitelformat bearbeiten</a:t>
+            </a:r>
+            <a:endParaRPr lang="de-DE"/>
           </a:p>
         </p:txBody>
       </p:sp>
@@ -3549,38 +6733,38 @@
           <a:p>
             <a:pPr lvl="0"/>
             <a:r>
-              <a:rPr lang="de-DE" smtClean="0"/>
-              <a:t>Textmasterformate durch Klicken bearbeiten</a:t>
+              <a:rPr lang="de-CH" smtClean="0"/>
+              <a:t>Mastertextformat bearbeiten</a:t>
             </a:r>
           </a:p>
           <a:p>
             <a:pPr lvl="1"/>
             <a:r>
-              <a:rPr lang="de-DE" smtClean="0"/>
+              <a:rPr lang="de-CH" smtClean="0"/>
               <a:t>Zweite Ebene</a:t>
             </a:r>
           </a:p>
           <a:p>
             <a:pPr lvl="2"/>
             <a:r>
-              <a:rPr lang="de-DE" smtClean="0"/>
+              <a:rPr lang="de-CH" smtClean="0"/>
               <a:t>Dritte Ebene</a:t>
             </a:r>
           </a:p>
           <a:p>
             <a:pPr lvl="3"/>
             <a:r>
-              <a:rPr lang="de-DE" smtClean="0"/>
+              <a:rPr lang="de-CH" smtClean="0"/>
               <a:t>Vierte Ebene</a:t>
             </a:r>
           </a:p>
           <a:p>
             <a:pPr lvl="4"/>
             <a:r>
-              <a:rPr lang="de-DE" smtClean="0"/>
+              <a:rPr lang="de-CH" smtClean="0"/>
               <a:t>Fünfte Ebene</a:t>
             </a:r>
-            <a:endParaRPr lang="de-CH"/>
+            <a:endParaRPr lang="de-DE"/>
           </a:p>
         </p:txBody>
       </p:sp>
@@ -3620,7 +6804,7 @@
             <a:fld id="{39077870-AC76-45C5-96DF-2BD0250DF6B2}" type="datetimeFigureOut">
               <a:rPr lang="de-CH" smtClean="0"/>
               <a:pPr/>
-              <a:t>13.12.2014</a:t>
+              <a:t>14.12.2014</a:t>
             </a:fld>
             <a:endParaRPr lang="de-CH"/>
           </a:p>
@@ -3709,21 +6893,21 @@
   </p:cSld>
   <p:clrMap bg1="lt1" tx1="dk1" bg2="lt2" tx2="dk2" accent1="accent1" accent2="accent2" accent3="accent3" accent4="accent4" accent5="accent5" accent6="accent6" hlink="hlink" folHlink="folHlink"/>
   <p:sldLayoutIdLst>
-    <p:sldLayoutId id="2147483649" r:id="rId1"/>
-    <p:sldLayoutId id="2147483650" r:id="rId2"/>
-    <p:sldLayoutId id="2147483651" r:id="rId3"/>
-    <p:sldLayoutId id="2147483652" r:id="rId4"/>
-    <p:sldLayoutId id="2147483653" r:id="rId5"/>
-    <p:sldLayoutId id="2147483654" r:id="rId6"/>
-    <p:sldLayoutId id="2147483655" r:id="rId7"/>
-    <p:sldLayoutId id="2147483656" r:id="rId8"/>
-    <p:sldLayoutId id="2147483657" r:id="rId9"/>
-    <p:sldLayoutId id="2147483658" r:id="rId10"/>
-    <p:sldLayoutId id="2147483659" r:id="rId11"/>
+    <p:sldLayoutId id="2147483661" r:id="rId1"/>
+    <p:sldLayoutId id="2147483662" r:id="rId2"/>
+    <p:sldLayoutId id="2147483663" r:id="rId3"/>
+    <p:sldLayoutId id="2147483664" r:id="rId4"/>
+    <p:sldLayoutId id="2147483665" r:id="rId5"/>
+    <p:sldLayoutId id="2147483666" r:id="rId6"/>
+    <p:sldLayoutId id="2147483667" r:id="rId7"/>
+    <p:sldLayoutId id="2147483668" r:id="rId8"/>
+    <p:sldLayoutId id="2147483669" r:id="rId9"/>
+    <p:sldLayoutId id="2147483670" r:id="rId10"/>
+    <p:sldLayoutId id="2147483671" r:id="rId11"/>
   </p:sldLayoutIdLst>
   <p:txStyles>
     <p:titleStyle>
-      <a:lvl1pPr algn="ctr" defTabSz="914400" rtl="0" eaLnBrk="1" latinLnBrk="0" hangingPunct="1">
+      <a:lvl1pPr algn="ctr" defTabSz="457200" rtl="0" eaLnBrk="1" latinLnBrk="0" hangingPunct="1">
         <a:spcBef>
           <a:spcPct val="0"/>
         </a:spcBef>
@@ -3739,11 +6923,11 @@
       </a:lvl1pPr>
     </p:titleStyle>
     <p:bodyStyle>
-      <a:lvl1pPr marL="342900" indent="-342900" algn="l" defTabSz="914400" rtl="0" eaLnBrk="1" latinLnBrk="0" hangingPunct="1">
+      <a:lvl1pPr marL="342900" indent="-342900" algn="l" defTabSz="457200" rtl="0" eaLnBrk="1" latinLnBrk="0" hangingPunct="1">
         <a:spcBef>
           <a:spcPct val="20000"/>
         </a:spcBef>
-        <a:buFont typeface="Arial" pitchFamily="34" charset="0"/>
+        <a:buFont typeface="Arial"/>
         <a:buChar char="•"/>
         <a:defRPr sz="3200" kern="1200">
           <a:solidFill>
@@ -3754,11 +6938,11 @@
           <a:cs typeface="+mn-cs"/>
         </a:defRPr>
       </a:lvl1pPr>
-      <a:lvl2pPr marL="742950" indent="-285750" algn="l" defTabSz="914400" rtl="0" eaLnBrk="1" latinLnBrk="0" hangingPunct="1">
+      <a:lvl2pPr marL="742950" indent="-285750" algn="l" defTabSz="457200" rtl="0" eaLnBrk="1" latinLnBrk="0" hangingPunct="1">
         <a:spcBef>
           <a:spcPct val="20000"/>
         </a:spcBef>
-        <a:buFont typeface="Arial" pitchFamily="34" charset="0"/>
+        <a:buFont typeface="Arial"/>
         <a:buChar char="–"/>
         <a:defRPr sz="2800" kern="1200">
           <a:solidFill>
@@ -3769,11 +6953,11 @@
           <a:cs typeface="+mn-cs"/>
         </a:defRPr>
       </a:lvl2pPr>
-      <a:lvl3pPr marL="1143000" indent="-228600" algn="l" defTabSz="914400" rtl="0" eaLnBrk="1" latinLnBrk="0" hangingPunct="1">
+      <a:lvl3pPr marL="1143000" indent="-228600" algn="l" defTabSz="457200" rtl="0" eaLnBrk="1" latinLnBrk="0" hangingPunct="1">
         <a:spcBef>
           <a:spcPct val="20000"/>
         </a:spcBef>
-        <a:buFont typeface="Arial" pitchFamily="34" charset="0"/>
+        <a:buFont typeface="Arial"/>
         <a:buChar char="•"/>
         <a:defRPr sz="2400" kern="1200">
           <a:solidFill>
@@ -3784,11 +6968,11 @@
           <a:cs typeface="+mn-cs"/>
         </a:defRPr>
       </a:lvl3pPr>
-      <a:lvl4pPr marL="1600200" indent="-228600" algn="l" defTabSz="914400" rtl="0" eaLnBrk="1" latinLnBrk="0" hangingPunct="1">
+      <a:lvl4pPr marL="1600200" indent="-228600" algn="l" defTabSz="457200" rtl="0" eaLnBrk="1" latinLnBrk="0" hangingPunct="1">
         <a:spcBef>
           <a:spcPct val="20000"/>
         </a:spcBef>
-        <a:buFont typeface="Arial" pitchFamily="34" charset="0"/>
+        <a:buFont typeface="Arial"/>
         <a:buChar char="–"/>
         <a:defRPr sz="2000" kern="1200">
           <a:solidFill>
@@ -3799,11 +6983,11 @@
           <a:cs typeface="+mn-cs"/>
         </a:defRPr>
       </a:lvl4pPr>
-      <a:lvl5pPr marL="2057400" indent="-228600" algn="l" defTabSz="914400" rtl="0" eaLnBrk="1" latinLnBrk="0" hangingPunct="1">
+      <a:lvl5pPr marL="2057400" indent="-228600" algn="l" defTabSz="457200" rtl="0" eaLnBrk="1" latinLnBrk="0" hangingPunct="1">
         <a:spcBef>
           <a:spcPct val="20000"/>
         </a:spcBef>
-        <a:buFont typeface="Arial" pitchFamily="34" charset="0"/>
+        <a:buFont typeface="Arial"/>
         <a:buChar char="»"/>
         <a:defRPr sz="2000" kern="1200">
           <a:solidFill>
@@ -3814,11 +6998,11 @@
           <a:cs typeface="+mn-cs"/>
         </a:defRPr>
       </a:lvl5pPr>
-      <a:lvl6pPr marL="2514600" indent="-228600" algn="l" defTabSz="914400" rtl="0" eaLnBrk="1" latinLnBrk="0" hangingPunct="1">
+      <a:lvl6pPr marL="2514600" indent="-228600" algn="l" defTabSz="457200" rtl="0" eaLnBrk="1" latinLnBrk="0" hangingPunct="1">
         <a:spcBef>
           <a:spcPct val="20000"/>
         </a:spcBef>
-        <a:buFont typeface="Arial" pitchFamily="34" charset="0"/>
+        <a:buFont typeface="Arial"/>
         <a:buChar char="•"/>
         <a:defRPr sz="2000" kern="1200">
           <a:solidFill>
@@ -3829,11 +7013,11 @@
           <a:cs typeface="+mn-cs"/>
         </a:defRPr>
       </a:lvl6pPr>
-      <a:lvl7pPr marL="2971800" indent="-228600" algn="l" defTabSz="914400" rtl="0" eaLnBrk="1" latinLnBrk="0" hangingPunct="1">
+      <a:lvl7pPr marL="2971800" indent="-228600" algn="l" defTabSz="457200" rtl="0" eaLnBrk="1" latinLnBrk="0" hangingPunct="1">
         <a:spcBef>
           <a:spcPct val="20000"/>
         </a:spcBef>
-        <a:buFont typeface="Arial" pitchFamily="34" charset="0"/>
+        <a:buFont typeface="Arial"/>
         <a:buChar char="•"/>
         <a:defRPr sz="2000" kern="1200">
           <a:solidFill>
@@ -3844,11 +7028,11 @@
           <a:cs typeface="+mn-cs"/>
         </a:defRPr>
       </a:lvl7pPr>
-      <a:lvl8pPr marL="3429000" indent="-228600" algn="l" defTabSz="914400" rtl="0" eaLnBrk="1" latinLnBrk="0" hangingPunct="1">
+      <a:lvl8pPr marL="3429000" indent="-228600" algn="l" defTabSz="457200" rtl="0" eaLnBrk="1" latinLnBrk="0" hangingPunct="1">
         <a:spcBef>
           <a:spcPct val="20000"/>
         </a:spcBef>
-        <a:buFont typeface="Arial" pitchFamily="34" charset="0"/>
+        <a:buFont typeface="Arial"/>
         <a:buChar char="•"/>
         <a:defRPr sz="2000" kern="1200">
           <a:solidFill>
@@ -3859,11 +7043,11 @@
           <a:cs typeface="+mn-cs"/>
         </a:defRPr>
       </a:lvl8pPr>
-      <a:lvl9pPr marL="3886200" indent="-228600" algn="l" defTabSz="914400" rtl="0" eaLnBrk="1" latinLnBrk="0" hangingPunct="1">
+      <a:lvl9pPr marL="3886200" indent="-228600" algn="l" defTabSz="457200" rtl="0" eaLnBrk="1" latinLnBrk="0" hangingPunct="1">
         <a:spcBef>
           <a:spcPct val="20000"/>
         </a:spcBef>
-        <a:buFont typeface="Arial" pitchFamily="34" charset="0"/>
+        <a:buFont typeface="Arial"/>
         <a:buChar char="•"/>
         <a:defRPr sz="2000" kern="1200">
           <a:solidFill>
@@ -3879,7 +7063,7 @@
       <a:defPPr>
         <a:defRPr lang="de-DE"/>
       </a:defPPr>
-      <a:lvl1pPr marL="0" algn="l" defTabSz="914400" rtl="0" eaLnBrk="1" latinLnBrk="0" hangingPunct="1">
+      <a:lvl1pPr marL="0" algn="l" defTabSz="457200" rtl="0" eaLnBrk="1" latinLnBrk="0" hangingPunct="1">
         <a:defRPr sz="1800" kern="1200">
           <a:solidFill>
             <a:schemeClr val="tx1"/>
@@ -3889,7 +7073,7 @@
           <a:cs typeface="+mn-cs"/>
         </a:defRPr>
       </a:lvl1pPr>
-      <a:lvl2pPr marL="457200" algn="l" defTabSz="914400" rtl="0" eaLnBrk="1" latinLnBrk="0" hangingPunct="1">
+      <a:lvl2pPr marL="457200" algn="l" defTabSz="457200" rtl="0" eaLnBrk="1" latinLnBrk="0" hangingPunct="1">
         <a:defRPr sz="1800" kern="1200">
           <a:solidFill>
             <a:schemeClr val="tx1"/>
@@ -3899,7 +7083,7 @@
           <a:cs typeface="+mn-cs"/>
         </a:defRPr>
       </a:lvl2pPr>
-      <a:lvl3pPr marL="914400" algn="l" defTabSz="914400" rtl="0" eaLnBrk="1" latinLnBrk="0" hangingPunct="1">
+      <a:lvl3pPr marL="914400" algn="l" defTabSz="457200" rtl="0" eaLnBrk="1" latinLnBrk="0" hangingPunct="1">
         <a:defRPr sz="1800" kern="1200">
           <a:solidFill>
             <a:schemeClr val="tx1"/>
@@ -3909,7 +7093,7 @@
           <a:cs typeface="+mn-cs"/>
         </a:defRPr>
       </a:lvl3pPr>
-      <a:lvl4pPr marL="1371600" algn="l" defTabSz="914400" rtl="0" eaLnBrk="1" latinLnBrk="0" hangingPunct="1">
+      <a:lvl4pPr marL="1371600" algn="l" defTabSz="457200" rtl="0" eaLnBrk="1" latinLnBrk="0" hangingPunct="1">
         <a:defRPr sz="1800" kern="1200">
           <a:solidFill>
             <a:schemeClr val="tx1"/>
@@ -3919,7 +7103,7 @@
           <a:cs typeface="+mn-cs"/>
         </a:defRPr>
       </a:lvl4pPr>
-      <a:lvl5pPr marL="1828800" algn="l" defTabSz="914400" rtl="0" eaLnBrk="1" latinLnBrk="0" hangingPunct="1">
+      <a:lvl5pPr marL="1828800" algn="l" defTabSz="457200" rtl="0" eaLnBrk="1" latinLnBrk="0" hangingPunct="1">
         <a:defRPr sz="1800" kern="1200">
           <a:solidFill>
             <a:schemeClr val="tx1"/>
@@ -3929,7 +7113,7 @@
           <a:cs typeface="+mn-cs"/>
         </a:defRPr>
       </a:lvl5pPr>
-      <a:lvl6pPr marL="2286000" algn="l" defTabSz="914400" rtl="0" eaLnBrk="1" latinLnBrk="0" hangingPunct="1">
+      <a:lvl6pPr marL="2286000" algn="l" defTabSz="457200" rtl="0" eaLnBrk="1" latinLnBrk="0" hangingPunct="1">
         <a:defRPr sz="1800" kern="1200">
           <a:solidFill>
             <a:schemeClr val="tx1"/>
@@ -3939,7 +7123,7 @@
           <a:cs typeface="+mn-cs"/>
         </a:defRPr>
       </a:lvl6pPr>
-      <a:lvl7pPr marL="2743200" algn="l" defTabSz="914400" rtl="0" eaLnBrk="1" latinLnBrk="0" hangingPunct="1">
+      <a:lvl7pPr marL="2743200" algn="l" defTabSz="457200" rtl="0" eaLnBrk="1" latinLnBrk="0" hangingPunct="1">
         <a:defRPr sz="1800" kern="1200">
           <a:solidFill>
             <a:schemeClr val="tx1"/>
@@ -3949,7 +7133,7 @@
           <a:cs typeface="+mn-cs"/>
         </a:defRPr>
       </a:lvl7pPr>
-      <a:lvl8pPr marL="3200400" algn="l" defTabSz="914400" rtl="0" eaLnBrk="1" latinLnBrk="0" hangingPunct="1">
+      <a:lvl8pPr marL="3200400" algn="l" defTabSz="457200" rtl="0" eaLnBrk="1" latinLnBrk="0" hangingPunct="1">
         <a:defRPr sz="1800" kern="1200">
           <a:solidFill>
             <a:schemeClr val="tx1"/>
@@ -3959,7 +7143,7 @@
           <a:cs typeface="+mn-cs"/>
         </a:defRPr>
       </a:lvl8pPr>
-      <a:lvl9pPr marL="3657600" algn="l" defTabSz="914400" rtl="0" eaLnBrk="1" latinLnBrk="0" hangingPunct="1">
+      <a:lvl9pPr marL="3657600" algn="l" defTabSz="457200" rtl="0" eaLnBrk="1" latinLnBrk="0" hangingPunct="1">
         <a:defRPr sz="1800" kern="1200">
           <a:solidFill>
             <a:schemeClr val="tx1"/>
@@ -3975,7 +7159,7 @@
 </file>
 
 <file path=ppt/slides/slide1.xml><?xml version="1.0" encoding="utf-8"?>
-<p:sld xmlns:a="http://schemas.openxmlformats.org/drawingml/2006/main" xmlns:r="http://schemas.openxmlformats.org/officeDocument/2006/relationships" xmlns:p="http://schemas.openxmlformats.org/presentationml/2006/main">
+<p:sld xmlns:a="http://schemas.openxmlformats.org/drawingml/2006/main" xmlns:r="http://schemas.openxmlformats.org/officeDocument/2006/relationships" xmlns:mc="http://schemas.openxmlformats.org/markup-compatibility/2006" xmlns:mv="urn:schemas-microsoft-com:mac:vml" xmlns:p="http://schemas.openxmlformats.org/presentationml/2006/main" mc:Ignorable="mv" mc:PreserveAttributes="mv:*">
   <p:cSld>
     <p:spTree>
       <p:nvGrpSpPr>
@@ -4003,43 +7187,93 @@
         </p:nvSpPr>
         <p:spPr/>
         <p:txBody>
-          <a:bodyPr>
-            <a:normAutofit/>
-          </a:bodyPr>
-          <a:lstStyle/>
-          <a:p>
-            <a:r>
-              <a:rPr lang="de-CH" dirty="0" err="1" smtClean="0"/>
-              <a:t>Structure</a:t>
-            </a:r>
-            <a:r>
-              <a:rPr lang="de-CH" dirty="0" smtClean="0"/>
-              <a:t> </a:t>
-            </a:r>
-            <a:r>
-              <a:rPr lang="de-CH" smtClean="0"/>
-              <a:t>proposal</a:t>
-            </a:r>
-            <a:endParaRPr lang="de-CH" dirty="0"/>
-          </a:p>
-        </p:txBody>
-      </p:sp>
-      <p:sp>
-        <p:nvSpPr>
-          <p:cNvPr id="3" name="Untertitel 2"/>
-          <p:cNvSpPr>
-            <a:spLocks noGrp="1"/>
-          </p:cNvSpPr>
-          <p:nvPr>
-            <p:ph type="subTitle" idx="1"/>
-          </p:nvPr>
-        </p:nvSpPr>
-        <p:spPr/>
-        <p:txBody>
           <a:bodyPr/>
           <a:lstStyle/>
           <a:p>
-            <a:endParaRPr lang="de-CH" dirty="0"/>
+            <a:r>
+              <a:rPr lang="de-DE" dirty="0" err="1" smtClean="0"/>
+              <a:t>The</a:t>
+            </a:r>
+            <a:r>
+              <a:rPr lang="de-DE" dirty="0" smtClean="0"/>
+              <a:t> Swiss </a:t>
+            </a:r>
+            <a:r>
+              <a:rPr lang="de-DE" dirty="0" err="1" smtClean="0"/>
+              <a:t>Train</a:t>
+            </a:r>
+            <a:r>
+              <a:rPr lang="de-DE" dirty="0" smtClean="0"/>
+              <a:t> </a:t>
+            </a:r>
+            <a:r>
+              <a:rPr lang="de-DE" dirty="0" err="1" smtClean="0"/>
+              <a:t>Network</a:t>
+            </a:r>
+            <a:endParaRPr lang="de-DE" dirty="0"/>
+          </a:p>
+        </p:txBody>
+      </p:sp>
+      <p:sp>
+        <p:nvSpPr>
+          <p:cNvPr id="3" name="Untertitel 2"/>
+          <p:cNvSpPr>
+            <a:spLocks noGrp="1"/>
+          </p:cNvSpPr>
+          <p:nvPr>
+            <p:ph type="subTitle" idx="1"/>
+          </p:nvPr>
+        </p:nvSpPr>
+        <p:spPr/>
+        <p:txBody>
+          <a:bodyPr/>
+          <a:lstStyle/>
+          <a:p>
+            <a:r>
+              <a:rPr lang="de-DE" dirty="0" smtClean="0"/>
+              <a:t>A </a:t>
+            </a:r>
+            <a:r>
+              <a:rPr lang="de-DE" dirty="0" err="1" smtClean="0"/>
+              <a:t>project</a:t>
+            </a:r>
+            <a:r>
+              <a:rPr lang="de-DE" dirty="0" smtClean="0"/>
+              <a:t> in </a:t>
+            </a:r>
+            <a:r>
+              <a:rPr lang="de-DE" dirty="0" err="1" smtClean="0"/>
+              <a:t>Modeling</a:t>
+            </a:r>
+            <a:r>
+              <a:rPr lang="de-DE" dirty="0" smtClean="0"/>
+              <a:t> and </a:t>
+            </a:r>
+            <a:r>
+              <a:rPr lang="de-DE" dirty="0" err="1" smtClean="0"/>
+              <a:t>Simulating</a:t>
+            </a:r>
+            <a:r>
+              <a:rPr lang="de-DE" dirty="0" smtClean="0"/>
+              <a:t> </a:t>
+            </a:r>
+            <a:r>
+              <a:rPr lang="de-DE" dirty="0" err="1" smtClean="0"/>
+              <a:t>Social</a:t>
+            </a:r>
+            <a:r>
+              <a:rPr lang="de-DE" dirty="0" smtClean="0"/>
+              <a:t> Systems </a:t>
+            </a:r>
+            <a:r>
+              <a:rPr lang="de-DE" dirty="0" err="1" smtClean="0"/>
+              <a:t>with</a:t>
+            </a:r>
+            <a:r>
+              <a:rPr lang="de-DE" dirty="0" smtClean="0"/>
+              <a:t> MATLAB </a:t>
+            </a:r>
+            <a:endParaRPr lang="de-DE" dirty="0"/>
           </a:p>
         </p:txBody>
       </p:sp>
@@ -4051,8 +7285,8 @@
 </p:sld>
 </file>
 
-<file path=ppt/slides/slide2.xml><?xml version="1.0" encoding="utf-8"?>
-<p:sld xmlns:a="http://schemas.openxmlformats.org/drawingml/2006/main" xmlns:r="http://schemas.openxmlformats.org/officeDocument/2006/relationships" xmlns:p="http://schemas.openxmlformats.org/presentationml/2006/main">
+<file path=ppt/slides/slide10.xml><?xml version="1.0" encoding="utf-8"?>
+<p:sld xmlns:a="http://schemas.openxmlformats.org/drawingml/2006/main" xmlns:r="http://schemas.openxmlformats.org/officeDocument/2006/relationships" xmlns:mc="http://schemas.openxmlformats.org/markup-compatibility/2006" xmlns:mv="urn:schemas-microsoft-com:mac:vml" xmlns:p="http://schemas.openxmlformats.org/presentationml/2006/main" mc:Ignorable="mv" mc:PreserveAttributes="mv:*">
   <p:cSld>
     <p:spTree>
       <p:nvGrpSpPr>
@@ -4075,141 +7309,46 @@
             <a:spLocks noGrp="1"/>
           </p:cNvSpPr>
           <p:nvPr>
-            <p:ph type="title"/>
+            <p:ph type="ctrTitle"/>
           </p:nvPr>
         </p:nvSpPr>
         <p:spPr/>
         <p:txBody>
           <a:bodyPr>
-            <a:normAutofit fontScale="90000"/>
+            <a:normAutofit/>
           </a:bodyPr>
           <a:lstStyle/>
           <a:p>
             <a:r>
-              <a:rPr lang="en-US" dirty="0" smtClean="0"/>
-              <a:t>General structure of the talk </a:t>
-            </a:r>
-            <a:br>
-              <a:rPr lang="en-US" dirty="0" smtClean="0"/>
-            </a:br>
+              <a:rPr lang="de-CH" dirty="0" err="1" smtClean="0"/>
+              <a:t>Structure</a:t>
+            </a:r>
+            <a:r>
+              <a:rPr lang="de-CH" dirty="0" smtClean="0"/>
+              <a:t> </a:t>
+            </a:r>
+            <a:r>
+              <a:rPr lang="de-CH" smtClean="0"/>
+              <a:t>proposal</a:t>
+            </a:r>
             <a:endParaRPr lang="de-CH" dirty="0"/>
           </a:p>
         </p:txBody>
       </p:sp>
       <p:sp>
         <p:nvSpPr>
-          <p:cNvPr id="3" name="Inhaltsplatzhalter 2"/>
-          <p:cNvSpPr>
-            <a:spLocks noGrp="1"/>
-          </p:cNvSpPr>
-          <p:nvPr>
-            <p:ph idx="1"/>
+          <p:cNvPr id="3" name="Untertitel 2"/>
+          <p:cNvSpPr>
+            <a:spLocks noGrp="1"/>
+          </p:cNvSpPr>
+          <p:nvPr>
+            <p:ph type="subTitle" idx="1"/>
           </p:nvPr>
         </p:nvSpPr>
         <p:spPr/>
         <p:txBody>
-          <a:bodyPr>
-            <a:normAutofit fontScale="25000" lnSpcReduction="20000"/>
-          </a:bodyPr>
+          <a:bodyPr/>
           <a:lstStyle/>
-          <a:p>
-            <a:r>
-              <a:rPr lang="en-US" sz="7400" b="1" dirty="0" smtClean="0"/>
-              <a:t>1. Start with a general motivation or story. </a:t>
-            </a:r>
-          </a:p>
-          <a:p>
-            <a:pPr lvl="1"/>
-            <a:r>
-              <a:rPr lang="en-US" sz="7000" dirty="0" smtClean="0"/>
-              <a:t>Connect to the specific context of this talk. </a:t>
-            </a:r>
-          </a:p>
-          <a:p>
-            <a:r>
-              <a:rPr lang="en-US" sz="7400" b="1" dirty="0" smtClean="0"/>
-              <a:t>2.Introduction </a:t>
-            </a:r>
-          </a:p>
-          <a:p>
-            <a:pPr lvl="1"/>
-            <a:r>
-              <a:rPr lang="en-US" sz="7000" dirty="0" smtClean="0"/>
-              <a:t>Connect to past work in your field. </a:t>
-            </a:r>
-          </a:p>
-          <a:p>
-            <a:pPr lvl="1"/>
-            <a:r>
-              <a:rPr lang="en-US" sz="7000" dirty="0" smtClean="0"/>
-              <a:t>Explain what new insight you are adding. </a:t>
-            </a:r>
-          </a:p>
-          <a:p>
-            <a:r>
-              <a:rPr lang="en-US" sz="7400" b="1" dirty="0" smtClean="0"/>
-              <a:t>3.Results </a:t>
-            </a:r>
-          </a:p>
-          <a:p>
-            <a:pPr lvl="1"/>
-            <a:r>
-              <a:rPr lang="en-US" sz="7000" dirty="0" smtClean="0"/>
-              <a:t>Approx. three main results is sufficient. </a:t>
-            </a:r>
-          </a:p>
-          <a:p>
-            <a:pPr lvl="1"/>
-            <a:r>
-              <a:rPr lang="en-US" sz="7000" dirty="0" smtClean="0"/>
-              <a:t>Time you spent presenting a result should not be </a:t>
-            </a:r>
-            <a:r>
-              <a:rPr lang="en-US" sz="7000" dirty="0" smtClean="0"/>
-              <a:t>proportional </a:t>
-            </a:r>
-            <a:r>
-              <a:rPr lang="en-US" sz="7000" dirty="0" smtClean="0"/>
-              <a:t>to time spent working on it! </a:t>
-            </a:r>
-          </a:p>
-          <a:p>
-            <a:r>
-              <a:rPr lang="en-US" sz="7400" b="1" dirty="0" smtClean="0"/>
-              <a:t>4.Conclusion </a:t>
-            </a:r>
-          </a:p>
-          <a:p>
-            <a:pPr lvl="1"/>
-            <a:r>
-              <a:rPr lang="en-US" sz="7000" dirty="0" smtClean="0"/>
-              <a:t>Recap main points made. </a:t>
-            </a:r>
-          </a:p>
-          <a:p>
-            <a:pPr lvl="1"/>
-            <a:r>
-              <a:rPr lang="en-US" sz="7000" dirty="0" smtClean="0"/>
-              <a:t>Emphasize the “take-home” message. </a:t>
-            </a:r>
-          </a:p>
-          <a:p>
-            <a:pPr lvl="1"/>
-            <a:r>
-              <a:rPr lang="en-US" sz="7000" dirty="0" smtClean="0"/>
-              <a:t>Echo of introduction as a conclusion can create </a:t>
-            </a:r>
-          </a:p>
-          <a:p>
-            <a:pPr lvl="1"/>
-            <a:r>
-              <a:rPr lang="en-US" sz="7000" dirty="0" smtClean="0"/>
-              <a:t>closure. </a:t>
-            </a:r>
-          </a:p>
-          <a:p>
-            <a:endParaRPr lang="en-US" sz="7400" dirty="0" smtClean="0"/>
-          </a:p>
           <a:p>
             <a:endParaRPr lang="de-CH" dirty="0"/>
           </a:p>
@@ -4223,8 +7362,8 @@
 </p:sld>
 </file>
 
-<file path=ppt/slides/slide3.xml><?xml version="1.0" encoding="utf-8"?>
-<p:sld xmlns:a="http://schemas.openxmlformats.org/drawingml/2006/main" xmlns:r="http://schemas.openxmlformats.org/officeDocument/2006/relationships" xmlns:p="http://schemas.openxmlformats.org/presentationml/2006/main">
+<file path=ppt/slides/slide11.xml><?xml version="1.0" encoding="utf-8"?>
+<p:sld xmlns:a="http://schemas.openxmlformats.org/drawingml/2006/main" xmlns:r="http://schemas.openxmlformats.org/officeDocument/2006/relationships" xmlns:mc="http://schemas.openxmlformats.org/markup-compatibility/2006" xmlns:mv="urn:schemas-microsoft-com:mac:vml" xmlns:p="http://schemas.openxmlformats.org/presentationml/2006/main" mc:Ignorable="mv" mc:PreserveAttributes="mv:*">
   <p:cSld>
     <p:spTree>
       <p:nvGrpSpPr>
@@ -4252,13 +7391,26 @@
         </p:nvSpPr>
         <p:spPr/>
         <p:txBody>
-          <a:bodyPr/>
+          <a:bodyPr>
+            <a:normAutofit fontScale="90000"/>
+          </a:bodyPr>
           <a:lstStyle/>
           <a:p>
             <a:r>
-              <a:rPr lang="de-CH" dirty="0" smtClean="0"/>
-              <a:t>Vorschlag- Part 1</a:t>
-            </a:r>
+              <a:rPr lang="en-US" dirty="0" smtClean="0"/>
+              <a:t>Content</a:t>
+            </a:r>
+            <a:r>
+              <a:rPr lang="en-US" dirty="0" smtClean="0"/>
+              <a:t> </a:t>
+            </a:r>
+            <a:r>
+              <a:rPr lang="en-US" dirty="0" smtClean="0"/>
+              <a:t/>
+            </a:r>
+            <a:br>
+              <a:rPr lang="en-US" dirty="0" smtClean="0"/>
+            </a:br>
             <a:endParaRPr lang="de-CH" dirty="0"/>
           </a:p>
         </p:txBody>
@@ -4275,59 +7427,136 @@
         </p:nvSpPr>
         <p:spPr/>
         <p:txBody>
-          <a:bodyPr/>
+          <a:bodyPr>
+            <a:normAutofit fontScale="25000" lnSpcReduction="20000"/>
+          </a:bodyPr>
           <a:lstStyle/>
           <a:p>
             <a:r>
-              <a:rPr lang="de-CH" dirty="0" smtClean="0"/>
-              <a:t>Sache </a:t>
-            </a:r>
-            <a:r>
-              <a:rPr lang="de-CH" dirty="0" err="1" smtClean="0"/>
-              <a:t>usem</a:t>
-            </a:r>
-            <a:r>
-              <a:rPr lang="de-CH" dirty="0" smtClean="0"/>
+              <a:rPr lang="en-US" sz="7400" b="1" dirty="0" smtClean="0"/>
+              <a:t>1</a:t>
+            </a:r>
+            <a:r>
+              <a:rPr lang="en-US" sz="7400" b="1" dirty="0" smtClean="0"/>
+              <a:t>. Introduction </a:t>
+            </a:r>
+            <a:endParaRPr lang="en-US" sz="7400" b="1" dirty="0" smtClean="0"/>
+          </a:p>
+          <a:p>
+            <a:pPr lvl="1"/>
+            <a:r>
+              <a:rPr lang="en-US" sz="7000" dirty="0" smtClean="0"/>
+              <a:t>Connect to the specific context of this talk. </a:t>
+            </a:r>
+          </a:p>
+          <a:p>
+            <a:r>
+              <a:rPr lang="en-US" sz="7400" b="1" dirty="0" smtClean="0"/>
+              <a:t>2</a:t>
+            </a:r>
+            <a:r>
+              <a:rPr lang="en-US" sz="7400" b="1" dirty="0" smtClean="0"/>
+              <a:t>.</a:t>
+            </a:r>
+            <a:r>
+              <a:rPr lang="en-US" sz="7400" b="1" dirty="0" smtClean="0"/>
+              <a:t> The Models</a:t>
+            </a:r>
+            <a:endParaRPr lang="en-US" sz="7400" b="1" dirty="0" smtClean="0"/>
+          </a:p>
+          <a:p>
+            <a:pPr lvl="1"/>
+            <a:r>
+              <a:rPr lang="en-US" sz="7000" dirty="0" smtClean="0"/>
+              <a:t>Connect to past work in your field</a:t>
+            </a:r>
+            <a:r>
+              <a:rPr lang="en-US" sz="7000" dirty="0" smtClean="0"/>
+              <a:t>.//full </a:t>
+            </a:r>
+            <a:r>
+              <a:rPr lang="en-US" sz="7000" dirty="0" smtClean="0"/>
+              <a:t>connected</a:t>
+            </a:r>
+            <a:r>
+              <a:rPr lang="en-US" sz="7000" dirty="0" smtClean="0"/>
               <a:t> </a:t>
             </a:r>
-            <a:r>
-              <a:rPr lang="de-CH" dirty="0" err="1" smtClean="0"/>
-              <a:t>proposal</a:t>
-            </a:r>
-            <a:r>
-              <a:rPr lang="de-CH" dirty="0" smtClean="0"/>
-              <a:t>, real </a:t>
-            </a:r>
-            <a:r>
-              <a:rPr lang="de-CH" dirty="0" err="1" smtClean="0"/>
-              <a:t>life</a:t>
-            </a:r>
-            <a:r>
-              <a:rPr lang="de-CH" dirty="0" smtClean="0"/>
-              <a:t> </a:t>
-            </a:r>
-            <a:r>
-              <a:rPr lang="de-CH" dirty="0" err="1" smtClean="0"/>
-              <a:t>connection</a:t>
-            </a:r>
-            <a:endParaRPr lang="de-CH" dirty="0" smtClean="0"/>
-          </a:p>
-          <a:p>
-            <a:r>
-              <a:rPr lang="de-CH" dirty="0" err="1" smtClean="0"/>
-              <a:t>Usw</a:t>
-            </a:r>
-            <a:endParaRPr lang="de-CH" dirty="0" smtClean="0"/>
-          </a:p>
-          <a:p>
-            <a:r>
-              <a:rPr lang="de-CH" dirty="0" err="1" smtClean="0"/>
-              <a:t>Swag</a:t>
-            </a:r>
-            <a:r>
-              <a:rPr lang="de-CH" dirty="0" smtClean="0"/>
-              <a:t> on</a:t>
-            </a:r>
+            <a:endParaRPr lang="en-US" sz="7000" dirty="0" smtClean="0"/>
+          </a:p>
+          <a:p>
+            <a:pPr lvl="1"/>
+            <a:r>
+              <a:rPr lang="en-US" sz="7000" dirty="0" smtClean="0"/>
+              <a:t>Explain what new insight you are adding.</a:t>
+            </a:r>
+            <a:r>
+              <a:rPr lang="en-US" sz="7000" dirty="0" smtClean="0"/>
+              <a:t> //connected</a:t>
+            </a:r>
+          </a:p>
+          <a:p>
+            <a:r>
+              <a:rPr lang="en-US" sz="7400" b="1" dirty="0" smtClean="0"/>
+              <a:t>3.Results </a:t>
+            </a:r>
+          </a:p>
+          <a:p>
+            <a:pPr lvl="1"/>
+            <a:r>
+              <a:rPr lang="en-US" sz="7000" dirty="0" smtClean="0"/>
+              <a:t>Approx. three main results is sufficient. </a:t>
+            </a:r>
+          </a:p>
+          <a:p>
+            <a:pPr lvl="1"/>
+            <a:r>
+              <a:rPr lang="en-US" sz="7000" dirty="0" smtClean="0"/>
+              <a:t>Time you spent presenting a result should not be proportional to time spent working on it!</a:t>
+            </a:r>
+            <a:r>
+              <a:rPr lang="en-US" sz="7000" dirty="0" smtClean="0"/>
+              <a:t> yep</a:t>
+            </a:r>
+          </a:p>
+          <a:p>
+            <a:r>
+              <a:rPr lang="en-US" sz="7400" b="1" dirty="0" smtClean="0"/>
+              <a:t>4.Conclusion </a:t>
+            </a:r>
+          </a:p>
+          <a:p>
+            <a:pPr lvl="1"/>
+            <a:r>
+              <a:rPr lang="en-US" sz="7000" dirty="0" smtClean="0"/>
+              <a:t>Recap main points made. </a:t>
+            </a:r>
+          </a:p>
+          <a:p>
+            <a:pPr lvl="1"/>
+            <a:r>
+              <a:rPr lang="en-US" sz="7000" dirty="0" smtClean="0"/>
+              <a:t>Emphasize the “take-home” message. </a:t>
+            </a:r>
+          </a:p>
+          <a:p>
+            <a:pPr lvl="1"/>
+            <a:r>
+              <a:rPr lang="en-US" sz="7000" dirty="0" smtClean="0"/>
+              <a:t>Echo of introduction as a conclusion can create </a:t>
+            </a:r>
+          </a:p>
+          <a:p>
+            <a:pPr lvl="1"/>
+            <a:r>
+              <a:rPr lang="en-US" sz="7000" dirty="0" smtClean="0"/>
+              <a:t>closure. </a:t>
+            </a:r>
+          </a:p>
+          <a:p>
+            <a:endParaRPr lang="en-US" sz="7400" dirty="0" smtClean="0"/>
+          </a:p>
+          <a:p>
             <a:endParaRPr lang="de-CH" dirty="0"/>
           </a:p>
         </p:txBody>
@@ -4340,8 +7569,8 @@
 </p:sld>
 </file>
 
-<file path=ppt/slides/slide4.xml><?xml version="1.0" encoding="utf-8"?>
-<p:sld xmlns:a="http://schemas.openxmlformats.org/drawingml/2006/main" xmlns:r="http://schemas.openxmlformats.org/officeDocument/2006/relationships" xmlns:p="http://schemas.openxmlformats.org/presentationml/2006/main">
+<file path=ppt/slides/slide12.xml><?xml version="1.0" encoding="utf-8"?>
+<p:sld xmlns:a="http://schemas.openxmlformats.org/drawingml/2006/main" xmlns:r="http://schemas.openxmlformats.org/officeDocument/2006/relationships" xmlns:mc="http://schemas.openxmlformats.org/markup-compatibility/2006" xmlns:mv="urn:schemas-microsoft-com:mac:vml" xmlns:p="http://schemas.openxmlformats.org/presentationml/2006/main" mc:Ignorable="mv" mc:PreserveAttributes="mv:*">
   <p:cSld>
     <p:spTree>
       <p:nvGrpSpPr>
@@ -4374,7 +7603,7 @@
           <a:p>
             <a:r>
               <a:rPr lang="de-CH" dirty="0" smtClean="0"/>
-              <a:t>Vorschlag- Part 2</a:t>
+              <a:t>Vorschlag- Part 1</a:t>
             </a:r>
             <a:endParaRPr lang="de-CH" dirty="0"/>
           </a:p>
@@ -4397,13 +7626,11 @@
           <a:p>
             <a:r>
               <a:rPr lang="de-CH" dirty="0" smtClean="0"/>
-              <a:t>Gravity model erkläre</a:t>
-            </a:r>
-          </a:p>
-          <a:p>
+              <a:t>Sache </a:t>
+            </a:r>
             <a:r>
               <a:rPr lang="de-CH" dirty="0" err="1" smtClean="0"/>
-              <a:t>Eusi</a:t>
+              <a:t>usem</a:t>
             </a:r>
             <a:r>
               <a:rPr lang="de-CH" dirty="0" smtClean="0"/>
@@ -4411,7 +7638,15 @@
             </a:r>
             <a:r>
               <a:rPr lang="de-CH" dirty="0" err="1" smtClean="0"/>
-              <a:t>idee</a:t>
+              <a:t>proposal</a:t>
+            </a:r>
+            <a:r>
+              <a:rPr lang="de-CH" dirty="0" smtClean="0"/>
+              <a:t>, real </a:t>
+            </a:r>
+            <a:r>
+              <a:rPr lang="de-CH" dirty="0" err="1" smtClean="0"/>
+              <a:t>life</a:t>
             </a:r>
             <a:r>
               <a:rPr lang="de-CH" dirty="0" smtClean="0"/>
@@ -4419,94 +7654,26 @@
             </a:r>
             <a:r>
               <a:rPr lang="de-CH" dirty="0" err="1" smtClean="0"/>
-              <a:t>met</a:t>
+              <a:t>connection</a:t>
+            </a:r>
+            <a:endParaRPr lang="de-CH" dirty="0" smtClean="0"/>
+          </a:p>
+          <a:p>
+            <a:r>
+              <a:rPr lang="de-CH" dirty="0" err="1" smtClean="0"/>
+              <a:t>Usw</a:t>
+            </a:r>
+            <a:endParaRPr lang="de-CH" dirty="0" smtClean="0"/>
+          </a:p>
+          <a:p>
+            <a:r>
+              <a:rPr lang="de-CH" dirty="0" err="1" smtClean="0"/>
+              <a:t>Swag</a:t>
             </a:r>
             <a:r>
               <a:rPr lang="de-CH" dirty="0" smtClean="0"/>
-              <a:t> de </a:t>
-            </a:r>
-            <a:r>
-              <a:rPr lang="de-CH" dirty="0" err="1" smtClean="0"/>
-              <a:t>removed</a:t>
-            </a:r>
-            <a:r>
-              <a:rPr lang="de-CH" dirty="0" smtClean="0"/>
-              <a:t> </a:t>
-            </a:r>
-            <a:r>
-              <a:rPr lang="de-CH" dirty="0" err="1" smtClean="0"/>
-              <a:t>connection</a:t>
-            </a:r>
-            <a:r>
-              <a:rPr lang="de-CH" dirty="0" smtClean="0"/>
-              <a:t/>
-            </a:r>
-            <a:br>
-              <a:rPr lang="de-CH" dirty="0" smtClean="0"/>
-            </a:br>
-            <a:r>
-              <a:rPr lang="de-CH" dirty="0" smtClean="0"/>
-              <a:t/>
-            </a:r>
-            <a:br>
-              <a:rPr lang="de-CH" dirty="0" smtClean="0"/>
-            </a:br>
-            <a:endParaRPr lang="de-CH" dirty="0" smtClean="0"/>
-          </a:p>
-          <a:p>
-            <a:r>
-              <a:rPr lang="de-CH" dirty="0" err="1" smtClean="0"/>
-              <a:t>Chöne</a:t>
-            </a:r>
-            <a:r>
-              <a:rPr lang="de-CH" dirty="0" smtClean="0"/>
-              <a:t> </a:t>
-            </a:r>
-            <a:r>
-              <a:rPr lang="de-CH" dirty="0" err="1" smtClean="0"/>
-              <a:t>mer</a:t>
-            </a:r>
-            <a:r>
-              <a:rPr lang="de-CH" dirty="0" smtClean="0"/>
-              <a:t> </a:t>
-            </a:r>
-            <a:r>
-              <a:rPr lang="de-CH" dirty="0" err="1" smtClean="0"/>
-              <a:t>of</a:t>
-            </a:r>
-            <a:r>
-              <a:rPr lang="de-CH" dirty="0" smtClean="0"/>
-              <a:t> </a:t>
-            </a:r>
-            <a:r>
-              <a:rPr lang="de-CH" dirty="0" err="1" smtClean="0"/>
-              <a:t>ehn</a:t>
-            </a:r>
-            <a:r>
-              <a:rPr lang="de-CH" dirty="0" smtClean="0"/>
-              <a:t> </a:t>
-            </a:r>
-            <a:r>
-              <a:rPr lang="de-CH" dirty="0" err="1" smtClean="0"/>
-              <a:t>arbet</a:t>
-            </a:r>
-            <a:r>
-              <a:rPr lang="de-CH" dirty="0" smtClean="0"/>
-              <a:t> eh dem </a:t>
-            </a:r>
-            <a:r>
-              <a:rPr lang="de-CH" dirty="0" err="1" smtClean="0"/>
-              <a:t>berich</a:t>
-            </a:r>
-            <a:r>
-              <a:rPr lang="de-CH" dirty="0" smtClean="0"/>
-              <a:t> referenziere?</a:t>
-            </a:r>
-          </a:p>
-          <a:p>
-            <a:endParaRPr lang="de-CH" dirty="0" smtClean="0"/>
-          </a:p>
-          <a:p>
+              <a:t> on</a:t>
+            </a:r>
             <a:endParaRPr lang="de-CH" dirty="0"/>
           </a:p>
         </p:txBody>
@@ -4519,8 +7686,8 @@
 </p:sld>
 </file>
 
-<file path=ppt/slides/slide5.xml><?xml version="1.0" encoding="utf-8"?>
-<p:sld xmlns:a="http://schemas.openxmlformats.org/drawingml/2006/main" xmlns:r="http://schemas.openxmlformats.org/officeDocument/2006/relationships" xmlns:p="http://schemas.openxmlformats.org/presentationml/2006/main">
+<file path=ppt/slides/slide13.xml><?xml version="1.0" encoding="utf-8"?>
+<p:sld xmlns:a="http://schemas.openxmlformats.org/drawingml/2006/main" xmlns:r="http://schemas.openxmlformats.org/officeDocument/2006/relationships" xmlns:mc="http://schemas.openxmlformats.org/markup-compatibility/2006" xmlns:mv="urn:schemas-microsoft-com:mac:vml" xmlns:p="http://schemas.openxmlformats.org/presentationml/2006/main" mc:Ignorable="mv" mc:PreserveAttributes="mv:*">
   <p:cSld>
     <p:spTree>
       <p:nvGrpSpPr>
@@ -4553,109 +7720,72 @@
           <a:p>
             <a:r>
               <a:rPr lang="de-CH" dirty="0" smtClean="0"/>
-              <a:t>Vorschlag-</a:t>
-            </a:r>
+              <a:t>Vorschlag- Part 2</a:t>
+            </a:r>
+            <a:endParaRPr lang="de-CH" dirty="0"/>
+          </a:p>
+        </p:txBody>
+      </p:sp>
+      <p:sp>
+        <p:nvSpPr>
+          <p:cNvPr id="3" name="Inhaltsplatzhalter 2"/>
+          <p:cNvSpPr>
+            <a:spLocks noGrp="1"/>
+          </p:cNvSpPr>
+          <p:nvPr>
+            <p:ph idx="1"/>
+          </p:nvPr>
+        </p:nvSpPr>
+        <p:spPr/>
+        <p:txBody>
+          <a:bodyPr/>
+          <a:lstStyle/>
+          <a:p>
             <a:r>
               <a:rPr lang="de-CH" dirty="0" smtClean="0"/>
-              <a:t>P</a:t>
+              <a:t>Gravity model erkläre</a:t>
+            </a:r>
+          </a:p>
+          <a:p>
+            <a:r>
+              <a:rPr lang="de-CH" dirty="0" err="1" smtClean="0"/>
+              <a:t>Eusi</a:t>
             </a:r>
             <a:r>
               <a:rPr lang="de-CH" dirty="0" smtClean="0"/>
-              <a:t>art 3</a:t>
-            </a:r>
-            <a:endParaRPr lang="de-CH" dirty="0"/>
-          </a:p>
-        </p:txBody>
-      </p:sp>
-      <p:sp>
-        <p:nvSpPr>
-          <p:cNvPr id="3" name="Inhaltsplatzhalter 2"/>
-          <p:cNvSpPr>
-            <a:spLocks noGrp="1"/>
-          </p:cNvSpPr>
-          <p:nvPr>
-            <p:ph idx="1"/>
-          </p:nvPr>
-        </p:nvSpPr>
-        <p:spPr/>
-        <p:txBody>
-          <a:bodyPr>
-            <a:normAutofit fontScale="92500" lnSpcReduction="10000"/>
-          </a:bodyPr>
-          <a:lstStyle/>
-          <a:p>
-            <a:r>
-              <a:rPr lang="de-CH" b="1" dirty="0" err="1" smtClean="0"/>
-              <a:t>Resilience</a:t>
-            </a:r>
-            <a:r>
-              <a:rPr lang="de-CH" b="1" dirty="0" smtClean="0"/>
-              <a:t>: </a:t>
-            </a:r>
-            <a:r>
-              <a:rPr lang="de-CH" b="1" dirty="0" err="1" smtClean="0"/>
-              <a:t>shortest</a:t>
-            </a:r>
-            <a:r>
-              <a:rPr lang="de-CH" b="1" dirty="0" smtClean="0"/>
               <a:t> </a:t>
             </a:r>
             <a:r>
-              <a:rPr lang="de-CH" b="1" dirty="0" err="1" smtClean="0"/>
-              <a:t>distance</a:t>
-            </a:r>
-            <a:r>
-              <a:rPr lang="de-CH" b="1" dirty="0" smtClean="0"/>
-              <a:t> erkläre </a:t>
-            </a:r>
-            <a:r>
-              <a:rPr lang="de-CH" b="1" dirty="0" err="1" smtClean="0"/>
-              <a:t>usw</a:t>
-            </a:r>
-            <a:endParaRPr lang="de-CH" b="1" dirty="0" smtClean="0"/>
-          </a:p>
-          <a:p>
+              <a:rPr lang="de-CH" dirty="0" err="1" smtClean="0"/>
+              <a:t>idee</a:t>
+            </a:r>
             <a:r>
               <a:rPr lang="de-CH" dirty="0" smtClean="0"/>
-              <a:t>Network </a:t>
+              <a:t> </a:t>
             </a:r>
             <a:r>
               <a:rPr lang="de-CH" dirty="0" err="1" smtClean="0"/>
-              <a:t>parameter</a:t>
+              <a:t>met</a:t>
             </a:r>
             <a:r>
               <a:rPr lang="de-CH" dirty="0" smtClean="0"/>
-              <a:t>??</a:t>
-            </a:r>
-          </a:p>
-          <a:p>
-            <a:r>
-              <a:rPr lang="de-CH" b="1" dirty="0" smtClean="0"/>
-              <a:t>Vergleich zu real </a:t>
-            </a:r>
-            <a:r>
-              <a:rPr lang="de-CH" b="1" dirty="0" err="1" smtClean="0"/>
-              <a:t>data</a:t>
-            </a:r>
-            <a:endParaRPr lang="de-CH" b="1" dirty="0" smtClean="0"/>
-          </a:p>
-          <a:p>
+              <a:t> de </a:t>
+            </a:r>
             <a:r>
               <a:rPr lang="de-CH" dirty="0" err="1" smtClean="0"/>
-              <a:t>Capacity</a:t>
-            </a:r>
-            <a:endParaRPr lang="de-CH" dirty="0" smtClean="0"/>
-          </a:p>
-          <a:p>
+              <a:t>removed</a:t>
+            </a:r>
             <a:r>
               <a:rPr lang="de-CH" dirty="0" smtClean="0"/>
-              <a:t>Peaks???</a:t>
-            </a:r>
-          </a:p>
-          <a:p>
+              <a:t> </a:t>
+            </a:r>
+            <a:r>
+              <a:rPr lang="de-CH" dirty="0" err="1" smtClean="0"/>
+              <a:t>connection</a:t>
+            </a:r>
             <a:r>
               <a:rPr lang="de-CH" dirty="0" smtClean="0"/>
-              <a:t>Infos vo SBB</a:t>
+              <a:t/>
             </a:r>
             <a:br>
               <a:rPr lang="de-CH" dirty="0" smtClean="0"/>
@@ -4667,9 +7797,16 @@
             <a:br>
               <a:rPr lang="de-CH" dirty="0" smtClean="0"/>
             </a:br>
+            <a:endParaRPr lang="de-CH" dirty="0" smtClean="0"/>
+          </a:p>
+          <a:p>
+            <a:r>
+              <a:rPr lang="de-CH" dirty="0" err="1" smtClean="0"/>
+              <a:t>Chöne</a:t>
+            </a:r>
             <a:r>
               <a:rPr lang="de-CH" dirty="0" smtClean="0"/>
-              <a:t>(</a:t>
+              <a:t> </a:t>
             </a:r>
             <a:r>
               <a:rPr lang="de-CH" dirty="0" err="1" smtClean="0"/>
@@ -4681,7 +7818,7 @@
             </a:r>
             <a:r>
               <a:rPr lang="de-CH" dirty="0" err="1" smtClean="0"/>
-              <a:t>münd</a:t>
+              <a:t>of</a:t>
             </a:r>
             <a:r>
               <a:rPr lang="de-CH" dirty="0" smtClean="0"/>
@@ -4689,23 +7826,7 @@
             </a:r>
             <a:r>
               <a:rPr lang="de-CH" dirty="0" err="1" smtClean="0"/>
-              <a:t>joh</a:t>
-            </a:r>
-            <a:r>
-              <a:rPr lang="de-CH" dirty="0" smtClean="0"/>
-              <a:t> 3, die fette </a:t>
-            </a:r>
-            <a:r>
-              <a:rPr lang="de-CH" dirty="0" err="1" smtClean="0"/>
-              <a:t>wördi</a:t>
-            </a:r>
-            <a:r>
-              <a:rPr lang="de-CH" dirty="0" smtClean="0"/>
-              <a:t>  </a:t>
-            </a:r>
-            <a:r>
-              <a:rPr lang="de-CH" dirty="0" err="1" smtClean="0"/>
-              <a:t>secher</a:t>
+              <a:t>ehn</a:t>
             </a:r>
             <a:r>
               <a:rPr lang="de-CH" dirty="0" smtClean="0"/>
@@ -4713,20 +7834,25 @@
             </a:r>
             <a:r>
               <a:rPr lang="de-CH" dirty="0" err="1" smtClean="0"/>
-              <a:t>neh</a:t>
+              <a:t>arbet</a:t>
             </a:r>
             <a:r>
               <a:rPr lang="de-CH" dirty="0" smtClean="0"/>
-              <a:t>                     </a:t>
+              <a:t> eh dem </a:t>
             </a:r>
             <a:r>
               <a:rPr lang="de-CH" dirty="0" err="1" smtClean="0"/>
-              <a:t>vorschloh</a:t>
+              <a:t>berich</a:t>
             </a:r>
             <a:r>
               <a:rPr lang="de-CH" dirty="0" smtClean="0"/>
-              <a:t>..)</a:t>
-            </a:r>
+              <a:t> referenziere?</a:t>
+            </a:r>
+          </a:p>
+          <a:p>
+            <a:endParaRPr lang="de-CH" dirty="0" smtClean="0"/>
+          </a:p>
+          <a:p>
             <a:endParaRPr lang="de-CH" dirty="0"/>
           </a:p>
         </p:txBody>
@@ -4739,8 +7865,8 @@
 </p:sld>
 </file>
 
-<file path=ppt/slides/slide6.xml><?xml version="1.0" encoding="utf-8"?>
-<p:sld xmlns:a="http://schemas.openxmlformats.org/drawingml/2006/main" xmlns:r="http://schemas.openxmlformats.org/officeDocument/2006/relationships" xmlns:p="http://schemas.openxmlformats.org/presentationml/2006/main">
+<file path=ppt/slides/slide14.xml><?xml version="1.0" encoding="utf-8"?>
+<p:sld xmlns:a="http://schemas.openxmlformats.org/drawingml/2006/main" xmlns:r="http://schemas.openxmlformats.org/officeDocument/2006/relationships" xmlns:mc="http://schemas.openxmlformats.org/markup-compatibility/2006" xmlns:mv="urn:schemas-microsoft-com:mac:vml" xmlns:p="http://schemas.openxmlformats.org/presentationml/2006/main" mc:Ignorable="mv" mc:PreserveAttributes="mv:*">
   <p:cSld>
     <p:spTree>
       <p:nvGrpSpPr>
@@ -4773,7 +7899,7 @@
           <a:p>
             <a:r>
               <a:rPr lang="de-CH" dirty="0" smtClean="0"/>
-              <a:t>Vorschlag-Part 4</a:t>
+              <a:t>Vorschlag-Part 3</a:t>
             </a:r>
             <a:endParaRPr lang="de-CH" dirty="0"/>
           </a:p>
@@ -4791,34 +7917,101 @@
         </p:nvSpPr>
         <p:spPr/>
         <p:txBody>
-          <a:bodyPr/>
+          <a:bodyPr>
+            <a:normAutofit fontScale="92500" lnSpcReduction="10000"/>
+          </a:bodyPr>
           <a:lstStyle/>
           <a:p>
             <a:r>
+              <a:rPr lang="de-CH" b="1" dirty="0" err="1" smtClean="0"/>
+              <a:t>Resilience</a:t>
+            </a:r>
+            <a:r>
+              <a:rPr lang="de-CH" b="1" dirty="0" smtClean="0"/>
+              <a:t>: </a:t>
+            </a:r>
+            <a:r>
+              <a:rPr lang="de-CH" b="1" dirty="0" err="1" smtClean="0"/>
+              <a:t>shortest</a:t>
+            </a:r>
+            <a:r>
+              <a:rPr lang="de-CH" b="1" dirty="0" smtClean="0"/>
+              <a:t> </a:t>
+            </a:r>
+            <a:r>
+              <a:rPr lang="de-CH" b="1" dirty="0" err="1" smtClean="0"/>
+              <a:t>distance</a:t>
+            </a:r>
+            <a:r>
+              <a:rPr lang="de-CH" b="1" dirty="0" smtClean="0"/>
+              <a:t> erkläre </a:t>
+            </a:r>
+            <a:r>
+              <a:rPr lang="de-CH" b="1" dirty="0" err="1" smtClean="0"/>
+              <a:t>usw</a:t>
+            </a:r>
+            <a:endParaRPr lang="de-CH" b="1" dirty="0" smtClean="0"/>
+          </a:p>
+          <a:p>
+            <a:r>
+              <a:rPr lang="de-CH" dirty="0" smtClean="0"/>
+              <a:t>Network </a:t>
+            </a:r>
+            <a:r>
               <a:rPr lang="de-CH" dirty="0" err="1" smtClean="0"/>
-              <a:t>Sälbst</a:t>
+              <a:t>parameter</a:t>
             </a:r>
             <a:r>
               <a:rPr lang="de-CH" dirty="0" smtClean="0"/>
-              <a:t> erklärend…</a:t>
-            </a:r>
+              <a:t>??</a:t>
+            </a:r>
+          </a:p>
+          <a:p>
+            <a:r>
+              <a:rPr lang="de-CH" b="1" dirty="0" smtClean="0"/>
+              <a:t>Vergleich zu real </a:t>
+            </a:r>
+            <a:r>
+              <a:rPr lang="de-CH" b="1" dirty="0" err="1" smtClean="0"/>
+              <a:t>data</a:t>
+            </a:r>
+            <a:endParaRPr lang="de-CH" b="1" dirty="0" smtClean="0"/>
+          </a:p>
+          <a:p>
+            <a:r>
+              <a:rPr lang="de-CH" dirty="0" err="1" smtClean="0"/>
+              <a:t>Capacity</a:t>
+            </a:r>
+            <a:endParaRPr lang="de-CH" dirty="0" smtClean="0"/>
           </a:p>
           <a:p>
             <a:r>
               <a:rPr lang="de-CH" dirty="0" smtClean="0"/>
-              <a:t>Ev au erst </a:t>
+              <a:t>Peaks???</a:t>
+            </a:r>
+          </a:p>
+          <a:p>
+            <a:r>
+              <a:rPr lang="de-CH" dirty="0" smtClean="0"/>
+              <a:t>Infos vo SBB</a:t>
+            </a:r>
+            <a:br>
+              <a:rPr lang="de-CH" dirty="0" smtClean="0"/>
+            </a:br>
+            <a:r>
+              <a:rPr lang="de-CH" dirty="0" smtClean="0"/>
+              <a:t/>
+            </a:r>
+            <a:br>
+              <a:rPr lang="de-CH" dirty="0" smtClean="0"/>
+            </a:br>
+            <a:r>
+              <a:rPr lang="de-CH" dirty="0" smtClean="0"/>
+              <a:t>(</a:t>
             </a:r>
             <a:r>
               <a:rPr lang="de-CH" dirty="0" err="1" smtClean="0"/>
-              <a:t>doh</a:t>
-            </a:r>
-            <a:r>
-              <a:rPr lang="de-CH" dirty="0" smtClean="0"/>
-              <a:t> SBB </a:t>
-            </a:r>
-            <a:r>
-              <a:rPr lang="de-CH" dirty="0" err="1" smtClean="0"/>
-              <a:t>ehs</a:t>
+              <a:t>mer</a:t>
             </a:r>
             <a:r>
               <a:rPr lang="de-CH" dirty="0" smtClean="0"/>
@@ -4826,7 +8019,7 @@
             </a:r>
             <a:r>
               <a:rPr lang="de-CH" dirty="0" err="1" smtClean="0"/>
-              <a:t>spel</a:t>
+              <a:t>münd</a:t>
             </a:r>
             <a:r>
               <a:rPr lang="de-CH" dirty="0" smtClean="0"/>
@@ -4834,15 +8027,45 @@
             </a:r>
             <a:r>
               <a:rPr lang="de-CH" dirty="0" err="1" smtClean="0"/>
-              <a:t>brenge</a:t>
-            </a:r>
-            <a:endParaRPr lang="de-CH" dirty="0" smtClean="0"/>
-          </a:p>
-          <a:p>
-            <a:pPr>
-              <a:buNone/>
-            </a:pPr>
-            <a:endParaRPr lang="de-CH" dirty="0" smtClean="0"/>
+              <a:t>joh</a:t>
+            </a:r>
+            <a:r>
+              <a:rPr lang="de-CH" dirty="0" smtClean="0"/>
+              <a:t> 3, die fette </a:t>
+            </a:r>
+            <a:r>
+              <a:rPr lang="de-CH" dirty="0" err="1" smtClean="0"/>
+              <a:t>wördi</a:t>
+            </a:r>
+            <a:r>
+              <a:rPr lang="de-CH" dirty="0" smtClean="0"/>
+              <a:t>  </a:t>
+            </a:r>
+            <a:r>
+              <a:rPr lang="de-CH" dirty="0" err="1" smtClean="0"/>
+              <a:t>secher</a:t>
+            </a:r>
+            <a:r>
+              <a:rPr lang="de-CH" dirty="0" smtClean="0"/>
+              <a:t> </a:t>
+            </a:r>
+            <a:r>
+              <a:rPr lang="de-CH" dirty="0" err="1" smtClean="0"/>
+              <a:t>neh</a:t>
+            </a:r>
+            <a:r>
+              <a:rPr lang="de-CH" dirty="0" smtClean="0"/>
+              <a:t>                     </a:t>
+            </a:r>
+            <a:r>
+              <a:rPr lang="de-CH" dirty="0" err="1" smtClean="0"/>
+              <a:t>vorschloh</a:t>
+            </a:r>
+            <a:r>
+              <a:rPr lang="de-CH" dirty="0" smtClean="0"/>
+              <a:t>..)</a:t>
+            </a:r>
+            <a:endParaRPr lang="de-CH" dirty="0"/>
           </a:p>
         </p:txBody>
       </p:sp>
@@ -4854,8 +8077,8 @@
 </p:sld>
 </file>
 
-<file path=ppt/slides/slide7.xml><?xml version="1.0" encoding="utf-8"?>
-<p:sld xmlns:a="http://schemas.openxmlformats.org/drawingml/2006/main" xmlns:r="http://schemas.openxmlformats.org/officeDocument/2006/relationships" xmlns:p="http://schemas.openxmlformats.org/presentationml/2006/main">
+<file path=ppt/slides/slide15.xml><?xml version="1.0" encoding="utf-8"?>
+<p:sld xmlns:a="http://schemas.openxmlformats.org/drawingml/2006/main" xmlns:r="http://schemas.openxmlformats.org/officeDocument/2006/relationships" xmlns:mc="http://schemas.openxmlformats.org/markup-compatibility/2006" xmlns:mv="urn:schemas-microsoft-com:mac:vml" xmlns:p="http://schemas.openxmlformats.org/presentationml/2006/main" mc:Ignorable="mv" mc:PreserveAttributes="mv:*">
   <p:cSld>
     <p:spTree>
       <p:nvGrpSpPr>
@@ -4888,7 +8111,7 @@
           <a:p>
             <a:r>
               <a:rPr lang="de-CH" dirty="0" smtClean="0"/>
-              <a:t>Allgemeine Bemerkungen</a:t>
+              <a:t>Vorschlag-Part 4</a:t>
             </a:r>
             <a:endParaRPr lang="de-CH" dirty="0"/>
           </a:p>
@@ -4910,6 +8133,121 @@
           <a:lstStyle/>
           <a:p>
             <a:r>
+              <a:rPr lang="de-CH" dirty="0" err="1" smtClean="0"/>
+              <a:t>Sälbst</a:t>
+            </a:r>
+            <a:r>
+              <a:rPr lang="de-CH" dirty="0" smtClean="0"/>
+              <a:t> erklärend…</a:t>
+            </a:r>
+          </a:p>
+          <a:p>
+            <a:r>
+              <a:rPr lang="de-CH" dirty="0" smtClean="0"/>
+              <a:t>Ev au erst </a:t>
+            </a:r>
+            <a:r>
+              <a:rPr lang="de-CH" dirty="0" err="1" smtClean="0"/>
+              <a:t>doh</a:t>
+            </a:r>
+            <a:r>
+              <a:rPr lang="de-CH" dirty="0" smtClean="0"/>
+              <a:t> SBB </a:t>
+            </a:r>
+            <a:r>
+              <a:rPr lang="de-CH" dirty="0" err="1" smtClean="0"/>
+              <a:t>ehs</a:t>
+            </a:r>
+            <a:r>
+              <a:rPr lang="de-CH" dirty="0" smtClean="0"/>
+              <a:t> </a:t>
+            </a:r>
+            <a:r>
+              <a:rPr lang="de-CH" dirty="0" err="1" smtClean="0"/>
+              <a:t>spel</a:t>
+            </a:r>
+            <a:r>
+              <a:rPr lang="de-CH" dirty="0" smtClean="0"/>
+              <a:t> </a:t>
+            </a:r>
+            <a:r>
+              <a:rPr lang="de-CH" dirty="0" err="1" smtClean="0"/>
+              <a:t>brenge</a:t>
+            </a:r>
+            <a:endParaRPr lang="de-CH" dirty="0" smtClean="0"/>
+          </a:p>
+          <a:p>
+            <a:pPr>
+              <a:buNone/>
+            </a:pPr>
+            <a:endParaRPr lang="de-CH" dirty="0" smtClean="0"/>
+          </a:p>
+        </p:txBody>
+      </p:sp>
+    </p:spTree>
+  </p:cSld>
+  <p:clrMapOvr>
+    <a:masterClrMapping/>
+  </p:clrMapOvr>
+</p:sld>
+</file>
+
+<file path=ppt/slides/slide16.xml><?xml version="1.0" encoding="utf-8"?>
+<p:sld xmlns:a="http://schemas.openxmlformats.org/drawingml/2006/main" xmlns:r="http://schemas.openxmlformats.org/officeDocument/2006/relationships" xmlns:mc="http://schemas.openxmlformats.org/markup-compatibility/2006" xmlns:mv="urn:schemas-microsoft-com:mac:vml" xmlns:p="http://schemas.openxmlformats.org/presentationml/2006/main" mc:Ignorable="mv" mc:PreserveAttributes="mv:*">
+  <p:cSld>
+    <p:spTree>
+      <p:nvGrpSpPr>
+        <p:cNvPr id="1" name=""/>
+        <p:cNvGrpSpPr/>
+        <p:nvPr/>
+      </p:nvGrpSpPr>
+      <p:grpSpPr>
+        <a:xfrm>
+          <a:off x="0" y="0"/>
+          <a:ext cx="0" cy="0"/>
+          <a:chOff x="0" y="0"/>
+          <a:chExt cx="0" cy="0"/>
+        </a:xfrm>
+      </p:grpSpPr>
+      <p:sp>
+        <p:nvSpPr>
+          <p:cNvPr id="2" name="Titel 1"/>
+          <p:cNvSpPr>
+            <a:spLocks noGrp="1"/>
+          </p:cNvSpPr>
+          <p:nvPr>
+            <p:ph type="title"/>
+          </p:nvPr>
+        </p:nvSpPr>
+        <p:spPr/>
+        <p:txBody>
+          <a:bodyPr/>
+          <a:lstStyle/>
+          <a:p>
+            <a:r>
+              <a:rPr lang="de-CH" dirty="0" smtClean="0"/>
+              <a:t>Allgemeine Bemerkungen</a:t>
+            </a:r>
+            <a:endParaRPr lang="de-CH" dirty="0"/>
+          </a:p>
+        </p:txBody>
+      </p:sp>
+      <p:sp>
+        <p:nvSpPr>
+          <p:cNvPr id="3" name="Inhaltsplatzhalter 2"/>
+          <p:cNvSpPr>
+            <a:spLocks noGrp="1"/>
+          </p:cNvSpPr>
+          <p:nvPr>
+            <p:ph idx="1"/>
+          </p:nvPr>
+        </p:nvSpPr>
+        <p:spPr/>
+        <p:txBody>
+          <a:bodyPr/>
+          <a:lstStyle/>
+          <a:p>
+            <a:r>
               <a:rPr lang="de-CH" dirty="0" smtClean="0"/>
               <a:t>Verweis auf Datensuche vermeiden</a:t>
             </a:r>
@@ -4931,6 +8269,833 @@
           </a:p>
           <a:p>
             <a:endParaRPr lang="de-CH" dirty="0"/>
+          </a:p>
+        </p:txBody>
+      </p:sp>
+    </p:spTree>
+  </p:cSld>
+  <p:clrMapOvr>
+    <a:masterClrMapping/>
+  </p:clrMapOvr>
+</p:sld>
+</file>
+
+<file path=ppt/slides/slide2.xml><?xml version="1.0" encoding="utf-8"?>
+<p:sld xmlns:a="http://schemas.openxmlformats.org/drawingml/2006/main" xmlns:r="http://schemas.openxmlformats.org/officeDocument/2006/relationships" xmlns:mc="http://schemas.openxmlformats.org/markup-compatibility/2006" xmlns:mv="urn:schemas-microsoft-com:mac:vml" xmlns:p="http://schemas.openxmlformats.org/presentationml/2006/main" mc:Ignorable="mv" mc:PreserveAttributes="mv:*">
+  <p:cSld>
+    <p:spTree>
+      <p:nvGrpSpPr>
+        <p:cNvPr id="1" name=""/>
+        <p:cNvGrpSpPr/>
+        <p:nvPr/>
+      </p:nvGrpSpPr>
+      <p:grpSpPr>
+        <a:xfrm>
+          <a:off x="0" y="0"/>
+          <a:ext cx="0" cy="0"/>
+          <a:chOff x="0" y="0"/>
+          <a:chExt cx="0" cy="0"/>
+        </a:xfrm>
+      </p:grpSpPr>
+      <p:sp>
+        <p:nvSpPr>
+          <p:cNvPr id="2" name="Titel 1"/>
+          <p:cNvSpPr>
+            <a:spLocks noGrp="1"/>
+          </p:cNvSpPr>
+          <p:nvPr>
+            <p:ph type="title"/>
+          </p:nvPr>
+        </p:nvSpPr>
+        <p:spPr/>
+        <p:txBody>
+          <a:bodyPr/>
+          <a:lstStyle/>
+          <a:p>
+            <a:r>
+              <a:rPr lang="de-DE" dirty="0" err="1" smtClean="0"/>
+              <a:t>Content</a:t>
+            </a:r>
+            <a:endParaRPr lang="de-DE" dirty="0"/>
+          </a:p>
+        </p:txBody>
+      </p:sp>
+      <p:sp>
+        <p:nvSpPr>
+          <p:cNvPr id="3" name="Inhaltsplatzhalter 2"/>
+          <p:cNvSpPr>
+            <a:spLocks noGrp="1"/>
+          </p:cNvSpPr>
+          <p:nvPr>
+            <p:ph idx="1"/>
+          </p:nvPr>
+        </p:nvSpPr>
+        <p:spPr/>
+        <p:txBody>
+          <a:bodyPr/>
+          <a:lstStyle/>
+          <a:p>
+            <a:r>
+              <a:rPr lang="de-DE" dirty="0" err="1" smtClean="0"/>
+              <a:t>Introduction</a:t>
+            </a:r>
+            <a:endParaRPr lang="de-DE" dirty="0" smtClean="0"/>
+          </a:p>
+          <a:p>
+            <a:r>
+              <a:rPr lang="de-DE" dirty="0" err="1" smtClean="0"/>
+              <a:t>Idea</a:t>
+            </a:r>
+            <a:endParaRPr lang="de-DE" dirty="0" smtClean="0"/>
+          </a:p>
+          <a:p>
+            <a:r>
+              <a:rPr lang="de-DE" dirty="0" err="1" smtClean="0"/>
+              <a:t>Results</a:t>
+            </a:r>
+            <a:endParaRPr lang="de-DE" dirty="0" smtClean="0"/>
+          </a:p>
+          <a:p>
+            <a:r>
+              <a:rPr lang="de-DE" dirty="0" err="1" smtClean="0"/>
+              <a:t>Conclusion</a:t>
+            </a:r>
+            <a:endParaRPr lang="de-DE" dirty="0" smtClean="0"/>
+          </a:p>
+          <a:p>
+            <a:endParaRPr lang="de-DE" dirty="0"/>
+          </a:p>
+        </p:txBody>
+      </p:sp>
+    </p:spTree>
+  </p:cSld>
+  <p:clrMapOvr>
+    <a:masterClrMapping/>
+  </p:clrMapOvr>
+</p:sld>
+</file>
+
+<file path=ppt/slides/slide3.xml><?xml version="1.0" encoding="utf-8"?>
+<p:sld xmlns:a="http://schemas.openxmlformats.org/drawingml/2006/main" xmlns:r="http://schemas.openxmlformats.org/officeDocument/2006/relationships" xmlns:mc="http://schemas.openxmlformats.org/markup-compatibility/2006" xmlns:mv="urn:schemas-microsoft-com:mac:vml" xmlns:p="http://schemas.openxmlformats.org/presentationml/2006/main" mc:Ignorable="mv" mc:PreserveAttributes="mv:*">
+  <p:cSld>
+    <p:spTree>
+      <p:nvGrpSpPr>
+        <p:cNvPr id="1" name=""/>
+        <p:cNvGrpSpPr/>
+        <p:nvPr/>
+      </p:nvGrpSpPr>
+      <p:grpSpPr>
+        <a:xfrm>
+          <a:off x="0" y="0"/>
+          <a:ext cx="0" cy="0"/>
+          <a:chOff x="0" y="0"/>
+          <a:chExt cx="0" cy="0"/>
+        </a:xfrm>
+      </p:grpSpPr>
+      <p:sp>
+        <p:nvSpPr>
+          <p:cNvPr id="2" name="Titel 1"/>
+          <p:cNvSpPr>
+            <a:spLocks noGrp="1"/>
+          </p:cNvSpPr>
+          <p:nvPr>
+            <p:ph type="title"/>
+          </p:nvPr>
+        </p:nvSpPr>
+        <p:spPr/>
+        <p:txBody>
+          <a:bodyPr/>
+          <a:lstStyle/>
+          <a:p>
+            <a:r>
+              <a:rPr lang="de-DE" dirty="0" err="1" smtClean="0"/>
+              <a:t>Introduction</a:t>
+            </a:r>
+            <a:endParaRPr lang="de-DE" dirty="0"/>
+          </a:p>
+        </p:txBody>
+      </p:sp>
+      <p:pic>
+        <p:nvPicPr>
+          <p:cNvPr id="4" name="Inhaltsplatzhalter 3" descr="The-Most-Crowded-Train-in-Pakistan.jpg"/>
+          <p:cNvPicPr>
+            <a:picLocks noGrp="1" noChangeAspect="1"/>
+          </p:cNvPicPr>
+          <p:nvPr>
+            <p:ph idx="1"/>
+          </p:nvPr>
+        </p:nvPicPr>
+        <p:blipFill>
+          <a:blip r:embed="rId2"/>
+          <a:srcRect l="-8722" r="-8722"/>
+          <a:stretch>
+            <a:fillRect/>
+          </a:stretch>
+        </p:blipFill>
+        <p:spPr/>
+      </p:pic>
+    </p:spTree>
+  </p:cSld>
+  <p:clrMapOvr>
+    <a:masterClrMapping/>
+  </p:clrMapOvr>
+</p:sld>
+</file>
+
+<file path=ppt/slides/slide4.xml><?xml version="1.0" encoding="utf-8"?>
+<p:sld xmlns:a="http://schemas.openxmlformats.org/drawingml/2006/main" xmlns:r="http://schemas.openxmlformats.org/officeDocument/2006/relationships" xmlns:mc="http://schemas.openxmlformats.org/markup-compatibility/2006" xmlns:mv="urn:schemas-microsoft-com:mac:vml" xmlns:p="http://schemas.openxmlformats.org/presentationml/2006/main" mc:Ignorable="mv" mc:PreserveAttributes="mv:*">
+  <p:cSld>
+    <p:spTree>
+      <p:nvGrpSpPr>
+        <p:cNvPr id="1" name=""/>
+        <p:cNvGrpSpPr/>
+        <p:nvPr/>
+      </p:nvGrpSpPr>
+      <p:grpSpPr>
+        <a:xfrm>
+          <a:off x="0" y="0"/>
+          <a:ext cx="0" cy="0"/>
+          <a:chOff x="0" y="0"/>
+          <a:chExt cx="0" cy="0"/>
+        </a:xfrm>
+      </p:grpSpPr>
+      <p:sp>
+        <p:nvSpPr>
+          <p:cNvPr id="2" name="Titel 1"/>
+          <p:cNvSpPr>
+            <a:spLocks noGrp="1"/>
+          </p:cNvSpPr>
+          <p:nvPr>
+            <p:ph type="title"/>
+          </p:nvPr>
+        </p:nvSpPr>
+        <p:spPr/>
+        <p:txBody>
+          <a:bodyPr/>
+          <a:lstStyle/>
+          <a:p>
+            <a:r>
+              <a:rPr lang="de-DE" dirty="0" err="1" smtClean="0"/>
+              <a:t>Idea</a:t>
+            </a:r>
+            <a:endParaRPr lang="de-DE" dirty="0"/>
+          </a:p>
+        </p:txBody>
+      </p:sp>
+      <p:graphicFrame>
+        <p:nvGraphicFramePr>
+          <p:cNvPr id="8" name="Diagramm 7"/>
+          <p:cNvGraphicFramePr/>
+          <p:nvPr/>
+        </p:nvGraphicFramePr>
+        <p:xfrm>
+          <a:off x="1524000" y="1397000"/>
+          <a:ext cx="6096000" cy="4064000"/>
+        </p:xfrm>
+        <a:graphic>
+          <a:graphicData uri="http://schemas.openxmlformats.org/drawingml/2006/diagram">
+            <a:relIds xmlns:dgm="http://schemas.openxmlformats.org/drawingml/2006/diagram" xmlns:r="http://schemas.openxmlformats.org/officeDocument/2006/relationships" r:dm="rId2" r:lo="rId3" r:qs="rId4" r:cs="rId5"/>
+          </a:graphicData>
+        </a:graphic>
+      </p:graphicFrame>
+    </p:spTree>
+  </p:cSld>
+  <p:clrMapOvr>
+    <a:masterClrMapping/>
+  </p:clrMapOvr>
+</p:sld>
+</file>
+
+<file path=ppt/slides/slide5.xml><?xml version="1.0" encoding="utf-8"?>
+<p:sld xmlns:a="http://schemas.openxmlformats.org/drawingml/2006/main" xmlns:r="http://schemas.openxmlformats.org/officeDocument/2006/relationships" xmlns:mc="http://schemas.openxmlformats.org/markup-compatibility/2006" xmlns:mv="urn:schemas-microsoft-com:mac:vml" xmlns:p="http://schemas.openxmlformats.org/presentationml/2006/main" mc:Ignorable="mv" mc:PreserveAttributes="mv:*">
+  <p:cSld>
+    <p:spTree>
+      <p:nvGrpSpPr>
+        <p:cNvPr id="1" name=""/>
+        <p:cNvGrpSpPr/>
+        <p:nvPr/>
+      </p:nvGrpSpPr>
+      <p:grpSpPr>
+        <a:xfrm>
+          <a:off x="0" y="0"/>
+          <a:ext cx="0" cy="0"/>
+          <a:chOff x="0" y="0"/>
+          <a:chExt cx="0" cy="0"/>
+        </a:xfrm>
+      </p:grpSpPr>
+      <p:sp>
+        <p:nvSpPr>
+          <p:cNvPr id="2" name="Titel 1"/>
+          <p:cNvSpPr>
+            <a:spLocks noGrp="1"/>
+          </p:cNvSpPr>
+          <p:nvPr>
+            <p:ph type="title"/>
+          </p:nvPr>
+        </p:nvSpPr>
+        <p:spPr/>
+        <p:txBody>
+          <a:bodyPr>
+            <a:normAutofit fontScale="90000"/>
+          </a:bodyPr>
+          <a:lstStyle/>
+          <a:p>
+            <a:r>
+              <a:rPr lang="de-DE" dirty="0" err="1" smtClean="0"/>
+              <a:t>Introduction</a:t>
+            </a:r>
+            <a:r>
+              <a:rPr lang="de-DE" dirty="0" smtClean="0"/>
+              <a:t> (</a:t>
+            </a:r>
+            <a:r>
+              <a:rPr lang="de-DE" dirty="0" err="1" smtClean="0"/>
+              <a:t>chame</a:t>
+            </a:r>
+            <a:r>
+              <a:rPr lang="de-DE" dirty="0" smtClean="0"/>
+              <a:t> </a:t>
+            </a:r>
+            <a:r>
+              <a:rPr lang="de-DE" dirty="0" err="1" smtClean="0"/>
+              <a:t>velech</a:t>
+            </a:r>
+            <a:r>
+              <a:rPr lang="de-DE" dirty="0" smtClean="0"/>
+              <a:t> </a:t>
+            </a:r>
+            <a:r>
+              <a:rPr lang="de-DE" dirty="0" err="1" smtClean="0"/>
+              <a:t>ou</a:t>
+            </a:r>
+            <a:r>
+              <a:rPr lang="de-DE" dirty="0" smtClean="0"/>
+              <a:t> </a:t>
+            </a:r>
+            <a:r>
+              <a:rPr lang="de-DE" dirty="0" err="1" smtClean="0"/>
+              <a:t>wäglo</a:t>
+            </a:r>
+            <a:r>
+              <a:rPr lang="de-DE" dirty="0" smtClean="0"/>
+              <a:t>)</a:t>
+            </a:r>
+            <a:endParaRPr lang="de-DE" dirty="0"/>
+          </a:p>
+        </p:txBody>
+      </p:sp>
+      <p:sp>
+        <p:nvSpPr>
+          <p:cNvPr id="3" name="Inhaltsplatzhalter 2"/>
+          <p:cNvSpPr>
+            <a:spLocks noGrp="1"/>
+          </p:cNvSpPr>
+          <p:nvPr>
+            <p:ph idx="1"/>
+          </p:nvPr>
+        </p:nvSpPr>
+        <p:spPr/>
+        <p:txBody>
+          <a:bodyPr/>
+          <a:lstStyle/>
+          <a:p>
+            <a:r>
+              <a:rPr lang="de-DE" dirty="0" err="1" smtClean="0"/>
+              <a:t>Crowded</a:t>
+            </a:r>
+            <a:r>
+              <a:rPr lang="de-DE" dirty="0" smtClean="0"/>
+              <a:t> </a:t>
+            </a:r>
+            <a:r>
+              <a:rPr lang="de-DE" dirty="0" err="1" smtClean="0"/>
+              <a:t>Train</a:t>
+            </a:r>
+            <a:endParaRPr lang="de-DE" dirty="0" smtClean="0"/>
+          </a:p>
+          <a:p>
+            <a:r>
+              <a:rPr lang="de-DE" dirty="0"/>
+              <a:t>?</a:t>
+            </a:r>
+            <a:endParaRPr lang="de-DE" dirty="0" smtClean="0"/>
+          </a:p>
+          <a:p>
+            <a:endParaRPr lang="de-DE" dirty="0"/>
+          </a:p>
+        </p:txBody>
+      </p:sp>
+    </p:spTree>
+  </p:cSld>
+  <p:clrMapOvr>
+    <a:masterClrMapping/>
+  </p:clrMapOvr>
+</p:sld>
+</file>
+
+<file path=ppt/slides/slide6.xml><?xml version="1.0" encoding="utf-8"?>
+<p:sld xmlns:a="http://schemas.openxmlformats.org/drawingml/2006/main" xmlns:r="http://schemas.openxmlformats.org/officeDocument/2006/relationships" xmlns:mc="http://schemas.openxmlformats.org/markup-compatibility/2006" xmlns:mv="urn:schemas-microsoft-com:mac:vml" xmlns:p="http://schemas.openxmlformats.org/presentationml/2006/main" mc:Ignorable="mv" mc:PreserveAttributes="mv:*">
+  <p:cSld>
+    <p:spTree>
+      <p:nvGrpSpPr>
+        <p:cNvPr id="1" name=""/>
+        <p:cNvGrpSpPr/>
+        <p:nvPr/>
+      </p:nvGrpSpPr>
+      <p:grpSpPr>
+        <a:xfrm>
+          <a:off x="0" y="0"/>
+          <a:ext cx="0" cy="0"/>
+          <a:chOff x="0" y="0"/>
+          <a:chExt cx="0" cy="0"/>
+        </a:xfrm>
+      </p:grpSpPr>
+      <p:sp>
+        <p:nvSpPr>
+          <p:cNvPr id="2" name="Titel 1"/>
+          <p:cNvSpPr>
+            <a:spLocks noGrp="1"/>
+          </p:cNvSpPr>
+          <p:nvPr>
+            <p:ph type="title"/>
+          </p:nvPr>
+        </p:nvSpPr>
+        <p:spPr/>
+        <p:txBody>
+          <a:bodyPr/>
+          <a:lstStyle/>
+          <a:p>
+            <a:r>
+              <a:rPr lang="de-DE" dirty="0" err="1" smtClean="0"/>
+              <a:t>Idea</a:t>
+            </a:r>
+            <a:r>
+              <a:rPr lang="de-DE" dirty="0" smtClean="0"/>
+              <a:t> (0der)</a:t>
+            </a:r>
+            <a:endParaRPr lang="de-DE" dirty="0"/>
+          </a:p>
+        </p:txBody>
+      </p:sp>
+      <p:sp>
+        <p:nvSpPr>
+          <p:cNvPr id="3" name="Textplatzhalter 2"/>
+          <p:cNvSpPr>
+            <a:spLocks noGrp="1"/>
+          </p:cNvSpPr>
+          <p:nvPr>
+            <p:ph type="body" idx="1"/>
+          </p:nvPr>
+        </p:nvSpPr>
+        <p:spPr/>
+        <p:txBody>
+          <a:bodyPr/>
+          <a:lstStyle/>
+          <a:p>
+            <a:r>
+              <a:rPr lang="de-DE" dirty="0" smtClean="0"/>
+              <a:t>Data Approach</a:t>
+            </a:r>
+            <a:endParaRPr lang="de-DE" dirty="0"/>
+          </a:p>
+        </p:txBody>
+      </p:sp>
+      <p:sp>
+        <p:nvSpPr>
+          <p:cNvPr id="4" name="Inhaltsplatzhalter 3"/>
+          <p:cNvSpPr>
+            <a:spLocks noGrp="1"/>
+          </p:cNvSpPr>
+          <p:nvPr>
+            <p:ph sz="half" idx="2"/>
+          </p:nvPr>
+        </p:nvSpPr>
+        <p:spPr/>
+        <p:txBody>
+          <a:bodyPr/>
+          <a:lstStyle/>
+          <a:p>
+            <a:endParaRPr lang="de-DE" dirty="0"/>
+          </a:p>
+        </p:txBody>
+      </p:sp>
+      <p:sp>
+        <p:nvSpPr>
+          <p:cNvPr id="5" name="Textplatzhalter 4"/>
+          <p:cNvSpPr>
+            <a:spLocks noGrp="1"/>
+          </p:cNvSpPr>
+          <p:nvPr>
+            <p:ph type="body" sz="quarter" idx="3"/>
+          </p:nvPr>
+        </p:nvSpPr>
+        <p:spPr/>
+        <p:txBody>
+          <a:bodyPr/>
+          <a:lstStyle/>
+          <a:p>
+            <a:r>
+              <a:rPr lang="de-DE" dirty="0" smtClean="0"/>
+              <a:t>Model Approach</a:t>
+            </a:r>
+            <a:endParaRPr lang="de-DE" dirty="0"/>
+          </a:p>
+        </p:txBody>
+      </p:sp>
+      <p:sp>
+        <p:nvSpPr>
+          <p:cNvPr id="6" name="Inhaltsplatzhalter 5"/>
+          <p:cNvSpPr>
+            <a:spLocks noGrp="1"/>
+          </p:cNvSpPr>
+          <p:nvPr>
+            <p:ph sz="quarter" idx="4"/>
+          </p:nvPr>
+        </p:nvSpPr>
+        <p:spPr/>
+        <p:txBody>
+          <a:bodyPr/>
+          <a:lstStyle/>
+          <a:p>
+            <a:endParaRPr lang="de-DE"/>
+          </a:p>
+        </p:txBody>
+      </p:sp>
+    </p:spTree>
+  </p:cSld>
+  <p:clrMapOvr>
+    <a:masterClrMapping/>
+  </p:clrMapOvr>
+</p:sld>
+</file>
+
+<file path=ppt/slides/slide7.xml><?xml version="1.0" encoding="utf-8"?>
+<p:sld xmlns:a="http://schemas.openxmlformats.org/drawingml/2006/main" xmlns:r="http://schemas.openxmlformats.org/officeDocument/2006/relationships" xmlns:mc="http://schemas.openxmlformats.org/markup-compatibility/2006" xmlns:mv="urn:schemas-microsoft-com:mac:vml" xmlns:p="http://schemas.openxmlformats.org/presentationml/2006/main" mc:Ignorable="mv" mc:PreserveAttributes="mv:*">
+  <p:cSld>
+    <p:spTree>
+      <p:nvGrpSpPr>
+        <p:cNvPr id="1" name=""/>
+        <p:cNvGrpSpPr/>
+        <p:nvPr/>
+      </p:nvGrpSpPr>
+      <p:grpSpPr>
+        <a:xfrm>
+          <a:off x="0" y="0"/>
+          <a:ext cx="0" cy="0"/>
+          <a:chOff x="0" y="0"/>
+          <a:chExt cx="0" cy="0"/>
+        </a:xfrm>
+      </p:grpSpPr>
+      <p:sp>
+        <p:nvSpPr>
+          <p:cNvPr id="2" name="Titel 1"/>
+          <p:cNvSpPr>
+            <a:spLocks noGrp="1"/>
+          </p:cNvSpPr>
+          <p:nvPr>
+            <p:ph type="title"/>
+          </p:nvPr>
+        </p:nvSpPr>
+        <p:spPr/>
+        <p:txBody>
+          <a:bodyPr/>
+          <a:lstStyle/>
+          <a:p>
+            <a:r>
+              <a:rPr lang="de-DE" dirty="0" err="1" smtClean="0"/>
+              <a:t>Idea</a:t>
+            </a:r>
+            <a:endParaRPr lang="de-DE" dirty="0"/>
+          </a:p>
+        </p:txBody>
+      </p:sp>
+      <p:sp>
+        <p:nvSpPr>
+          <p:cNvPr id="3" name="Inhaltsplatzhalter 2"/>
+          <p:cNvSpPr>
+            <a:spLocks noGrp="1"/>
+          </p:cNvSpPr>
+          <p:nvPr>
+            <p:ph idx="1"/>
+          </p:nvPr>
+        </p:nvSpPr>
+        <p:spPr/>
+        <p:txBody>
+          <a:bodyPr/>
+          <a:lstStyle/>
+          <a:p>
+            <a:r>
+              <a:rPr lang="de-DE" dirty="0" err="1" smtClean="0"/>
+              <a:t>The</a:t>
+            </a:r>
+            <a:r>
+              <a:rPr lang="de-DE" dirty="0" smtClean="0"/>
+              <a:t> Data Approach (</a:t>
+            </a:r>
+            <a:r>
+              <a:rPr lang="de-DE" dirty="0" err="1" smtClean="0"/>
+              <a:t>failed</a:t>
+            </a:r>
+            <a:r>
+              <a:rPr lang="de-DE" dirty="0" smtClean="0"/>
+              <a:t>)</a:t>
+            </a:r>
+          </a:p>
+          <a:p>
+            <a:r>
+              <a:rPr lang="de-DE" dirty="0" err="1" smtClean="0"/>
+              <a:t>The</a:t>
+            </a:r>
+            <a:r>
+              <a:rPr lang="de-DE" dirty="0" smtClean="0"/>
+              <a:t> </a:t>
+            </a:r>
+            <a:r>
+              <a:rPr lang="de-DE" dirty="0" err="1" smtClean="0"/>
+              <a:t>Gravity</a:t>
+            </a:r>
+            <a:r>
+              <a:rPr lang="de-DE" dirty="0" smtClean="0"/>
+              <a:t> </a:t>
+            </a:r>
+            <a:r>
+              <a:rPr lang="de-DE" dirty="0" err="1" smtClean="0"/>
+              <a:t>principle</a:t>
+            </a:r>
+            <a:endParaRPr lang="de-DE" dirty="0" smtClean="0"/>
+          </a:p>
+          <a:p>
+            <a:r>
+              <a:rPr lang="de-DE" dirty="0" err="1" smtClean="0"/>
+              <a:t>Our</a:t>
+            </a:r>
+            <a:r>
+              <a:rPr lang="de-DE" dirty="0" smtClean="0"/>
+              <a:t> </a:t>
+            </a:r>
+            <a:r>
+              <a:rPr lang="de-DE" dirty="0" err="1" smtClean="0"/>
+              <a:t>approach</a:t>
+            </a:r>
+            <a:endParaRPr lang="de-DE" dirty="0" smtClean="0"/>
+          </a:p>
+          <a:p>
+            <a:endParaRPr lang="de-DE" dirty="0"/>
+          </a:p>
+        </p:txBody>
+      </p:sp>
+    </p:spTree>
+  </p:cSld>
+  <p:clrMapOvr>
+    <a:masterClrMapping/>
+  </p:clrMapOvr>
+</p:sld>
+</file>
+
+<file path=ppt/slides/slide8.xml><?xml version="1.0" encoding="utf-8"?>
+<p:sld xmlns:a="http://schemas.openxmlformats.org/drawingml/2006/main" xmlns:r="http://schemas.openxmlformats.org/officeDocument/2006/relationships" xmlns:mc="http://schemas.openxmlformats.org/markup-compatibility/2006" xmlns:mv="urn:schemas-microsoft-com:mac:vml" xmlns:p="http://schemas.openxmlformats.org/presentationml/2006/main" mc:Ignorable="mv" mc:PreserveAttributes="mv:*">
+  <p:cSld>
+    <p:spTree>
+      <p:nvGrpSpPr>
+        <p:cNvPr id="1" name=""/>
+        <p:cNvGrpSpPr/>
+        <p:nvPr/>
+      </p:nvGrpSpPr>
+      <p:grpSpPr>
+        <a:xfrm>
+          <a:off x="0" y="0"/>
+          <a:ext cx="0" cy="0"/>
+          <a:chOff x="0" y="0"/>
+          <a:chExt cx="0" cy="0"/>
+        </a:xfrm>
+      </p:grpSpPr>
+      <p:sp>
+        <p:nvSpPr>
+          <p:cNvPr id="2" name="Titel 1"/>
+          <p:cNvSpPr>
+            <a:spLocks noGrp="1"/>
+          </p:cNvSpPr>
+          <p:nvPr>
+            <p:ph type="title"/>
+          </p:nvPr>
+        </p:nvSpPr>
+        <p:spPr/>
+        <p:txBody>
+          <a:bodyPr/>
+          <a:lstStyle/>
+          <a:p>
+            <a:r>
+              <a:rPr lang="de-DE" dirty="0" err="1" smtClean="0"/>
+              <a:t>Adjazenz</a:t>
+            </a:r>
+            <a:r>
+              <a:rPr lang="de-DE" dirty="0" smtClean="0"/>
+              <a:t> Matrix</a:t>
+            </a:r>
+            <a:endParaRPr lang="de-DE" dirty="0"/>
+          </a:p>
+        </p:txBody>
+      </p:sp>
+      <p:sp>
+        <p:nvSpPr>
+          <p:cNvPr id="3" name="Textplatzhalter 2"/>
+          <p:cNvSpPr>
+            <a:spLocks noGrp="1"/>
+          </p:cNvSpPr>
+          <p:nvPr>
+            <p:ph type="body" idx="1"/>
+          </p:nvPr>
+        </p:nvSpPr>
+        <p:spPr/>
+        <p:txBody>
+          <a:bodyPr/>
+          <a:lstStyle/>
+          <a:p>
+            <a:endParaRPr lang="de-DE"/>
+          </a:p>
+        </p:txBody>
+      </p:sp>
+      <p:sp>
+        <p:nvSpPr>
+          <p:cNvPr id="4" name="Inhaltsplatzhalter 3"/>
+          <p:cNvSpPr>
+            <a:spLocks noGrp="1"/>
+          </p:cNvSpPr>
+          <p:nvPr>
+            <p:ph sz="half" idx="2"/>
+          </p:nvPr>
+        </p:nvSpPr>
+        <p:spPr/>
+        <p:txBody>
+          <a:bodyPr/>
+          <a:lstStyle/>
+          <a:p>
+            <a:endParaRPr lang="de-DE"/>
+          </a:p>
+        </p:txBody>
+      </p:sp>
+      <p:sp>
+        <p:nvSpPr>
+          <p:cNvPr id="5" name="Textplatzhalter 4"/>
+          <p:cNvSpPr>
+            <a:spLocks noGrp="1"/>
+          </p:cNvSpPr>
+          <p:nvPr>
+            <p:ph type="body" sz="quarter" idx="3"/>
+          </p:nvPr>
+        </p:nvSpPr>
+        <p:spPr/>
+        <p:txBody>
+          <a:bodyPr/>
+          <a:lstStyle/>
+          <a:p>
+            <a:endParaRPr lang="de-DE"/>
+          </a:p>
+        </p:txBody>
+      </p:sp>
+      <p:sp>
+        <p:nvSpPr>
+          <p:cNvPr id="6" name="Inhaltsplatzhalter 5"/>
+          <p:cNvSpPr>
+            <a:spLocks noGrp="1"/>
+          </p:cNvSpPr>
+          <p:nvPr>
+            <p:ph sz="quarter" idx="4"/>
+          </p:nvPr>
+        </p:nvSpPr>
+        <p:spPr/>
+        <p:txBody>
+          <a:bodyPr/>
+          <a:lstStyle/>
+          <a:p>
+            <a:endParaRPr lang="de-DE"/>
+          </a:p>
+        </p:txBody>
+      </p:sp>
+    </p:spTree>
+  </p:cSld>
+  <p:clrMapOvr>
+    <a:masterClrMapping/>
+  </p:clrMapOvr>
+</p:sld>
+</file>
+
+<file path=ppt/slides/slide9.xml><?xml version="1.0" encoding="utf-8"?>
+<p:sld xmlns:a="http://schemas.openxmlformats.org/drawingml/2006/main" xmlns:r="http://schemas.openxmlformats.org/officeDocument/2006/relationships" xmlns:mc="http://schemas.openxmlformats.org/markup-compatibility/2006" xmlns:mv="urn:schemas-microsoft-com:mac:vml" xmlns:p="http://schemas.openxmlformats.org/presentationml/2006/main" mc:Ignorable="mv" mc:PreserveAttributes="mv:*">
+  <p:cSld>
+    <p:spTree>
+      <p:nvGrpSpPr>
+        <p:cNvPr id="1" name=""/>
+        <p:cNvGrpSpPr/>
+        <p:nvPr/>
+      </p:nvGrpSpPr>
+      <p:grpSpPr>
+        <a:xfrm>
+          <a:off x="0" y="0"/>
+          <a:ext cx="0" cy="0"/>
+          <a:chOff x="0" y="0"/>
+          <a:chExt cx="0" cy="0"/>
+        </a:xfrm>
+      </p:grpSpPr>
+      <p:sp>
+        <p:nvSpPr>
+          <p:cNvPr id="2" name="Titel 1"/>
+          <p:cNvSpPr>
+            <a:spLocks noGrp="1"/>
+          </p:cNvSpPr>
+          <p:nvPr>
+            <p:ph type="title"/>
+          </p:nvPr>
+        </p:nvSpPr>
+        <p:spPr/>
+        <p:txBody>
+          <a:bodyPr/>
+          <a:lstStyle/>
+          <a:p>
+            <a:r>
+              <a:rPr lang="de-DE" dirty="0" err="1" smtClean="0"/>
+              <a:t>Idea</a:t>
+            </a:r>
+            <a:r>
+              <a:rPr lang="de-DE" dirty="0" smtClean="0"/>
+              <a:t> and </a:t>
+            </a:r>
+            <a:r>
+              <a:rPr lang="de-DE" dirty="0" err="1" smtClean="0"/>
+              <a:t>Bla</a:t>
+            </a:r>
+            <a:endParaRPr lang="de-DE" dirty="0"/>
+          </a:p>
+        </p:txBody>
+      </p:sp>
+      <p:sp>
+        <p:nvSpPr>
+          <p:cNvPr id="3" name="Inhaltsplatzhalter 2"/>
+          <p:cNvSpPr>
+            <a:spLocks noGrp="1"/>
+          </p:cNvSpPr>
+          <p:nvPr>
+            <p:ph idx="1"/>
+          </p:nvPr>
+        </p:nvSpPr>
+        <p:spPr/>
+        <p:txBody>
+          <a:bodyPr/>
+          <a:lstStyle/>
+          <a:p>
+            <a:r>
+              <a:rPr lang="de-DE" dirty="0" err="1" smtClean="0"/>
+              <a:t>Adjacency</a:t>
+            </a:r>
+            <a:r>
+              <a:rPr lang="de-DE" dirty="0" smtClean="0"/>
+              <a:t> </a:t>
+            </a:r>
+            <a:r>
+              <a:rPr lang="de-DE" dirty="0" err="1" smtClean="0"/>
+              <a:t>matrix</a:t>
+            </a:r>
+            <a:endParaRPr lang="de-DE" dirty="0"/>
           </a:p>
         </p:txBody>
       </p:sp>
@@ -4943,9 +9108,9 @@
 </file>
 
 <file path=ppt/theme/theme1.xml><?xml version="1.0" encoding="utf-8"?>
-<a:theme xmlns:a="http://schemas.openxmlformats.org/drawingml/2006/main" name="Larissa-Design">
+<a:theme xmlns:a="http://schemas.openxmlformats.org/drawingml/2006/main" name="Office-Design">
   <a:themeElements>
-    <a:clrScheme name="Larissa">
+    <a:clrScheme name="Office">
       <a:dk1>
         <a:sysClr val="windowText" lastClr="000000"/>
       </a:dk1>
@@ -4983,7 +9148,7 @@
         <a:srgbClr val="800080"/>
       </a:folHlink>
     </a:clrScheme>
-    <a:fontScheme name="Larissa">
+    <a:fontScheme name="Office">
       <a:majorFont>
         <a:latin typeface="Calibri"/>
         <a:ea typeface=""/>
@@ -5053,7 +9218,7 @@
         <a:font script="Uigh" typeface="Microsoft Uighur"/>
       </a:minorFont>
     </a:fontScheme>
-    <a:fmtScheme name="Larissa">
+    <a:fmtScheme name="Office">
       <a:fillStyleLst>
         <a:solidFill>
           <a:schemeClr val="phClr"/>
@@ -5085,20 +9250,16 @@
           <a:gsLst>
             <a:gs pos="0">
               <a:schemeClr val="phClr">
-                <a:shade val="51000"/>
-                <a:satMod val="130000"/>
-              </a:schemeClr>
-            </a:gs>
-            <a:gs pos="80000">
-              <a:schemeClr val="phClr">
-                <a:shade val="93000"/>
+                <a:tint val="100000"/>
+                <a:shade val="100000"/>
                 <a:satMod val="130000"/>
               </a:schemeClr>
             </a:gs>
             <a:gs pos="100000">
               <a:schemeClr val="phClr">
-                <a:shade val="94000"/>
-                <a:satMod val="135000"/>
+                <a:tint val="50000"/>
+                <a:shade val="100000"/>
+                <a:satMod val="350000"/>
               </a:schemeClr>
             </a:gs>
           </a:gsLst>
@@ -5220,7 +9381,46 @@
       </a:bgFillStyleLst>
     </a:fmtScheme>
   </a:themeElements>
-  <a:objectDefaults/>
+  <a:objectDefaults>
+    <a:spDef>
+      <a:spPr/>
+      <a:bodyPr/>
+      <a:lstStyle/>
+      <a:style>
+        <a:lnRef idx="1">
+          <a:schemeClr val="accent1"/>
+        </a:lnRef>
+        <a:fillRef idx="3">
+          <a:schemeClr val="accent1"/>
+        </a:fillRef>
+        <a:effectRef idx="2">
+          <a:schemeClr val="accent1"/>
+        </a:effectRef>
+        <a:fontRef idx="minor">
+          <a:schemeClr val="lt1"/>
+        </a:fontRef>
+      </a:style>
+    </a:spDef>
+    <a:lnDef>
+      <a:spPr/>
+      <a:bodyPr/>
+      <a:lstStyle/>
+      <a:style>
+        <a:lnRef idx="2">
+          <a:schemeClr val="accent1"/>
+        </a:lnRef>
+        <a:fillRef idx="0">
+          <a:schemeClr val="accent1"/>
+        </a:fillRef>
+        <a:effectRef idx="1">
+          <a:schemeClr val="accent1"/>
+        </a:effectRef>
+        <a:fontRef idx="minor">
+          <a:schemeClr val="tx1"/>
+        </a:fontRef>
+      </a:style>
+    </a:lnDef>
+  </a:objectDefaults>
   <a:extraClrSchemeLst/>
 </a:theme>
 </file>

--- a/presentation/Test.pptx
+++ b/presentation/Test.pptx
@@ -5,25 +5,22 @@
     <p:sldMasterId id="2147483660" r:id="rId1"/>
   </p:sldMasterIdLst>
   <p:notesMasterIdLst>
-    <p:notesMasterId r:id="rId18"/>
+    <p:notesMasterId r:id="rId15"/>
   </p:notesMasterIdLst>
   <p:sldIdLst>
     <p:sldId id="267" r:id="rId2"/>
     <p:sldId id="268" r:id="rId3"/>
     <p:sldId id="265" r:id="rId4"/>
     <p:sldId id="274" r:id="rId5"/>
-    <p:sldId id="264" r:id="rId6"/>
-    <p:sldId id="266" r:id="rId7"/>
-    <p:sldId id="270" r:id="rId8"/>
-    <p:sldId id="271" r:id="rId9"/>
-    <p:sldId id="273" r:id="rId10"/>
-    <p:sldId id="256" r:id="rId11"/>
-    <p:sldId id="257" r:id="rId12"/>
-    <p:sldId id="258" r:id="rId13"/>
-    <p:sldId id="259" r:id="rId14"/>
-    <p:sldId id="260" r:id="rId15"/>
-    <p:sldId id="261" r:id="rId16"/>
-    <p:sldId id="262" r:id="rId17"/>
+    <p:sldId id="270" r:id="rId6"/>
+    <p:sldId id="275" r:id="rId7"/>
+    <p:sldId id="256" r:id="rId8"/>
+    <p:sldId id="257" r:id="rId9"/>
+    <p:sldId id="258" r:id="rId10"/>
+    <p:sldId id="259" r:id="rId11"/>
+    <p:sldId id="260" r:id="rId12"/>
+    <p:sldId id="261" r:id="rId13"/>
+    <p:sldId id="262" r:id="rId14"/>
   </p:sldIdLst>
   <p:sldSz cx="9144000" cy="6858000" type="screen4x3"/>
   <p:notesSz cx="6858000" cy="9144000"/>
@@ -126,15 +123,17 @@
 </file>
 
 <file path=ppt/diagrams/colors1.xml><?xml version="1.0" encoding="utf-8"?>
-<dgm:colorsDef xmlns:dgm="http://schemas.openxmlformats.org/drawingml/2006/diagram" xmlns:a="http://schemas.openxmlformats.org/drawingml/2006/main" uniqueId="urn:microsoft.com/office/officeart/2005/8/colors/accent1_2">
+<dgm:colorsDef xmlns:dgm="http://schemas.openxmlformats.org/drawingml/2006/diagram" xmlns:a="http://schemas.openxmlformats.org/drawingml/2006/main" uniqueId="urn:microsoft.com/office/officeart/2005/8/colors/accent1_5">
   <dgm:title val=""/>
   <dgm:desc val=""/>
   <dgm:catLst>
-    <dgm:cat type="accent1" pri="11200"/>
+    <dgm:cat type="accent1" pri="11500"/>
   </dgm:catLst>
   <dgm:styleLbl name="node0">
-    <dgm:fillClrLst meth="repeat">
-      <a:schemeClr val="accent1"/>
+    <dgm:fillClrLst meth="cycle">
+      <a:schemeClr val="accent1">
+        <a:alpha val="80000"/>
+      </a:schemeClr>
     </dgm:fillClrLst>
     <dgm:linClrLst meth="repeat">
       <a:schemeClr val="lt1"/>
@@ -144,44 +143,11 @@
     <dgm:txFillClrLst/>
     <dgm:txEffectClrLst/>
   </dgm:styleLbl>
-  <dgm:styleLbl name="alignNode1">
-    <dgm:fillClrLst meth="repeat">
-      <a:schemeClr val="accent1"/>
-    </dgm:fillClrLst>
-    <dgm:linClrLst meth="repeat">
-      <a:schemeClr val="accent1"/>
-    </dgm:linClrLst>
-    <dgm:effectClrLst/>
-    <dgm:txLinClrLst/>
-    <dgm:txFillClrLst/>
-    <dgm:txEffectClrLst/>
-  </dgm:styleLbl>
   <dgm:styleLbl name="node1">
-    <dgm:fillClrLst meth="repeat">
-      <a:schemeClr val="accent1"/>
-    </dgm:fillClrLst>
-    <dgm:linClrLst meth="repeat">
-      <a:schemeClr val="lt1"/>
-    </dgm:linClrLst>
-    <dgm:effectClrLst/>
-    <dgm:txLinClrLst/>
-    <dgm:txFillClrLst/>
-    <dgm:txEffectClrLst/>
-  </dgm:styleLbl>
-  <dgm:styleLbl name="lnNode1">
-    <dgm:fillClrLst meth="repeat">
-      <a:schemeClr val="accent1"/>
-    </dgm:fillClrLst>
-    <dgm:linClrLst meth="repeat">
-      <a:schemeClr val="lt1"/>
-    </dgm:linClrLst>
-    <dgm:effectClrLst/>
-    <dgm:txLinClrLst/>
-    <dgm:txFillClrLst/>
-    <dgm:txEffectClrLst/>
-  </dgm:styleLbl>
-  <dgm:styleLbl name="vennNode1">
-    <dgm:fillClrLst meth="repeat">
+    <dgm:fillClrLst>
+      <a:schemeClr val="accent1">
+        <a:alpha val="90000"/>
+      </a:schemeClr>
       <a:schemeClr val="accent1">
         <a:alpha val="50000"/>
       </a:schemeClr>
@@ -194,9 +160,37 @@
     <dgm:txFillClrLst/>
     <dgm:txEffectClrLst/>
   </dgm:styleLbl>
-  <dgm:styleLbl name="node2">
-    <dgm:fillClrLst meth="repeat">
-      <a:schemeClr val="accent1"/>
+  <dgm:styleLbl name="alignNode1">
+    <dgm:fillClrLst>
+      <a:schemeClr val="accent1">
+        <a:alpha val="90000"/>
+      </a:schemeClr>
+      <a:schemeClr val="accent1">
+        <a:alpha val="50000"/>
+      </a:schemeClr>
+    </dgm:fillClrLst>
+    <dgm:linClrLst>
+      <a:schemeClr val="accent1">
+        <a:alpha val="90000"/>
+      </a:schemeClr>
+      <a:schemeClr val="accent1">
+        <a:alpha val="50000"/>
+      </a:schemeClr>
+    </dgm:linClrLst>
+    <dgm:effectClrLst/>
+    <dgm:txLinClrLst/>
+    <dgm:txFillClrLst/>
+    <dgm:txEffectClrLst/>
+  </dgm:styleLbl>
+  <dgm:styleLbl name="lnNode1">
+    <dgm:fillClrLst>
+      <a:schemeClr val="accent1">
+        <a:shade val="90000"/>
+      </a:schemeClr>
+      <a:schemeClr val="accent1">
+        <a:alpha val="50000"/>
+        <a:tint val="50000"/>
+      </a:schemeClr>
     </dgm:fillClrLst>
     <dgm:linClrLst meth="repeat">
       <a:schemeClr val="lt1"/>
@@ -206,9 +200,15 @@
     <dgm:txFillClrLst/>
     <dgm:txEffectClrLst/>
   </dgm:styleLbl>
-  <dgm:styleLbl name="node3">
-    <dgm:fillClrLst meth="repeat">
-      <a:schemeClr val="accent1"/>
+  <dgm:styleLbl name="vennNode1">
+    <dgm:fillClrLst>
+      <a:schemeClr val="accent1">
+        <a:shade val="80000"/>
+        <a:alpha val="50000"/>
+      </a:schemeClr>
+      <a:schemeClr val="accent1">
+        <a:alpha val="80000"/>
+      </a:schemeClr>
     </dgm:fillClrLst>
     <dgm:linClrLst meth="repeat">
       <a:schemeClr val="lt1"/>
@@ -218,9 +218,11 @@
     <dgm:txFillClrLst/>
     <dgm:txEffectClrLst/>
   </dgm:styleLbl>
-  <dgm:styleLbl name="node4">
-    <dgm:fillClrLst meth="repeat">
-      <a:schemeClr val="accent1"/>
+  <dgm:styleLbl name="node2">
+    <dgm:fillClrLst>
+      <a:schemeClr val="accent1">
+        <a:alpha val="70000"/>
+      </a:schemeClr>
     </dgm:fillClrLst>
     <dgm:linClrLst meth="repeat">
       <a:schemeClr val="lt1"/>
@@ -230,10 +232,43 @@
     <dgm:txFillClrLst/>
     <dgm:txEffectClrLst/>
   </dgm:styleLbl>
+  <dgm:styleLbl name="node3">
+    <dgm:fillClrLst>
+      <a:schemeClr val="accent1">
+        <a:alpha val="50000"/>
+      </a:schemeClr>
+    </dgm:fillClrLst>
+    <dgm:linClrLst meth="repeat">
+      <a:schemeClr val="lt1"/>
+    </dgm:linClrLst>
+    <dgm:effectClrLst/>
+    <dgm:txLinClrLst/>
+    <dgm:txFillClrLst/>
+    <dgm:txEffectClrLst/>
+  </dgm:styleLbl>
+  <dgm:styleLbl name="node4">
+    <dgm:fillClrLst>
+      <a:schemeClr val="accent1">
+        <a:alpha val="30000"/>
+      </a:schemeClr>
+    </dgm:fillClrLst>
+    <dgm:linClrLst meth="repeat">
+      <a:schemeClr val="lt1"/>
+    </dgm:linClrLst>
+    <dgm:effectClrLst/>
+    <dgm:txLinClrLst/>
+    <dgm:txFillClrLst/>
+    <dgm:txEffectClrLst/>
+  </dgm:styleLbl>
   <dgm:styleLbl name="fgImgPlace1">
-    <dgm:fillClrLst meth="repeat">
+    <dgm:fillClrLst>
       <a:schemeClr val="accent1">
         <a:tint val="50000"/>
+        <a:alpha val="90000"/>
+      </a:schemeClr>
+      <a:schemeClr val="accent1">
+        <a:tint val="20000"/>
+        <a:alpha val="50000"/>
       </a:schemeClr>
     </dgm:fillClrLst>
     <dgm:linClrLst meth="repeat">
@@ -247,9 +282,12 @@
     <dgm:txEffectClrLst/>
   </dgm:styleLbl>
   <dgm:styleLbl name="alignImgPlace1">
-    <dgm:fillClrLst meth="repeat">
+    <dgm:fillClrLst>
       <a:schemeClr val="accent1">
         <a:tint val="50000"/>
+      </a:schemeClr>
+      <a:schemeClr val="accent1">
+        <a:tint val="20000"/>
       </a:schemeClr>
     </dgm:fillClrLst>
     <dgm:linClrLst meth="repeat">
@@ -263,9 +301,12 @@
     <dgm:txEffectClrLst/>
   </dgm:styleLbl>
   <dgm:styleLbl name="bgImgPlace1">
-    <dgm:fillClrLst meth="repeat">
+    <dgm:fillClrLst>
       <a:schemeClr val="accent1">
         <a:tint val="50000"/>
+      </a:schemeClr>
+      <a:schemeClr val="accent1">
+        <a:tint val="20000"/>
       </a:schemeClr>
     </dgm:fillClrLst>
     <dgm:linClrLst meth="repeat">
@@ -279,14 +320,20 @@
     <dgm:txEffectClrLst/>
   </dgm:styleLbl>
   <dgm:styleLbl name="sibTrans2D1">
-    <dgm:fillClrLst meth="repeat">
+    <dgm:fillClrLst>
       <a:schemeClr val="accent1">
-        <a:tint val="60000"/>
+        <a:shade val="90000"/>
+      </a:schemeClr>
+      <a:schemeClr val="accent1">
+        <a:tint val="50000"/>
       </a:schemeClr>
     </dgm:fillClrLst>
-    <dgm:linClrLst meth="repeat">
+    <dgm:linClrLst>
       <a:schemeClr val="accent1">
-        <a:tint val="60000"/>
+        <a:shade val="90000"/>
+      </a:schemeClr>
+      <a:schemeClr val="accent1">
+        <a:tint val="50000"/>
       </a:schemeClr>
     </dgm:linClrLst>
     <dgm:effectClrLst/>
@@ -295,14 +342,20 @@
     <dgm:txEffectClrLst/>
   </dgm:styleLbl>
   <dgm:styleLbl name="fgSibTrans2D1">
-    <dgm:fillClrLst meth="repeat">
+    <dgm:fillClrLst>
       <a:schemeClr val="accent1">
-        <a:tint val="60000"/>
+        <a:shade val="90000"/>
+      </a:schemeClr>
+      <a:schemeClr val="accent1">
+        <a:tint val="50000"/>
       </a:schemeClr>
     </dgm:fillClrLst>
-    <dgm:linClrLst meth="repeat">
+    <dgm:linClrLst>
       <a:schemeClr val="accent1">
-        <a:tint val="60000"/>
+        <a:shade val="90000"/>
+      </a:schemeClr>
+      <a:schemeClr val="accent1">
+        <a:tint val="50000"/>
       </a:schemeClr>
     </dgm:linClrLst>
     <dgm:effectClrLst/>
@@ -311,14 +364,20 @@
     <dgm:txEffectClrLst/>
   </dgm:styleLbl>
   <dgm:styleLbl name="bgSibTrans2D1">
-    <dgm:fillClrLst meth="repeat">
+    <dgm:fillClrLst>
       <a:schemeClr val="accent1">
-        <a:tint val="60000"/>
+        <a:shade val="90000"/>
+      </a:schemeClr>
+      <a:schemeClr val="accent1">
+        <a:tint val="50000"/>
       </a:schemeClr>
     </dgm:fillClrLst>
-    <dgm:linClrLst meth="repeat">
+    <dgm:linClrLst>
       <a:schemeClr val="accent1">
-        <a:tint val="60000"/>
+        <a:shade val="90000"/>
+      </a:schemeClr>
+      <a:schemeClr val="accent1">
+        <a:tint val="50000"/>
       </a:schemeClr>
     </dgm:linClrLst>
     <dgm:effectClrLst/>
@@ -327,6 +386,30 @@
     <dgm:txEffectClrLst/>
   </dgm:styleLbl>
   <dgm:styleLbl name="sibTrans1D1">
+    <dgm:fillClrLst>
+      <a:schemeClr val="accent1">
+        <a:shade val="90000"/>
+      </a:schemeClr>
+      <a:schemeClr val="accent1">
+        <a:tint val="50000"/>
+      </a:schemeClr>
+    </dgm:fillClrLst>
+    <dgm:linClrLst>
+      <a:schemeClr val="accent1">
+        <a:shade val="90000"/>
+      </a:schemeClr>
+      <a:schemeClr val="accent1">
+        <a:tint val="50000"/>
+      </a:schemeClr>
+    </dgm:linClrLst>
+    <dgm:effectClrLst/>
+    <dgm:txLinClrLst/>
+    <dgm:txFillClrLst meth="repeat">
+      <a:schemeClr val="tx1"/>
+    </dgm:txFillClrLst>
+    <dgm:txEffectClrLst/>
+  </dgm:styleLbl>
+  <dgm:styleLbl name="callout">
     <dgm:fillClrLst meth="repeat">
       <a:schemeClr val="accent1"/>
     </dgm:fillClrLst>
@@ -340,9 +423,201 @@
     </dgm:txFillClrLst>
     <dgm:txEffectClrLst/>
   </dgm:styleLbl>
-  <dgm:styleLbl name="callout">
+  <dgm:styleLbl name="asst0">
     <dgm:fillClrLst meth="repeat">
-      <a:schemeClr val="accent1"/>
+      <a:schemeClr val="accent1">
+        <a:alpha val="90000"/>
+      </a:schemeClr>
+    </dgm:fillClrLst>
+    <dgm:linClrLst meth="repeat">
+      <a:schemeClr val="lt1"/>
+    </dgm:linClrLst>
+    <dgm:effectClrLst/>
+    <dgm:txLinClrLst/>
+    <dgm:txFillClrLst/>
+    <dgm:txEffectClrLst/>
+  </dgm:styleLbl>
+  <dgm:styleLbl name="asst1">
+    <dgm:fillClrLst meth="repeat">
+      <a:schemeClr val="accent1">
+        <a:alpha val="90000"/>
+      </a:schemeClr>
+    </dgm:fillClrLst>
+    <dgm:linClrLst meth="repeat">
+      <a:schemeClr val="lt1"/>
+    </dgm:linClrLst>
+    <dgm:effectClrLst/>
+    <dgm:txLinClrLst/>
+    <dgm:txFillClrLst/>
+    <dgm:txEffectClrLst/>
+  </dgm:styleLbl>
+  <dgm:styleLbl name="asst2">
+    <dgm:fillClrLst>
+      <a:schemeClr val="accent1">
+        <a:alpha val="90000"/>
+      </a:schemeClr>
+    </dgm:fillClrLst>
+    <dgm:linClrLst meth="repeat">
+      <a:schemeClr val="lt1"/>
+    </dgm:linClrLst>
+    <dgm:effectClrLst/>
+    <dgm:txLinClrLst/>
+    <dgm:txFillClrLst/>
+    <dgm:txEffectClrLst/>
+  </dgm:styleLbl>
+  <dgm:styleLbl name="asst3">
+    <dgm:fillClrLst>
+      <a:schemeClr val="accent1">
+        <a:alpha val="70000"/>
+      </a:schemeClr>
+    </dgm:fillClrLst>
+    <dgm:linClrLst meth="repeat">
+      <a:schemeClr val="lt1"/>
+    </dgm:linClrLst>
+    <dgm:effectClrLst/>
+    <dgm:txLinClrLst/>
+    <dgm:txFillClrLst/>
+    <dgm:txEffectClrLst/>
+  </dgm:styleLbl>
+  <dgm:styleLbl name="asst4">
+    <dgm:fillClrLst>
+      <a:schemeClr val="accent1">
+        <a:alpha val="50000"/>
+      </a:schemeClr>
+    </dgm:fillClrLst>
+    <dgm:linClrLst meth="repeat">
+      <a:schemeClr val="lt1"/>
+    </dgm:linClrLst>
+    <dgm:effectClrLst/>
+    <dgm:txLinClrLst/>
+    <dgm:txFillClrLst/>
+    <dgm:txEffectClrLst/>
+  </dgm:styleLbl>
+  <dgm:styleLbl name="parChTrans2D1">
+    <dgm:fillClrLst meth="repeat">
+      <a:schemeClr val="accent1">
+        <a:shade val="80000"/>
+      </a:schemeClr>
+    </dgm:fillClrLst>
+    <dgm:linClrLst meth="repeat">
+      <a:schemeClr val="accent1">
+        <a:shade val="80000"/>
+      </a:schemeClr>
+    </dgm:linClrLst>
+    <dgm:effectClrLst/>
+    <dgm:txLinClrLst/>
+    <dgm:txFillClrLst/>
+    <dgm:txEffectClrLst/>
+  </dgm:styleLbl>
+  <dgm:styleLbl name="parChTrans2D2">
+    <dgm:fillClrLst meth="repeat">
+      <a:schemeClr val="accent1">
+        <a:tint val="90000"/>
+      </a:schemeClr>
+    </dgm:fillClrLst>
+    <dgm:linClrLst meth="repeat">
+      <a:schemeClr val="accent1">
+        <a:tint val="90000"/>
+      </a:schemeClr>
+    </dgm:linClrLst>
+    <dgm:effectClrLst/>
+    <dgm:txLinClrLst/>
+    <dgm:txFillClrLst/>
+    <dgm:txEffectClrLst/>
+  </dgm:styleLbl>
+  <dgm:styleLbl name="parChTrans2D3">
+    <dgm:fillClrLst meth="repeat">
+      <a:schemeClr val="accent1">
+        <a:tint val="70000"/>
+      </a:schemeClr>
+    </dgm:fillClrLst>
+    <dgm:linClrLst meth="repeat">
+      <a:schemeClr val="accent1">
+        <a:tint val="70000"/>
+      </a:schemeClr>
+    </dgm:linClrLst>
+    <dgm:effectClrLst/>
+    <dgm:txLinClrLst/>
+    <dgm:txFillClrLst/>
+    <dgm:txEffectClrLst/>
+  </dgm:styleLbl>
+  <dgm:styleLbl name="parChTrans2D4">
+    <dgm:fillClrLst meth="repeat">
+      <a:schemeClr val="accent1">
+        <a:tint val="50000"/>
+      </a:schemeClr>
+    </dgm:fillClrLst>
+    <dgm:linClrLst meth="repeat">
+      <a:schemeClr val="accent1">
+        <a:tint val="50000"/>
+      </a:schemeClr>
+    </dgm:linClrLst>
+    <dgm:effectClrLst/>
+    <dgm:txLinClrLst/>
+    <dgm:txFillClrLst meth="repeat">
+      <a:schemeClr val="dk1"/>
+    </dgm:txFillClrLst>
+    <dgm:txEffectClrLst/>
+  </dgm:styleLbl>
+  <dgm:styleLbl name="parChTrans1D1">
+    <dgm:fillClrLst meth="repeat">
+      <a:schemeClr val="accent1">
+        <a:shade val="80000"/>
+      </a:schemeClr>
+    </dgm:fillClrLst>
+    <dgm:linClrLst meth="repeat">
+      <a:schemeClr val="accent1">
+        <a:shade val="80000"/>
+      </a:schemeClr>
+    </dgm:linClrLst>
+    <dgm:effectClrLst/>
+    <dgm:txLinClrLst/>
+    <dgm:txFillClrLst meth="repeat">
+      <a:schemeClr val="tx1"/>
+    </dgm:txFillClrLst>
+    <dgm:txEffectClrLst/>
+  </dgm:styleLbl>
+  <dgm:styleLbl name="parChTrans1D2">
+    <dgm:fillClrLst meth="repeat">
+      <a:schemeClr val="accent1">
+        <a:tint val="90000"/>
+      </a:schemeClr>
+    </dgm:fillClrLst>
+    <dgm:linClrLst meth="repeat">
+      <a:schemeClr val="accent1">
+        <a:tint val="90000"/>
+      </a:schemeClr>
+    </dgm:linClrLst>
+    <dgm:effectClrLst/>
+    <dgm:txLinClrLst/>
+    <dgm:txFillClrLst meth="repeat">
+      <a:schemeClr val="tx1"/>
+    </dgm:txFillClrLst>
+    <dgm:txEffectClrLst/>
+  </dgm:styleLbl>
+  <dgm:styleLbl name="parChTrans1D3">
+    <dgm:fillClrLst meth="repeat">
+      <a:schemeClr val="accent1">
+        <a:tint val="70000"/>
+      </a:schemeClr>
+    </dgm:fillClrLst>
+    <dgm:linClrLst meth="repeat">
+      <a:schemeClr val="accent1">
+        <a:tint val="70000"/>
+      </a:schemeClr>
+    </dgm:linClrLst>
+    <dgm:effectClrLst/>
+    <dgm:txLinClrLst/>
+    <dgm:txFillClrLst meth="repeat">
+      <a:schemeClr val="tx1"/>
+    </dgm:txFillClrLst>
+    <dgm:txEffectClrLst/>
+  </dgm:styleLbl>
+  <dgm:styleLbl name="parChTrans1D4">
+    <dgm:fillClrLst meth="repeat">
+      <a:schemeClr val="accent1">
+        <a:tint val="50000"/>
+      </a:schemeClr>
     </dgm:fillClrLst>
     <dgm:linClrLst meth="repeat">
       <a:schemeClr val="accent1">
@@ -356,198 +631,19 @@
     </dgm:txFillClrLst>
     <dgm:txEffectClrLst/>
   </dgm:styleLbl>
-  <dgm:styleLbl name="asst0">
-    <dgm:fillClrLst meth="repeat">
-      <a:schemeClr val="accent1"/>
-    </dgm:fillClrLst>
-    <dgm:linClrLst meth="repeat">
-      <a:schemeClr val="lt1"/>
-    </dgm:linClrLst>
-    <dgm:effectClrLst/>
-    <dgm:txLinClrLst/>
-    <dgm:txFillClrLst/>
-    <dgm:txEffectClrLst/>
-  </dgm:styleLbl>
-  <dgm:styleLbl name="asst1">
-    <dgm:fillClrLst meth="repeat">
-      <a:schemeClr val="accent1"/>
-    </dgm:fillClrLst>
-    <dgm:linClrLst meth="repeat">
-      <a:schemeClr val="lt1"/>
-    </dgm:linClrLst>
-    <dgm:effectClrLst/>
-    <dgm:txLinClrLst/>
-    <dgm:txFillClrLst/>
-    <dgm:txEffectClrLst/>
-  </dgm:styleLbl>
-  <dgm:styleLbl name="asst2">
-    <dgm:fillClrLst meth="repeat">
-      <a:schemeClr val="accent1"/>
-    </dgm:fillClrLst>
-    <dgm:linClrLst meth="repeat">
-      <a:schemeClr val="lt1"/>
-    </dgm:linClrLst>
-    <dgm:effectClrLst/>
-    <dgm:txLinClrLst/>
-    <dgm:txFillClrLst/>
-    <dgm:txEffectClrLst/>
-  </dgm:styleLbl>
-  <dgm:styleLbl name="asst3">
-    <dgm:fillClrLst meth="repeat">
-      <a:schemeClr val="accent1"/>
-    </dgm:fillClrLst>
-    <dgm:linClrLst meth="repeat">
-      <a:schemeClr val="lt1"/>
-    </dgm:linClrLst>
-    <dgm:effectClrLst/>
-    <dgm:txLinClrLst/>
-    <dgm:txFillClrLst/>
-    <dgm:txEffectClrLst/>
-  </dgm:styleLbl>
-  <dgm:styleLbl name="asst4">
-    <dgm:fillClrLst meth="repeat">
-      <a:schemeClr val="accent1"/>
-    </dgm:fillClrLst>
-    <dgm:linClrLst meth="repeat">
-      <a:schemeClr val="lt1"/>
-    </dgm:linClrLst>
-    <dgm:effectClrLst/>
-    <dgm:txLinClrLst/>
-    <dgm:txFillClrLst/>
-    <dgm:txEffectClrLst/>
-  </dgm:styleLbl>
-  <dgm:styleLbl name="parChTrans2D1">
-    <dgm:fillClrLst meth="repeat">
-      <a:schemeClr val="accent1">
-        <a:tint val="60000"/>
-      </a:schemeClr>
-    </dgm:fillClrLst>
-    <dgm:linClrLst meth="repeat">
-      <a:schemeClr val="accent1">
-        <a:tint val="60000"/>
-      </a:schemeClr>
-    </dgm:linClrLst>
-    <dgm:effectClrLst/>
-    <dgm:txLinClrLst/>
-    <dgm:txFillClrLst meth="repeat">
-      <a:schemeClr val="lt1"/>
-    </dgm:txFillClrLst>
-    <dgm:txEffectClrLst/>
-  </dgm:styleLbl>
-  <dgm:styleLbl name="parChTrans2D2">
-    <dgm:fillClrLst meth="repeat">
-      <a:schemeClr val="accent1"/>
-    </dgm:fillClrLst>
-    <dgm:linClrLst meth="repeat">
-      <a:schemeClr val="accent1"/>
-    </dgm:linClrLst>
-    <dgm:effectClrLst/>
-    <dgm:txLinClrLst/>
-    <dgm:txFillClrLst meth="repeat">
-      <a:schemeClr val="lt1"/>
-    </dgm:txFillClrLst>
-    <dgm:txEffectClrLst/>
-  </dgm:styleLbl>
-  <dgm:styleLbl name="parChTrans2D3">
-    <dgm:fillClrLst meth="repeat">
-      <a:schemeClr val="accent1"/>
-    </dgm:fillClrLst>
-    <dgm:linClrLst meth="repeat">
-      <a:schemeClr val="accent1"/>
-    </dgm:linClrLst>
-    <dgm:effectClrLst/>
-    <dgm:txLinClrLst/>
-    <dgm:txFillClrLst meth="repeat">
-      <a:schemeClr val="lt1"/>
-    </dgm:txFillClrLst>
-    <dgm:txEffectClrLst/>
-  </dgm:styleLbl>
-  <dgm:styleLbl name="parChTrans2D4">
-    <dgm:fillClrLst meth="repeat">
-      <a:schemeClr val="accent1"/>
-    </dgm:fillClrLst>
-    <dgm:linClrLst meth="repeat">
-      <a:schemeClr val="accent1"/>
-    </dgm:linClrLst>
-    <dgm:effectClrLst/>
-    <dgm:txLinClrLst/>
-    <dgm:txFillClrLst meth="repeat">
-      <a:schemeClr val="lt1"/>
-    </dgm:txFillClrLst>
-    <dgm:txEffectClrLst/>
-  </dgm:styleLbl>
-  <dgm:styleLbl name="parChTrans1D1">
-    <dgm:fillClrLst meth="repeat">
-      <a:schemeClr val="accent1"/>
-    </dgm:fillClrLst>
-    <dgm:linClrLst meth="repeat">
-      <a:schemeClr val="accent1">
-        <a:shade val="60000"/>
-      </a:schemeClr>
-    </dgm:linClrLst>
-    <dgm:effectClrLst/>
-    <dgm:txLinClrLst/>
-    <dgm:txFillClrLst meth="repeat">
-      <a:schemeClr val="tx1"/>
-    </dgm:txFillClrLst>
-    <dgm:txEffectClrLst/>
-  </dgm:styleLbl>
-  <dgm:styleLbl name="parChTrans1D2">
-    <dgm:fillClrLst meth="repeat">
-      <a:schemeClr val="accent1"/>
-    </dgm:fillClrLst>
-    <dgm:linClrLst meth="repeat">
-      <a:schemeClr val="accent1">
-        <a:shade val="60000"/>
-      </a:schemeClr>
-    </dgm:linClrLst>
-    <dgm:effectClrLst/>
-    <dgm:txLinClrLst/>
-    <dgm:txFillClrLst meth="repeat">
-      <a:schemeClr val="tx1"/>
-    </dgm:txFillClrLst>
-    <dgm:txEffectClrLst/>
-  </dgm:styleLbl>
-  <dgm:styleLbl name="parChTrans1D3">
-    <dgm:fillClrLst meth="repeat">
-      <a:schemeClr val="accent1"/>
-    </dgm:fillClrLst>
-    <dgm:linClrLst meth="repeat">
-      <a:schemeClr val="accent1">
-        <a:shade val="80000"/>
-      </a:schemeClr>
-    </dgm:linClrLst>
-    <dgm:effectClrLst/>
-    <dgm:txLinClrLst/>
-    <dgm:txFillClrLst meth="repeat">
-      <a:schemeClr val="tx1"/>
-    </dgm:txFillClrLst>
-    <dgm:txEffectClrLst/>
-  </dgm:styleLbl>
-  <dgm:styleLbl name="parChTrans1D4">
-    <dgm:fillClrLst meth="repeat">
-      <a:schemeClr val="accent1"/>
-    </dgm:fillClrLst>
-    <dgm:linClrLst meth="repeat">
-      <a:schemeClr val="accent1">
-        <a:shade val="80000"/>
-      </a:schemeClr>
-    </dgm:linClrLst>
-    <dgm:effectClrLst/>
-    <dgm:txLinClrLst/>
-    <dgm:txFillClrLst meth="repeat">
-      <a:schemeClr val="tx1"/>
-    </dgm:txFillClrLst>
-    <dgm:txEffectClrLst/>
-  </dgm:styleLbl>
   <dgm:styleLbl name="fgAcc1">
     <dgm:fillClrLst meth="repeat">
       <a:schemeClr val="lt1">
         <a:alpha val="90000"/>
       </a:schemeClr>
     </dgm:fillClrLst>
-    <dgm:linClrLst meth="repeat">
-      <a:schemeClr val="accent1"/>
+    <dgm:linClrLst>
+      <a:schemeClr val="accent1">
+        <a:alpha val="90000"/>
+      </a:schemeClr>
+      <a:schemeClr val="accent1">
+        <a:alpha val="50000"/>
+      </a:schemeClr>
     </dgm:linClrLst>
     <dgm:effectClrLst/>
     <dgm:txLinClrLst/>
@@ -562,8 +658,13 @@
         <a:alpha val="90000"/>
       </a:schemeClr>
     </dgm:fillClrLst>
-    <dgm:linClrLst meth="repeat">
-      <a:schemeClr val="accent1"/>
+    <dgm:linClrLst>
+      <a:schemeClr val="accent1">
+        <a:alpha val="90000"/>
+      </a:schemeClr>
+      <a:schemeClr val="accent1">
+        <a:alpha val="50000"/>
+      </a:schemeClr>
     </dgm:linClrLst>
     <dgm:effectClrLst/>
     <dgm:txLinClrLst/>
@@ -578,8 +679,13 @@
         <a:alpha val="90000"/>
       </a:schemeClr>
     </dgm:fillClrLst>
-    <dgm:linClrLst meth="repeat">
-      <a:schemeClr val="accent1"/>
+    <dgm:linClrLst>
+      <a:schemeClr val="accent1">
+        <a:alpha val="90000"/>
+      </a:schemeClr>
+      <a:schemeClr val="accent1">
+        <a:alpha val="50000"/>
+      </a:schemeClr>
     </dgm:linClrLst>
     <dgm:effectClrLst/>
     <dgm:txLinClrLst/>
@@ -594,8 +700,13 @@
         <a:alpha val="40000"/>
       </a:schemeClr>
     </dgm:fillClrLst>
-    <dgm:linClrLst meth="repeat">
-      <a:schemeClr val="accent1"/>
+    <dgm:linClrLst>
+      <a:schemeClr val="accent1">
+        <a:alpha val="90000"/>
+      </a:schemeClr>
+      <a:schemeClr val="accent1">
+        <a:alpha val="50000"/>
+      </a:schemeClr>
     </dgm:linClrLst>
     <dgm:effectClrLst/>
     <dgm:txLinClrLst/>
@@ -610,8 +721,13 @@
         <a:alpha val="90000"/>
       </a:schemeClr>
     </dgm:fillClrLst>
-    <dgm:linClrLst meth="repeat">
-      <a:schemeClr val="accent1"/>
+    <dgm:linClrLst>
+      <a:schemeClr val="accent1">
+        <a:alpha val="90000"/>
+      </a:schemeClr>
+      <a:schemeClr val="accent1">
+        <a:alpha val="50000"/>
+      </a:schemeClr>
     </dgm:linClrLst>
     <dgm:effectClrLst/>
     <dgm:txLinClrLst/>
@@ -624,8 +740,13 @@
     <dgm:fillClrLst meth="repeat">
       <a:schemeClr val="lt1"/>
     </dgm:fillClrLst>
-    <dgm:linClrLst meth="repeat">
-      <a:schemeClr val="accent1"/>
+    <dgm:linClrLst>
+      <a:schemeClr val="accent1">
+        <a:alpha val="90000"/>
+      </a:schemeClr>
+      <a:schemeClr val="accent1">
+        <a:alpha val="50000"/>
+      </a:schemeClr>
     </dgm:linClrLst>
     <dgm:effectClrLst/>
     <dgm:txLinClrLst/>
@@ -663,9 +784,13 @@
     <dgm:txEffectClrLst/>
   </dgm:styleLbl>
   <dgm:styleLbl name="fgAccFollowNode1">
-    <dgm:fillClrLst meth="repeat">
+    <dgm:fillClrLst>
       <a:schemeClr val="accent1">
         <a:alpha val="90000"/>
+        <a:tint val="40000"/>
+      </a:schemeClr>
+      <a:schemeClr val="accent1">
+        <a:alpha val="50000"/>
         <a:tint val="40000"/>
       </a:schemeClr>
     </dgm:fillClrLst>
@@ -710,9 +835,24 @@
       </a:schemeClr>
     </dgm:fillClrLst>
     <dgm:linClrLst meth="repeat">
+      <a:schemeClr val="lt1"/>
+    </dgm:linClrLst>
+    <dgm:effectClrLst/>
+    <dgm:txLinClrLst/>
+    <dgm:txFillClrLst meth="repeat">
+      <a:schemeClr val="dk1"/>
+    </dgm:txFillClrLst>
+    <dgm:txEffectClrLst/>
+  </dgm:styleLbl>
+  <dgm:styleLbl name="fgAcc0">
+    <dgm:fillClrLst meth="repeat">
+      <a:schemeClr val="lt1">
+        <a:alpha val="90000"/>
+      </a:schemeClr>
+    </dgm:fillClrLst>
+    <dgm:linClrLst meth="repeat">
       <a:schemeClr val="accent1">
-        <a:alpha val="90000"/>
-        <a:tint val="40000"/>
+        <a:shade val="80000"/>
       </a:schemeClr>
     </dgm:linClrLst>
     <dgm:effectClrLst/>
@@ -722,14 +862,16 @@
     </dgm:txFillClrLst>
     <dgm:txEffectClrLst/>
   </dgm:styleLbl>
-  <dgm:styleLbl name="fgAcc0">
+  <dgm:styleLbl name="fgAcc2">
     <dgm:fillClrLst meth="repeat">
       <a:schemeClr val="lt1">
         <a:alpha val="90000"/>
       </a:schemeClr>
     </dgm:fillClrLst>
     <dgm:linClrLst meth="repeat">
-      <a:schemeClr val="accent1"/>
+      <a:schemeClr val="accent1">
+        <a:tint val="90000"/>
+      </a:schemeClr>
     </dgm:linClrLst>
     <dgm:effectClrLst/>
     <dgm:txLinClrLst/>
@@ -738,14 +880,16 @@
     </dgm:txFillClrLst>
     <dgm:txEffectClrLst/>
   </dgm:styleLbl>
-  <dgm:styleLbl name="fgAcc2">
+  <dgm:styleLbl name="fgAcc3">
     <dgm:fillClrLst meth="repeat">
       <a:schemeClr val="lt1">
         <a:alpha val="90000"/>
       </a:schemeClr>
     </dgm:fillClrLst>
     <dgm:linClrLst meth="repeat">
-      <a:schemeClr val="accent1"/>
+      <a:schemeClr val="accent1">
+        <a:tint val="70000"/>
+      </a:schemeClr>
     </dgm:linClrLst>
     <dgm:effectClrLst/>
     <dgm:txLinClrLst/>
@@ -754,14 +898,16 @@
     </dgm:txFillClrLst>
     <dgm:txEffectClrLst/>
   </dgm:styleLbl>
-  <dgm:styleLbl name="fgAcc3">
+  <dgm:styleLbl name="fgAcc4">
     <dgm:fillClrLst meth="repeat">
       <a:schemeClr val="lt1">
         <a:alpha val="90000"/>
       </a:schemeClr>
     </dgm:fillClrLst>
     <dgm:linClrLst meth="repeat">
-      <a:schemeClr val="accent1"/>
+      <a:schemeClr val="accent1">
+        <a:tint val="50000"/>
+      </a:schemeClr>
     </dgm:linClrLst>
     <dgm:effectClrLst/>
     <dgm:txLinClrLst/>
@@ -770,14 +916,14 @@
     </dgm:txFillClrLst>
     <dgm:txEffectClrLst/>
   </dgm:styleLbl>
-  <dgm:styleLbl name="fgAcc4">
+  <dgm:styleLbl name="bgShp">
     <dgm:fillClrLst meth="repeat">
-      <a:schemeClr val="lt1">
-        <a:alpha val="90000"/>
+      <a:schemeClr val="accent1">
+        <a:tint val="40000"/>
       </a:schemeClr>
     </dgm:fillClrLst>
     <dgm:linClrLst meth="repeat">
-      <a:schemeClr val="accent1"/>
+      <a:schemeClr val="dk1"/>
     </dgm:linClrLst>
     <dgm:effectClrLst/>
     <dgm:txLinClrLst/>
@@ -786,30 +932,14 @@
     </dgm:txFillClrLst>
     <dgm:txEffectClrLst/>
   </dgm:styleLbl>
-  <dgm:styleLbl name="bgShp">
+  <dgm:styleLbl name="dkBgShp">
     <dgm:fillClrLst meth="repeat">
       <a:schemeClr val="accent1">
-        <a:tint val="40000"/>
+        <a:shade val="90000"/>
       </a:schemeClr>
     </dgm:fillClrLst>
     <dgm:linClrLst meth="repeat">
-      <a:schemeClr val="accent1"/>
-    </dgm:linClrLst>
-    <dgm:effectClrLst/>
-    <dgm:txLinClrLst/>
-    <dgm:txFillClrLst meth="repeat">
       <a:schemeClr val="dk1"/>
-    </dgm:txFillClrLst>
-    <dgm:txEffectClrLst/>
-  </dgm:styleLbl>
-  <dgm:styleLbl name="dkBgShp">
-    <dgm:fillClrLst meth="repeat">
-      <a:schemeClr val="accent1">
-        <a:shade val="80000"/>
-      </a:schemeClr>
-    </dgm:fillClrLst>
-    <dgm:linClrLst meth="repeat">
-      <a:schemeClr val="accent1"/>
     </dgm:linClrLst>
     <dgm:effectClrLst/>
     <dgm:txLinClrLst/>
@@ -838,7 +968,7 @@
   <dgm:styleLbl name="fgShp">
     <dgm:fillClrLst meth="repeat">
       <a:schemeClr val="accent1">
-        <a:tint val="60000"/>
+        <a:tint val="40000"/>
       </a:schemeClr>
     </dgm:fillClrLst>
     <dgm:linClrLst meth="repeat">
@@ -876,7 +1006,7 @@
 <dgm:dataModel xmlns:dgm="http://schemas.openxmlformats.org/drawingml/2006/diagram" xmlns:a="http://schemas.openxmlformats.org/drawingml/2006/main">
   <dgm:ptLst>
     <dgm:pt modelId="{1BD02062-88FB-AF4D-BB28-6B475E4577C4}" type="doc">
-      <dgm:prSet loTypeId="urn:microsoft.com/office/officeart/2005/8/layout/hierarchy4" loCatId="hierarchy" qsTypeId="urn:microsoft.com/office/officeart/2005/8/quickstyle/simple4" qsCatId="simple" csTypeId="urn:microsoft.com/office/officeart/2005/8/colors/accent1_2" csCatId="accent1" phldr="1"/>
+      <dgm:prSet loTypeId="urn:microsoft.com/office/officeart/2005/8/layout/hierarchy4" loCatId="hierarchy" qsTypeId="urn:microsoft.com/office/officeart/2005/8/quickstyle/simple4" qsCatId="simple" csTypeId="urn:microsoft.com/office/officeart/2005/8/colors/accent1_5" csCatId="accent1" phldr="1"/>
       <dgm:spPr/>
       <dgm:t>
         <a:bodyPr/>
@@ -1264,6 +1394,7 @@
           <a:gsLst>
             <a:gs pos="0">
               <a:schemeClr val="accent1">
+                <a:alpha val="80000"/>
                 <a:hueOff val="0"/>
                 <a:satOff val="0"/>
                 <a:lumOff val="0"/>
@@ -1275,6 +1406,7 @@
             </a:gs>
             <a:gs pos="100000">
               <a:schemeClr val="accent1">
+                <a:alpha val="80000"/>
                 <a:hueOff val="0"/>
                 <a:satOff val="0"/>
                 <a:lumOff val="0"/>
@@ -1376,6 +1508,7 @@
           <a:gsLst>
             <a:gs pos="0">
               <a:schemeClr val="accent1">
+                <a:alpha val="70000"/>
                 <a:hueOff val="0"/>
                 <a:satOff val="0"/>
                 <a:lumOff val="0"/>
@@ -1387,6 +1520,7 @@
             </a:gs>
             <a:gs pos="100000">
               <a:schemeClr val="accent1">
+                <a:alpha val="70000"/>
                 <a:hueOff val="0"/>
                 <a:satOff val="0"/>
                 <a:lumOff val="0"/>
@@ -1471,6 +1605,7 @@
           <a:gsLst>
             <a:gs pos="0">
               <a:schemeClr val="accent1">
+                <a:alpha val="70000"/>
                 <a:hueOff val="0"/>
                 <a:satOff val="0"/>
                 <a:lumOff val="0"/>
@@ -1482,6 +1617,7 @@
             </a:gs>
             <a:gs pos="100000">
               <a:schemeClr val="accent1">
+                <a:alpha val="70000"/>
                 <a:hueOff val="0"/>
                 <a:satOff val="0"/>
                 <a:lumOff val="0"/>
@@ -1567,6 +1703,7 @@
           <a:gsLst>
             <a:gs pos="0">
               <a:schemeClr val="accent1">
+                <a:alpha val="50000"/>
                 <a:hueOff val="0"/>
                 <a:satOff val="0"/>
                 <a:lumOff val="0"/>
@@ -1578,6 +1715,7 @@
             </a:gs>
             <a:gs pos="100000">
               <a:schemeClr val="accent1">
+                <a:alpha val="50000"/>
                 <a:hueOff val="0"/>
                 <a:satOff val="0"/>
                 <a:lumOff val="0"/>
@@ -1663,6 +1801,7 @@
           <a:gsLst>
             <a:gs pos="0">
               <a:schemeClr val="accent1">
+                <a:alpha val="50000"/>
                 <a:hueOff val="0"/>
                 <a:satOff val="0"/>
                 <a:lumOff val="0"/>
@@ -1674,6 +1813,7 @@
             </a:gs>
             <a:gs pos="100000">
               <a:schemeClr val="accent1">
+                <a:alpha val="50000"/>
                 <a:hueOff val="0"/>
                 <a:satOff val="0"/>
                 <a:lumOff val="0"/>
@@ -3717,7 +3857,7 @@
             <a:fld id="{58654A3D-C737-4BEA-88C0-1DAB192ED2AD}" type="slidenum">
               <a:rPr lang="de-CH" smtClean="0"/>
               <a:pPr/>
-              <a:t>10</a:t>
+              <a:t>7</a:t>
             </a:fld>
             <a:endParaRPr lang="de-CH"/>
           </a:p>
@@ -3799,7 +3939,7 @@
             <a:fld id="{58654A3D-C737-4BEA-88C0-1DAB192ED2AD}" type="slidenum">
               <a:rPr lang="de-CH" smtClean="0"/>
               <a:pPr/>
-              <a:t>11</a:t>
+              <a:t>8</a:t>
             </a:fld>
             <a:endParaRPr lang="de-CH"/>
           </a:p>
@@ -3881,7 +4021,7 @@
             <a:fld id="{58654A3D-C737-4BEA-88C0-1DAB192ED2AD}" type="slidenum">
               <a:rPr lang="de-CH" smtClean="0"/>
               <a:pPr/>
-              <a:t>12</a:t>
+              <a:t>9</a:t>
             </a:fld>
             <a:endParaRPr lang="de-CH"/>
           </a:p>
@@ -3963,7 +4103,7 @@
             <a:fld id="{58654A3D-C737-4BEA-88C0-1DAB192ED2AD}" type="slidenum">
               <a:rPr lang="de-CH" smtClean="0"/>
               <a:pPr/>
-              <a:t>13</a:t>
+              <a:t>10</a:t>
             </a:fld>
             <a:endParaRPr lang="de-CH"/>
           </a:p>
@@ -4045,7 +4185,7 @@
             <a:fld id="{58654A3D-C737-4BEA-88C0-1DAB192ED2AD}" type="slidenum">
               <a:rPr lang="de-CH" smtClean="0"/>
               <a:pPr/>
-              <a:t>14</a:t>
+              <a:t>11</a:t>
             </a:fld>
             <a:endParaRPr lang="de-CH"/>
           </a:p>
@@ -4127,7 +4267,7 @@
             <a:fld id="{58654A3D-C737-4BEA-88C0-1DAB192ED2AD}" type="slidenum">
               <a:rPr lang="de-CH" smtClean="0"/>
               <a:pPr/>
-              <a:t>15</a:t>
+              <a:t>12</a:t>
             </a:fld>
             <a:endParaRPr lang="de-CH"/>
           </a:p>
@@ -4209,7 +4349,7 @@
             <a:fld id="{58654A3D-C737-4BEA-88C0-1DAB192ED2AD}" type="slidenum">
               <a:rPr lang="de-CH" smtClean="0"/>
               <a:pPr/>
-              <a:t>16</a:t>
+              <a:t>13</a:t>
             </a:fld>
             <a:endParaRPr lang="de-CH"/>
           </a:p>
@@ -7309,46 +7449,148 @@
             <a:spLocks noGrp="1"/>
           </p:cNvSpPr>
           <p:nvPr>
-            <p:ph type="ctrTitle"/>
+            <p:ph type="title"/>
           </p:nvPr>
         </p:nvSpPr>
         <p:spPr/>
         <p:txBody>
-          <a:bodyPr>
-            <a:normAutofit/>
-          </a:bodyPr>
+          <a:bodyPr/>
           <a:lstStyle/>
           <a:p>
             <a:r>
+              <a:rPr lang="de-CH" dirty="0" smtClean="0"/>
+              <a:t>Vorschlag- Part 2</a:t>
+            </a:r>
+            <a:endParaRPr lang="de-CH" dirty="0"/>
+          </a:p>
+        </p:txBody>
+      </p:sp>
+      <p:sp>
+        <p:nvSpPr>
+          <p:cNvPr id="3" name="Inhaltsplatzhalter 2"/>
+          <p:cNvSpPr>
+            <a:spLocks noGrp="1"/>
+          </p:cNvSpPr>
+          <p:nvPr>
+            <p:ph idx="1"/>
+          </p:nvPr>
+        </p:nvSpPr>
+        <p:spPr/>
+        <p:txBody>
+          <a:bodyPr/>
+          <a:lstStyle/>
+          <a:p>
+            <a:r>
+              <a:rPr lang="de-CH" dirty="0" smtClean="0"/>
+              <a:t>Gravity model erkläre</a:t>
+            </a:r>
+          </a:p>
+          <a:p>
+            <a:r>
               <a:rPr lang="de-CH" dirty="0" err="1" smtClean="0"/>
-              <a:t>Structure</a:t>
+              <a:t>Eusi</a:t>
             </a:r>
             <a:r>
               <a:rPr lang="de-CH" dirty="0" smtClean="0"/>
               <a:t> </a:t>
             </a:r>
             <a:r>
-              <a:rPr lang="de-CH" smtClean="0"/>
-              <a:t>proposal</a:t>
-            </a:r>
-            <a:endParaRPr lang="de-CH" dirty="0"/>
-          </a:p>
-        </p:txBody>
-      </p:sp>
-      <p:sp>
-        <p:nvSpPr>
-          <p:cNvPr id="3" name="Untertitel 2"/>
-          <p:cNvSpPr>
-            <a:spLocks noGrp="1"/>
-          </p:cNvSpPr>
-          <p:nvPr>
-            <p:ph type="subTitle" idx="1"/>
-          </p:nvPr>
-        </p:nvSpPr>
-        <p:spPr/>
-        <p:txBody>
-          <a:bodyPr/>
-          <a:lstStyle/>
+              <a:rPr lang="de-CH" dirty="0" err="1" smtClean="0"/>
+              <a:t>idee</a:t>
+            </a:r>
+            <a:r>
+              <a:rPr lang="de-CH" dirty="0" smtClean="0"/>
+              <a:t> </a:t>
+            </a:r>
+            <a:r>
+              <a:rPr lang="de-CH" dirty="0" err="1" smtClean="0"/>
+              <a:t>met</a:t>
+            </a:r>
+            <a:r>
+              <a:rPr lang="de-CH" dirty="0" smtClean="0"/>
+              <a:t> de </a:t>
+            </a:r>
+            <a:r>
+              <a:rPr lang="de-CH" dirty="0" err="1" smtClean="0"/>
+              <a:t>removed</a:t>
+            </a:r>
+            <a:r>
+              <a:rPr lang="de-CH" dirty="0" smtClean="0"/>
+              <a:t> </a:t>
+            </a:r>
+            <a:r>
+              <a:rPr lang="de-CH" dirty="0" err="1" smtClean="0"/>
+              <a:t>connection</a:t>
+            </a:r>
+            <a:r>
+              <a:rPr lang="de-CH" dirty="0" smtClean="0"/>
+              <a:t/>
+            </a:r>
+            <a:br>
+              <a:rPr lang="de-CH" dirty="0" smtClean="0"/>
+            </a:br>
+            <a:r>
+              <a:rPr lang="de-CH" dirty="0" smtClean="0"/>
+              <a:t/>
+            </a:r>
+            <a:br>
+              <a:rPr lang="de-CH" dirty="0" smtClean="0"/>
+            </a:br>
+            <a:endParaRPr lang="de-CH" dirty="0" smtClean="0"/>
+          </a:p>
+          <a:p>
+            <a:r>
+              <a:rPr lang="de-CH" dirty="0" err="1" smtClean="0"/>
+              <a:t>Chöne</a:t>
+            </a:r>
+            <a:r>
+              <a:rPr lang="de-CH" dirty="0" smtClean="0"/>
+              <a:t> </a:t>
+            </a:r>
+            <a:r>
+              <a:rPr lang="de-CH" dirty="0" err="1" smtClean="0"/>
+              <a:t>mer</a:t>
+            </a:r>
+            <a:r>
+              <a:rPr lang="de-CH" dirty="0" smtClean="0"/>
+              <a:t> </a:t>
+            </a:r>
+            <a:r>
+              <a:rPr lang="de-CH" dirty="0" err="1" smtClean="0"/>
+              <a:t>of</a:t>
+            </a:r>
+            <a:r>
+              <a:rPr lang="de-CH" dirty="0" smtClean="0"/>
+              <a:t> </a:t>
+            </a:r>
+            <a:r>
+              <a:rPr lang="de-CH" dirty="0" err="1" smtClean="0"/>
+              <a:t>ehn</a:t>
+            </a:r>
+            <a:r>
+              <a:rPr lang="de-CH" dirty="0" smtClean="0"/>
+              <a:t> </a:t>
+            </a:r>
+            <a:r>
+              <a:rPr lang="de-CH" dirty="0" err="1" smtClean="0"/>
+              <a:t>arbet</a:t>
+            </a:r>
+            <a:r>
+              <a:rPr lang="de-CH" dirty="0" smtClean="0"/>
+              <a:t> eh dem </a:t>
+            </a:r>
+            <a:r>
+              <a:rPr lang="de-CH" dirty="0" err="1" smtClean="0"/>
+              <a:t>berich</a:t>
+            </a:r>
+            <a:r>
+              <a:rPr lang="de-CH" dirty="0" smtClean="0"/>
+              <a:t> referenziere?</a:t>
+            </a:r>
+          </a:p>
+          <a:p>
+            <a:endParaRPr lang="de-CH" dirty="0" smtClean="0"/>
+          </a:p>
           <a:p>
             <a:endParaRPr lang="de-CH" dirty="0"/>
           </a:p>
@@ -7391,172 +7633,177 @@
         </p:nvSpPr>
         <p:spPr/>
         <p:txBody>
+          <a:bodyPr/>
+          <a:lstStyle/>
+          <a:p>
+            <a:r>
+              <a:rPr lang="de-CH" dirty="0" smtClean="0"/>
+              <a:t>Vorschlag-Part 3</a:t>
+            </a:r>
+            <a:endParaRPr lang="de-CH" dirty="0"/>
+          </a:p>
+        </p:txBody>
+      </p:sp>
+      <p:sp>
+        <p:nvSpPr>
+          <p:cNvPr id="3" name="Inhaltsplatzhalter 2"/>
+          <p:cNvSpPr>
+            <a:spLocks noGrp="1"/>
+          </p:cNvSpPr>
+          <p:nvPr>
+            <p:ph idx="1"/>
+          </p:nvPr>
+        </p:nvSpPr>
+        <p:spPr/>
+        <p:txBody>
           <a:bodyPr>
-            <a:normAutofit fontScale="90000"/>
+            <a:normAutofit fontScale="92500" lnSpcReduction="10000"/>
           </a:bodyPr>
           <a:lstStyle/>
           <a:p>
             <a:r>
-              <a:rPr lang="en-US" dirty="0" smtClean="0"/>
-              <a:t>Content</a:t>
-            </a:r>
-            <a:r>
-              <a:rPr lang="en-US" dirty="0" smtClean="0"/>
+              <a:rPr lang="de-CH" b="1" dirty="0" err="1" smtClean="0"/>
+              <a:t>Resilience</a:t>
+            </a:r>
+            <a:r>
+              <a:rPr lang="de-CH" b="1" dirty="0" smtClean="0"/>
+              <a:t>: </a:t>
+            </a:r>
+            <a:r>
+              <a:rPr lang="de-CH" b="1" dirty="0" err="1" smtClean="0"/>
+              <a:t>shortest</a:t>
+            </a:r>
+            <a:r>
+              <a:rPr lang="de-CH" b="1" dirty="0" smtClean="0"/>
               <a:t> </a:t>
             </a:r>
             <a:r>
-              <a:rPr lang="en-US" dirty="0" smtClean="0"/>
+              <a:rPr lang="de-CH" b="1" dirty="0" err="1" smtClean="0"/>
+              <a:t>distance</a:t>
+            </a:r>
+            <a:r>
+              <a:rPr lang="de-CH" b="1" dirty="0" smtClean="0"/>
+              <a:t> erkläre </a:t>
+            </a:r>
+            <a:r>
+              <a:rPr lang="de-CH" b="1" dirty="0" err="1" smtClean="0"/>
+              <a:t>usw</a:t>
+            </a:r>
+            <a:endParaRPr lang="de-CH" b="1" dirty="0" smtClean="0"/>
+          </a:p>
+          <a:p>
+            <a:r>
+              <a:rPr lang="de-CH" dirty="0" smtClean="0"/>
+              <a:t>Network </a:t>
+            </a:r>
+            <a:r>
+              <a:rPr lang="de-CH" dirty="0" err="1" smtClean="0"/>
+              <a:t>parameter</a:t>
+            </a:r>
+            <a:r>
+              <a:rPr lang="de-CH" dirty="0" smtClean="0"/>
+              <a:t>??</a:t>
+            </a:r>
+          </a:p>
+          <a:p>
+            <a:r>
+              <a:rPr lang="de-CH" b="1" dirty="0" smtClean="0"/>
+              <a:t>Vergleich zu real </a:t>
+            </a:r>
+            <a:r>
+              <a:rPr lang="de-CH" b="1" dirty="0" err="1" smtClean="0"/>
+              <a:t>data</a:t>
+            </a:r>
+            <a:endParaRPr lang="de-CH" b="1" dirty="0" smtClean="0"/>
+          </a:p>
+          <a:p>
+            <a:r>
+              <a:rPr lang="de-CH" dirty="0" err="1" smtClean="0"/>
+              <a:t>Capacity</a:t>
+            </a:r>
+            <a:endParaRPr lang="de-CH" dirty="0" smtClean="0"/>
+          </a:p>
+          <a:p>
+            <a:r>
+              <a:rPr lang="de-CH" dirty="0" smtClean="0"/>
+              <a:t>Peaks???</a:t>
+            </a:r>
+          </a:p>
+          <a:p>
+            <a:r>
+              <a:rPr lang="de-CH" dirty="0" smtClean="0"/>
+              <a:t>Infos vo SBB</a:t>
+            </a:r>
+            <a:br>
+              <a:rPr lang="de-CH" dirty="0" smtClean="0"/>
+            </a:br>
+            <a:r>
+              <a:rPr lang="de-CH" dirty="0" smtClean="0"/>
               <a:t/>
             </a:r>
             <a:br>
-              <a:rPr lang="en-US" dirty="0" smtClean="0"/>
+              <a:rPr lang="de-CH" dirty="0" smtClean="0"/>
             </a:br>
-            <a:endParaRPr lang="de-CH" dirty="0"/>
-          </a:p>
-        </p:txBody>
-      </p:sp>
-      <p:sp>
-        <p:nvSpPr>
-          <p:cNvPr id="3" name="Inhaltsplatzhalter 2"/>
-          <p:cNvSpPr>
-            <a:spLocks noGrp="1"/>
-          </p:cNvSpPr>
-          <p:nvPr>
-            <p:ph idx="1"/>
-          </p:nvPr>
-        </p:nvSpPr>
-        <p:spPr/>
-        <p:txBody>
-          <a:bodyPr>
-            <a:normAutofit fontScale="25000" lnSpcReduction="20000"/>
-          </a:bodyPr>
-          <a:lstStyle/>
-          <a:p>
-            <a:r>
-              <a:rPr lang="en-US" sz="7400" b="1" dirty="0" smtClean="0"/>
-              <a:t>1</a:t>
-            </a:r>
-            <a:r>
-              <a:rPr lang="en-US" sz="7400" b="1" dirty="0" smtClean="0"/>
-              <a:t>. Introduction </a:t>
-            </a:r>
-            <a:endParaRPr lang="en-US" sz="7400" b="1" dirty="0" smtClean="0"/>
-          </a:p>
-          <a:p>
-            <a:pPr lvl="1"/>
-            <a:r>
-              <a:rPr lang="en-US" sz="7000" dirty="0" smtClean="0"/>
-              <a:t>Connect to the specific context of this talk. </a:t>
-            </a:r>
-          </a:p>
-          <a:p>
-            <a:r>
-              <a:rPr lang="en-US" sz="7400" b="1" dirty="0" smtClean="0"/>
-              <a:t>2</a:t>
-            </a:r>
-            <a:r>
-              <a:rPr lang="en-US" sz="7400" b="1" dirty="0" smtClean="0"/>
-              <a:t>.</a:t>
-            </a:r>
-            <a:r>
-              <a:rPr lang="en-US" sz="7400" b="1" dirty="0" smtClean="0"/>
-              <a:t> The Models</a:t>
-            </a:r>
-            <a:endParaRPr lang="en-US" sz="7400" b="1" dirty="0" smtClean="0"/>
-          </a:p>
-          <a:p>
-            <a:pPr lvl="1"/>
-            <a:r>
-              <a:rPr lang="en-US" sz="7000" dirty="0" smtClean="0"/>
-              <a:t>Connect to past work in your field</a:t>
-            </a:r>
-            <a:r>
-              <a:rPr lang="en-US" sz="7000" dirty="0" smtClean="0"/>
-              <a:t>.//full </a:t>
-            </a:r>
-            <a:r>
-              <a:rPr lang="en-US" sz="7000" dirty="0" smtClean="0"/>
-              <a:t>connected</a:t>
-            </a:r>
-            <a:r>
-              <a:rPr lang="en-US" sz="7000" dirty="0" smtClean="0"/>
+            <a:r>
+              <a:rPr lang="de-CH" dirty="0" smtClean="0"/>
+              <a:t>(</a:t>
+            </a:r>
+            <a:r>
+              <a:rPr lang="de-CH" dirty="0" err="1" smtClean="0"/>
+              <a:t>mer</a:t>
+            </a:r>
+            <a:r>
+              <a:rPr lang="de-CH" dirty="0" smtClean="0"/>
               <a:t> </a:t>
             </a:r>
-            <a:endParaRPr lang="en-US" sz="7000" dirty="0" smtClean="0"/>
-          </a:p>
-          <a:p>
-            <a:pPr lvl="1"/>
-            <a:r>
-              <a:rPr lang="en-US" sz="7000" dirty="0" smtClean="0"/>
-              <a:t>Explain what new insight you are adding.</a:t>
-            </a:r>
-            <a:r>
-              <a:rPr lang="en-US" sz="7000" dirty="0" smtClean="0"/>
-              <a:t> //connected</a:t>
-            </a:r>
-          </a:p>
-          <a:p>
-            <a:r>
-              <a:rPr lang="en-US" sz="7400" b="1" dirty="0" smtClean="0"/>
-              <a:t>3.Results </a:t>
-            </a:r>
-          </a:p>
-          <a:p>
-            <a:pPr lvl="1"/>
-            <a:r>
-              <a:rPr lang="en-US" sz="7000" dirty="0" smtClean="0"/>
-              <a:t>Approx. three main results is sufficient. </a:t>
-            </a:r>
-          </a:p>
-          <a:p>
-            <a:pPr lvl="1"/>
-            <a:r>
-              <a:rPr lang="en-US" sz="7000" dirty="0" smtClean="0"/>
-              <a:t>Time you spent presenting a result should not be proportional to time spent working on it!</a:t>
-            </a:r>
-            <a:r>
-              <a:rPr lang="en-US" sz="7000" dirty="0" smtClean="0"/>
-              <a:t> yep</a:t>
-            </a:r>
-          </a:p>
-          <a:p>
-            <a:r>
-              <a:rPr lang="en-US" sz="7400" b="1" dirty="0" smtClean="0"/>
-              <a:t>4.Conclusion </a:t>
-            </a:r>
-          </a:p>
-          <a:p>
-            <a:pPr lvl="1"/>
-            <a:r>
-              <a:rPr lang="en-US" sz="7000" dirty="0" smtClean="0"/>
-              <a:t>Recap main points made. </a:t>
-            </a:r>
-          </a:p>
-          <a:p>
-            <a:pPr lvl="1"/>
-            <a:r>
-              <a:rPr lang="en-US" sz="7000" dirty="0" smtClean="0"/>
-              <a:t>Emphasize the “take-home” message. </a:t>
-            </a:r>
-          </a:p>
-          <a:p>
-            <a:pPr lvl="1"/>
-            <a:r>
-              <a:rPr lang="en-US" sz="7000" dirty="0" smtClean="0"/>
-              <a:t>Echo of introduction as a conclusion can create </a:t>
-            </a:r>
-          </a:p>
-          <a:p>
-            <a:pPr lvl="1"/>
-            <a:r>
-              <a:rPr lang="en-US" sz="7000" dirty="0" smtClean="0"/>
-              <a:t>closure. </a:t>
-            </a:r>
-          </a:p>
-          <a:p>
-            <a:endParaRPr lang="en-US" sz="7400" dirty="0" smtClean="0"/>
-          </a:p>
-          <a:p>
+            <a:r>
+              <a:rPr lang="de-CH" dirty="0" err="1" smtClean="0"/>
+              <a:t>münd</a:t>
+            </a:r>
+            <a:r>
+              <a:rPr lang="de-CH" dirty="0" smtClean="0"/>
+              <a:t> </a:t>
+            </a:r>
+            <a:r>
+              <a:rPr lang="de-CH" dirty="0" err="1" smtClean="0"/>
+              <a:t>joh</a:t>
+            </a:r>
+            <a:r>
+              <a:rPr lang="de-CH" dirty="0" smtClean="0"/>
+              <a:t> 3, die fette </a:t>
+            </a:r>
+            <a:r>
+              <a:rPr lang="de-CH" dirty="0" err="1" smtClean="0"/>
+              <a:t>wördi</a:t>
+            </a:r>
+            <a:r>
+              <a:rPr lang="de-CH" dirty="0" smtClean="0"/>
+              <a:t>  </a:t>
+            </a:r>
+            <a:r>
+              <a:rPr lang="de-CH" dirty="0" err="1" smtClean="0"/>
+              <a:t>secher</a:t>
+            </a:r>
+            <a:r>
+              <a:rPr lang="de-CH" dirty="0" smtClean="0"/>
+              <a:t> </a:t>
+            </a:r>
+            <a:r>
+              <a:rPr lang="de-CH" dirty="0" err="1" smtClean="0"/>
+              <a:t>neh</a:t>
+            </a:r>
+            <a:r>
+              <a:rPr lang="de-CH" dirty="0" smtClean="0"/>
+              <a:t>                     </a:t>
+            </a:r>
+            <a:r>
+              <a:rPr lang="de-CH" dirty="0" err="1" smtClean="0"/>
+              <a:t>vorschloh</a:t>
+            </a:r>
+            <a:r>
+              <a:rPr lang="de-CH" dirty="0" smtClean="0"/>
+              <a:t>..)</a:t>
+            </a:r>
             <a:endParaRPr lang="de-CH" dirty="0"/>
           </a:p>
         </p:txBody>
@@ -7603,7 +7850,7 @@
           <a:p>
             <a:r>
               <a:rPr lang="de-CH" dirty="0" smtClean="0"/>
-              <a:t>Vorschlag- Part 1</a:t>
+              <a:t>Vorschlag-Part 4</a:t>
             </a:r>
             <a:endParaRPr lang="de-CH" dirty="0"/>
           </a:p>
@@ -7625,12 +7872,30 @@
           <a:lstStyle/>
           <a:p>
             <a:r>
+              <a:rPr lang="de-CH" dirty="0" err="1" smtClean="0"/>
+              <a:t>Sälbst</a:t>
+            </a:r>
+            <a:r>
               <a:rPr lang="de-CH" dirty="0" smtClean="0"/>
-              <a:t>Sache </a:t>
+              <a:t> erklärend…</a:t>
+            </a:r>
+          </a:p>
+          <a:p>
+            <a:r>
+              <a:rPr lang="de-CH" dirty="0" smtClean="0"/>
+              <a:t>Ev au erst </a:t>
             </a:r>
             <a:r>
               <a:rPr lang="de-CH" dirty="0" err="1" smtClean="0"/>
-              <a:t>usem</a:t>
+              <a:t>doh</a:t>
+            </a:r>
+            <a:r>
+              <a:rPr lang="de-CH" dirty="0" smtClean="0"/>
+              <a:t> SBB </a:t>
+            </a:r>
+            <a:r>
+              <a:rPr lang="de-CH" dirty="0" err="1" smtClean="0"/>
+              <a:t>ehs</a:t>
             </a:r>
             <a:r>
               <a:rPr lang="de-CH" dirty="0" smtClean="0"/>
@@ -7638,15 +7903,7 @@
             </a:r>
             <a:r>
               <a:rPr lang="de-CH" dirty="0" err="1" smtClean="0"/>
-              <a:t>proposal</a:t>
-            </a:r>
-            <a:r>
-              <a:rPr lang="de-CH" dirty="0" smtClean="0"/>
-              <a:t>, real </a:t>
-            </a:r>
-            <a:r>
-              <a:rPr lang="de-CH" dirty="0" err="1" smtClean="0"/>
-              <a:t>life</a:t>
+              <a:t>spel</a:t>
             </a:r>
             <a:r>
               <a:rPr lang="de-CH" dirty="0" smtClean="0"/>
@@ -7654,27 +7911,15 @@
             </a:r>
             <a:r>
               <a:rPr lang="de-CH" dirty="0" err="1" smtClean="0"/>
-              <a:t>connection</a:t>
+              <a:t>brenge</a:t>
             </a:r>
             <a:endParaRPr lang="de-CH" dirty="0" smtClean="0"/>
           </a:p>
           <a:p>
-            <a:r>
-              <a:rPr lang="de-CH" dirty="0" err="1" smtClean="0"/>
-              <a:t>Usw</a:t>
-            </a:r>
+            <a:pPr>
+              <a:buNone/>
+            </a:pPr>
             <a:endParaRPr lang="de-CH" dirty="0" smtClean="0"/>
-          </a:p>
-          <a:p>
-            <a:r>
-              <a:rPr lang="de-CH" dirty="0" err="1" smtClean="0"/>
-              <a:t>Swag</a:t>
-            </a:r>
-            <a:r>
-              <a:rPr lang="de-CH" dirty="0" smtClean="0"/>
-              <a:t> on</a:t>
-            </a:r>
-            <a:endParaRPr lang="de-CH" dirty="0"/>
           </a:p>
         </p:txBody>
       </p:sp>
@@ -7687,512 +7932,6 @@
 </file>
 
 <file path=ppt/slides/slide13.xml><?xml version="1.0" encoding="utf-8"?>
-<p:sld xmlns:a="http://schemas.openxmlformats.org/drawingml/2006/main" xmlns:r="http://schemas.openxmlformats.org/officeDocument/2006/relationships" xmlns:mc="http://schemas.openxmlformats.org/markup-compatibility/2006" xmlns:mv="urn:schemas-microsoft-com:mac:vml" xmlns:p="http://schemas.openxmlformats.org/presentationml/2006/main" mc:Ignorable="mv" mc:PreserveAttributes="mv:*">
-  <p:cSld>
-    <p:spTree>
-      <p:nvGrpSpPr>
-        <p:cNvPr id="1" name=""/>
-        <p:cNvGrpSpPr/>
-        <p:nvPr/>
-      </p:nvGrpSpPr>
-      <p:grpSpPr>
-        <a:xfrm>
-          <a:off x="0" y="0"/>
-          <a:ext cx="0" cy="0"/>
-          <a:chOff x="0" y="0"/>
-          <a:chExt cx="0" cy="0"/>
-        </a:xfrm>
-      </p:grpSpPr>
-      <p:sp>
-        <p:nvSpPr>
-          <p:cNvPr id="2" name="Titel 1"/>
-          <p:cNvSpPr>
-            <a:spLocks noGrp="1"/>
-          </p:cNvSpPr>
-          <p:nvPr>
-            <p:ph type="title"/>
-          </p:nvPr>
-        </p:nvSpPr>
-        <p:spPr/>
-        <p:txBody>
-          <a:bodyPr/>
-          <a:lstStyle/>
-          <a:p>
-            <a:r>
-              <a:rPr lang="de-CH" dirty="0" smtClean="0"/>
-              <a:t>Vorschlag- Part 2</a:t>
-            </a:r>
-            <a:endParaRPr lang="de-CH" dirty="0"/>
-          </a:p>
-        </p:txBody>
-      </p:sp>
-      <p:sp>
-        <p:nvSpPr>
-          <p:cNvPr id="3" name="Inhaltsplatzhalter 2"/>
-          <p:cNvSpPr>
-            <a:spLocks noGrp="1"/>
-          </p:cNvSpPr>
-          <p:nvPr>
-            <p:ph idx="1"/>
-          </p:nvPr>
-        </p:nvSpPr>
-        <p:spPr/>
-        <p:txBody>
-          <a:bodyPr/>
-          <a:lstStyle/>
-          <a:p>
-            <a:r>
-              <a:rPr lang="de-CH" dirty="0" smtClean="0"/>
-              <a:t>Gravity model erkläre</a:t>
-            </a:r>
-          </a:p>
-          <a:p>
-            <a:r>
-              <a:rPr lang="de-CH" dirty="0" err="1" smtClean="0"/>
-              <a:t>Eusi</a:t>
-            </a:r>
-            <a:r>
-              <a:rPr lang="de-CH" dirty="0" smtClean="0"/>
-              <a:t> </a:t>
-            </a:r>
-            <a:r>
-              <a:rPr lang="de-CH" dirty="0" err="1" smtClean="0"/>
-              <a:t>idee</a:t>
-            </a:r>
-            <a:r>
-              <a:rPr lang="de-CH" dirty="0" smtClean="0"/>
-              <a:t> </a:t>
-            </a:r>
-            <a:r>
-              <a:rPr lang="de-CH" dirty="0" err="1" smtClean="0"/>
-              <a:t>met</a:t>
-            </a:r>
-            <a:r>
-              <a:rPr lang="de-CH" dirty="0" smtClean="0"/>
-              <a:t> de </a:t>
-            </a:r>
-            <a:r>
-              <a:rPr lang="de-CH" dirty="0" err="1" smtClean="0"/>
-              <a:t>removed</a:t>
-            </a:r>
-            <a:r>
-              <a:rPr lang="de-CH" dirty="0" smtClean="0"/>
-              <a:t> </a:t>
-            </a:r>
-            <a:r>
-              <a:rPr lang="de-CH" dirty="0" err="1" smtClean="0"/>
-              <a:t>connection</a:t>
-            </a:r>
-            <a:r>
-              <a:rPr lang="de-CH" dirty="0" smtClean="0"/>
-              <a:t/>
-            </a:r>
-            <a:br>
-              <a:rPr lang="de-CH" dirty="0" smtClean="0"/>
-            </a:br>
-            <a:r>
-              <a:rPr lang="de-CH" dirty="0" smtClean="0"/>
-              <a:t/>
-            </a:r>
-            <a:br>
-              <a:rPr lang="de-CH" dirty="0" smtClean="0"/>
-            </a:br>
-            <a:endParaRPr lang="de-CH" dirty="0" smtClean="0"/>
-          </a:p>
-          <a:p>
-            <a:r>
-              <a:rPr lang="de-CH" dirty="0" err="1" smtClean="0"/>
-              <a:t>Chöne</a:t>
-            </a:r>
-            <a:r>
-              <a:rPr lang="de-CH" dirty="0" smtClean="0"/>
-              <a:t> </a:t>
-            </a:r>
-            <a:r>
-              <a:rPr lang="de-CH" dirty="0" err="1" smtClean="0"/>
-              <a:t>mer</a:t>
-            </a:r>
-            <a:r>
-              <a:rPr lang="de-CH" dirty="0" smtClean="0"/>
-              <a:t> </a:t>
-            </a:r>
-            <a:r>
-              <a:rPr lang="de-CH" dirty="0" err="1" smtClean="0"/>
-              <a:t>of</a:t>
-            </a:r>
-            <a:r>
-              <a:rPr lang="de-CH" dirty="0" smtClean="0"/>
-              <a:t> </a:t>
-            </a:r>
-            <a:r>
-              <a:rPr lang="de-CH" dirty="0" err="1" smtClean="0"/>
-              <a:t>ehn</a:t>
-            </a:r>
-            <a:r>
-              <a:rPr lang="de-CH" dirty="0" smtClean="0"/>
-              <a:t> </a:t>
-            </a:r>
-            <a:r>
-              <a:rPr lang="de-CH" dirty="0" err="1" smtClean="0"/>
-              <a:t>arbet</a:t>
-            </a:r>
-            <a:r>
-              <a:rPr lang="de-CH" dirty="0" smtClean="0"/>
-              <a:t> eh dem </a:t>
-            </a:r>
-            <a:r>
-              <a:rPr lang="de-CH" dirty="0" err="1" smtClean="0"/>
-              <a:t>berich</a:t>
-            </a:r>
-            <a:r>
-              <a:rPr lang="de-CH" dirty="0" smtClean="0"/>
-              <a:t> referenziere?</a:t>
-            </a:r>
-          </a:p>
-          <a:p>
-            <a:endParaRPr lang="de-CH" dirty="0" smtClean="0"/>
-          </a:p>
-          <a:p>
-            <a:endParaRPr lang="de-CH" dirty="0"/>
-          </a:p>
-        </p:txBody>
-      </p:sp>
-    </p:spTree>
-  </p:cSld>
-  <p:clrMapOvr>
-    <a:masterClrMapping/>
-  </p:clrMapOvr>
-</p:sld>
-</file>
-
-<file path=ppt/slides/slide14.xml><?xml version="1.0" encoding="utf-8"?>
-<p:sld xmlns:a="http://schemas.openxmlformats.org/drawingml/2006/main" xmlns:r="http://schemas.openxmlformats.org/officeDocument/2006/relationships" xmlns:mc="http://schemas.openxmlformats.org/markup-compatibility/2006" xmlns:mv="urn:schemas-microsoft-com:mac:vml" xmlns:p="http://schemas.openxmlformats.org/presentationml/2006/main" mc:Ignorable="mv" mc:PreserveAttributes="mv:*">
-  <p:cSld>
-    <p:spTree>
-      <p:nvGrpSpPr>
-        <p:cNvPr id="1" name=""/>
-        <p:cNvGrpSpPr/>
-        <p:nvPr/>
-      </p:nvGrpSpPr>
-      <p:grpSpPr>
-        <a:xfrm>
-          <a:off x="0" y="0"/>
-          <a:ext cx="0" cy="0"/>
-          <a:chOff x="0" y="0"/>
-          <a:chExt cx="0" cy="0"/>
-        </a:xfrm>
-      </p:grpSpPr>
-      <p:sp>
-        <p:nvSpPr>
-          <p:cNvPr id="2" name="Titel 1"/>
-          <p:cNvSpPr>
-            <a:spLocks noGrp="1"/>
-          </p:cNvSpPr>
-          <p:nvPr>
-            <p:ph type="title"/>
-          </p:nvPr>
-        </p:nvSpPr>
-        <p:spPr/>
-        <p:txBody>
-          <a:bodyPr/>
-          <a:lstStyle/>
-          <a:p>
-            <a:r>
-              <a:rPr lang="de-CH" dirty="0" smtClean="0"/>
-              <a:t>Vorschlag-Part 3</a:t>
-            </a:r>
-            <a:endParaRPr lang="de-CH" dirty="0"/>
-          </a:p>
-        </p:txBody>
-      </p:sp>
-      <p:sp>
-        <p:nvSpPr>
-          <p:cNvPr id="3" name="Inhaltsplatzhalter 2"/>
-          <p:cNvSpPr>
-            <a:spLocks noGrp="1"/>
-          </p:cNvSpPr>
-          <p:nvPr>
-            <p:ph idx="1"/>
-          </p:nvPr>
-        </p:nvSpPr>
-        <p:spPr/>
-        <p:txBody>
-          <a:bodyPr>
-            <a:normAutofit fontScale="92500" lnSpcReduction="10000"/>
-          </a:bodyPr>
-          <a:lstStyle/>
-          <a:p>
-            <a:r>
-              <a:rPr lang="de-CH" b="1" dirty="0" err="1" smtClean="0"/>
-              <a:t>Resilience</a:t>
-            </a:r>
-            <a:r>
-              <a:rPr lang="de-CH" b="1" dirty="0" smtClean="0"/>
-              <a:t>: </a:t>
-            </a:r>
-            <a:r>
-              <a:rPr lang="de-CH" b="1" dirty="0" err="1" smtClean="0"/>
-              <a:t>shortest</a:t>
-            </a:r>
-            <a:r>
-              <a:rPr lang="de-CH" b="1" dirty="0" smtClean="0"/>
-              <a:t> </a:t>
-            </a:r>
-            <a:r>
-              <a:rPr lang="de-CH" b="1" dirty="0" err="1" smtClean="0"/>
-              <a:t>distance</a:t>
-            </a:r>
-            <a:r>
-              <a:rPr lang="de-CH" b="1" dirty="0" smtClean="0"/>
-              <a:t> erkläre </a:t>
-            </a:r>
-            <a:r>
-              <a:rPr lang="de-CH" b="1" dirty="0" err="1" smtClean="0"/>
-              <a:t>usw</a:t>
-            </a:r>
-            <a:endParaRPr lang="de-CH" b="1" dirty="0" smtClean="0"/>
-          </a:p>
-          <a:p>
-            <a:r>
-              <a:rPr lang="de-CH" dirty="0" smtClean="0"/>
-              <a:t>Network </a:t>
-            </a:r>
-            <a:r>
-              <a:rPr lang="de-CH" dirty="0" err="1" smtClean="0"/>
-              <a:t>parameter</a:t>
-            </a:r>
-            <a:r>
-              <a:rPr lang="de-CH" dirty="0" smtClean="0"/>
-              <a:t>??</a:t>
-            </a:r>
-          </a:p>
-          <a:p>
-            <a:r>
-              <a:rPr lang="de-CH" b="1" dirty="0" smtClean="0"/>
-              <a:t>Vergleich zu real </a:t>
-            </a:r>
-            <a:r>
-              <a:rPr lang="de-CH" b="1" dirty="0" err="1" smtClean="0"/>
-              <a:t>data</a:t>
-            </a:r>
-            <a:endParaRPr lang="de-CH" b="1" dirty="0" smtClean="0"/>
-          </a:p>
-          <a:p>
-            <a:r>
-              <a:rPr lang="de-CH" dirty="0" err="1" smtClean="0"/>
-              <a:t>Capacity</a:t>
-            </a:r>
-            <a:endParaRPr lang="de-CH" dirty="0" smtClean="0"/>
-          </a:p>
-          <a:p>
-            <a:r>
-              <a:rPr lang="de-CH" dirty="0" smtClean="0"/>
-              <a:t>Peaks???</a:t>
-            </a:r>
-          </a:p>
-          <a:p>
-            <a:r>
-              <a:rPr lang="de-CH" dirty="0" smtClean="0"/>
-              <a:t>Infos vo SBB</a:t>
-            </a:r>
-            <a:br>
-              <a:rPr lang="de-CH" dirty="0" smtClean="0"/>
-            </a:br>
-            <a:r>
-              <a:rPr lang="de-CH" dirty="0" smtClean="0"/>
-              <a:t/>
-            </a:r>
-            <a:br>
-              <a:rPr lang="de-CH" dirty="0" smtClean="0"/>
-            </a:br>
-            <a:r>
-              <a:rPr lang="de-CH" dirty="0" smtClean="0"/>
-              <a:t>(</a:t>
-            </a:r>
-            <a:r>
-              <a:rPr lang="de-CH" dirty="0" err="1" smtClean="0"/>
-              <a:t>mer</a:t>
-            </a:r>
-            <a:r>
-              <a:rPr lang="de-CH" dirty="0" smtClean="0"/>
-              <a:t> </a:t>
-            </a:r>
-            <a:r>
-              <a:rPr lang="de-CH" dirty="0" err="1" smtClean="0"/>
-              <a:t>münd</a:t>
-            </a:r>
-            <a:r>
-              <a:rPr lang="de-CH" dirty="0" smtClean="0"/>
-              <a:t> </a:t>
-            </a:r>
-            <a:r>
-              <a:rPr lang="de-CH" dirty="0" err="1" smtClean="0"/>
-              <a:t>joh</a:t>
-            </a:r>
-            <a:r>
-              <a:rPr lang="de-CH" dirty="0" smtClean="0"/>
-              <a:t> 3, die fette </a:t>
-            </a:r>
-            <a:r>
-              <a:rPr lang="de-CH" dirty="0" err="1" smtClean="0"/>
-              <a:t>wördi</a:t>
-            </a:r>
-            <a:r>
-              <a:rPr lang="de-CH" dirty="0" smtClean="0"/>
-              <a:t>  </a:t>
-            </a:r>
-            <a:r>
-              <a:rPr lang="de-CH" dirty="0" err="1" smtClean="0"/>
-              <a:t>secher</a:t>
-            </a:r>
-            <a:r>
-              <a:rPr lang="de-CH" dirty="0" smtClean="0"/>
-              <a:t> </a:t>
-            </a:r>
-            <a:r>
-              <a:rPr lang="de-CH" dirty="0" err="1" smtClean="0"/>
-              <a:t>neh</a:t>
-            </a:r>
-            <a:r>
-              <a:rPr lang="de-CH" dirty="0" smtClean="0"/>
-              <a:t>                     </a:t>
-            </a:r>
-            <a:r>
-              <a:rPr lang="de-CH" dirty="0" err="1" smtClean="0"/>
-              <a:t>vorschloh</a:t>
-            </a:r>
-            <a:r>
-              <a:rPr lang="de-CH" dirty="0" smtClean="0"/>
-              <a:t>..)</a:t>
-            </a:r>
-            <a:endParaRPr lang="de-CH" dirty="0"/>
-          </a:p>
-        </p:txBody>
-      </p:sp>
-    </p:spTree>
-  </p:cSld>
-  <p:clrMapOvr>
-    <a:masterClrMapping/>
-  </p:clrMapOvr>
-</p:sld>
-</file>
-
-<file path=ppt/slides/slide15.xml><?xml version="1.0" encoding="utf-8"?>
-<p:sld xmlns:a="http://schemas.openxmlformats.org/drawingml/2006/main" xmlns:r="http://schemas.openxmlformats.org/officeDocument/2006/relationships" xmlns:mc="http://schemas.openxmlformats.org/markup-compatibility/2006" xmlns:mv="urn:schemas-microsoft-com:mac:vml" xmlns:p="http://schemas.openxmlformats.org/presentationml/2006/main" mc:Ignorable="mv" mc:PreserveAttributes="mv:*">
-  <p:cSld>
-    <p:spTree>
-      <p:nvGrpSpPr>
-        <p:cNvPr id="1" name=""/>
-        <p:cNvGrpSpPr/>
-        <p:nvPr/>
-      </p:nvGrpSpPr>
-      <p:grpSpPr>
-        <a:xfrm>
-          <a:off x="0" y="0"/>
-          <a:ext cx="0" cy="0"/>
-          <a:chOff x="0" y="0"/>
-          <a:chExt cx="0" cy="0"/>
-        </a:xfrm>
-      </p:grpSpPr>
-      <p:sp>
-        <p:nvSpPr>
-          <p:cNvPr id="2" name="Titel 1"/>
-          <p:cNvSpPr>
-            <a:spLocks noGrp="1"/>
-          </p:cNvSpPr>
-          <p:nvPr>
-            <p:ph type="title"/>
-          </p:nvPr>
-        </p:nvSpPr>
-        <p:spPr/>
-        <p:txBody>
-          <a:bodyPr/>
-          <a:lstStyle/>
-          <a:p>
-            <a:r>
-              <a:rPr lang="de-CH" dirty="0" smtClean="0"/>
-              <a:t>Vorschlag-Part 4</a:t>
-            </a:r>
-            <a:endParaRPr lang="de-CH" dirty="0"/>
-          </a:p>
-        </p:txBody>
-      </p:sp>
-      <p:sp>
-        <p:nvSpPr>
-          <p:cNvPr id="3" name="Inhaltsplatzhalter 2"/>
-          <p:cNvSpPr>
-            <a:spLocks noGrp="1"/>
-          </p:cNvSpPr>
-          <p:nvPr>
-            <p:ph idx="1"/>
-          </p:nvPr>
-        </p:nvSpPr>
-        <p:spPr/>
-        <p:txBody>
-          <a:bodyPr/>
-          <a:lstStyle/>
-          <a:p>
-            <a:r>
-              <a:rPr lang="de-CH" dirty="0" err="1" smtClean="0"/>
-              <a:t>Sälbst</a:t>
-            </a:r>
-            <a:r>
-              <a:rPr lang="de-CH" dirty="0" smtClean="0"/>
-              <a:t> erklärend…</a:t>
-            </a:r>
-          </a:p>
-          <a:p>
-            <a:r>
-              <a:rPr lang="de-CH" dirty="0" smtClean="0"/>
-              <a:t>Ev au erst </a:t>
-            </a:r>
-            <a:r>
-              <a:rPr lang="de-CH" dirty="0" err="1" smtClean="0"/>
-              <a:t>doh</a:t>
-            </a:r>
-            <a:r>
-              <a:rPr lang="de-CH" dirty="0" smtClean="0"/>
-              <a:t> SBB </a:t>
-            </a:r>
-            <a:r>
-              <a:rPr lang="de-CH" dirty="0" err="1" smtClean="0"/>
-              <a:t>ehs</a:t>
-            </a:r>
-            <a:r>
-              <a:rPr lang="de-CH" dirty="0" smtClean="0"/>
-              <a:t> </a:t>
-            </a:r>
-            <a:r>
-              <a:rPr lang="de-CH" dirty="0" err="1" smtClean="0"/>
-              <a:t>spel</a:t>
-            </a:r>
-            <a:r>
-              <a:rPr lang="de-CH" dirty="0" smtClean="0"/>
-              <a:t> </a:t>
-            </a:r>
-            <a:r>
-              <a:rPr lang="de-CH" dirty="0" err="1" smtClean="0"/>
-              <a:t>brenge</a:t>
-            </a:r>
-            <a:endParaRPr lang="de-CH" dirty="0" smtClean="0"/>
-          </a:p>
-          <a:p>
-            <a:pPr>
-              <a:buNone/>
-            </a:pPr>
-            <a:endParaRPr lang="de-CH" dirty="0" smtClean="0"/>
-          </a:p>
-        </p:txBody>
-      </p:sp>
-    </p:spTree>
-  </p:cSld>
-  <p:clrMapOvr>
-    <a:masterClrMapping/>
-  </p:clrMapOvr>
-</p:sld>
-</file>
-
-<file path=ppt/slides/slide16.xml><?xml version="1.0" encoding="utf-8"?>
 <p:sld xmlns:a="http://schemas.openxmlformats.org/drawingml/2006/main" xmlns:r="http://schemas.openxmlformats.org/officeDocument/2006/relationships" xmlns:mc="http://schemas.openxmlformats.org/markup-compatibility/2006" xmlns:mv="urn:schemas-microsoft-com:mac:vml" xmlns:p="http://schemas.openxmlformats.org/presentationml/2006/main" mc:Ignorable="mv" mc:PreserveAttributes="mv:*">
   <p:cSld>
     <p:spTree>
@@ -8535,92 +8274,121 @@
         </p:nvSpPr>
         <p:spPr/>
         <p:txBody>
-          <a:bodyPr>
-            <a:normAutofit fontScale="90000"/>
+          <a:bodyPr/>
+          <a:lstStyle/>
+          <a:p>
+            <a:r>
+              <a:rPr lang="de-DE" dirty="0" err="1" smtClean="0"/>
+              <a:t>Idea</a:t>
+            </a:r>
+            <a:endParaRPr lang="de-DE" dirty="0"/>
+          </a:p>
+        </p:txBody>
+      </p:sp>
+      <p:sp>
+        <p:nvSpPr>
+          <p:cNvPr id="3" name="Inhaltsplatzhalter 2"/>
+          <p:cNvSpPr>
+            <a:spLocks noGrp="1"/>
+          </p:cNvSpPr>
+          <p:nvPr>
+            <p:ph idx="1"/>
+          </p:nvPr>
+        </p:nvSpPr>
+        <p:spPr/>
+        <p:txBody>
+          <a:bodyPr/>
+          <a:lstStyle/>
+          <a:p>
+            <a:r>
+              <a:rPr lang="de-DE" dirty="0" err="1" smtClean="0"/>
+              <a:t>The</a:t>
+            </a:r>
+            <a:r>
+              <a:rPr lang="de-DE" dirty="0" smtClean="0"/>
+              <a:t> Data Approach (</a:t>
+            </a:r>
+            <a:r>
+              <a:rPr lang="de-DE" dirty="0" err="1" smtClean="0"/>
+              <a:t>failed</a:t>
+            </a:r>
+            <a:r>
+              <a:rPr lang="de-DE" dirty="0" smtClean="0"/>
+              <a:t>)</a:t>
+            </a:r>
+          </a:p>
+          <a:p>
+            <a:r>
+              <a:rPr lang="de-DE" dirty="0" err="1" smtClean="0"/>
+              <a:t>The</a:t>
+            </a:r>
+            <a:r>
+              <a:rPr lang="de-DE" dirty="0" smtClean="0"/>
+              <a:t> </a:t>
+            </a:r>
+            <a:r>
+              <a:rPr lang="de-DE" dirty="0" err="1" smtClean="0"/>
+              <a:t>Gravity</a:t>
+            </a:r>
+            <a:r>
+              <a:rPr lang="de-DE" dirty="0" smtClean="0"/>
+              <a:t> </a:t>
+            </a:r>
+            <a:r>
+              <a:rPr lang="de-DE" dirty="0" err="1" smtClean="0"/>
+              <a:t>principle</a:t>
+            </a:r>
+            <a:endParaRPr lang="de-DE" dirty="0" smtClean="0"/>
+          </a:p>
+          <a:p>
+            <a:r>
+              <a:rPr lang="de-DE" dirty="0" err="1" smtClean="0"/>
+              <a:t>Our</a:t>
+            </a:r>
+            <a:r>
+              <a:rPr lang="de-DE" dirty="0" smtClean="0"/>
+              <a:t> </a:t>
+            </a:r>
+            <a:r>
+              <a:rPr lang="de-DE" dirty="0" err="1" smtClean="0"/>
+              <a:t>approach</a:t>
+            </a:r>
+            <a:endParaRPr lang="de-DE" dirty="0" smtClean="0"/>
+          </a:p>
+          <a:p>
+            <a:endParaRPr lang="de-DE" dirty="0"/>
+          </a:p>
+        </p:txBody>
+      </p:sp>
+      <p:sp>
+        <p:nvSpPr>
+          <p:cNvPr id="5" name="Rechteck 4"/>
+          <p:cNvSpPr/>
+          <p:nvPr/>
+        </p:nvSpPr>
+        <p:spPr>
+          <a:xfrm>
+            <a:off x="3665341" y="3244334"/>
+            <a:ext cx="1813317" cy="369332"/>
+          </a:xfrm>
+          <a:prstGeom prst="rect">
+            <a:avLst/>
+          </a:prstGeom>
+        </p:spPr>
+        <p:txBody>
+          <a:bodyPr wrap="none">
+            <a:spAutoFit/>
           </a:bodyPr>
           <a:lstStyle/>
           <a:p>
             <a:r>
               <a:rPr lang="de-DE" dirty="0" err="1" smtClean="0"/>
-              <a:t>Introduction</a:t>
+              <a:t>Adjacency</a:t>
             </a:r>
             <a:r>
               <a:rPr lang="de-DE" dirty="0" smtClean="0"/>
-              <a:t> (</a:t>
-            </a:r>
-            <a:r>
-              <a:rPr lang="de-DE" dirty="0" err="1" smtClean="0"/>
-              <a:t>chame</a:t>
-            </a:r>
-            <a:r>
-              <a:rPr lang="de-DE" dirty="0" smtClean="0"/>
-              <a:t> </a:t>
-            </a:r>
-            <a:r>
-              <a:rPr lang="de-DE" dirty="0" err="1" smtClean="0"/>
-              <a:t>velech</a:t>
-            </a:r>
-            <a:r>
-              <a:rPr lang="de-DE" dirty="0" smtClean="0"/>
-              <a:t> </a:t>
-            </a:r>
-            <a:r>
-              <a:rPr lang="de-DE" dirty="0" err="1" smtClean="0"/>
-              <a:t>ou</a:t>
-            </a:r>
-            <a:r>
-              <a:rPr lang="de-DE" dirty="0" smtClean="0"/>
-              <a:t> </a:t>
-            </a:r>
-            <a:r>
-              <a:rPr lang="de-DE" dirty="0" err="1" smtClean="0"/>
-              <a:t>wäglo</a:t>
-            </a:r>
-            <a:r>
-              <a:rPr lang="de-DE" dirty="0" smtClean="0"/>
-              <a:t>)</a:t>
-            </a:r>
-            <a:endParaRPr lang="de-DE" dirty="0"/>
-          </a:p>
-        </p:txBody>
-      </p:sp>
-      <p:sp>
-        <p:nvSpPr>
-          <p:cNvPr id="3" name="Inhaltsplatzhalter 2"/>
-          <p:cNvSpPr>
-            <a:spLocks noGrp="1"/>
-          </p:cNvSpPr>
-          <p:nvPr>
-            <p:ph idx="1"/>
-          </p:nvPr>
-        </p:nvSpPr>
-        <p:spPr/>
-        <p:txBody>
-          <a:bodyPr/>
-          <a:lstStyle/>
-          <a:p>
-            <a:r>
-              <a:rPr lang="de-DE" dirty="0" err="1" smtClean="0"/>
-              <a:t>Crowded</a:t>
-            </a:r>
-            <a:r>
-              <a:rPr lang="de-DE" dirty="0" smtClean="0"/>
-              <a:t> </a:t>
-            </a:r>
-            <a:r>
-              <a:rPr lang="de-DE" dirty="0" err="1" smtClean="0"/>
-              <a:t>Train</a:t>
-            </a:r>
-            <a:endParaRPr lang="de-DE" dirty="0" smtClean="0"/>
-          </a:p>
-          <a:p>
-            <a:r>
-              <a:rPr lang="de-DE" dirty="0"/>
-              <a:t>?</a:t>
-            </a:r>
-            <a:endParaRPr lang="de-DE" dirty="0" smtClean="0"/>
-          </a:p>
-          <a:p>
+              <a:t> Matrix</a:t>
+            </a:r>
             <a:endParaRPr lang="de-DE" dirty="0"/>
           </a:p>
         </p:txBody>
@@ -8667,11 +8435,11 @@
           <a:p>
             <a:r>
               <a:rPr lang="de-DE" dirty="0" err="1" smtClean="0"/>
-              <a:t>Idea</a:t>
+              <a:t>Adjacency</a:t>
             </a:r>
             <a:r>
               <a:rPr lang="de-DE" dirty="0" smtClean="0"/>
-              <a:t> (0der)</a:t>
+              <a:t> Matrix?</a:t>
             </a:r>
             <a:endParaRPr lang="de-DE" dirty="0"/>
           </a:p>
@@ -8679,12 +8447,12 @@
       </p:sp>
       <p:sp>
         <p:nvSpPr>
-          <p:cNvPr id="3" name="Textplatzhalter 2"/>
-          <p:cNvSpPr>
-            <a:spLocks noGrp="1"/>
-          </p:cNvSpPr>
-          <p:nvPr>
-            <p:ph type="body" idx="1"/>
+          <p:cNvPr id="3" name="Inhaltsplatzhalter 2"/>
+          <p:cNvSpPr>
+            <a:spLocks noGrp="1"/>
+          </p:cNvSpPr>
+          <p:nvPr>
+            <p:ph sz="half" idx="1"/>
           </p:nvPr>
         </p:nvSpPr>
         <p:spPr/>
@@ -8692,10 +8460,6 @@
           <a:bodyPr/>
           <a:lstStyle/>
           <a:p>
-            <a:r>
-              <a:rPr lang="de-DE" dirty="0" smtClean="0"/>
-              <a:t>Data Approach</a:t>
-            </a:r>
             <a:endParaRPr lang="de-DE" dirty="0"/>
           </a:p>
         </p:txBody>
@@ -8708,48 +8472,6 @@
           </p:cNvSpPr>
           <p:nvPr>
             <p:ph sz="half" idx="2"/>
-          </p:nvPr>
-        </p:nvSpPr>
-        <p:spPr/>
-        <p:txBody>
-          <a:bodyPr/>
-          <a:lstStyle/>
-          <a:p>
-            <a:endParaRPr lang="de-DE" dirty="0"/>
-          </a:p>
-        </p:txBody>
-      </p:sp>
-      <p:sp>
-        <p:nvSpPr>
-          <p:cNvPr id="5" name="Textplatzhalter 4"/>
-          <p:cNvSpPr>
-            <a:spLocks noGrp="1"/>
-          </p:cNvSpPr>
-          <p:nvPr>
-            <p:ph type="body" sz="quarter" idx="3"/>
-          </p:nvPr>
-        </p:nvSpPr>
-        <p:spPr/>
-        <p:txBody>
-          <a:bodyPr/>
-          <a:lstStyle/>
-          <a:p>
-            <a:r>
-              <a:rPr lang="de-DE" dirty="0" smtClean="0"/>
-              <a:t>Model Approach</a:t>
-            </a:r>
-            <a:endParaRPr lang="de-DE" dirty="0"/>
-          </a:p>
-        </p:txBody>
-      </p:sp>
-      <p:sp>
-        <p:nvSpPr>
-          <p:cNvPr id="6" name="Inhaltsplatzhalter 5"/>
-          <p:cNvSpPr>
-            <a:spLocks noGrp="1"/>
-          </p:cNvSpPr>
-          <p:nvPr>
-            <p:ph sz="quarter" idx="4"/>
           </p:nvPr>
         </p:nvSpPr>
         <p:spPr/>
@@ -8793,7 +8515,40 @@
             <a:spLocks noGrp="1"/>
           </p:cNvSpPr>
           <p:nvPr>
-            <p:ph type="title"/>
+            <p:ph type="ctrTitle"/>
+          </p:nvPr>
+        </p:nvSpPr>
+        <p:spPr/>
+        <p:txBody>
+          <a:bodyPr>
+            <a:normAutofit/>
+          </a:bodyPr>
+          <a:lstStyle/>
+          <a:p>
+            <a:r>
+              <a:rPr lang="de-CH" dirty="0" err="1" smtClean="0"/>
+              <a:t>Structure</a:t>
+            </a:r>
+            <a:r>
+              <a:rPr lang="de-CH" dirty="0" smtClean="0"/>
+              <a:t> </a:t>
+            </a:r>
+            <a:r>
+              <a:rPr lang="de-CH" smtClean="0"/>
+              <a:t>proposal</a:t>
+            </a:r>
+            <a:endParaRPr lang="de-CH" dirty="0"/>
+          </a:p>
+        </p:txBody>
+      </p:sp>
+      <p:sp>
+        <p:nvSpPr>
+          <p:cNvPr id="3" name="Untertitel 2"/>
+          <p:cNvSpPr>
+            <a:spLocks noGrp="1"/>
+          </p:cNvSpPr>
+          <p:nvPr>
+            <p:ph type="subTitle" idx="1"/>
           </p:nvPr>
         </p:nvSpPr>
         <p:spPr/>
@@ -8801,86 +8556,7 @@
           <a:bodyPr/>
           <a:lstStyle/>
           <a:p>
-            <a:r>
-              <a:rPr lang="de-DE" dirty="0" err="1" smtClean="0"/>
-              <a:t>Idea</a:t>
-            </a:r>
-            <a:endParaRPr lang="de-DE" dirty="0"/>
-          </a:p>
-        </p:txBody>
-      </p:sp>
-      <p:sp>
-        <p:nvSpPr>
-          <p:cNvPr id="3" name="Inhaltsplatzhalter 2"/>
-          <p:cNvSpPr>
-            <a:spLocks noGrp="1"/>
-          </p:cNvSpPr>
-          <p:nvPr>
-            <p:ph idx="1"/>
-          </p:nvPr>
-        </p:nvSpPr>
-        <p:spPr/>
-        <p:txBody>
-          <a:bodyPr/>
-          <a:lstStyle/>
-          <a:p>
-            <a:r>
-              <a:rPr lang="de-DE" dirty="0" err="1" smtClean="0"/>
-              <a:t>The</a:t>
-            </a:r>
-            <a:r>
-              <a:rPr lang="de-DE" dirty="0" smtClean="0"/>
-              <a:t> Data Approach (</a:t>
-            </a:r>
-            <a:r>
-              <a:rPr lang="de-DE" dirty="0" err="1" smtClean="0"/>
-              <a:t>failed</a:t>
-            </a:r>
-            <a:r>
-              <a:rPr lang="de-DE" dirty="0" smtClean="0"/>
-              <a:t>)</a:t>
-            </a:r>
-          </a:p>
-          <a:p>
-            <a:r>
-              <a:rPr lang="de-DE" dirty="0" err="1" smtClean="0"/>
-              <a:t>The</a:t>
-            </a:r>
-            <a:r>
-              <a:rPr lang="de-DE" dirty="0" smtClean="0"/>
-              <a:t> </a:t>
-            </a:r>
-            <a:r>
-              <a:rPr lang="de-DE" dirty="0" err="1" smtClean="0"/>
-              <a:t>Gravity</a:t>
-            </a:r>
-            <a:r>
-              <a:rPr lang="de-DE" dirty="0" smtClean="0"/>
-              <a:t> </a:t>
-            </a:r>
-            <a:r>
-              <a:rPr lang="de-DE" dirty="0" err="1" smtClean="0"/>
-              <a:t>principle</a:t>
-            </a:r>
-            <a:endParaRPr lang="de-DE" dirty="0" smtClean="0"/>
-          </a:p>
-          <a:p>
-            <a:r>
-              <a:rPr lang="de-DE" dirty="0" err="1" smtClean="0"/>
-              <a:t>Our</a:t>
-            </a:r>
-            <a:r>
-              <a:rPr lang="de-DE" dirty="0" smtClean="0"/>
-              <a:t> </a:t>
-            </a:r>
-            <a:r>
-              <a:rPr lang="de-DE" dirty="0" err="1" smtClean="0"/>
-              <a:t>approach</a:t>
-            </a:r>
-            <a:endParaRPr lang="de-DE" dirty="0" smtClean="0"/>
-          </a:p>
-          <a:p>
-            <a:endParaRPr lang="de-DE" dirty="0"/>
+            <a:endParaRPr lang="de-CH" dirty="0"/>
           </a:p>
         </p:txBody>
       </p:sp>
@@ -8921,94 +8597,173 @@
         </p:nvSpPr>
         <p:spPr/>
         <p:txBody>
-          <a:bodyPr/>
+          <a:bodyPr>
+            <a:normAutofit fontScale="90000"/>
+          </a:bodyPr>
           <a:lstStyle/>
           <a:p>
             <a:r>
-              <a:rPr lang="de-DE" dirty="0" err="1" smtClean="0"/>
-              <a:t>Adjazenz</a:t>
-            </a:r>
-            <a:r>
-              <a:rPr lang="de-DE" dirty="0" smtClean="0"/>
-              <a:t> Matrix</a:t>
-            </a:r>
-            <a:endParaRPr lang="de-DE" dirty="0"/>
-          </a:p>
-        </p:txBody>
-      </p:sp>
-      <p:sp>
-        <p:nvSpPr>
-          <p:cNvPr id="3" name="Textplatzhalter 2"/>
-          <p:cNvSpPr>
-            <a:spLocks noGrp="1"/>
-          </p:cNvSpPr>
-          <p:nvPr>
-            <p:ph type="body" idx="1"/>
+              <a:rPr lang="en-US" dirty="0" smtClean="0"/>
+              <a:t>Content</a:t>
+            </a:r>
+            <a:r>
+              <a:rPr lang="en-US" dirty="0" smtClean="0"/>
+              <a:t> </a:t>
+            </a:r>
+            <a:r>
+              <a:rPr lang="en-US" dirty="0" smtClean="0"/>
+              <a:t/>
+            </a:r>
+            <a:br>
+              <a:rPr lang="en-US" dirty="0" smtClean="0"/>
+            </a:br>
+            <a:endParaRPr lang="de-CH" dirty="0"/>
+          </a:p>
+        </p:txBody>
+      </p:sp>
+      <p:sp>
+        <p:nvSpPr>
+          <p:cNvPr id="3" name="Inhaltsplatzhalter 2"/>
+          <p:cNvSpPr>
+            <a:spLocks noGrp="1"/>
+          </p:cNvSpPr>
+          <p:nvPr>
+            <p:ph idx="1"/>
           </p:nvPr>
         </p:nvSpPr>
         <p:spPr/>
         <p:txBody>
-          <a:bodyPr/>
+          <a:bodyPr>
+            <a:normAutofit fontScale="25000" lnSpcReduction="20000"/>
+          </a:bodyPr>
           <a:lstStyle/>
           <a:p>
-            <a:endParaRPr lang="de-DE"/>
-          </a:p>
-        </p:txBody>
-      </p:sp>
-      <p:sp>
-        <p:nvSpPr>
-          <p:cNvPr id="4" name="Inhaltsplatzhalter 3"/>
-          <p:cNvSpPr>
-            <a:spLocks noGrp="1"/>
-          </p:cNvSpPr>
-          <p:nvPr>
-            <p:ph sz="half" idx="2"/>
-          </p:nvPr>
-        </p:nvSpPr>
-        <p:spPr/>
-        <p:txBody>
-          <a:bodyPr/>
-          <a:lstStyle/>
-          <a:p>
-            <a:endParaRPr lang="de-DE"/>
-          </a:p>
-        </p:txBody>
-      </p:sp>
-      <p:sp>
-        <p:nvSpPr>
-          <p:cNvPr id="5" name="Textplatzhalter 4"/>
-          <p:cNvSpPr>
-            <a:spLocks noGrp="1"/>
-          </p:cNvSpPr>
-          <p:nvPr>
-            <p:ph type="body" sz="quarter" idx="3"/>
-          </p:nvPr>
-        </p:nvSpPr>
-        <p:spPr/>
-        <p:txBody>
-          <a:bodyPr/>
-          <a:lstStyle/>
-          <a:p>
-            <a:endParaRPr lang="de-DE"/>
-          </a:p>
-        </p:txBody>
-      </p:sp>
-      <p:sp>
-        <p:nvSpPr>
-          <p:cNvPr id="6" name="Inhaltsplatzhalter 5"/>
-          <p:cNvSpPr>
-            <a:spLocks noGrp="1"/>
-          </p:cNvSpPr>
-          <p:nvPr>
-            <p:ph sz="quarter" idx="4"/>
-          </p:nvPr>
-        </p:nvSpPr>
-        <p:spPr/>
-        <p:txBody>
-          <a:bodyPr/>
-          <a:lstStyle/>
-          <a:p>
-            <a:endParaRPr lang="de-DE"/>
+            <a:r>
+              <a:rPr lang="en-US" sz="7400" b="1" dirty="0" smtClean="0"/>
+              <a:t>1</a:t>
+            </a:r>
+            <a:r>
+              <a:rPr lang="en-US" sz="7400" b="1" dirty="0" smtClean="0"/>
+              <a:t>. Introduction </a:t>
+            </a:r>
+            <a:endParaRPr lang="en-US" sz="7400" b="1" dirty="0" smtClean="0"/>
+          </a:p>
+          <a:p>
+            <a:pPr lvl="1"/>
+            <a:r>
+              <a:rPr lang="en-US" sz="7000" dirty="0" smtClean="0"/>
+              <a:t>Connect to the specific context of this talk. </a:t>
+            </a:r>
+          </a:p>
+          <a:p>
+            <a:r>
+              <a:rPr lang="en-US" sz="7400" b="1" dirty="0" smtClean="0"/>
+              <a:t>2</a:t>
+            </a:r>
+            <a:r>
+              <a:rPr lang="en-US" sz="7400" b="1" dirty="0" smtClean="0"/>
+              <a:t>.</a:t>
+            </a:r>
+            <a:r>
+              <a:rPr lang="en-US" sz="7400" b="1" dirty="0" smtClean="0"/>
+              <a:t> The Models</a:t>
+            </a:r>
+            <a:endParaRPr lang="en-US" sz="7400" b="1" dirty="0" smtClean="0"/>
+          </a:p>
+          <a:p>
+            <a:pPr lvl="1"/>
+            <a:r>
+              <a:rPr lang="en-US" sz="7000" dirty="0" smtClean="0"/>
+              <a:t>Connect to past work in your field</a:t>
+            </a:r>
+            <a:r>
+              <a:rPr lang="en-US" sz="7000" dirty="0" smtClean="0"/>
+              <a:t>.//full </a:t>
+            </a:r>
+            <a:r>
+              <a:rPr lang="en-US" sz="7000" dirty="0" smtClean="0"/>
+              <a:t>connected</a:t>
+            </a:r>
+            <a:r>
+              <a:rPr lang="en-US" sz="7000" dirty="0" smtClean="0"/>
+              <a:t> </a:t>
+            </a:r>
+            <a:endParaRPr lang="en-US" sz="7000" dirty="0" smtClean="0"/>
+          </a:p>
+          <a:p>
+            <a:pPr lvl="1"/>
+            <a:r>
+              <a:rPr lang="en-US" sz="7000" dirty="0" smtClean="0"/>
+              <a:t>Explain what new insight you are adding.</a:t>
+            </a:r>
+            <a:r>
+              <a:rPr lang="en-US" sz="7000" dirty="0" smtClean="0"/>
+              <a:t> //connected</a:t>
+            </a:r>
+          </a:p>
+          <a:p>
+            <a:r>
+              <a:rPr lang="en-US" sz="7400" b="1" dirty="0" smtClean="0"/>
+              <a:t>3.Results </a:t>
+            </a:r>
+          </a:p>
+          <a:p>
+            <a:pPr lvl="1"/>
+            <a:r>
+              <a:rPr lang="en-US" sz="7000" dirty="0" smtClean="0"/>
+              <a:t>Approx. three main results is sufficient. </a:t>
+            </a:r>
+          </a:p>
+          <a:p>
+            <a:pPr lvl="1"/>
+            <a:r>
+              <a:rPr lang="en-US" sz="7000" dirty="0" smtClean="0"/>
+              <a:t>Time you spent presenting a result should not be proportional to time spent working on it!</a:t>
+            </a:r>
+            <a:r>
+              <a:rPr lang="en-US" sz="7000" dirty="0" smtClean="0"/>
+              <a:t> yep</a:t>
+            </a:r>
+          </a:p>
+          <a:p>
+            <a:r>
+              <a:rPr lang="en-US" sz="7400" b="1" dirty="0" smtClean="0"/>
+              <a:t>4.Conclusion </a:t>
+            </a:r>
+          </a:p>
+          <a:p>
+            <a:pPr lvl="1"/>
+            <a:r>
+              <a:rPr lang="en-US" sz="7000" dirty="0" smtClean="0"/>
+              <a:t>Recap main points made. </a:t>
+            </a:r>
+          </a:p>
+          <a:p>
+            <a:pPr lvl="1"/>
+            <a:r>
+              <a:rPr lang="en-US" sz="7000" dirty="0" smtClean="0"/>
+              <a:t>Emphasize the “take-home” message. </a:t>
+            </a:r>
+          </a:p>
+          <a:p>
+            <a:pPr lvl="1"/>
+            <a:r>
+              <a:rPr lang="en-US" sz="7000" dirty="0" smtClean="0"/>
+              <a:t>Echo of introduction as a conclusion can create </a:t>
+            </a:r>
+          </a:p>
+          <a:p>
+            <a:pPr lvl="1"/>
+            <a:r>
+              <a:rPr lang="en-US" sz="7000" dirty="0" smtClean="0"/>
+              <a:t>closure. </a:t>
+            </a:r>
+          </a:p>
+          <a:p>
+            <a:endParaRPr lang="en-US" sz="7400" dirty="0" smtClean="0"/>
+          </a:p>
+          <a:p>
+            <a:endParaRPr lang="de-CH" dirty="0"/>
           </a:p>
         </p:txBody>
       </p:sp>
@@ -9053,18 +8808,10 @@
           <a:lstStyle/>
           <a:p>
             <a:r>
-              <a:rPr lang="de-DE" dirty="0" err="1" smtClean="0"/>
-              <a:t>Idea</a:t>
-            </a:r>
-            <a:r>
-              <a:rPr lang="de-DE" dirty="0" smtClean="0"/>
-              <a:t> and </a:t>
-            </a:r>
-            <a:r>
-              <a:rPr lang="de-DE" dirty="0" err="1" smtClean="0"/>
-              <a:t>Bla</a:t>
-            </a:r>
-            <a:endParaRPr lang="de-DE" dirty="0"/>
+              <a:rPr lang="de-CH" dirty="0" smtClean="0"/>
+              <a:t>Vorschlag- Part 1</a:t>
+            </a:r>
+            <a:endParaRPr lang="de-CH" dirty="0"/>
           </a:p>
         </p:txBody>
       </p:sp>
@@ -9084,18 +8831,56 @@
           <a:lstStyle/>
           <a:p>
             <a:r>
-              <a:rPr lang="de-DE" dirty="0" err="1" smtClean="0"/>
-              <a:t>Adjacency</a:t>
-            </a:r>
-            <a:r>
-              <a:rPr lang="de-DE" dirty="0" smtClean="0"/>
+              <a:rPr lang="de-CH" dirty="0" smtClean="0"/>
+              <a:t>Sache </a:t>
+            </a:r>
+            <a:r>
+              <a:rPr lang="de-CH" dirty="0" err="1" smtClean="0"/>
+              <a:t>usem</a:t>
+            </a:r>
+            <a:r>
+              <a:rPr lang="de-CH" dirty="0" smtClean="0"/>
               <a:t> </a:t>
             </a:r>
             <a:r>
-              <a:rPr lang="de-DE" dirty="0" err="1" smtClean="0"/>
-              <a:t>matrix</a:t>
-            </a:r>
-            <a:endParaRPr lang="de-DE" dirty="0"/>
+              <a:rPr lang="de-CH" dirty="0" err="1" smtClean="0"/>
+              <a:t>proposal</a:t>
+            </a:r>
+            <a:r>
+              <a:rPr lang="de-CH" dirty="0" smtClean="0"/>
+              <a:t>, real </a:t>
+            </a:r>
+            <a:r>
+              <a:rPr lang="de-CH" dirty="0" err="1" smtClean="0"/>
+              <a:t>life</a:t>
+            </a:r>
+            <a:r>
+              <a:rPr lang="de-CH" dirty="0" smtClean="0"/>
+              <a:t> </a:t>
+            </a:r>
+            <a:r>
+              <a:rPr lang="de-CH" dirty="0" err="1" smtClean="0"/>
+              <a:t>connection</a:t>
+            </a:r>
+            <a:endParaRPr lang="de-CH" dirty="0" smtClean="0"/>
+          </a:p>
+          <a:p>
+            <a:r>
+              <a:rPr lang="de-CH" dirty="0" err="1" smtClean="0"/>
+              <a:t>Usw</a:t>
+            </a:r>
+            <a:endParaRPr lang="de-CH" dirty="0" smtClean="0"/>
+          </a:p>
+          <a:p>
+            <a:r>
+              <a:rPr lang="de-CH" dirty="0" err="1" smtClean="0"/>
+              <a:t>Swag</a:t>
+            </a:r>
+            <a:r>
+              <a:rPr lang="de-CH" dirty="0" smtClean="0"/>
+              <a:t> on</a:t>
+            </a:r>
+            <a:endParaRPr lang="de-CH" dirty="0"/>
           </a:p>
         </p:txBody>
       </p:sp>
